--- a/PowerPoint/Optimal control strategies to prevent the hospital beds collapse during COVID-19 outbreak.pptx
+++ b/PowerPoint/Optimal control strategies to prevent the hospital beds collapse during COVID-19 outbreak.pptx
@@ -263,7 +263,7 @@
           <a:p>
             <a:fld id="{32F30997-0925-4C0B-8C7A-0B9D8E6111C4}" type="datetimeFigureOut">
               <a:rPr lang="it-IT" smtClean="0"/>
-              <a:t>04/12/2020</a:t>
+              <a:t>05/02/2021</a:t>
             </a:fld>
             <a:endParaRPr lang="it-IT"/>
           </a:p>
@@ -461,7 +461,7 @@
           <a:p>
             <a:fld id="{32F30997-0925-4C0B-8C7A-0B9D8E6111C4}" type="datetimeFigureOut">
               <a:rPr lang="it-IT" smtClean="0"/>
-              <a:t>04/12/2020</a:t>
+              <a:t>05/02/2021</a:t>
             </a:fld>
             <a:endParaRPr lang="it-IT"/>
           </a:p>
@@ -669,7 +669,7 @@
           <a:p>
             <a:fld id="{32F30997-0925-4C0B-8C7A-0B9D8E6111C4}" type="datetimeFigureOut">
               <a:rPr lang="it-IT" smtClean="0"/>
-              <a:t>04/12/2020</a:t>
+              <a:t>05/02/2021</a:t>
             </a:fld>
             <a:endParaRPr lang="it-IT"/>
           </a:p>
@@ -867,7 +867,7 @@
           <a:p>
             <a:fld id="{32F30997-0925-4C0B-8C7A-0B9D8E6111C4}" type="datetimeFigureOut">
               <a:rPr lang="it-IT" smtClean="0"/>
-              <a:t>04/12/2020</a:t>
+              <a:t>05/02/2021</a:t>
             </a:fld>
             <a:endParaRPr lang="it-IT"/>
           </a:p>
@@ -1142,7 +1142,7 @@
           <a:p>
             <a:fld id="{32F30997-0925-4C0B-8C7A-0B9D8E6111C4}" type="datetimeFigureOut">
               <a:rPr lang="it-IT" smtClean="0"/>
-              <a:t>04/12/2020</a:t>
+              <a:t>05/02/2021</a:t>
             </a:fld>
             <a:endParaRPr lang="it-IT"/>
           </a:p>
@@ -1407,7 +1407,7 @@
           <a:p>
             <a:fld id="{32F30997-0925-4C0B-8C7A-0B9D8E6111C4}" type="datetimeFigureOut">
               <a:rPr lang="it-IT" smtClean="0"/>
-              <a:t>04/12/2020</a:t>
+              <a:t>05/02/2021</a:t>
             </a:fld>
             <a:endParaRPr lang="it-IT"/>
           </a:p>
@@ -1819,7 +1819,7 @@
           <a:p>
             <a:fld id="{32F30997-0925-4C0B-8C7A-0B9D8E6111C4}" type="datetimeFigureOut">
               <a:rPr lang="it-IT" smtClean="0"/>
-              <a:t>04/12/2020</a:t>
+              <a:t>05/02/2021</a:t>
             </a:fld>
             <a:endParaRPr lang="it-IT"/>
           </a:p>
@@ -1960,7 +1960,7 @@
           <a:p>
             <a:fld id="{32F30997-0925-4C0B-8C7A-0B9D8E6111C4}" type="datetimeFigureOut">
               <a:rPr lang="it-IT" smtClean="0"/>
-              <a:t>04/12/2020</a:t>
+              <a:t>05/02/2021</a:t>
             </a:fld>
             <a:endParaRPr lang="it-IT"/>
           </a:p>
@@ -2073,7 +2073,7 @@
           <a:p>
             <a:fld id="{32F30997-0925-4C0B-8C7A-0B9D8E6111C4}" type="datetimeFigureOut">
               <a:rPr lang="it-IT" smtClean="0"/>
-              <a:t>04/12/2020</a:t>
+              <a:t>05/02/2021</a:t>
             </a:fld>
             <a:endParaRPr lang="it-IT"/>
           </a:p>
@@ -2384,7 +2384,7 @@
           <a:p>
             <a:fld id="{32F30997-0925-4C0B-8C7A-0B9D8E6111C4}" type="datetimeFigureOut">
               <a:rPr lang="it-IT" smtClean="0"/>
-              <a:t>04/12/2020</a:t>
+              <a:t>05/02/2021</a:t>
             </a:fld>
             <a:endParaRPr lang="it-IT"/>
           </a:p>
@@ -2672,7 +2672,7 @@
           <a:p>
             <a:fld id="{32F30997-0925-4C0B-8C7A-0B9D8E6111C4}" type="datetimeFigureOut">
               <a:rPr lang="it-IT" smtClean="0"/>
-              <a:t>04/12/2020</a:t>
+              <a:t>05/02/2021</a:t>
             </a:fld>
             <a:endParaRPr lang="it-IT"/>
           </a:p>
@@ -2913,7 +2913,7 @@
           <a:p>
             <a:fld id="{32F30997-0925-4C0B-8C7A-0B9D8E6111C4}" type="datetimeFigureOut">
               <a:rPr lang="it-IT" smtClean="0"/>
-              <a:t>04/12/2020</a:t>
+              <a:t>05/02/2021</a:t>
             </a:fld>
             <a:endParaRPr lang="it-IT"/>
           </a:p>
@@ -3472,14 +3472,14 @@
                         <m:accPr>
                           <m:chr m:val="̇"/>
                           <m:ctrlPr>
-                            <a:rPr lang="it-IT" sz="2400" i="1" smtClean="0">
+                            <a:rPr lang="it-IT" sz="2400" i="1" u="sng" smtClean="0">
                               <a:latin typeface="Cambria Math" panose="02040503050406030204" pitchFamily="18" charset="0"/>
                             </a:rPr>
                           </m:ctrlPr>
                         </m:accPr>
                         <m:e>
                           <m:r>
-                            <a:rPr lang="it-IT" sz="2400" b="0" i="1" smtClean="0">
+                            <a:rPr lang="it-IT" sz="2400" b="0" i="1" u="sng" smtClean="0">
                               <a:latin typeface="Cambria Math" panose="02040503050406030204" pitchFamily="18" charset="0"/>
                             </a:rPr>
                             <m:t>𝑆</m:t>
@@ -3487,52 +3487,59 @@
                         </m:e>
                       </m:acc>
                       <m:r>
-                        <a:rPr lang="it-IT" sz="2400" b="0" i="1" smtClean="0">
+                        <a:rPr lang="it-IT" sz="2400" b="0" i="1" u="sng" smtClean="0">
                           <a:latin typeface="Cambria Math" panose="02040503050406030204" pitchFamily="18" charset="0"/>
                         </a:rPr>
                         <m:t>=</m:t>
                       </m:r>
                       <m:r>
-                        <a:rPr lang="it-IT" sz="2400" b="0" i="1" smtClean="0">
+                        <a:rPr lang="it-IT" sz="2400" b="0" i="1" u="sng" smtClean="0">
                           <a:latin typeface="Cambria Math" panose="02040503050406030204" pitchFamily="18" charset="0"/>
                         </a:rPr>
                         <m:t>𝑏</m:t>
                       </m:r>
                       <m:r>
-                        <a:rPr lang="it-IT" sz="2400" b="0" i="1" smtClean="0">
+                        <a:rPr lang="it-IT" sz="2400" b="0" i="1" u="sng" smtClean="0">
                           <a:latin typeface="Cambria Math" panose="02040503050406030204" pitchFamily="18" charset="0"/>
                         </a:rPr>
                         <m:t>−</m:t>
                       </m:r>
                       <m:r>
-                        <a:rPr lang="it-IT" sz="2400" b="0" i="1" smtClean="0">
+                        <a:rPr lang="it-IT" sz="2400" b="0" i="1" u="sng" smtClean="0">
                           <a:latin typeface="Cambria Math" panose="02040503050406030204" pitchFamily="18" charset="0"/>
                         </a:rPr>
                         <m:t>𝑑𝑆</m:t>
                       </m:r>
                       <m:r>
-                        <a:rPr lang="it-IT" sz="2400" b="0" i="1" smtClean="0">
+                        <a:rPr lang="it-IT" sz="2400" b="0" i="1" u="sng" smtClean="0">
                           <a:latin typeface="Cambria Math" panose="02040503050406030204" pitchFamily="18" charset="0"/>
                         </a:rPr>
                         <m:t>−</m:t>
                       </m:r>
                       <m:r>
-                        <a:rPr lang="it-IT" sz="2400" b="0" i="1" smtClean="0">
+                        <a:rPr lang="it-IT" sz="2400" i="1" u="sng">
+                          <a:latin typeface="Cambria Math" panose="02040503050406030204" pitchFamily="18" charset="0"/>
+                          <a:ea typeface="Cambria Math" panose="02040503050406030204" pitchFamily="18" charset="0"/>
+                        </a:rPr>
+                        <m:t>𝛽</m:t>
+                      </m:r>
+                      <m:r>
+                        <a:rPr lang="it-IT" sz="2400" b="0" i="1" u="sng" smtClean="0">
                           <a:latin typeface="Cambria Math" panose="02040503050406030204" pitchFamily="18" charset="0"/>
                         </a:rPr>
-                        <m:t>𝑏𝑆</m:t>
+                        <m:t>𝑆</m:t>
                       </m:r>
                       <m:sSub>
                         <m:sSubPr>
                           <m:ctrlPr>
-                            <a:rPr lang="it-IT" sz="2400" i="1">
+                            <a:rPr lang="it-IT" sz="2400" i="1" u="sng">
                               <a:latin typeface="Cambria Math" panose="02040503050406030204" pitchFamily="18" charset="0"/>
                             </a:rPr>
                           </m:ctrlPr>
                         </m:sSubPr>
                         <m:e>
                           <m:r>
-                            <a:rPr lang="it-IT" sz="2400" i="1">
+                            <a:rPr lang="it-IT" sz="2400" i="1" u="sng">
                               <a:latin typeface="Cambria Math" panose="02040503050406030204" pitchFamily="18" charset="0"/>
                             </a:rPr>
                             <m:t>𝐼</m:t>
@@ -3540,7 +3547,7 @@
                         </m:e>
                         <m:sub>
                           <m:r>
-                            <a:rPr lang="it-IT" sz="2400" b="0" i="1" smtClean="0">
+                            <a:rPr lang="it-IT" sz="2400" b="0" i="1" u="sng" smtClean="0">
                               <a:latin typeface="Cambria Math" panose="02040503050406030204" pitchFamily="18" charset="0"/>
                             </a:rPr>
                             <m:t>𝑎</m:t>
@@ -3550,14 +3557,14 @@
                       <m:d>
                         <m:dPr>
                           <m:ctrlPr>
-                            <a:rPr lang="it-IT" sz="2400" b="0" i="1" smtClean="0">
+                            <a:rPr lang="it-IT" sz="2400" b="0" i="1" u="sng" smtClean="0">
                               <a:latin typeface="Cambria Math" panose="02040503050406030204" pitchFamily="18" charset="0"/>
                             </a:rPr>
                           </m:ctrlPr>
                         </m:dPr>
                         <m:e>
                           <m:r>
-                            <a:rPr lang="it-IT" sz="2400" b="0" i="1" smtClean="0">
+                            <a:rPr lang="it-IT" sz="2400" b="0" i="1" u="sng" smtClean="0">
                               <a:latin typeface="Cambria Math" panose="02040503050406030204" pitchFamily="18" charset="0"/>
                             </a:rPr>
                             <m:t>1−</m:t>
@@ -3565,14 +3572,14 @@
                           <m:sSub>
                             <m:sSubPr>
                               <m:ctrlPr>
-                                <a:rPr lang="it-IT" sz="2400" b="0" i="1" smtClean="0">
+                                <a:rPr lang="it-IT" sz="2400" b="0" i="1" u="sng" smtClean="0">
                                   <a:latin typeface="Cambria Math" panose="02040503050406030204" pitchFamily="18" charset="0"/>
                                 </a:rPr>
                               </m:ctrlPr>
                             </m:sSubPr>
                             <m:e>
                               <m:r>
-                                <a:rPr lang="it-IT" sz="2400" b="0" i="1" smtClean="0">
+                                <a:rPr lang="it-IT" sz="2400" b="0" i="1" u="sng" smtClean="0">
                                   <a:latin typeface="Cambria Math" panose="02040503050406030204" pitchFamily="18" charset="0"/>
                                 </a:rPr>
                                 <m:t>𝑢</m:t>
@@ -3580,7 +3587,7 @@
                             </m:e>
                             <m:sub>
                               <m:r>
-                                <a:rPr lang="it-IT" sz="2400" b="0" i="1" smtClean="0">
+                                <a:rPr lang="it-IT" sz="2400" b="0" i="1" u="sng" smtClean="0">
                                   <a:latin typeface="Cambria Math" panose="02040503050406030204" pitchFamily="18" charset="0"/>
                                 </a:rPr>
                                 <m:t>𝑝</m:t>
@@ -3590,36 +3597,36 @@
                         </m:e>
                       </m:d>
                       <m:r>
-                        <a:rPr lang="it-IT" sz="2400" b="0" i="1" smtClean="0">
+                        <a:rPr lang="it-IT" sz="2400" b="0" i="1" u="sng" smtClean="0">
                           <a:latin typeface="Cambria Math" panose="02040503050406030204" pitchFamily="18" charset="0"/>
                         </a:rPr>
                         <m:t>+</m:t>
                       </m:r>
                       <m:r>
-                        <a:rPr lang="it-IT" sz="2400" b="0" i="1" smtClean="0">
+                        <a:rPr lang="it-IT" sz="2400" b="0" i="1" u="sng" smtClean="0">
                           <a:latin typeface="Cambria Math" panose="02040503050406030204" pitchFamily="18" charset="0"/>
                           <a:ea typeface="Cambria Math" panose="02040503050406030204" pitchFamily="18" charset="0"/>
                         </a:rPr>
                         <m:t>𝜂</m:t>
                       </m:r>
                       <m:r>
-                        <a:rPr lang="it-IT" sz="2400" b="0" i="1" smtClean="0">
+                        <a:rPr lang="it-IT" sz="2400" b="0" i="1" u="sng" smtClean="0">
                           <a:latin typeface="Cambria Math" panose="02040503050406030204" pitchFamily="18" charset="0"/>
                           <a:ea typeface="Cambria Math" panose="02040503050406030204" pitchFamily="18" charset="0"/>
                         </a:rPr>
                         <m:t>𝑅</m:t>
                       </m:r>
                       <m:r>
-                        <a:rPr lang="it-IT" sz="2400" b="0" i="1" smtClean="0">
+                        <a:rPr lang="it-IT" sz="2400" b="0" i="1" u="sng" smtClean="0">
                           <a:latin typeface="Cambria Math" panose="02040503050406030204" pitchFamily="18" charset="0"/>
                           <a:ea typeface="Cambria Math" panose="02040503050406030204" pitchFamily="18" charset="0"/>
                         </a:rPr>
-                        <m:t>(−</m:t>
+                        <m:t>−</m:t>
                       </m:r>
                       <m:sSub>
                         <m:sSubPr>
                           <m:ctrlPr>
-                            <a:rPr lang="it-IT" sz="2400" b="0" i="1" smtClean="0">
+                            <a:rPr lang="it-IT" sz="2400" b="0" i="1" u="sng" smtClean="0">
                               <a:latin typeface="Cambria Math" panose="02040503050406030204" pitchFamily="18" charset="0"/>
                               <a:ea typeface="Cambria Math" panose="02040503050406030204" pitchFamily="18" charset="0"/>
                             </a:rPr>
@@ -3627,7 +3634,7 @@
                         </m:sSubPr>
                         <m:e>
                           <m:r>
-                            <a:rPr lang="it-IT" sz="2400" b="0" i="1" smtClean="0">
+                            <a:rPr lang="it-IT" sz="2400" b="0" i="1" u="sng" smtClean="0">
                               <a:latin typeface="Cambria Math" panose="02040503050406030204" pitchFamily="18" charset="0"/>
                               <a:ea typeface="Cambria Math" panose="02040503050406030204" pitchFamily="18" charset="0"/>
                             </a:rPr>
@@ -3636,7 +3643,7 @@
                         </m:e>
                         <m:sub>
                           <m:r>
-                            <a:rPr lang="it-IT" sz="2400" b="0" i="1" smtClean="0">
+                            <a:rPr lang="it-IT" sz="2400" b="0" i="1" u="sng" smtClean="0">
                               <a:latin typeface="Cambria Math" panose="02040503050406030204" pitchFamily="18" charset="0"/>
                               <a:ea typeface="Cambria Math" panose="02040503050406030204" pitchFamily="18" charset="0"/>
                             </a:rPr>
@@ -3645,23 +3652,16 @@
                         </m:sub>
                       </m:sSub>
                       <m:r>
-                        <a:rPr lang="it-IT" sz="2400" b="0" i="1" smtClean="0">
+                        <a:rPr lang="it-IT" sz="2400" b="0" i="1" u="sng" smtClean="0">
                           <a:latin typeface="Cambria Math" panose="02040503050406030204" pitchFamily="18" charset="0"/>
                           <a:ea typeface="Cambria Math" panose="02040503050406030204" pitchFamily="18" charset="0"/>
                         </a:rPr>
                         <m:t>𝑆</m:t>
                       </m:r>
-                      <m:r>
-                        <a:rPr lang="it-IT" sz="2400" b="0" i="1" smtClean="0">
-                          <a:latin typeface="Cambria Math" panose="02040503050406030204" pitchFamily="18" charset="0"/>
-                          <a:ea typeface="Cambria Math" panose="02040503050406030204" pitchFamily="18" charset="0"/>
-                        </a:rPr>
-                        <m:t>)</m:t>
-                      </m:r>
                     </m:oMath>
                   </m:oMathPara>
                 </a14:m>
-                <a:endParaRPr lang="it-IT" sz="2400" dirty="0"/>
+                <a:endParaRPr lang="it-IT" sz="2400" u="sng" dirty="0"/>
               </a:p>
               <a:p>
                 <a:pPr/>
@@ -5328,7 +5328,7 @@
                         <a:rPr lang="it-IT" sz="2400" b="0" i="1" smtClean="0">
                           <a:latin typeface="Cambria Math" panose="02040503050406030204" pitchFamily="18" charset="0"/>
                         </a:rPr>
-                        <m:t>(+</m:t>
+                        <m:t>+</m:t>
                       </m:r>
                       <m:sSub>
                         <m:sSubPr>
@@ -5364,13 +5364,6 @@
                           <a:ea typeface="Cambria Math" panose="02040503050406030204" pitchFamily="18" charset="0"/>
                         </a:rPr>
                         <m:t>𝑆</m:t>
-                      </m:r>
-                      <m:r>
-                        <a:rPr lang="it-IT" sz="2400" b="0" i="1" smtClean="0">
-                          <a:latin typeface="Cambria Math" panose="02040503050406030204" pitchFamily="18" charset="0"/>
-                          <a:ea typeface="Cambria Math" panose="02040503050406030204" pitchFamily="18" charset="0"/>
-                        </a:rPr>
-                        <m:t>)</m:t>
                       </m:r>
                     </m:oMath>
                   </m:oMathPara>
@@ -5406,7 +5399,7 @@
               <a:blipFill>
                 <a:blip r:embed="rId2"/>
                 <a:stretch>
-                  <a:fillRect l="-1585" b="-2308"/>
+                  <a:fillRect l="-1585"/>
                 </a:stretch>
               </a:blipFill>
             </p:spPr>
@@ -5516,8 +5509,8 @@
           </a:p>
         </p:txBody>
       </p:sp>
-      <mc:AlternateContent xmlns:mc="http://schemas.openxmlformats.org/markup-compatibility/2006">
-        <mc:Choice xmlns:a14="http://schemas.microsoft.com/office/drawing/2010/main" Requires="a14">
+      <mc:AlternateContent xmlns:mc="http://schemas.openxmlformats.org/markup-compatibility/2006" xmlns:a14="http://schemas.microsoft.com/office/drawing/2010/main">
+        <mc:Choice Requires="a14">
           <p:sp>
             <p:nvSpPr>
               <p:cNvPr id="3" name="Segnaposto contenuto 2">
@@ -5736,7 +5729,7 @@
             </p:txBody>
           </p:sp>
         </mc:Choice>
-        <mc:Fallback>
+        <mc:Fallback xmlns="">
           <p:sp>
             <p:nvSpPr>
               <p:cNvPr id="3" name="Segnaposto contenuto 2">
@@ -5806,8 +5799,8 @@
           <a:chExt cx="0" cy="0"/>
         </a:xfrm>
       </p:grpSpPr>
-      <mc:AlternateContent xmlns:mc="http://schemas.openxmlformats.org/markup-compatibility/2006">
-        <mc:Choice xmlns:a14="http://schemas.microsoft.com/office/drawing/2010/main" Requires="a14">
+      <mc:AlternateContent xmlns:mc="http://schemas.openxmlformats.org/markup-compatibility/2006" xmlns:a14="http://schemas.microsoft.com/office/drawing/2010/main">
+        <mc:Choice Requires="a14">
           <p:sp>
             <p:nvSpPr>
               <p:cNvPr id="3" name="Segnaposto contenuto 2">
@@ -6543,7 +6536,7 @@
             </p:txBody>
           </p:sp>
         </mc:Choice>
-        <mc:Fallback>
+        <mc:Fallback xmlns="">
           <p:sp>
             <p:nvSpPr>
               <p:cNvPr id="3" name="Segnaposto contenuto 2">
@@ -6962,8 +6955,8 @@
           </p:sp>
         </mc:Fallback>
       </mc:AlternateContent>
-      <mc:AlternateContent xmlns:mc="http://schemas.openxmlformats.org/markup-compatibility/2006">
-        <mc:Choice xmlns:a14="http://schemas.microsoft.com/office/drawing/2010/main" Requires="a14">
+      <mc:AlternateContent xmlns:mc="http://schemas.openxmlformats.org/markup-compatibility/2006" xmlns:a14="http://schemas.microsoft.com/office/drawing/2010/main">
+        <mc:Choice Requires="a14">
           <p:sp>
             <p:nvSpPr>
               <p:cNvPr id="6" name="Rettangolo 5">
@@ -7045,7 +7038,7 @@
             </p:txBody>
           </p:sp>
         </mc:Choice>
-        <mc:Fallback>
+        <mc:Fallback xmlns="">
           <p:sp>
             <p:nvSpPr>
               <p:cNvPr id="6" name="Rettangolo 5">
@@ -11084,8 +11077,8 @@
           </p:sp>
         </mc:Fallback>
       </mc:AlternateContent>
-      <mc:AlternateContent xmlns:mc="http://schemas.openxmlformats.org/markup-compatibility/2006">
-        <mc:Choice xmlns:a14="http://schemas.microsoft.com/office/drawing/2010/main" Requires="a14">
+      <mc:AlternateContent xmlns:mc="http://schemas.openxmlformats.org/markup-compatibility/2006" xmlns:a14="http://schemas.microsoft.com/office/drawing/2010/main">
+        <mc:Choice Requires="a14">
           <p:sp>
             <p:nvSpPr>
               <p:cNvPr id="93" name="CasellaDiTesto 92">
@@ -11153,7 +11146,7 @@
             </p:txBody>
           </p:sp>
         </mc:Choice>
-        <mc:Fallback>
+        <mc:Fallback xmlns="">
           <p:sp>
             <p:nvSpPr>
               <p:cNvPr id="93" name="CasellaDiTesto 92">
@@ -11463,8 +11456,8 @@
           </p:sp>
         </mc:Fallback>
       </mc:AlternateContent>
-      <mc:AlternateContent xmlns:mc="http://schemas.openxmlformats.org/markup-compatibility/2006">
-        <mc:Choice xmlns:a14="http://schemas.microsoft.com/office/drawing/2010/main" Requires="a14">
+      <mc:AlternateContent xmlns:mc="http://schemas.openxmlformats.org/markup-compatibility/2006" xmlns:a14="http://schemas.microsoft.com/office/drawing/2010/main">
+        <mc:Choice Requires="a14">
           <p:sp>
             <p:nvSpPr>
               <p:cNvPr id="91" name="CasellaDiTesto 90">
@@ -11617,7 +11610,7 @@
             </p:txBody>
           </p:sp>
         </mc:Choice>
-        <mc:Fallback>
+        <mc:Fallback xmlns="">
           <p:sp>
             <p:nvSpPr>
               <p:cNvPr id="91" name="CasellaDiTesto 90">
@@ -11925,8 +11918,8 @@
           </a:fontRef>
         </p:style>
       </p:cxnSp>
-      <mc:AlternateContent xmlns:mc="http://schemas.openxmlformats.org/markup-compatibility/2006">
-        <mc:Choice xmlns:a14="http://schemas.microsoft.com/office/drawing/2010/main" Requires="a14">
+      <mc:AlternateContent xmlns:mc="http://schemas.openxmlformats.org/markup-compatibility/2006" xmlns:a14="http://schemas.microsoft.com/office/drawing/2010/main">
+        <mc:Choice Requires="a14">
           <p:sp>
             <p:nvSpPr>
               <p:cNvPr id="102" name="CasellaDiTesto 101">
@@ -12030,7 +12023,7 @@
             </p:txBody>
           </p:sp>
         </mc:Choice>
-        <mc:Fallback>
+        <mc:Fallback xmlns="">
           <p:sp>
             <p:nvSpPr>
               <p:cNvPr id="102" name="CasellaDiTesto 101">
@@ -12685,8 +12678,8 @@
           </p:sp>
         </mc:Fallback>
       </mc:AlternateContent>
-      <mc:AlternateContent xmlns:mc="http://schemas.openxmlformats.org/markup-compatibility/2006">
-        <mc:Choice xmlns:a14="http://schemas.microsoft.com/office/drawing/2010/main" Requires="a14">
+      <mc:AlternateContent xmlns:mc="http://schemas.openxmlformats.org/markup-compatibility/2006" xmlns:a14="http://schemas.microsoft.com/office/drawing/2010/main">
+        <mc:Choice Requires="a14">
           <p:sp>
             <p:nvSpPr>
               <p:cNvPr id="156" name="CasellaDiTesto 155">
@@ -12782,7 +12775,7 @@
             </p:txBody>
           </p:sp>
         </mc:Choice>
-        <mc:Fallback>
+        <mc:Fallback xmlns="">
           <p:sp>
             <p:nvSpPr>
               <p:cNvPr id="156" name="CasellaDiTesto 155">
@@ -13087,8 +13080,8 @@
           </a:fontRef>
         </p:style>
       </p:cxnSp>
-      <mc:AlternateContent xmlns:mc="http://schemas.openxmlformats.org/markup-compatibility/2006">
-        <mc:Choice xmlns:a14="http://schemas.microsoft.com/office/drawing/2010/main" Requires="a14">
+      <mc:AlternateContent xmlns:mc="http://schemas.openxmlformats.org/markup-compatibility/2006" xmlns:a14="http://schemas.microsoft.com/office/drawing/2010/main">
+        <mc:Choice Requires="a14">
           <p:sp>
             <p:nvSpPr>
               <p:cNvPr id="53" name="Rettangolo 52">
@@ -13170,7 +13163,7 @@
             </p:txBody>
           </p:sp>
         </mc:Choice>
-        <mc:Fallback>
+        <mc:Fallback xmlns="">
           <p:sp>
             <p:nvSpPr>
               <p:cNvPr id="53" name="Rettangolo 52">
@@ -13266,8 +13259,8 @@
           </a:fontRef>
         </p:style>
       </p:cxnSp>
-      <mc:AlternateContent xmlns:mc="http://schemas.openxmlformats.org/markup-compatibility/2006">
-        <mc:Choice xmlns:a14="http://schemas.microsoft.com/office/drawing/2010/main" Requires="a14">
+      <mc:AlternateContent xmlns:mc="http://schemas.openxmlformats.org/markup-compatibility/2006" xmlns:a14="http://schemas.microsoft.com/office/drawing/2010/main">
+        <mc:Choice Requires="a14">
           <p:sp>
             <p:nvSpPr>
               <p:cNvPr id="58" name="CasellaDiTesto 57">
@@ -13348,7 +13341,7 @@
             </p:txBody>
           </p:sp>
         </mc:Choice>
-        <mc:Fallback>
+        <mc:Fallback xmlns="">
           <p:sp>
             <p:nvSpPr>
               <p:cNvPr id="58" name="CasellaDiTesto 57">

--- a/PowerPoint/Optimal control strategies to prevent the hospital beds collapse during COVID-19 outbreak.pptx
+++ b/PowerPoint/Optimal control strategies to prevent the hospital beds collapse during COVID-19 outbreak.pptx
@@ -10,6 +10,20 @@
     <p:sldId id="261" r:id="rId4"/>
     <p:sldId id="258" r:id="rId5"/>
     <p:sldId id="260" r:id="rId6"/>
+    <p:sldId id="272" r:id="rId7"/>
+    <p:sldId id="273" r:id="rId8"/>
+    <p:sldId id="262" r:id="rId9"/>
+    <p:sldId id="263" r:id="rId10"/>
+    <p:sldId id="264" r:id="rId11"/>
+    <p:sldId id="274" r:id="rId12"/>
+    <p:sldId id="265" r:id="rId13"/>
+    <p:sldId id="266" r:id="rId14"/>
+    <p:sldId id="267" r:id="rId15"/>
+    <p:sldId id="268" r:id="rId16"/>
+    <p:sldId id="269" r:id="rId17"/>
+    <p:sldId id="270" r:id="rId18"/>
+    <p:sldId id="271" r:id="rId19"/>
+    <p:sldId id="275" r:id="rId20"/>
   </p:sldIdLst>
   <p:sldSz cx="12192000" cy="6858000"/>
   <p:notesSz cx="6858000" cy="9144000"/>
@@ -263,7 +277,7 @@
           <a:p>
             <a:fld id="{32F30997-0925-4C0B-8C7A-0B9D8E6111C4}" type="datetimeFigureOut">
               <a:rPr lang="it-IT" smtClean="0"/>
-              <a:t>05/02/2021</a:t>
+              <a:t>18/02/2021</a:t>
             </a:fld>
             <a:endParaRPr lang="it-IT"/>
           </a:p>
@@ -461,7 +475,7 @@
           <a:p>
             <a:fld id="{32F30997-0925-4C0B-8C7A-0B9D8E6111C4}" type="datetimeFigureOut">
               <a:rPr lang="it-IT" smtClean="0"/>
-              <a:t>05/02/2021</a:t>
+              <a:t>18/02/2021</a:t>
             </a:fld>
             <a:endParaRPr lang="it-IT"/>
           </a:p>
@@ -669,7 +683,7 @@
           <a:p>
             <a:fld id="{32F30997-0925-4C0B-8C7A-0B9D8E6111C4}" type="datetimeFigureOut">
               <a:rPr lang="it-IT" smtClean="0"/>
-              <a:t>05/02/2021</a:t>
+              <a:t>18/02/2021</a:t>
             </a:fld>
             <a:endParaRPr lang="it-IT"/>
           </a:p>
@@ -867,7 +881,7 @@
           <a:p>
             <a:fld id="{32F30997-0925-4C0B-8C7A-0B9D8E6111C4}" type="datetimeFigureOut">
               <a:rPr lang="it-IT" smtClean="0"/>
-              <a:t>05/02/2021</a:t>
+              <a:t>18/02/2021</a:t>
             </a:fld>
             <a:endParaRPr lang="it-IT"/>
           </a:p>
@@ -1142,7 +1156,7 @@
           <a:p>
             <a:fld id="{32F30997-0925-4C0B-8C7A-0B9D8E6111C4}" type="datetimeFigureOut">
               <a:rPr lang="it-IT" smtClean="0"/>
-              <a:t>05/02/2021</a:t>
+              <a:t>18/02/2021</a:t>
             </a:fld>
             <a:endParaRPr lang="it-IT"/>
           </a:p>
@@ -1407,7 +1421,7 @@
           <a:p>
             <a:fld id="{32F30997-0925-4C0B-8C7A-0B9D8E6111C4}" type="datetimeFigureOut">
               <a:rPr lang="it-IT" smtClean="0"/>
-              <a:t>05/02/2021</a:t>
+              <a:t>18/02/2021</a:t>
             </a:fld>
             <a:endParaRPr lang="it-IT"/>
           </a:p>
@@ -1819,7 +1833,7 @@
           <a:p>
             <a:fld id="{32F30997-0925-4C0B-8C7A-0B9D8E6111C4}" type="datetimeFigureOut">
               <a:rPr lang="it-IT" smtClean="0"/>
-              <a:t>05/02/2021</a:t>
+              <a:t>18/02/2021</a:t>
             </a:fld>
             <a:endParaRPr lang="it-IT"/>
           </a:p>
@@ -1960,7 +1974,7 @@
           <a:p>
             <a:fld id="{32F30997-0925-4C0B-8C7A-0B9D8E6111C4}" type="datetimeFigureOut">
               <a:rPr lang="it-IT" smtClean="0"/>
-              <a:t>05/02/2021</a:t>
+              <a:t>18/02/2021</a:t>
             </a:fld>
             <a:endParaRPr lang="it-IT"/>
           </a:p>
@@ -2073,7 +2087,7 @@
           <a:p>
             <a:fld id="{32F30997-0925-4C0B-8C7A-0B9D8E6111C4}" type="datetimeFigureOut">
               <a:rPr lang="it-IT" smtClean="0"/>
-              <a:t>05/02/2021</a:t>
+              <a:t>18/02/2021</a:t>
             </a:fld>
             <a:endParaRPr lang="it-IT"/>
           </a:p>
@@ -2384,7 +2398,7 @@
           <a:p>
             <a:fld id="{32F30997-0925-4C0B-8C7A-0B9D8E6111C4}" type="datetimeFigureOut">
               <a:rPr lang="it-IT" smtClean="0"/>
-              <a:t>05/02/2021</a:t>
+              <a:t>18/02/2021</a:t>
             </a:fld>
             <a:endParaRPr lang="it-IT"/>
           </a:p>
@@ -2672,7 +2686,7 @@
           <a:p>
             <a:fld id="{32F30997-0925-4C0B-8C7A-0B9D8E6111C4}" type="datetimeFigureOut">
               <a:rPr lang="it-IT" smtClean="0"/>
-              <a:t>05/02/2021</a:t>
+              <a:t>18/02/2021</a:t>
             </a:fld>
             <a:endParaRPr lang="it-IT"/>
           </a:p>
@@ -2913,7 +2927,7 @@
           <a:p>
             <a:fld id="{32F30997-0925-4C0B-8C7A-0B9D8E6111C4}" type="datetimeFigureOut">
               <a:rPr lang="it-IT" smtClean="0"/>
-              <a:t>05/02/2021</a:t>
+              <a:t>18/02/2021</a:t>
             </a:fld>
             <a:endParaRPr lang="it-IT"/>
           </a:p>
@@ -3414,6 +3428,875 @@
 </p:sld>
 </file>
 
+<file path=ppt/slides/slide10.xml><?xml version="1.0" encoding="utf-8"?>
+<p:sld xmlns:a="http://schemas.openxmlformats.org/drawingml/2006/main" xmlns:r="http://schemas.openxmlformats.org/officeDocument/2006/relationships" xmlns:p="http://schemas.openxmlformats.org/presentationml/2006/main">
+  <p:cSld>
+    <p:spTree>
+      <p:nvGrpSpPr>
+        <p:cNvPr id="1" name=""/>
+        <p:cNvGrpSpPr/>
+        <p:nvPr/>
+      </p:nvGrpSpPr>
+      <p:grpSpPr>
+        <a:xfrm>
+          <a:off x="0" y="0"/>
+          <a:ext cx="0" cy="0"/>
+          <a:chOff x="0" y="0"/>
+          <a:chExt cx="0" cy="0"/>
+        </a:xfrm>
+      </p:grpSpPr>
+      <p:sp>
+        <p:nvSpPr>
+          <p:cNvPr id="2" name="Titolo 1">
+            <a:extLst>
+              <a:ext uri="{FF2B5EF4-FFF2-40B4-BE49-F238E27FC236}">
+                <a16:creationId xmlns:a16="http://schemas.microsoft.com/office/drawing/2014/main" id="{A9CE79EE-DC45-434D-989E-D7A9EBE1FBFC}"/>
+              </a:ext>
+            </a:extLst>
+          </p:cNvPr>
+          <p:cNvSpPr>
+            <a:spLocks noGrp="1"/>
+          </p:cNvSpPr>
+          <p:nvPr>
+            <p:ph type="title"/>
+          </p:nvPr>
+        </p:nvSpPr>
+        <p:spPr/>
+        <p:txBody>
+          <a:bodyPr/>
+          <a:lstStyle/>
+          <a:p>
+            <a:r>
+              <a:rPr lang="it-IT" dirty="0"/>
+              <a:t>Funzioni di costo </a:t>
+            </a:r>
+          </a:p>
+        </p:txBody>
+      </p:sp>
+      <p:sp>
+        <p:nvSpPr>
+          <p:cNvPr id="3" name="Segnaposto contenuto 2">
+            <a:extLst>
+              <a:ext uri="{FF2B5EF4-FFF2-40B4-BE49-F238E27FC236}">
+                <a16:creationId xmlns:a16="http://schemas.microsoft.com/office/drawing/2014/main" id="{24450AA9-F64F-4BBA-AB21-A2066BDFBF1B}"/>
+              </a:ext>
+            </a:extLst>
+          </p:cNvPr>
+          <p:cNvSpPr>
+            <a:spLocks noGrp="1"/>
+          </p:cNvSpPr>
+          <p:nvPr>
+            <p:ph idx="1"/>
+          </p:nvPr>
+        </p:nvSpPr>
+        <p:spPr/>
+        <p:txBody>
+          <a:bodyPr>
+            <a:normAutofit/>
+          </a:bodyPr>
+          <a:lstStyle/>
+          <a:p>
+            <a:endParaRPr lang="it-IT" dirty="0"/>
+          </a:p>
+        </p:txBody>
+      </p:sp>
+    </p:spTree>
+    <p:extLst>
+      <p:ext uri="{BB962C8B-B14F-4D97-AF65-F5344CB8AC3E}">
+        <p14:creationId xmlns:p14="http://schemas.microsoft.com/office/powerpoint/2010/main" val="3893050884"/>
+      </p:ext>
+    </p:extLst>
+  </p:cSld>
+  <p:clrMapOvr>
+    <a:masterClrMapping/>
+  </p:clrMapOvr>
+</p:sld>
+</file>
+
+<file path=ppt/slides/slide11.xml><?xml version="1.0" encoding="utf-8"?>
+<p:sld xmlns:a="http://schemas.openxmlformats.org/drawingml/2006/main" xmlns:r="http://schemas.openxmlformats.org/officeDocument/2006/relationships" xmlns:p="http://schemas.openxmlformats.org/presentationml/2006/main">
+  <p:cSld>
+    <p:spTree>
+      <p:nvGrpSpPr>
+        <p:cNvPr id="1" name=""/>
+        <p:cNvGrpSpPr/>
+        <p:nvPr/>
+      </p:nvGrpSpPr>
+      <p:grpSpPr>
+        <a:xfrm>
+          <a:off x="0" y="0"/>
+          <a:ext cx="0" cy="0"/>
+          <a:chOff x="0" y="0"/>
+          <a:chExt cx="0" cy="0"/>
+        </a:xfrm>
+      </p:grpSpPr>
+      <p:sp>
+        <p:nvSpPr>
+          <p:cNvPr id="2" name="Titolo 1">
+            <a:extLst>
+              <a:ext uri="{FF2B5EF4-FFF2-40B4-BE49-F238E27FC236}">
+                <a16:creationId xmlns:a16="http://schemas.microsoft.com/office/drawing/2014/main" id="{2CC73DCA-3D20-417F-802A-037F13AAB495}"/>
+              </a:ext>
+            </a:extLst>
+          </p:cNvPr>
+          <p:cNvSpPr>
+            <a:spLocks noGrp="1"/>
+          </p:cNvSpPr>
+          <p:nvPr>
+            <p:ph type="title"/>
+          </p:nvPr>
+        </p:nvSpPr>
+        <p:spPr/>
+        <p:txBody>
+          <a:bodyPr/>
+          <a:lstStyle/>
+          <a:p>
+            <a:r>
+              <a:rPr lang="it-IT" dirty="0"/>
+              <a:t>Applicazione </a:t>
+            </a:r>
+            <a:r>
+              <a:rPr lang="it-IT" dirty="0" err="1"/>
+              <a:t>Pontryagin</a:t>
+            </a:r>
+            <a:endParaRPr lang="it-IT" dirty="0"/>
+          </a:p>
+        </p:txBody>
+      </p:sp>
+      <p:sp>
+        <p:nvSpPr>
+          <p:cNvPr id="3" name="Segnaposto contenuto 2">
+            <a:extLst>
+              <a:ext uri="{FF2B5EF4-FFF2-40B4-BE49-F238E27FC236}">
+                <a16:creationId xmlns:a16="http://schemas.microsoft.com/office/drawing/2014/main" id="{19C0A194-8441-4B7F-BE0D-6520B1F83F8C}"/>
+              </a:ext>
+            </a:extLst>
+          </p:cNvPr>
+          <p:cNvSpPr>
+            <a:spLocks noGrp="1"/>
+          </p:cNvSpPr>
+          <p:nvPr>
+            <p:ph idx="1"/>
+          </p:nvPr>
+        </p:nvSpPr>
+        <p:spPr/>
+        <p:txBody>
+          <a:bodyPr/>
+          <a:lstStyle/>
+          <a:p>
+            <a:endParaRPr lang="it-IT"/>
+          </a:p>
+        </p:txBody>
+      </p:sp>
+    </p:spTree>
+    <p:extLst>
+      <p:ext uri="{BB962C8B-B14F-4D97-AF65-F5344CB8AC3E}">
+        <p14:creationId xmlns:p14="http://schemas.microsoft.com/office/powerpoint/2010/main" val="4143691150"/>
+      </p:ext>
+    </p:extLst>
+  </p:cSld>
+  <p:clrMapOvr>
+    <a:masterClrMapping/>
+  </p:clrMapOvr>
+</p:sld>
+</file>
+
+<file path=ppt/slides/slide12.xml><?xml version="1.0" encoding="utf-8"?>
+<p:sld xmlns:a="http://schemas.openxmlformats.org/drawingml/2006/main" xmlns:r="http://schemas.openxmlformats.org/officeDocument/2006/relationships" xmlns:p="http://schemas.openxmlformats.org/presentationml/2006/main">
+  <p:cSld>
+    <p:spTree>
+      <p:nvGrpSpPr>
+        <p:cNvPr id="1" name=""/>
+        <p:cNvGrpSpPr/>
+        <p:nvPr/>
+      </p:nvGrpSpPr>
+      <p:grpSpPr>
+        <a:xfrm>
+          <a:off x="0" y="0"/>
+          <a:ext cx="0" cy="0"/>
+          <a:chOff x="0" y="0"/>
+          <a:chExt cx="0" cy="0"/>
+        </a:xfrm>
+      </p:grpSpPr>
+      <p:sp>
+        <p:nvSpPr>
+          <p:cNvPr id="2" name="Titolo 1">
+            <a:extLst>
+              <a:ext uri="{FF2B5EF4-FFF2-40B4-BE49-F238E27FC236}">
+                <a16:creationId xmlns:a16="http://schemas.microsoft.com/office/drawing/2014/main" id="{A1FE554A-9B73-49E7-9D7E-714BC07FC946}"/>
+              </a:ext>
+            </a:extLst>
+          </p:cNvPr>
+          <p:cNvSpPr>
+            <a:spLocks noGrp="1"/>
+          </p:cNvSpPr>
+          <p:nvPr>
+            <p:ph type="title"/>
+          </p:nvPr>
+        </p:nvSpPr>
+        <p:spPr/>
+        <p:txBody>
+          <a:bodyPr/>
+          <a:lstStyle/>
+          <a:p>
+            <a:r>
+              <a:rPr lang="it-IT" dirty="0"/>
+              <a:t>Fitting parametri modello </a:t>
+            </a:r>
+          </a:p>
+        </p:txBody>
+      </p:sp>
+      <p:sp>
+        <p:nvSpPr>
+          <p:cNvPr id="3" name="Segnaposto contenuto 2">
+            <a:extLst>
+              <a:ext uri="{FF2B5EF4-FFF2-40B4-BE49-F238E27FC236}">
+                <a16:creationId xmlns:a16="http://schemas.microsoft.com/office/drawing/2014/main" id="{F7F19063-0AD8-430C-AF04-B95F6B46DBD9}"/>
+              </a:ext>
+            </a:extLst>
+          </p:cNvPr>
+          <p:cNvSpPr>
+            <a:spLocks noGrp="1"/>
+          </p:cNvSpPr>
+          <p:nvPr>
+            <p:ph idx="1"/>
+          </p:nvPr>
+        </p:nvSpPr>
+        <p:spPr/>
+        <p:txBody>
+          <a:bodyPr/>
+          <a:lstStyle/>
+          <a:p>
+            <a:r>
+              <a:rPr lang="it-IT" dirty="0"/>
+              <a:t>Prima di effettuare l’ottimizzazione puntiamo a far aderire il modello ai dati reali al fine di avere al momento dell’ottimizzazione dei risultati che possono rispecchiare per certi versi le reali possibilità usando strategie di controllo ottimo offerte da </a:t>
+            </a:r>
+            <a:r>
+              <a:rPr lang="it-IT" dirty="0" err="1"/>
+              <a:t>Matlab</a:t>
+            </a:r>
+            <a:r>
+              <a:rPr lang="it-IT" dirty="0"/>
+              <a:t>.</a:t>
+            </a:r>
+          </a:p>
+        </p:txBody>
+      </p:sp>
+    </p:spTree>
+    <p:extLst>
+      <p:ext uri="{BB962C8B-B14F-4D97-AF65-F5344CB8AC3E}">
+        <p14:creationId xmlns:p14="http://schemas.microsoft.com/office/powerpoint/2010/main" val="862347753"/>
+      </p:ext>
+    </p:extLst>
+  </p:cSld>
+  <p:clrMapOvr>
+    <a:masterClrMapping/>
+  </p:clrMapOvr>
+</p:sld>
+</file>
+
+<file path=ppt/slides/slide13.xml><?xml version="1.0" encoding="utf-8"?>
+<p:sld xmlns:a="http://schemas.openxmlformats.org/drawingml/2006/main" xmlns:r="http://schemas.openxmlformats.org/officeDocument/2006/relationships" xmlns:p="http://schemas.openxmlformats.org/presentationml/2006/main">
+  <p:cSld>
+    <p:spTree>
+      <p:nvGrpSpPr>
+        <p:cNvPr id="1" name=""/>
+        <p:cNvGrpSpPr/>
+        <p:nvPr/>
+      </p:nvGrpSpPr>
+      <p:grpSpPr>
+        <a:xfrm>
+          <a:off x="0" y="0"/>
+          <a:ext cx="0" cy="0"/>
+          <a:chOff x="0" y="0"/>
+          <a:chExt cx="0" cy="0"/>
+        </a:xfrm>
+      </p:grpSpPr>
+      <p:sp>
+        <p:nvSpPr>
+          <p:cNvPr id="2" name="Titolo 1">
+            <a:extLst>
+              <a:ext uri="{FF2B5EF4-FFF2-40B4-BE49-F238E27FC236}">
+                <a16:creationId xmlns:a16="http://schemas.microsoft.com/office/drawing/2014/main" id="{38AB8B82-CFD6-4BAE-ADAA-82BD6335EE96}"/>
+              </a:ext>
+            </a:extLst>
+          </p:cNvPr>
+          <p:cNvSpPr>
+            <a:spLocks noGrp="1"/>
+          </p:cNvSpPr>
+          <p:nvPr>
+            <p:ph type="title"/>
+          </p:nvPr>
+        </p:nvSpPr>
+        <p:spPr/>
+        <p:txBody>
+          <a:bodyPr/>
+          <a:lstStyle/>
+          <a:p>
+            <a:r>
+              <a:rPr lang="it-IT" dirty="0"/>
+              <a:t>Risultati fitting </a:t>
+            </a:r>
+          </a:p>
+        </p:txBody>
+      </p:sp>
+      <p:sp>
+        <p:nvSpPr>
+          <p:cNvPr id="3" name="Segnaposto contenuto 2">
+            <a:extLst>
+              <a:ext uri="{FF2B5EF4-FFF2-40B4-BE49-F238E27FC236}">
+                <a16:creationId xmlns:a16="http://schemas.microsoft.com/office/drawing/2014/main" id="{30465578-A557-4B16-93C6-5C697988B3FA}"/>
+              </a:ext>
+            </a:extLst>
+          </p:cNvPr>
+          <p:cNvSpPr>
+            <a:spLocks noGrp="1"/>
+          </p:cNvSpPr>
+          <p:nvPr>
+            <p:ph idx="1"/>
+          </p:nvPr>
+        </p:nvSpPr>
+        <p:spPr/>
+        <p:txBody>
+          <a:bodyPr/>
+          <a:lstStyle/>
+          <a:p>
+            <a:endParaRPr lang="it-IT"/>
+          </a:p>
+        </p:txBody>
+      </p:sp>
+    </p:spTree>
+    <p:extLst>
+      <p:ext uri="{BB962C8B-B14F-4D97-AF65-F5344CB8AC3E}">
+        <p14:creationId xmlns:p14="http://schemas.microsoft.com/office/powerpoint/2010/main" val="2795288727"/>
+      </p:ext>
+    </p:extLst>
+  </p:cSld>
+  <p:clrMapOvr>
+    <a:masterClrMapping/>
+  </p:clrMapOvr>
+</p:sld>
+</file>
+
+<file path=ppt/slides/slide14.xml><?xml version="1.0" encoding="utf-8"?>
+<p:sld xmlns:a="http://schemas.openxmlformats.org/drawingml/2006/main" xmlns:r="http://schemas.openxmlformats.org/officeDocument/2006/relationships" xmlns:p="http://schemas.openxmlformats.org/presentationml/2006/main">
+  <p:cSld>
+    <p:spTree>
+      <p:nvGrpSpPr>
+        <p:cNvPr id="1" name=""/>
+        <p:cNvGrpSpPr/>
+        <p:nvPr/>
+      </p:nvGrpSpPr>
+      <p:grpSpPr>
+        <a:xfrm>
+          <a:off x="0" y="0"/>
+          <a:ext cx="0" cy="0"/>
+          <a:chOff x="0" y="0"/>
+          <a:chExt cx="0" cy="0"/>
+        </a:xfrm>
+      </p:grpSpPr>
+      <p:sp>
+        <p:nvSpPr>
+          <p:cNvPr id="2" name="Titolo 1">
+            <a:extLst>
+              <a:ext uri="{FF2B5EF4-FFF2-40B4-BE49-F238E27FC236}">
+                <a16:creationId xmlns:a16="http://schemas.microsoft.com/office/drawing/2014/main" id="{2F335A54-1967-4613-944D-A05885A0DD59}"/>
+              </a:ext>
+            </a:extLst>
+          </p:cNvPr>
+          <p:cNvSpPr>
+            <a:spLocks noGrp="1"/>
+          </p:cNvSpPr>
+          <p:nvPr>
+            <p:ph type="title"/>
+          </p:nvPr>
+        </p:nvSpPr>
+        <p:spPr/>
+        <p:txBody>
+          <a:bodyPr/>
+          <a:lstStyle/>
+          <a:p>
+            <a:r>
+              <a:rPr lang="it-IT" dirty="0"/>
+              <a:t>Risultati/simulazione: Prima strategia </a:t>
+            </a:r>
+          </a:p>
+        </p:txBody>
+      </p:sp>
+      <p:sp>
+        <p:nvSpPr>
+          <p:cNvPr id="3" name="Segnaposto contenuto 2">
+            <a:extLst>
+              <a:ext uri="{FF2B5EF4-FFF2-40B4-BE49-F238E27FC236}">
+                <a16:creationId xmlns:a16="http://schemas.microsoft.com/office/drawing/2014/main" id="{561C6A1C-AF6C-4B15-A2B5-E658D8ADA268}"/>
+              </a:ext>
+            </a:extLst>
+          </p:cNvPr>
+          <p:cNvSpPr>
+            <a:spLocks noGrp="1"/>
+          </p:cNvSpPr>
+          <p:nvPr>
+            <p:ph idx="1"/>
+          </p:nvPr>
+        </p:nvSpPr>
+        <p:spPr/>
+        <p:txBody>
+          <a:bodyPr/>
+          <a:lstStyle/>
+          <a:p>
+            <a:r>
+              <a:rPr lang="it-IT" dirty="0"/>
+              <a:t>Funzione di costo, risultati (simulazione) e interpretazione/commento</a:t>
+            </a:r>
+          </a:p>
+        </p:txBody>
+      </p:sp>
+    </p:spTree>
+    <p:extLst>
+      <p:ext uri="{BB962C8B-B14F-4D97-AF65-F5344CB8AC3E}">
+        <p14:creationId xmlns:p14="http://schemas.microsoft.com/office/powerpoint/2010/main" val="392379535"/>
+      </p:ext>
+    </p:extLst>
+  </p:cSld>
+  <p:clrMapOvr>
+    <a:masterClrMapping/>
+  </p:clrMapOvr>
+</p:sld>
+</file>
+
+<file path=ppt/slides/slide15.xml><?xml version="1.0" encoding="utf-8"?>
+<p:sld xmlns:a="http://schemas.openxmlformats.org/drawingml/2006/main" xmlns:r="http://schemas.openxmlformats.org/officeDocument/2006/relationships" xmlns:p="http://schemas.openxmlformats.org/presentationml/2006/main">
+  <p:cSld>
+    <p:spTree>
+      <p:nvGrpSpPr>
+        <p:cNvPr id="1" name=""/>
+        <p:cNvGrpSpPr/>
+        <p:nvPr/>
+      </p:nvGrpSpPr>
+      <p:grpSpPr>
+        <a:xfrm>
+          <a:off x="0" y="0"/>
+          <a:ext cx="0" cy="0"/>
+          <a:chOff x="0" y="0"/>
+          <a:chExt cx="0" cy="0"/>
+        </a:xfrm>
+      </p:grpSpPr>
+      <p:sp>
+        <p:nvSpPr>
+          <p:cNvPr id="2" name="Titolo 1">
+            <a:extLst>
+              <a:ext uri="{FF2B5EF4-FFF2-40B4-BE49-F238E27FC236}">
+                <a16:creationId xmlns:a16="http://schemas.microsoft.com/office/drawing/2014/main" id="{D498CD87-9F95-4877-8025-557429D92DCB}"/>
+              </a:ext>
+            </a:extLst>
+          </p:cNvPr>
+          <p:cNvSpPr>
+            <a:spLocks noGrp="1"/>
+          </p:cNvSpPr>
+          <p:nvPr>
+            <p:ph type="title"/>
+          </p:nvPr>
+        </p:nvSpPr>
+        <p:spPr/>
+        <p:txBody>
+          <a:bodyPr/>
+          <a:lstStyle/>
+          <a:p>
+            <a:r>
+              <a:rPr lang="it-IT" dirty="0"/>
+              <a:t>Risultati/simulazione: seconda strategia</a:t>
+            </a:r>
+          </a:p>
+        </p:txBody>
+      </p:sp>
+      <p:sp>
+        <p:nvSpPr>
+          <p:cNvPr id="3" name="Segnaposto contenuto 2">
+            <a:extLst>
+              <a:ext uri="{FF2B5EF4-FFF2-40B4-BE49-F238E27FC236}">
+                <a16:creationId xmlns:a16="http://schemas.microsoft.com/office/drawing/2014/main" id="{EC51D80F-42CA-471C-8282-47ED4B94CCC1}"/>
+              </a:ext>
+            </a:extLst>
+          </p:cNvPr>
+          <p:cNvSpPr>
+            <a:spLocks noGrp="1"/>
+          </p:cNvSpPr>
+          <p:nvPr>
+            <p:ph idx="1"/>
+          </p:nvPr>
+        </p:nvSpPr>
+        <p:spPr/>
+        <p:txBody>
+          <a:bodyPr/>
+          <a:lstStyle/>
+          <a:p>
+            <a:r>
+              <a:rPr lang="it-IT" dirty="0"/>
+              <a:t>Funzione di costo, risultati (simulazione) e interpretazione/commento</a:t>
+            </a:r>
+          </a:p>
+          <a:p>
+            <a:endParaRPr lang="it-IT" dirty="0"/>
+          </a:p>
+        </p:txBody>
+      </p:sp>
+    </p:spTree>
+    <p:extLst>
+      <p:ext uri="{BB962C8B-B14F-4D97-AF65-F5344CB8AC3E}">
+        <p14:creationId xmlns:p14="http://schemas.microsoft.com/office/powerpoint/2010/main" val="3891287579"/>
+      </p:ext>
+    </p:extLst>
+  </p:cSld>
+  <p:clrMapOvr>
+    <a:masterClrMapping/>
+  </p:clrMapOvr>
+</p:sld>
+</file>
+
+<file path=ppt/slides/slide16.xml><?xml version="1.0" encoding="utf-8"?>
+<p:sld xmlns:a="http://schemas.openxmlformats.org/drawingml/2006/main" xmlns:r="http://schemas.openxmlformats.org/officeDocument/2006/relationships" xmlns:p="http://schemas.openxmlformats.org/presentationml/2006/main">
+  <p:cSld>
+    <p:spTree>
+      <p:nvGrpSpPr>
+        <p:cNvPr id="1" name=""/>
+        <p:cNvGrpSpPr/>
+        <p:nvPr/>
+      </p:nvGrpSpPr>
+      <p:grpSpPr>
+        <a:xfrm>
+          <a:off x="0" y="0"/>
+          <a:ext cx="0" cy="0"/>
+          <a:chOff x="0" y="0"/>
+          <a:chExt cx="0" cy="0"/>
+        </a:xfrm>
+      </p:grpSpPr>
+      <p:sp>
+        <p:nvSpPr>
+          <p:cNvPr id="2" name="Titolo 1">
+            <a:extLst>
+              <a:ext uri="{FF2B5EF4-FFF2-40B4-BE49-F238E27FC236}">
+                <a16:creationId xmlns:a16="http://schemas.microsoft.com/office/drawing/2014/main" id="{FE4A028A-E8BC-4FED-B759-0A784ED6D5EB}"/>
+              </a:ext>
+            </a:extLst>
+          </p:cNvPr>
+          <p:cNvSpPr>
+            <a:spLocks noGrp="1"/>
+          </p:cNvSpPr>
+          <p:nvPr>
+            <p:ph type="title"/>
+          </p:nvPr>
+        </p:nvSpPr>
+        <p:spPr/>
+        <p:txBody>
+          <a:bodyPr/>
+          <a:lstStyle/>
+          <a:p>
+            <a:r>
+              <a:rPr lang="it-IT" dirty="0"/>
+              <a:t>Risultati/simulazione: terza strategia</a:t>
+            </a:r>
+          </a:p>
+        </p:txBody>
+      </p:sp>
+      <p:sp>
+        <p:nvSpPr>
+          <p:cNvPr id="3" name="Segnaposto contenuto 2">
+            <a:extLst>
+              <a:ext uri="{FF2B5EF4-FFF2-40B4-BE49-F238E27FC236}">
+                <a16:creationId xmlns:a16="http://schemas.microsoft.com/office/drawing/2014/main" id="{A7CD259D-7996-4711-9A0B-C900E9C6E9A7}"/>
+              </a:ext>
+            </a:extLst>
+          </p:cNvPr>
+          <p:cNvSpPr>
+            <a:spLocks noGrp="1"/>
+          </p:cNvSpPr>
+          <p:nvPr>
+            <p:ph idx="1"/>
+          </p:nvPr>
+        </p:nvSpPr>
+        <p:spPr/>
+        <p:txBody>
+          <a:bodyPr/>
+          <a:lstStyle/>
+          <a:p>
+            <a:r>
+              <a:rPr lang="it-IT" dirty="0"/>
+              <a:t>Funzione di costo, risultati (simulazione) e interpretazione/commento</a:t>
+            </a:r>
+          </a:p>
+          <a:p>
+            <a:endParaRPr lang="it-IT" dirty="0"/>
+          </a:p>
+        </p:txBody>
+      </p:sp>
+    </p:spTree>
+    <p:extLst>
+      <p:ext uri="{BB962C8B-B14F-4D97-AF65-F5344CB8AC3E}">
+        <p14:creationId xmlns:p14="http://schemas.microsoft.com/office/powerpoint/2010/main" val="2267820855"/>
+      </p:ext>
+    </p:extLst>
+  </p:cSld>
+  <p:clrMapOvr>
+    <a:masterClrMapping/>
+  </p:clrMapOvr>
+</p:sld>
+</file>
+
+<file path=ppt/slides/slide17.xml><?xml version="1.0" encoding="utf-8"?>
+<p:sld xmlns:a="http://schemas.openxmlformats.org/drawingml/2006/main" xmlns:r="http://schemas.openxmlformats.org/officeDocument/2006/relationships" xmlns:p="http://schemas.openxmlformats.org/presentationml/2006/main">
+  <p:cSld>
+    <p:spTree>
+      <p:nvGrpSpPr>
+        <p:cNvPr id="1" name=""/>
+        <p:cNvGrpSpPr/>
+        <p:nvPr/>
+      </p:nvGrpSpPr>
+      <p:grpSpPr>
+        <a:xfrm>
+          <a:off x="0" y="0"/>
+          <a:ext cx="0" cy="0"/>
+          <a:chOff x="0" y="0"/>
+          <a:chExt cx="0" cy="0"/>
+        </a:xfrm>
+      </p:grpSpPr>
+      <p:sp>
+        <p:nvSpPr>
+          <p:cNvPr id="2" name="Titolo 1">
+            <a:extLst>
+              <a:ext uri="{FF2B5EF4-FFF2-40B4-BE49-F238E27FC236}">
+                <a16:creationId xmlns:a16="http://schemas.microsoft.com/office/drawing/2014/main" id="{93B63908-7A26-42C4-8E2A-FA1E2973047D}"/>
+              </a:ext>
+            </a:extLst>
+          </p:cNvPr>
+          <p:cNvSpPr>
+            <a:spLocks noGrp="1"/>
+          </p:cNvSpPr>
+          <p:nvPr>
+            <p:ph type="title"/>
+          </p:nvPr>
+        </p:nvSpPr>
+        <p:spPr/>
+        <p:txBody>
+          <a:bodyPr/>
+          <a:lstStyle/>
+          <a:p>
+            <a:r>
+              <a:rPr lang="it-IT" dirty="0"/>
+              <a:t>Risultati/simulazione: quarta strategia</a:t>
+            </a:r>
+          </a:p>
+        </p:txBody>
+      </p:sp>
+      <p:sp>
+        <p:nvSpPr>
+          <p:cNvPr id="3" name="Segnaposto contenuto 2">
+            <a:extLst>
+              <a:ext uri="{FF2B5EF4-FFF2-40B4-BE49-F238E27FC236}">
+                <a16:creationId xmlns:a16="http://schemas.microsoft.com/office/drawing/2014/main" id="{D69A7350-E170-406E-8B1D-E0CEE68741E5}"/>
+              </a:ext>
+            </a:extLst>
+          </p:cNvPr>
+          <p:cNvSpPr>
+            <a:spLocks noGrp="1"/>
+          </p:cNvSpPr>
+          <p:nvPr>
+            <p:ph idx="1"/>
+          </p:nvPr>
+        </p:nvSpPr>
+        <p:spPr/>
+        <p:txBody>
+          <a:bodyPr/>
+          <a:lstStyle/>
+          <a:p>
+            <a:r>
+              <a:rPr lang="it-IT" dirty="0"/>
+              <a:t>Funzione di costo, risultati (simulazione) e interpretazione/commento</a:t>
+            </a:r>
+          </a:p>
+          <a:p>
+            <a:endParaRPr lang="it-IT" dirty="0"/>
+          </a:p>
+        </p:txBody>
+      </p:sp>
+    </p:spTree>
+    <p:extLst>
+      <p:ext uri="{BB962C8B-B14F-4D97-AF65-F5344CB8AC3E}">
+        <p14:creationId xmlns:p14="http://schemas.microsoft.com/office/powerpoint/2010/main" val="3701046397"/>
+      </p:ext>
+    </p:extLst>
+  </p:cSld>
+  <p:clrMapOvr>
+    <a:masterClrMapping/>
+  </p:clrMapOvr>
+</p:sld>
+</file>
+
+<file path=ppt/slides/slide18.xml><?xml version="1.0" encoding="utf-8"?>
+<p:sld xmlns:a="http://schemas.openxmlformats.org/drawingml/2006/main" xmlns:r="http://schemas.openxmlformats.org/officeDocument/2006/relationships" xmlns:p="http://schemas.openxmlformats.org/presentationml/2006/main">
+  <p:cSld>
+    <p:spTree>
+      <p:nvGrpSpPr>
+        <p:cNvPr id="1" name=""/>
+        <p:cNvGrpSpPr/>
+        <p:nvPr/>
+      </p:nvGrpSpPr>
+      <p:grpSpPr>
+        <a:xfrm>
+          <a:off x="0" y="0"/>
+          <a:ext cx="0" cy="0"/>
+          <a:chOff x="0" y="0"/>
+          <a:chExt cx="0" cy="0"/>
+        </a:xfrm>
+      </p:grpSpPr>
+      <p:sp>
+        <p:nvSpPr>
+          <p:cNvPr id="2" name="Titolo 1">
+            <a:extLst>
+              <a:ext uri="{FF2B5EF4-FFF2-40B4-BE49-F238E27FC236}">
+                <a16:creationId xmlns:a16="http://schemas.microsoft.com/office/drawing/2014/main" id="{47C5733E-6D5C-4379-A704-5ED0CAC511EF}"/>
+              </a:ext>
+            </a:extLst>
+          </p:cNvPr>
+          <p:cNvSpPr>
+            <a:spLocks noGrp="1"/>
+          </p:cNvSpPr>
+          <p:nvPr>
+            <p:ph type="title"/>
+          </p:nvPr>
+        </p:nvSpPr>
+        <p:spPr/>
+        <p:txBody>
+          <a:bodyPr/>
+          <a:lstStyle/>
+          <a:p>
+            <a:r>
+              <a:rPr lang="it-IT" dirty="0"/>
+              <a:t>Comparazione strategie e commenti sullo sforzo del controllo </a:t>
+            </a:r>
+          </a:p>
+        </p:txBody>
+      </p:sp>
+      <p:sp>
+        <p:nvSpPr>
+          <p:cNvPr id="3" name="Segnaposto contenuto 2">
+            <a:extLst>
+              <a:ext uri="{FF2B5EF4-FFF2-40B4-BE49-F238E27FC236}">
+                <a16:creationId xmlns:a16="http://schemas.microsoft.com/office/drawing/2014/main" id="{AE98EBF6-65BA-4034-B49C-AB4D24C52433}"/>
+              </a:ext>
+            </a:extLst>
+          </p:cNvPr>
+          <p:cNvSpPr>
+            <a:spLocks noGrp="1"/>
+          </p:cNvSpPr>
+          <p:nvPr>
+            <p:ph idx="1"/>
+          </p:nvPr>
+        </p:nvSpPr>
+        <p:spPr/>
+        <p:txBody>
+          <a:bodyPr/>
+          <a:lstStyle/>
+          <a:p>
+            <a:endParaRPr lang="it-IT"/>
+          </a:p>
+        </p:txBody>
+      </p:sp>
+    </p:spTree>
+    <p:extLst>
+      <p:ext uri="{BB962C8B-B14F-4D97-AF65-F5344CB8AC3E}">
+        <p14:creationId xmlns:p14="http://schemas.microsoft.com/office/powerpoint/2010/main" val="1498313302"/>
+      </p:ext>
+    </p:extLst>
+  </p:cSld>
+  <p:clrMapOvr>
+    <a:masterClrMapping/>
+  </p:clrMapOvr>
+</p:sld>
+</file>
+
+<file path=ppt/slides/slide19.xml><?xml version="1.0" encoding="utf-8"?>
+<p:sld xmlns:a="http://schemas.openxmlformats.org/drawingml/2006/main" xmlns:r="http://schemas.openxmlformats.org/officeDocument/2006/relationships" xmlns:p="http://schemas.openxmlformats.org/presentationml/2006/main">
+  <p:cSld>
+    <p:spTree>
+      <p:nvGrpSpPr>
+        <p:cNvPr id="1" name=""/>
+        <p:cNvGrpSpPr/>
+        <p:nvPr/>
+      </p:nvGrpSpPr>
+      <p:grpSpPr>
+        <a:xfrm>
+          <a:off x="0" y="0"/>
+          <a:ext cx="0" cy="0"/>
+          <a:chOff x="0" y="0"/>
+          <a:chExt cx="0" cy="0"/>
+        </a:xfrm>
+      </p:grpSpPr>
+      <p:sp>
+        <p:nvSpPr>
+          <p:cNvPr id="2" name="Titolo 1">
+            <a:extLst>
+              <a:ext uri="{FF2B5EF4-FFF2-40B4-BE49-F238E27FC236}">
+                <a16:creationId xmlns:a16="http://schemas.microsoft.com/office/drawing/2014/main" id="{41D9C770-B30E-4327-9628-3BAF01DA3095}"/>
+              </a:ext>
+            </a:extLst>
+          </p:cNvPr>
+          <p:cNvSpPr>
+            <a:spLocks noGrp="1"/>
+          </p:cNvSpPr>
+          <p:nvPr>
+            <p:ph type="title"/>
+          </p:nvPr>
+        </p:nvSpPr>
+        <p:spPr/>
+        <p:txBody>
+          <a:bodyPr/>
+          <a:lstStyle/>
+          <a:p>
+            <a:r>
+              <a:rPr lang="it-IT"/>
+              <a:t>Conclusioni</a:t>
+            </a:r>
+          </a:p>
+        </p:txBody>
+      </p:sp>
+      <p:sp>
+        <p:nvSpPr>
+          <p:cNvPr id="3" name="Segnaposto contenuto 2">
+            <a:extLst>
+              <a:ext uri="{FF2B5EF4-FFF2-40B4-BE49-F238E27FC236}">
+                <a16:creationId xmlns:a16="http://schemas.microsoft.com/office/drawing/2014/main" id="{9C63552D-BF21-490D-96EB-362640E23431}"/>
+              </a:ext>
+            </a:extLst>
+          </p:cNvPr>
+          <p:cNvSpPr>
+            <a:spLocks noGrp="1"/>
+          </p:cNvSpPr>
+          <p:nvPr>
+            <p:ph idx="1"/>
+          </p:nvPr>
+        </p:nvSpPr>
+        <p:spPr/>
+        <p:txBody>
+          <a:bodyPr/>
+          <a:lstStyle/>
+          <a:p>
+            <a:endParaRPr lang="it-IT"/>
+          </a:p>
+        </p:txBody>
+      </p:sp>
+    </p:spTree>
+    <p:extLst>
+      <p:ext uri="{BB962C8B-B14F-4D97-AF65-F5344CB8AC3E}">
+        <p14:creationId xmlns:p14="http://schemas.microsoft.com/office/powerpoint/2010/main" val="3980775662"/>
+      </p:ext>
+    </p:extLst>
+  </p:cSld>
+  <p:clrMapOvr>
+    <a:masterClrMapping/>
+  </p:clrMapOvr>
+</p:sld>
+</file>
+
 <file path=ppt/slides/slide2.xml><?xml version="1.0" encoding="utf-8"?>
 <p:sld xmlns:a="http://schemas.openxmlformats.org/drawingml/2006/main" xmlns:r="http://schemas.openxmlformats.org/officeDocument/2006/relationships" xmlns:p="http://schemas.openxmlformats.org/presentationml/2006/main">
   <p:cSld>
@@ -3431,8 +4314,8 @@
           <a:chExt cx="0" cy="0"/>
         </a:xfrm>
       </p:grpSpPr>
-      <mc:AlternateContent xmlns:mc="http://schemas.openxmlformats.org/markup-compatibility/2006">
-        <mc:Choice xmlns:a14="http://schemas.microsoft.com/office/drawing/2010/main" Requires="a14">
+      <mc:AlternateContent xmlns:mc="http://schemas.openxmlformats.org/markup-compatibility/2006" xmlns:a14="http://schemas.microsoft.com/office/drawing/2010/main">
+        <mc:Choice Requires="a14">
           <p:sp>
             <p:nvSpPr>
               <p:cNvPr id="4" name="CasellaDiTesto 3">
@@ -5373,7 +6256,7 @@
             </p:txBody>
           </p:sp>
         </mc:Choice>
-        <mc:Fallback>
+        <mc:Fallback xmlns="">
           <p:sp>
             <p:nvSpPr>
               <p:cNvPr id="4" name="CasellaDiTesto 3">
@@ -5988,14 +6871,11 @@
                   </m:oMath>
                 </a14:m>
                 <a:r>
-                  <a:rPr lang="it-IT">
+                  <a:rPr lang="it-IT" dirty="0">
                     <a:latin typeface="+mj-lt"/>
                   </a:rPr>
                   <a:t>: Vaccino</a:t>
                 </a:r>
-                <a:endParaRPr lang="it-IT" dirty="0">
-                  <a:latin typeface="+mj-lt"/>
-                </a:endParaRPr>
               </a:p>
               <a:p>
                 <a14:m>
@@ -6492,8 +7372,17 @@
                   <a:rPr lang="it-IT" dirty="0">
                     <a:latin typeface="+mj-lt"/>
                   </a:rPr>
-                  <a:t> </a:t>
+                  <a:t>, efficacia </a:t>
                 </a:r>
+                <a:r>
+                  <a:rPr lang="it-IT">
+                    <a:latin typeface="+mj-lt"/>
+                  </a:rPr>
+                  <a:t>del controllo </a:t>
+                </a:r>
+                <a:endParaRPr lang="it-IT" dirty="0">
+                  <a:latin typeface="+mj-lt"/>
+                </a:endParaRPr>
               </a:p>
               <a:p>
                 <a14:m>
@@ -13399,6 +14288,404 @@
 </p:sld>
 </file>
 
+<file path=ppt/slides/slide6.xml><?xml version="1.0" encoding="utf-8"?>
+<p:sld xmlns:a="http://schemas.openxmlformats.org/drawingml/2006/main" xmlns:r="http://schemas.openxmlformats.org/officeDocument/2006/relationships" xmlns:p="http://schemas.openxmlformats.org/presentationml/2006/main">
+  <p:cSld>
+    <p:spTree>
+      <p:nvGrpSpPr>
+        <p:cNvPr id="1" name=""/>
+        <p:cNvGrpSpPr/>
+        <p:nvPr/>
+      </p:nvGrpSpPr>
+      <p:grpSpPr>
+        <a:xfrm>
+          <a:off x="0" y="0"/>
+          <a:ext cx="0" cy="0"/>
+          <a:chOff x="0" y="0"/>
+          <a:chExt cx="0" cy="0"/>
+        </a:xfrm>
+      </p:grpSpPr>
+      <p:sp>
+        <p:nvSpPr>
+          <p:cNvPr id="2" name="Titolo 1">
+            <a:extLst>
+              <a:ext uri="{FF2B5EF4-FFF2-40B4-BE49-F238E27FC236}">
+                <a16:creationId xmlns:a16="http://schemas.microsoft.com/office/drawing/2014/main" id="{06B4A779-BA1E-4F80-9AA4-8936511C0830}"/>
+              </a:ext>
+            </a:extLst>
+          </p:cNvPr>
+          <p:cNvSpPr>
+            <a:spLocks noGrp="1"/>
+          </p:cNvSpPr>
+          <p:nvPr>
+            <p:ph type="title"/>
+          </p:nvPr>
+        </p:nvSpPr>
+        <p:spPr/>
+        <p:txBody>
+          <a:bodyPr/>
+          <a:lstStyle/>
+          <a:p>
+            <a:r>
+              <a:rPr lang="it-IT" dirty="0"/>
+              <a:t>Modello: azioni di controllo</a:t>
+            </a:r>
+          </a:p>
+        </p:txBody>
+      </p:sp>
+      <p:sp>
+        <p:nvSpPr>
+          <p:cNvPr id="3" name="Segnaposto contenuto 2">
+            <a:extLst>
+              <a:ext uri="{FF2B5EF4-FFF2-40B4-BE49-F238E27FC236}">
+                <a16:creationId xmlns:a16="http://schemas.microsoft.com/office/drawing/2014/main" id="{86C80F9B-5168-4FD3-8158-5BAA1E6297CB}"/>
+              </a:ext>
+            </a:extLst>
+          </p:cNvPr>
+          <p:cNvSpPr>
+            <a:spLocks noGrp="1"/>
+          </p:cNvSpPr>
+          <p:nvPr>
+            <p:ph idx="1"/>
+          </p:nvPr>
+        </p:nvSpPr>
+        <p:spPr/>
+        <p:txBody>
+          <a:bodyPr/>
+          <a:lstStyle/>
+          <a:p>
+            <a:endParaRPr lang="it-IT"/>
+          </a:p>
+        </p:txBody>
+      </p:sp>
+    </p:spTree>
+    <p:extLst>
+      <p:ext uri="{BB962C8B-B14F-4D97-AF65-F5344CB8AC3E}">
+        <p14:creationId xmlns:p14="http://schemas.microsoft.com/office/powerpoint/2010/main" val="423696946"/>
+      </p:ext>
+    </p:extLst>
+  </p:cSld>
+  <p:clrMapOvr>
+    <a:masterClrMapping/>
+  </p:clrMapOvr>
+</p:sld>
+</file>
+
+<file path=ppt/slides/slide7.xml><?xml version="1.0" encoding="utf-8"?>
+<p:sld xmlns:a="http://schemas.openxmlformats.org/drawingml/2006/main" xmlns:r="http://schemas.openxmlformats.org/officeDocument/2006/relationships" xmlns:p="http://schemas.openxmlformats.org/presentationml/2006/main">
+  <p:cSld>
+    <p:spTree>
+      <p:nvGrpSpPr>
+        <p:cNvPr id="1" name=""/>
+        <p:cNvGrpSpPr/>
+        <p:nvPr/>
+      </p:nvGrpSpPr>
+      <p:grpSpPr>
+        <a:xfrm>
+          <a:off x="0" y="0"/>
+          <a:ext cx="0" cy="0"/>
+          <a:chOff x="0" y="0"/>
+          <a:chExt cx="0" cy="0"/>
+        </a:xfrm>
+      </p:grpSpPr>
+      <p:sp>
+        <p:nvSpPr>
+          <p:cNvPr id="2" name="Titolo 1">
+            <a:extLst>
+              <a:ext uri="{FF2B5EF4-FFF2-40B4-BE49-F238E27FC236}">
+                <a16:creationId xmlns:a16="http://schemas.microsoft.com/office/drawing/2014/main" id="{55497498-B63C-432E-9050-008C318532D0}"/>
+              </a:ext>
+            </a:extLst>
+          </p:cNvPr>
+          <p:cNvSpPr>
+            <a:spLocks noGrp="1"/>
+          </p:cNvSpPr>
+          <p:nvPr>
+            <p:ph type="title"/>
+          </p:nvPr>
+        </p:nvSpPr>
+        <p:spPr/>
+        <p:txBody>
+          <a:bodyPr/>
+          <a:lstStyle/>
+          <a:p>
+            <a:r>
+              <a:rPr lang="it-IT" dirty="0" err="1"/>
+              <a:t>Pontryagin</a:t>
+            </a:r>
+            <a:r>
+              <a:rPr lang="it-IT" dirty="0"/>
+              <a:t> maximum </a:t>
+            </a:r>
+            <a:r>
+              <a:rPr lang="it-IT" dirty="0" err="1"/>
+              <a:t>principle</a:t>
+            </a:r>
+            <a:endParaRPr lang="it-IT" dirty="0"/>
+          </a:p>
+        </p:txBody>
+      </p:sp>
+      <p:sp>
+        <p:nvSpPr>
+          <p:cNvPr id="3" name="Segnaposto contenuto 2">
+            <a:extLst>
+              <a:ext uri="{FF2B5EF4-FFF2-40B4-BE49-F238E27FC236}">
+                <a16:creationId xmlns:a16="http://schemas.microsoft.com/office/drawing/2014/main" id="{8DC1A9F5-2273-473D-A2AE-F0D9977C282D}"/>
+              </a:ext>
+            </a:extLst>
+          </p:cNvPr>
+          <p:cNvSpPr>
+            <a:spLocks noGrp="1"/>
+          </p:cNvSpPr>
+          <p:nvPr>
+            <p:ph idx="1"/>
+          </p:nvPr>
+        </p:nvSpPr>
+        <p:spPr/>
+        <p:txBody>
+          <a:bodyPr/>
+          <a:lstStyle/>
+          <a:p>
+            <a:endParaRPr lang="it-IT"/>
+          </a:p>
+        </p:txBody>
+      </p:sp>
+    </p:spTree>
+    <p:extLst>
+      <p:ext uri="{BB962C8B-B14F-4D97-AF65-F5344CB8AC3E}">
+        <p14:creationId xmlns:p14="http://schemas.microsoft.com/office/powerpoint/2010/main" val="1684749617"/>
+      </p:ext>
+    </p:extLst>
+  </p:cSld>
+  <p:clrMapOvr>
+    <a:masterClrMapping/>
+  </p:clrMapOvr>
+</p:sld>
+</file>
+
+<file path=ppt/slides/slide8.xml><?xml version="1.0" encoding="utf-8"?>
+<p:sld xmlns:a="http://schemas.openxmlformats.org/drawingml/2006/main" xmlns:r="http://schemas.openxmlformats.org/officeDocument/2006/relationships" xmlns:p="http://schemas.openxmlformats.org/presentationml/2006/main">
+  <p:cSld>
+    <p:spTree>
+      <p:nvGrpSpPr>
+        <p:cNvPr id="1" name=""/>
+        <p:cNvGrpSpPr/>
+        <p:nvPr/>
+      </p:nvGrpSpPr>
+      <p:grpSpPr>
+        <a:xfrm>
+          <a:off x="0" y="0"/>
+          <a:ext cx="0" cy="0"/>
+          <a:chOff x="0" y="0"/>
+          <a:chExt cx="0" cy="0"/>
+        </a:xfrm>
+      </p:grpSpPr>
+      <p:sp>
+        <p:nvSpPr>
+          <p:cNvPr id="2" name="Titolo 1">
+            <a:extLst>
+              <a:ext uri="{FF2B5EF4-FFF2-40B4-BE49-F238E27FC236}">
+                <a16:creationId xmlns:a16="http://schemas.microsoft.com/office/drawing/2014/main" id="{0F29002A-F877-4B36-AC68-27CEBCF52786}"/>
+              </a:ext>
+            </a:extLst>
+          </p:cNvPr>
+          <p:cNvSpPr>
+            <a:spLocks noGrp="1"/>
+          </p:cNvSpPr>
+          <p:nvPr>
+            <p:ph type="title"/>
+          </p:nvPr>
+        </p:nvSpPr>
+        <p:spPr/>
+        <p:txBody>
+          <a:bodyPr/>
+          <a:lstStyle/>
+          <a:p>
+            <a:r>
+              <a:rPr lang="it-IT" dirty="0"/>
+              <a:t>Obiettivi ottimizzazione</a:t>
+            </a:r>
+          </a:p>
+        </p:txBody>
+      </p:sp>
+      <p:sp>
+        <p:nvSpPr>
+          <p:cNvPr id="3" name="Segnaposto contenuto 2">
+            <a:extLst>
+              <a:ext uri="{FF2B5EF4-FFF2-40B4-BE49-F238E27FC236}">
+                <a16:creationId xmlns:a16="http://schemas.microsoft.com/office/drawing/2014/main" id="{855B5269-BAE2-4C2F-8F2C-35207ABBCC84}"/>
+              </a:ext>
+            </a:extLst>
+          </p:cNvPr>
+          <p:cNvSpPr>
+            <a:spLocks noGrp="1"/>
+          </p:cNvSpPr>
+          <p:nvPr>
+            <p:ph idx="1"/>
+          </p:nvPr>
+        </p:nvSpPr>
+        <p:spPr/>
+        <p:txBody>
+          <a:bodyPr/>
+          <a:lstStyle/>
+          <a:p>
+            <a:pPr marL="514350" indent="-514350">
+              <a:buFont typeface="+mj-lt"/>
+              <a:buAutoNum type="arabicPeriod"/>
+            </a:pPr>
+            <a:r>
+              <a:rPr lang="it-IT" dirty="0"/>
+              <a:t>Minimizzare il numero di persone ospedalizzate con sintomi (non in terapia intensiva) </a:t>
+            </a:r>
+          </a:p>
+          <a:p>
+            <a:pPr marL="514350" indent="-514350">
+              <a:buFont typeface="+mj-lt"/>
+              <a:buAutoNum type="arabicPeriod"/>
+            </a:pPr>
+            <a:r>
+              <a:rPr lang="it-IT" dirty="0"/>
+              <a:t>Minimizzare il numero di persone ospedalizzate in TI</a:t>
+            </a:r>
+          </a:p>
+          <a:p>
+            <a:pPr marL="514350" indent="-514350">
+              <a:buFont typeface="+mj-lt"/>
+              <a:buAutoNum type="arabicPeriod"/>
+            </a:pPr>
+            <a:r>
+              <a:rPr lang="it-IT" dirty="0"/>
+              <a:t>Minimizzare lo sforzo dei controlli applicati </a:t>
+            </a:r>
+          </a:p>
+          <a:p>
+            <a:pPr marL="0" indent="0">
+              <a:buNone/>
+            </a:pPr>
+            <a:endParaRPr lang="it-IT" dirty="0"/>
+          </a:p>
+          <a:p>
+            <a:endParaRPr lang="it-IT" dirty="0"/>
+          </a:p>
+        </p:txBody>
+      </p:sp>
+    </p:spTree>
+    <p:extLst>
+      <p:ext uri="{BB962C8B-B14F-4D97-AF65-F5344CB8AC3E}">
+        <p14:creationId xmlns:p14="http://schemas.microsoft.com/office/powerpoint/2010/main" val="992227551"/>
+      </p:ext>
+    </p:extLst>
+  </p:cSld>
+  <p:clrMapOvr>
+    <a:masterClrMapping/>
+  </p:clrMapOvr>
+</p:sld>
+</file>
+
+<file path=ppt/slides/slide9.xml><?xml version="1.0" encoding="utf-8"?>
+<p:sld xmlns:a="http://schemas.openxmlformats.org/drawingml/2006/main" xmlns:r="http://schemas.openxmlformats.org/officeDocument/2006/relationships" xmlns:p="http://schemas.openxmlformats.org/presentationml/2006/main">
+  <p:cSld>
+    <p:spTree>
+      <p:nvGrpSpPr>
+        <p:cNvPr id="1" name=""/>
+        <p:cNvGrpSpPr/>
+        <p:nvPr/>
+      </p:nvGrpSpPr>
+      <p:grpSpPr>
+        <a:xfrm>
+          <a:off x="0" y="0"/>
+          <a:ext cx="0" cy="0"/>
+          <a:chOff x="0" y="0"/>
+          <a:chExt cx="0" cy="0"/>
+        </a:xfrm>
+      </p:grpSpPr>
+      <p:sp>
+        <p:nvSpPr>
+          <p:cNvPr id="2" name="Titolo 1">
+            <a:extLst>
+              <a:ext uri="{FF2B5EF4-FFF2-40B4-BE49-F238E27FC236}">
+                <a16:creationId xmlns:a16="http://schemas.microsoft.com/office/drawing/2014/main" id="{84775597-26D2-4ECD-93FA-A5A5E53A5570}"/>
+              </a:ext>
+            </a:extLst>
+          </p:cNvPr>
+          <p:cNvSpPr>
+            <a:spLocks noGrp="1"/>
+          </p:cNvSpPr>
+          <p:nvPr>
+            <p:ph type="title"/>
+          </p:nvPr>
+        </p:nvSpPr>
+        <p:spPr/>
+        <p:txBody>
+          <a:bodyPr/>
+          <a:lstStyle/>
+          <a:p>
+            <a:r>
+              <a:rPr lang="it-IT" dirty="0"/>
+              <a:t>Strategie </a:t>
+            </a:r>
+          </a:p>
+        </p:txBody>
+      </p:sp>
+      <p:sp>
+        <p:nvSpPr>
+          <p:cNvPr id="3" name="Segnaposto contenuto 2">
+            <a:extLst>
+              <a:ext uri="{FF2B5EF4-FFF2-40B4-BE49-F238E27FC236}">
+                <a16:creationId xmlns:a16="http://schemas.microsoft.com/office/drawing/2014/main" id="{109C8E36-6978-48AE-ABD3-A315FC834A2A}"/>
+              </a:ext>
+            </a:extLst>
+          </p:cNvPr>
+          <p:cNvSpPr>
+            <a:spLocks noGrp="1"/>
+          </p:cNvSpPr>
+          <p:nvPr>
+            <p:ph idx="1"/>
+          </p:nvPr>
+        </p:nvSpPr>
+        <p:spPr/>
+        <p:txBody>
+          <a:bodyPr/>
+          <a:lstStyle/>
+          <a:p>
+            <a:r>
+              <a:rPr lang="it-IT" dirty="0"/>
+              <a:t>Prima strategia: minimizzare direttamente gli ospedalizzati e la terapia intensiva</a:t>
+            </a:r>
+          </a:p>
+          <a:p>
+            <a:r>
+              <a:rPr lang="it-IT" dirty="0"/>
+              <a:t>Seconda strategia: massimizzare i suscettibili </a:t>
+            </a:r>
+          </a:p>
+          <a:p>
+            <a:r>
+              <a:rPr lang="it-IT" dirty="0"/>
+              <a:t>Terza strategia: massimizzare i suscettibili e minimizzare gli ospedalizzati e in TI </a:t>
+            </a:r>
+          </a:p>
+          <a:p>
+            <a:r>
+              <a:rPr lang="it-IT" dirty="0"/>
+              <a:t>Quarta strategia: massimizzare il numero di vaccinati </a:t>
+            </a:r>
+          </a:p>
+        </p:txBody>
+      </p:sp>
+    </p:spTree>
+    <p:extLst>
+      <p:ext uri="{BB962C8B-B14F-4D97-AF65-F5344CB8AC3E}">
+        <p14:creationId xmlns:p14="http://schemas.microsoft.com/office/powerpoint/2010/main" val="410424525"/>
+      </p:ext>
+    </p:extLst>
+  </p:cSld>
+  <p:clrMapOvr>
+    <a:masterClrMapping/>
+  </p:clrMapOvr>
+</p:sld>
+</file>
+
 <file path=ppt/theme/theme1.xml><?xml version="1.0" encoding="utf-8"?>
 <a:theme xmlns:a="http://schemas.openxmlformats.org/drawingml/2006/main" name="Tema di Office">
   <a:themeElements>

--- a/PowerPoint/Optimal control strategies to prevent the hospital beds collapse during COVID-19 outbreak.pptx
+++ b/PowerPoint/Optimal control strategies to prevent the hospital beds collapse during COVID-19 outbreak.pptx
@@ -277,7 +277,7 @@
           <a:p>
             <a:fld id="{32F30997-0925-4C0B-8C7A-0B9D8E6111C4}" type="datetimeFigureOut">
               <a:rPr lang="it-IT" smtClean="0"/>
-              <a:t>18/02/2021</a:t>
+              <a:t>20/02/2021</a:t>
             </a:fld>
             <a:endParaRPr lang="it-IT"/>
           </a:p>
@@ -475,7 +475,7 @@
           <a:p>
             <a:fld id="{32F30997-0925-4C0B-8C7A-0B9D8E6111C4}" type="datetimeFigureOut">
               <a:rPr lang="it-IT" smtClean="0"/>
-              <a:t>18/02/2021</a:t>
+              <a:t>20/02/2021</a:t>
             </a:fld>
             <a:endParaRPr lang="it-IT"/>
           </a:p>
@@ -683,7 +683,7 @@
           <a:p>
             <a:fld id="{32F30997-0925-4C0B-8C7A-0B9D8E6111C4}" type="datetimeFigureOut">
               <a:rPr lang="it-IT" smtClean="0"/>
-              <a:t>18/02/2021</a:t>
+              <a:t>20/02/2021</a:t>
             </a:fld>
             <a:endParaRPr lang="it-IT"/>
           </a:p>
@@ -881,7 +881,7 @@
           <a:p>
             <a:fld id="{32F30997-0925-4C0B-8C7A-0B9D8E6111C4}" type="datetimeFigureOut">
               <a:rPr lang="it-IT" smtClean="0"/>
-              <a:t>18/02/2021</a:t>
+              <a:t>20/02/2021</a:t>
             </a:fld>
             <a:endParaRPr lang="it-IT"/>
           </a:p>
@@ -1156,7 +1156,7 @@
           <a:p>
             <a:fld id="{32F30997-0925-4C0B-8C7A-0B9D8E6111C4}" type="datetimeFigureOut">
               <a:rPr lang="it-IT" smtClean="0"/>
-              <a:t>18/02/2021</a:t>
+              <a:t>20/02/2021</a:t>
             </a:fld>
             <a:endParaRPr lang="it-IT"/>
           </a:p>
@@ -1421,7 +1421,7 @@
           <a:p>
             <a:fld id="{32F30997-0925-4C0B-8C7A-0B9D8E6111C4}" type="datetimeFigureOut">
               <a:rPr lang="it-IT" smtClean="0"/>
-              <a:t>18/02/2021</a:t>
+              <a:t>20/02/2021</a:t>
             </a:fld>
             <a:endParaRPr lang="it-IT"/>
           </a:p>
@@ -1833,7 +1833,7 @@
           <a:p>
             <a:fld id="{32F30997-0925-4C0B-8C7A-0B9D8E6111C4}" type="datetimeFigureOut">
               <a:rPr lang="it-IT" smtClean="0"/>
-              <a:t>18/02/2021</a:t>
+              <a:t>20/02/2021</a:t>
             </a:fld>
             <a:endParaRPr lang="it-IT"/>
           </a:p>
@@ -1974,7 +1974,7 @@
           <a:p>
             <a:fld id="{32F30997-0925-4C0B-8C7A-0B9D8E6111C4}" type="datetimeFigureOut">
               <a:rPr lang="it-IT" smtClean="0"/>
-              <a:t>18/02/2021</a:t>
+              <a:t>20/02/2021</a:t>
             </a:fld>
             <a:endParaRPr lang="it-IT"/>
           </a:p>
@@ -2087,7 +2087,7 @@
           <a:p>
             <a:fld id="{32F30997-0925-4C0B-8C7A-0B9D8E6111C4}" type="datetimeFigureOut">
               <a:rPr lang="it-IT" smtClean="0"/>
-              <a:t>18/02/2021</a:t>
+              <a:t>20/02/2021</a:t>
             </a:fld>
             <a:endParaRPr lang="it-IT"/>
           </a:p>
@@ -2398,7 +2398,7 @@
           <a:p>
             <a:fld id="{32F30997-0925-4C0B-8C7A-0B9D8E6111C4}" type="datetimeFigureOut">
               <a:rPr lang="it-IT" smtClean="0"/>
-              <a:t>18/02/2021</a:t>
+              <a:t>20/02/2021</a:t>
             </a:fld>
             <a:endParaRPr lang="it-IT"/>
           </a:p>
@@ -2686,7 +2686,7 @@
           <a:p>
             <a:fld id="{32F30997-0925-4C0B-8C7A-0B9D8E6111C4}" type="datetimeFigureOut">
               <a:rPr lang="it-IT" smtClean="0"/>
-              <a:t>18/02/2021</a:t>
+              <a:t>20/02/2021</a:t>
             </a:fld>
             <a:endParaRPr lang="it-IT"/>
           </a:p>
@@ -2927,7 +2927,7 @@
           <a:p>
             <a:fld id="{32F30997-0925-4C0B-8C7A-0B9D8E6111C4}" type="datetimeFigureOut">
               <a:rPr lang="it-IT" smtClean="0"/>
-              <a:t>18/02/2021</a:t>
+              <a:t>20/02/2021</a:t>
             </a:fld>
             <a:endParaRPr lang="it-IT"/>
           </a:p>
@@ -3473,33 +3473,1296 @@
           </a:p>
         </p:txBody>
       </p:sp>
-      <p:sp>
-        <p:nvSpPr>
-          <p:cNvPr id="3" name="Segnaposto contenuto 2">
-            <a:extLst>
-              <a:ext uri="{FF2B5EF4-FFF2-40B4-BE49-F238E27FC236}">
-                <a16:creationId xmlns:a16="http://schemas.microsoft.com/office/drawing/2014/main" id="{24450AA9-F64F-4BBA-AB21-A2066BDFBF1B}"/>
-              </a:ext>
-            </a:extLst>
-          </p:cNvPr>
-          <p:cNvSpPr>
-            <a:spLocks noGrp="1"/>
-          </p:cNvSpPr>
-          <p:nvPr>
-            <p:ph idx="1"/>
-          </p:nvPr>
-        </p:nvSpPr>
-        <p:spPr/>
-        <p:txBody>
-          <a:bodyPr>
-            <a:normAutofit/>
-          </a:bodyPr>
-          <a:lstStyle/>
-          <a:p>
-            <a:endParaRPr lang="it-IT" dirty="0"/>
-          </a:p>
-        </p:txBody>
-      </p:sp>
+      <mc:AlternateContent xmlns:mc="http://schemas.openxmlformats.org/markup-compatibility/2006">
+        <mc:Choice xmlns:a14="http://schemas.microsoft.com/office/drawing/2010/main" Requires="a14">
+          <p:sp>
+            <p:nvSpPr>
+              <p:cNvPr id="4" name="CasellaDiTesto 3">
+                <a:extLst>
+                  <a:ext uri="{FF2B5EF4-FFF2-40B4-BE49-F238E27FC236}">
+                    <a16:creationId xmlns:a16="http://schemas.microsoft.com/office/drawing/2014/main" id="{B1C80E1B-9F62-451F-90C7-D85C0CEF2FD9}"/>
+                  </a:ext>
+                </a:extLst>
+              </p:cNvPr>
+              <p:cNvSpPr txBox="1"/>
+              <p:nvPr/>
+            </p:nvSpPr>
+            <p:spPr>
+              <a:xfrm>
+                <a:off x="838200" y="1583879"/>
+                <a:ext cx="4783617" cy="5271187"/>
+              </a:xfrm>
+              <a:prstGeom prst="rect">
+                <a:avLst/>
+              </a:prstGeom>
+              <a:noFill/>
+            </p:spPr>
+            <p:txBody>
+              <a:bodyPr wrap="none" lIns="0" tIns="0" rIns="0" bIns="0" rtlCol="0">
+                <a:spAutoFit/>
+              </a:bodyPr>
+              <a:lstStyle/>
+              <a:p>
+                <a:pPr marL="342900" indent="-342900">
+                  <a:lnSpc>
+                    <a:spcPct val="200000"/>
+                  </a:lnSpc>
+                  <a:buFont typeface="Arial" panose="020B0604020202020204" pitchFamily="34" charset="0"/>
+                  <a:buChar char="•"/>
+                </a:pPr>
+                <a14:m>
+                  <m:oMath xmlns:m="http://schemas.openxmlformats.org/officeDocument/2006/math">
+                    <m:sSub>
+                      <m:sSubPr>
+                        <m:ctrlPr>
+                          <a:rPr lang="it-IT" sz="2000" b="0" i="1" smtClean="0">
+                            <a:latin typeface="Cambria Math" panose="02040503050406030204" pitchFamily="18" charset="0"/>
+                          </a:rPr>
+                        </m:ctrlPr>
+                      </m:sSubPr>
+                      <m:e>
+                        <m:r>
+                          <a:rPr lang="it-IT" sz="2000" b="0" i="1" smtClean="0">
+                            <a:latin typeface="Cambria Math" panose="02040503050406030204" pitchFamily="18" charset="0"/>
+                          </a:rPr>
+                          <m:t>𝐽</m:t>
+                        </m:r>
+                      </m:e>
+                      <m:sub>
+                        <m:r>
+                          <a:rPr lang="it-IT" sz="2000" b="0" i="1" smtClean="0">
+                            <a:latin typeface="Cambria Math" panose="02040503050406030204" pitchFamily="18" charset="0"/>
+                          </a:rPr>
+                          <m:t>1</m:t>
+                        </m:r>
+                      </m:sub>
+                    </m:sSub>
+                    <m:d>
+                      <m:dPr>
+                        <m:ctrlPr>
+                          <a:rPr lang="it-IT" sz="2000" b="0" i="1" smtClean="0">
+                            <a:latin typeface="Cambria Math" panose="02040503050406030204" pitchFamily="18" charset="0"/>
+                          </a:rPr>
+                        </m:ctrlPr>
+                      </m:dPr>
+                      <m:e>
+                        <m:r>
+                          <a:rPr lang="it-IT" sz="2000" b="0" i="1" smtClean="0">
+                            <a:latin typeface="Cambria Math" panose="02040503050406030204" pitchFamily="18" charset="0"/>
+                          </a:rPr>
+                          <m:t>𝑢</m:t>
+                        </m:r>
+                      </m:e>
+                    </m:d>
+                    <m:r>
+                      <a:rPr lang="it-IT" sz="2000" b="0" i="1" smtClean="0">
+                        <a:latin typeface="Cambria Math" panose="02040503050406030204" pitchFamily="18" charset="0"/>
+                      </a:rPr>
+                      <m:t>=</m:t>
+                    </m:r>
+                    <m:nary>
+                      <m:naryPr>
+                        <m:ctrlPr>
+                          <a:rPr lang="it-IT" sz="2000" i="1" smtClean="0">
+                            <a:latin typeface="Cambria Math" panose="02040503050406030204" pitchFamily="18" charset="0"/>
+                          </a:rPr>
+                        </m:ctrlPr>
+                      </m:naryPr>
+                      <m:sub>
+                        <m:r>
+                          <m:rPr>
+                            <m:brk m:alnAt="23"/>
+                          </m:rPr>
+                          <a:rPr lang="it-IT" sz="2000" b="0" i="1" smtClean="0">
+                            <a:latin typeface="Cambria Math" panose="02040503050406030204" pitchFamily="18" charset="0"/>
+                          </a:rPr>
+                          <m:t>0</m:t>
+                        </m:r>
+                      </m:sub>
+                      <m:sup>
+                        <m:sSub>
+                          <m:sSubPr>
+                            <m:ctrlPr>
+                              <a:rPr lang="it-IT" sz="2000" b="0" i="1" smtClean="0">
+                                <a:latin typeface="Cambria Math" panose="02040503050406030204" pitchFamily="18" charset="0"/>
+                              </a:rPr>
+                            </m:ctrlPr>
+                          </m:sSubPr>
+                          <m:e>
+                            <m:r>
+                              <a:rPr lang="it-IT" sz="2000" b="0" i="1" smtClean="0">
+                                <a:latin typeface="Cambria Math" panose="02040503050406030204" pitchFamily="18" charset="0"/>
+                              </a:rPr>
+                              <m:t>𝑡</m:t>
+                            </m:r>
+                          </m:e>
+                          <m:sub>
+                            <m:r>
+                              <a:rPr lang="it-IT" sz="2000" b="0" i="1" smtClean="0">
+                                <a:latin typeface="Cambria Math" panose="02040503050406030204" pitchFamily="18" charset="0"/>
+                              </a:rPr>
+                              <m:t>𝑓</m:t>
+                            </m:r>
+                          </m:sub>
+                        </m:sSub>
+                      </m:sup>
+                      <m:e>
+                        <m:sSub>
+                          <m:sSubPr>
+                            <m:ctrlPr>
+                              <a:rPr lang="it-IT" sz="2000" i="1">
+                                <a:latin typeface="Cambria Math" panose="02040503050406030204" pitchFamily="18" charset="0"/>
+                                <a:ea typeface="Cambria Math" panose="02040503050406030204" pitchFamily="18" charset="0"/>
+                              </a:rPr>
+                            </m:ctrlPr>
+                          </m:sSubPr>
+                          <m:e>
+                            <m:r>
+                              <a:rPr lang="it-IT" sz="2000" b="0" i="1" smtClean="0">
+                                <a:latin typeface="Cambria Math" panose="02040503050406030204" pitchFamily="18" charset="0"/>
+                                <a:ea typeface="Cambria Math" panose="02040503050406030204" pitchFamily="18" charset="0"/>
+                              </a:rPr>
+                              <m:t>−</m:t>
+                            </m:r>
+                            <m:r>
+                              <a:rPr lang="it-IT" sz="2000" i="1">
+                                <a:latin typeface="Cambria Math" panose="02040503050406030204" pitchFamily="18" charset="0"/>
+                                <a:ea typeface="Cambria Math" panose="02040503050406030204" pitchFamily="18" charset="0"/>
+                              </a:rPr>
+                              <m:t>𝛼</m:t>
+                            </m:r>
+                          </m:e>
+                          <m:sub>
+                            <m:r>
+                              <a:rPr lang="it-IT" sz="2000" b="0" i="1" smtClean="0">
+                                <a:latin typeface="Cambria Math" panose="02040503050406030204" pitchFamily="18" charset="0"/>
+                                <a:ea typeface="Cambria Math" panose="02040503050406030204" pitchFamily="18" charset="0"/>
+                              </a:rPr>
+                              <m:t>1</m:t>
+                            </m:r>
+                          </m:sub>
+                        </m:sSub>
+                        <m:r>
+                          <a:rPr lang="it-IT" sz="2000" b="0" i="1" smtClean="0">
+                            <a:latin typeface="Cambria Math" panose="02040503050406030204" pitchFamily="18" charset="0"/>
+                          </a:rPr>
+                          <m:t>𝑆</m:t>
+                        </m:r>
+                        <m:r>
+                          <a:rPr lang="it-IT" sz="2000" b="0" i="1" smtClean="0">
+                            <a:latin typeface="Cambria Math" panose="02040503050406030204" pitchFamily="18" charset="0"/>
+                          </a:rPr>
+                          <m:t>+</m:t>
+                        </m:r>
+                        <m:sSup>
+                          <m:sSupPr>
+                            <m:ctrlPr>
+                              <a:rPr lang="it-IT" sz="2000" b="0" i="1" smtClean="0">
+                                <a:latin typeface="Cambria Math" panose="02040503050406030204" pitchFamily="18" charset="0"/>
+                              </a:rPr>
+                            </m:ctrlPr>
+                          </m:sSupPr>
+                          <m:e>
+                            <m:f>
+                              <m:fPr>
+                                <m:ctrlPr>
+                                  <a:rPr lang="it-IT" sz="2000" b="0" i="1" smtClean="0">
+                                    <a:latin typeface="Cambria Math" panose="02040503050406030204" pitchFamily="18" charset="0"/>
+                                  </a:rPr>
+                                </m:ctrlPr>
+                              </m:fPr>
+                              <m:num>
+                                <m:r>
+                                  <a:rPr lang="it-IT" sz="2000" b="0" i="1" smtClean="0">
+                                    <a:latin typeface="Cambria Math" panose="02040503050406030204" pitchFamily="18" charset="0"/>
+                                  </a:rPr>
+                                  <m:t>1</m:t>
+                                </m:r>
+                              </m:num>
+                              <m:den>
+                                <m:r>
+                                  <a:rPr lang="it-IT" sz="2000" b="0" i="1" smtClean="0">
+                                    <a:latin typeface="Cambria Math" panose="02040503050406030204" pitchFamily="18" charset="0"/>
+                                  </a:rPr>
+                                  <m:t>2</m:t>
+                                </m:r>
+                              </m:den>
+                            </m:f>
+                            <m:r>
+                              <a:rPr lang="it-IT" sz="2000" b="0" i="1" smtClean="0">
+                                <a:latin typeface="Cambria Math" panose="02040503050406030204" pitchFamily="18" charset="0"/>
+                              </a:rPr>
+                              <m:t>𝑢</m:t>
+                            </m:r>
+                          </m:e>
+                          <m:sup>
+                            <m:r>
+                              <a:rPr lang="it-IT" sz="2000" b="0" i="1" smtClean="0">
+                                <a:latin typeface="Cambria Math" panose="02040503050406030204" pitchFamily="18" charset="0"/>
+                              </a:rPr>
+                              <m:t>𝑇</m:t>
+                            </m:r>
+                          </m:sup>
+                        </m:sSup>
+                        <m:r>
+                          <a:rPr lang="it-IT" sz="2000" b="0" i="1" smtClean="0">
+                            <a:latin typeface="Cambria Math" panose="02040503050406030204" pitchFamily="18" charset="0"/>
+                          </a:rPr>
+                          <m:t>𝛽</m:t>
+                        </m:r>
+                        <m:r>
+                          <a:rPr lang="it-IT" sz="2000" b="0" i="1" smtClean="0">
+                            <a:latin typeface="Cambria Math" panose="02040503050406030204" pitchFamily="18" charset="0"/>
+                          </a:rPr>
+                          <m:t>𝑢</m:t>
+                        </m:r>
+                      </m:e>
+                    </m:nary>
+                  </m:oMath>
+                </a14:m>
+                <a:endParaRPr lang="it-IT" sz="2000" dirty="0"/>
+              </a:p>
+              <a:p>
+                <a:pPr marL="342900" indent="-342900">
+                  <a:lnSpc>
+                    <a:spcPct val="200000"/>
+                  </a:lnSpc>
+                  <a:buFont typeface="Arial" panose="020B0604020202020204" pitchFamily="34" charset="0"/>
+                  <a:buChar char="•"/>
+                </a:pPr>
+                <a14:m>
+                  <m:oMath xmlns:m="http://schemas.openxmlformats.org/officeDocument/2006/math">
+                    <m:sSub>
+                      <m:sSubPr>
+                        <m:ctrlPr>
+                          <a:rPr lang="it-IT" sz="2000" b="0" i="1" smtClean="0">
+                            <a:latin typeface="Cambria Math" panose="02040503050406030204" pitchFamily="18" charset="0"/>
+                          </a:rPr>
+                        </m:ctrlPr>
+                      </m:sSubPr>
+                      <m:e>
+                        <m:r>
+                          <a:rPr lang="it-IT" sz="2000" b="0" i="1" smtClean="0">
+                            <a:latin typeface="Cambria Math" panose="02040503050406030204" pitchFamily="18" charset="0"/>
+                          </a:rPr>
+                          <m:t>𝐽</m:t>
+                        </m:r>
+                      </m:e>
+                      <m:sub>
+                        <m:r>
+                          <a:rPr lang="it-IT" sz="2000" b="0" i="1" smtClean="0">
+                            <a:latin typeface="Cambria Math" panose="02040503050406030204" pitchFamily="18" charset="0"/>
+                          </a:rPr>
+                          <m:t>2</m:t>
+                        </m:r>
+                      </m:sub>
+                    </m:sSub>
+                    <m:d>
+                      <m:dPr>
+                        <m:ctrlPr>
+                          <a:rPr lang="it-IT" sz="2000" b="0" i="1" smtClean="0">
+                            <a:latin typeface="Cambria Math" panose="02040503050406030204" pitchFamily="18" charset="0"/>
+                          </a:rPr>
+                        </m:ctrlPr>
+                      </m:dPr>
+                      <m:e>
+                        <m:r>
+                          <a:rPr lang="it-IT" sz="2000" b="0" i="1" smtClean="0">
+                            <a:latin typeface="Cambria Math" panose="02040503050406030204" pitchFamily="18" charset="0"/>
+                          </a:rPr>
+                          <m:t>𝑢</m:t>
+                        </m:r>
+                      </m:e>
+                    </m:d>
+                    <m:r>
+                      <a:rPr lang="it-IT" sz="2000" b="0" i="1" smtClean="0">
+                        <a:latin typeface="Cambria Math" panose="02040503050406030204" pitchFamily="18" charset="0"/>
+                      </a:rPr>
+                      <m:t>=</m:t>
+                    </m:r>
+                    <m:nary>
+                      <m:naryPr>
+                        <m:ctrlPr>
+                          <a:rPr lang="it-IT" sz="2000" i="1" smtClean="0">
+                            <a:latin typeface="Cambria Math" panose="02040503050406030204" pitchFamily="18" charset="0"/>
+                          </a:rPr>
+                        </m:ctrlPr>
+                      </m:naryPr>
+                      <m:sub>
+                        <m:r>
+                          <m:rPr>
+                            <m:brk m:alnAt="23"/>
+                          </m:rPr>
+                          <a:rPr lang="it-IT" sz="2000" b="0" i="1" smtClean="0">
+                            <a:latin typeface="Cambria Math" panose="02040503050406030204" pitchFamily="18" charset="0"/>
+                          </a:rPr>
+                          <m:t>0</m:t>
+                        </m:r>
+                      </m:sub>
+                      <m:sup>
+                        <m:sSub>
+                          <m:sSubPr>
+                            <m:ctrlPr>
+                              <a:rPr lang="it-IT" sz="2000" b="0" i="1" smtClean="0">
+                                <a:latin typeface="Cambria Math" panose="02040503050406030204" pitchFamily="18" charset="0"/>
+                              </a:rPr>
+                            </m:ctrlPr>
+                          </m:sSubPr>
+                          <m:e>
+                            <m:r>
+                              <a:rPr lang="it-IT" sz="2000" b="0" i="1" smtClean="0">
+                                <a:latin typeface="Cambria Math" panose="02040503050406030204" pitchFamily="18" charset="0"/>
+                              </a:rPr>
+                              <m:t>𝑡</m:t>
+                            </m:r>
+                          </m:e>
+                          <m:sub>
+                            <m:r>
+                              <a:rPr lang="it-IT" sz="2000" b="0" i="1" smtClean="0">
+                                <a:latin typeface="Cambria Math" panose="02040503050406030204" pitchFamily="18" charset="0"/>
+                              </a:rPr>
+                              <m:t>𝑓</m:t>
+                            </m:r>
+                          </m:sub>
+                        </m:sSub>
+                      </m:sup>
+                      <m:e>
+                        <m:sSub>
+                          <m:sSubPr>
+                            <m:ctrlPr>
+                              <a:rPr lang="it-IT" sz="2000" i="1">
+                                <a:latin typeface="Cambria Math" panose="02040503050406030204" pitchFamily="18" charset="0"/>
+                                <a:ea typeface="Cambria Math" panose="02040503050406030204" pitchFamily="18" charset="0"/>
+                              </a:rPr>
+                            </m:ctrlPr>
+                          </m:sSubPr>
+                          <m:e>
+                            <m:r>
+                              <a:rPr lang="it-IT" sz="2000" i="1">
+                                <a:latin typeface="Cambria Math" panose="02040503050406030204" pitchFamily="18" charset="0"/>
+                                <a:ea typeface="Cambria Math" panose="02040503050406030204" pitchFamily="18" charset="0"/>
+                              </a:rPr>
+                              <m:t>𝛾</m:t>
+                            </m:r>
+                          </m:e>
+                          <m:sub>
+                            <m:r>
+                              <a:rPr lang="it-IT" sz="2000" b="0" i="1" smtClean="0">
+                                <a:latin typeface="Cambria Math" panose="02040503050406030204" pitchFamily="18" charset="0"/>
+                                <a:ea typeface="Cambria Math" panose="02040503050406030204" pitchFamily="18" charset="0"/>
+                              </a:rPr>
+                              <m:t>1</m:t>
+                            </m:r>
+                          </m:sub>
+                        </m:sSub>
+                        <m:sSub>
+                          <m:sSubPr>
+                            <m:ctrlPr>
+                              <a:rPr lang="it-IT" sz="2000" b="0" i="1" smtClean="0">
+                                <a:latin typeface="Cambria Math" panose="02040503050406030204" pitchFamily="18" charset="0"/>
+                                <a:ea typeface="Cambria Math" panose="02040503050406030204" pitchFamily="18" charset="0"/>
+                              </a:rPr>
+                            </m:ctrlPr>
+                          </m:sSubPr>
+                          <m:e>
+                            <m:r>
+                              <a:rPr lang="it-IT" sz="2000" b="0" i="1" smtClean="0">
+                                <a:latin typeface="Cambria Math" panose="02040503050406030204" pitchFamily="18" charset="0"/>
+                                <a:ea typeface="Cambria Math" panose="02040503050406030204" pitchFamily="18" charset="0"/>
+                              </a:rPr>
+                              <m:t>𝐼</m:t>
+                            </m:r>
+                          </m:e>
+                          <m:sub>
+                            <m:r>
+                              <a:rPr lang="it-IT" sz="2000" b="0" i="1" smtClean="0">
+                                <a:latin typeface="Cambria Math" panose="02040503050406030204" pitchFamily="18" charset="0"/>
+                                <a:ea typeface="Cambria Math" panose="02040503050406030204" pitchFamily="18" charset="0"/>
+                              </a:rPr>
+                              <m:t>1</m:t>
+                            </m:r>
+                          </m:sub>
+                        </m:sSub>
+                        <m:r>
+                          <a:rPr lang="it-IT" sz="2000" b="0" i="1" smtClean="0">
+                            <a:latin typeface="Cambria Math" panose="02040503050406030204" pitchFamily="18" charset="0"/>
+                            <a:ea typeface="Cambria Math" panose="02040503050406030204" pitchFamily="18" charset="0"/>
+                          </a:rPr>
+                          <m:t>+</m:t>
+                        </m:r>
+                        <m:sSub>
+                          <m:sSubPr>
+                            <m:ctrlPr>
+                              <a:rPr lang="it-IT" sz="2000" b="0" i="1" smtClean="0">
+                                <a:latin typeface="Cambria Math" panose="02040503050406030204" pitchFamily="18" charset="0"/>
+                                <a:ea typeface="Cambria Math" panose="02040503050406030204" pitchFamily="18" charset="0"/>
+                              </a:rPr>
+                            </m:ctrlPr>
+                          </m:sSubPr>
+                          <m:e>
+                            <m:r>
+                              <a:rPr lang="it-IT" sz="2000" b="0" i="1" smtClean="0">
+                                <a:latin typeface="Cambria Math" panose="02040503050406030204" pitchFamily="18" charset="0"/>
+                                <a:ea typeface="Cambria Math" panose="02040503050406030204" pitchFamily="18" charset="0"/>
+                              </a:rPr>
+                              <m:t>𝛾</m:t>
+                            </m:r>
+                          </m:e>
+                          <m:sub>
+                            <m:r>
+                              <a:rPr lang="it-IT" sz="2000" b="0" i="1" smtClean="0">
+                                <a:latin typeface="Cambria Math" panose="02040503050406030204" pitchFamily="18" charset="0"/>
+                                <a:ea typeface="Cambria Math" panose="02040503050406030204" pitchFamily="18" charset="0"/>
+                              </a:rPr>
+                              <m:t>2</m:t>
+                            </m:r>
+                          </m:sub>
+                        </m:sSub>
+                        <m:sSub>
+                          <m:sSubPr>
+                            <m:ctrlPr>
+                              <a:rPr lang="it-IT" sz="2000" b="0" i="1" smtClean="0">
+                                <a:latin typeface="Cambria Math" panose="02040503050406030204" pitchFamily="18" charset="0"/>
+                                <a:ea typeface="Cambria Math" panose="02040503050406030204" pitchFamily="18" charset="0"/>
+                              </a:rPr>
+                            </m:ctrlPr>
+                          </m:sSubPr>
+                          <m:e>
+                            <m:r>
+                              <a:rPr lang="it-IT" sz="2000" b="0" i="1" smtClean="0">
+                                <a:latin typeface="Cambria Math" panose="02040503050406030204" pitchFamily="18" charset="0"/>
+                                <a:ea typeface="Cambria Math" panose="02040503050406030204" pitchFamily="18" charset="0"/>
+                              </a:rPr>
+                              <m:t>𝐼</m:t>
+                            </m:r>
+                          </m:e>
+                          <m:sub>
+                            <m:r>
+                              <a:rPr lang="it-IT" sz="2000" b="0" i="1" smtClean="0">
+                                <a:latin typeface="Cambria Math" panose="02040503050406030204" pitchFamily="18" charset="0"/>
+                                <a:ea typeface="Cambria Math" panose="02040503050406030204" pitchFamily="18" charset="0"/>
+                              </a:rPr>
+                              <m:t>2</m:t>
+                            </m:r>
+                          </m:sub>
+                        </m:sSub>
+                        <m:r>
+                          <a:rPr lang="it-IT" sz="2000" b="0" i="1" smtClean="0">
+                            <a:latin typeface="Cambria Math" panose="02040503050406030204" pitchFamily="18" charset="0"/>
+                          </a:rPr>
+                          <m:t>+</m:t>
+                        </m:r>
+                        <m:sSup>
+                          <m:sSupPr>
+                            <m:ctrlPr>
+                              <a:rPr lang="it-IT" sz="2000" b="0" i="1" smtClean="0">
+                                <a:latin typeface="Cambria Math" panose="02040503050406030204" pitchFamily="18" charset="0"/>
+                              </a:rPr>
+                            </m:ctrlPr>
+                          </m:sSupPr>
+                          <m:e>
+                            <m:f>
+                              <m:fPr>
+                                <m:ctrlPr>
+                                  <a:rPr lang="it-IT" sz="2000" b="0" i="1" smtClean="0">
+                                    <a:latin typeface="Cambria Math" panose="02040503050406030204" pitchFamily="18" charset="0"/>
+                                  </a:rPr>
+                                </m:ctrlPr>
+                              </m:fPr>
+                              <m:num>
+                                <m:r>
+                                  <a:rPr lang="it-IT" sz="2000" b="0" i="1" smtClean="0">
+                                    <a:latin typeface="Cambria Math" panose="02040503050406030204" pitchFamily="18" charset="0"/>
+                                  </a:rPr>
+                                  <m:t>1</m:t>
+                                </m:r>
+                              </m:num>
+                              <m:den>
+                                <m:r>
+                                  <a:rPr lang="it-IT" sz="2000" b="0" i="1" smtClean="0">
+                                    <a:latin typeface="Cambria Math" panose="02040503050406030204" pitchFamily="18" charset="0"/>
+                                  </a:rPr>
+                                  <m:t>2</m:t>
+                                </m:r>
+                              </m:den>
+                            </m:f>
+                            <m:r>
+                              <a:rPr lang="it-IT" sz="2000" b="0" i="1" smtClean="0">
+                                <a:latin typeface="Cambria Math" panose="02040503050406030204" pitchFamily="18" charset="0"/>
+                              </a:rPr>
+                              <m:t>𝑢</m:t>
+                            </m:r>
+                          </m:e>
+                          <m:sup>
+                            <m:r>
+                              <a:rPr lang="it-IT" sz="2000" b="0" i="1" smtClean="0">
+                                <a:latin typeface="Cambria Math" panose="02040503050406030204" pitchFamily="18" charset="0"/>
+                              </a:rPr>
+                              <m:t>𝑇</m:t>
+                            </m:r>
+                          </m:sup>
+                        </m:sSup>
+                        <m:r>
+                          <a:rPr lang="it-IT" sz="2000" b="0" i="1" smtClean="0">
+                            <a:latin typeface="Cambria Math" panose="02040503050406030204" pitchFamily="18" charset="0"/>
+                          </a:rPr>
+                          <m:t>𝛽</m:t>
+                        </m:r>
+                        <m:r>
+                          <a:rPr lang="it-IT" sz="2000" b="0" i="1" smtClean="0">
+                            <a:latin typeface="Cambria Math" panose="02040503050406030204" pitchFamily="18" charset="0"/>
+                          </a:rPr>
+                          <m:t>𝑢</m:t>
+                        </m:r>
+                      </m:e>
+                    </m:nary>
+                  </m:oMath>
+                </a14:m>
+                <a:endParaRPr lang="it-IT" sz="2000" b="0" dirty="0"/>
+              </a:p>
+              <a:p>
+                <a:pPr marL="342900" indent="-342900">
+                  <a:lnSpc>
+                    <a:spcPct val="200000"/>
+                  </a:lnSpc>
+                  <a:buFont typeface="Arial" panose="020B0604020202020204" pitchFamily="34" charset="0"/>
+                  <a:buChar char="•"/>
+                </a:pPr>
+                <a14:m>
+                  <m:oMath xmlns:m="http://schemas.openxmlformats.org/officeDocument/2006/math">
+                    <m:sSub>
+                      <m:sSubPr>
+                        <m:ctrlPr>
+                          <a:rPr lang="it-IT" sz="2000" b="0" i="1" smtClean="0">
+                            <a:latin typeface="Cambria Math" panose="02040503050406030204" pitchFamily="18" charset="0"/>
+                          </a:rPr>
+                        </m:ctrlPr>
+                      </m:sSubPr>
+                      <m:e>
+                        <m:r>
+                          <a:rPr lang="it-IT" sz="2000" b="0" i="1" smtClean="0">
+                            <a:latin typeface="Cambria Math" panose="02040503050406030204" pitchFamily="18" charset="0"/>
+                          </a:rPr>
+                          <m:t>𝐽</m:t>
+                        </m:r>
+                      </m:e>
+                      <m:sub>
+                        <m:r>
+                          <a:rPr lang="it-IT" sz="2000" b="0" i="1" smtClean="0">
+                            <a:latin typeface="Cambria Math" panose="02040503050406030204" pitchFamily="18" charset="0"/>
+                          </a:rPr>
+                          <m:t>3</m:t>
+                        </m:r>
+                      </m:sub>
+                    </m:sSub>
+                    <m:d>
+                      <m:dPr>
+                        <m:ctrlPr>
+                          <a:rPr lang="it-IT" sz="2000" b="0" i="1" smtClean="0">
+                            <a:latin typeface="Cambria Math" panose="02040503050406030204" pitchFamily="18" charset="0"/>
+                          </a:rPr>
+                        </m:ctrlPr>
+                      </m:dPr>
+                      <m:e>
+                        <m:r>
+                          <a:rPr lang="it-IT" sz="2000" b="0" i="1" smtClean="0">
+                            <a:latin typeface="Cambria Math" panose="02040503050406030204" pitchFamily="18" charset="0"/>
+                          </a:rPr>
+                          <m:t>𝑢</m:t>
+                        </m:r>
+                      </m:e>
+                    </m:d>
+                    <m:r>
+                      <a:rPr lang="it-IT" sz="2000" b="0" i="1" smtClean="0">
+                        <a:latin typeface="Cambria Math" panose="02040503050406030204" pitchFamily="18" charset="0"/>
+                      </a:rPr>
+                      <m:t>=</m:t>
+                    </m:r>
+                    <m:nary>
+                      <m:naryPr>
+                        <m:ctrlPr>
+                          <a:rPr lang="it-IT" sz="2000" i="1" smtClean="0">
+                            <a:latin typeface="Cambria Math" panose="02040503050406030204" pitchFamily="18" charset="0"/>
+                          </a:rPr>
+                        </m:ctrlPr>
+                      </m:naryPr>
+                      <m:sub>
+                        <m:r>
+                          <m:rPr>
+                            <m:brk m:alnAt="23"/>
+                          </m:rPr>
+                          <a:rPr lang="it-IT" sz="2000" b="0" i="1" smtClean="0">
+                            <a:latin typeface="Cambria Math" panose="02040503050406030204" pitchFamily="18" charset="0"/>
+                          </a:rPr>
+                          <m:t>0</m:t>
+                        </m:r>
+                      </m:sub>
+                      <m:sup>
+                        <m:sSub>
+                          <m:sSubPr>
+                            <m:ctrlPr>
+                              <a:rPr lang="it-IT" sz="2000" b="0" i="1" smtClean="0">
+                                <a:latin typeface="Cambria Math" panose="02040503050406030204" pitchFamily="18" charset="0"/>
+                              </a:rPr>
+                            </m:ctrlPr>
+                          </m:sSubPr>
+                          <m:e>
+                            <m:r>
+                              <a:rPr lang="it-IT" sz="2000" b="0" i="1" smtClean="0">
+                                <a:latin typeface="Cambria Math" panose="02040503050406030204" pitchFamily="18" charset="0"/>
+                              </a:rPr>
+                              <m:t>𝑡</m:t>
+                            </m:r>
+                          </m:e>
+                          <m:sub>
+                            <m:r>
+                              <a:rPr lang="it-IT" sz="2000" b="0" i="1" smtClean="0">
+                                <a:latin typeface="Cambria Math" panose="02040503050406030204" pitchFamily="18" charset="0"/>
+                              </a:rPr>
+                              <m:t>𝑓</m:t>
+                            </m:r>
+                          </m:sub>
+                        </m:sSub>
+                      </m:sup>
+                      <m:e>
+                        <m:sSub>
+                          <m:sSubPr>
+                            <m:ctrlPr>
+                              <a:rPr lang="it-IT" sz="2000" i="1">
+                                <a:latin typeface="Cambria Math" panose="02040503050406030204" pitchFamily="18" charset="0"/>
+                                <a:ea typeface="Cambria Math" panose="02040503050406030204" pitchFamily="18" charset="0"/>
+                              </a:rPr>
+                            </m:ctrlPr>
+                          </m:sSubPr>
+                          <m:e>
+                            <m:r>
+                              <a:rPr lang="it-IT" sz="2000" i="1">
+                                <a:latin typeface="Cambria Math" panose="02040503050406030204" pitchFamily="18" charset="0"/>
+                                <a:ea typeface="Cambria Math" panose="02040503050406030204" pitchFamily="18" charset="0"/>
+                              </a:rPr>
+                              <m:t>−</m:t>
+                            </m:r>
+                            <m:r>
+                              <a:rPr lang="it-IT" sz="2000" i="1" smtClean="0">
+                                <a:latin typeface="Cambria Math" panose="02040503050406030204" pitchFamily="18" charset="0"/>
+                                <a:ea typeface="Cambria Math" panose="02040503050406030204" pitchFamily="18" charset="0"/>
+                              </a:rPr>
+                              <m:t>𝛼</m:t>
+                            </m:r>
+                          </m:e>
+                          <m:sub>
+                            <m:r>
+                              <a:rPr lang="it-IT" sz="2000" b="0" i="1" smtClean="0">
+                                <a:latin typeface="Cambria Math" panose="02040503050406030204" pitchFamily="18" charset="0"/>
+                                <a:ea typeface="Cambria Math" panose="02040503050406030204" pitchFamily="18" charset="0"/>
+                              </a:rPr>
+                              <m:t>2</m:t>
+                            </m:r>
+                          </m:sub>
+                        </m:sSub>
+                        <m:r>
+                          <a:rPr lang="it-IT" sz="2000" i="1">
+                            <a:latin typeface="Cambria Math" panose="02040503050406030204" pitchFamily="18" charset="0"/>
+                          </a:rPr>
+                          <m:t>𝑆</m:t>
+                        </m:r>
+                        <m:r>
+                          <a:rPr lang="it-IT" sz="2000" b="0" i="1" smtClean="0">
+                            <a:latin typeface="Cambria Math" panose="02040503050406030204" pitchFamily="18" charset="0"/>
+                          </a:rPr>
+                          <m:t>+</m:t>
+                        </m:r>
+                        <m:sSub>
+                          <m:sSubPr>
+                            <m:ctrlPr>
+                              <a:rPr lang="it-IT" sz="2000" i="1">
+                                <a:latin typeface="Cambria Math" panose="02040503050406030204" pitchFamily="18" charset="0"/>
+                                <a:ea typeface="Cambria Math" panose="02040503050406030204" pitchFamily="18" charset="0"/>
+                              </a:rPr>
+                            </m:ctrlPr>
+                          </m:sSubPr>
+                          <m:e>
+                            <m:r>
+                              <a:rPr lang="it-IT" sz="2000" i="1">
+                                <a:latin typeface="Cambria Math" panose="02040503050406030204" pitchFamily="18" charset="0"/>
+                                <a:ea typeface="Cambria Math" panose="02040503050406030204" pitchFamily="18" charset="0"/>
+                              </a:rPr>
+                              <m:t>𝛾</m:t>
+                            </m:r>
+                          </m:e>
+                          <m:sub>
+                            <m:r>
+                              <a:rPr lang="it-IT" sz="2000" b="0" i="1" smtClean="0">
+                                <a:latin typeface="Cambria Math" panose="02040503050406030204" pitchFamily="18" charset="0"/>
+                                <a:ea typeface="Cambria Math" panose="02040503050406030204" pitchFamily="18" charset="0"/>
+                              </a:rPr>
+                              <m:t>3</m:t>
+                            </m:r>
+                          </m:sub>
+                        </m:sSub>
+                        <m:sSub>
+                          <m:sSubPr>
+                            <m:ctrlPr>
+                              <a:rPr lang="it-IT" sz="2000" b="0" i="1" smtClean="0">
+                                <a:latin typeface="Cambria Math" panose="02040503050406030204" pitchFamily="18" charset="0"/>
+                                <a:ea typeface="Cambria Math" panose="02040503050406030204" pitchFamily="18" charset="0"/>
+                              </a:rPr>
+                            </m:ctrlPr>
+                          </m:sSubPr>
+                          <m:e>
+                            <m:r>
+                              <a:rPr lang="it-IT" sz="2000" b="0" i="1" smtClean="0">
+                                <a:latin typeface="Cambria Math" panose="02040503050406030204" pitchFamily="18" charset="0"/>
+                                <a:ea typeface="Cambria Math" panose="02040503050406030204" pitchFamily="18" charset="0"/>
+                              </a:rPr>
+                              <m:t>𝐼</m:t>
+                            </m:r>
+                          </m:e>
+                          <m:sub>
+                            <m:r>
+                              <a:rPr lang="it-IT" sz="2000" b="0" i="1" smtClean="0">
+                                <a:latin typeface="Cambria Math" panose="02040503050406030204" pitchFamily="18" charset="0"/>
+                                <a:ea typeface="Cambria Math" panose="02040503050406030204" pitchFamily="18" charset="0"/>
+                              </a:rPr>
+                              <m:t>1</m:t>
+                            </m:r>
+                          </m:sub>
+                        </m:sSub>
+                        <m:r>
+                          <a:rPr lang="it-IT" sz="2000" b="0" i="1" smtClean="0">
+                            <a:latin typeface="Cambria Math" panose="02040503050406030204" pitchFamily="18" charset="0"/>
+                            <a:ea typeface="Cambria Math" panose="02040503050406030204" pitchFamily="18" charset="0"/>
+                          </a:rPr>
+                          <m:t>+</m:t>
+                        </m:r>
+                        <m:sSub>
+                          <m:sSubPr>
+                            <m:ctrlPr>
+                              <a:rPr lang="it-IT" sz="2000" b="0" i="1" smtClean="0">
+                                <a:latin typeface="Cambria Math" panose="02040503050406030204" pitchFamily="18" charset="0"/>
+                                <a:ea typeface="Cambria Math" panose="02040503050406030204" pitchFamily="18" charset="0"/>
+                              </a:rPr>
+                            </m:ctrlPr>
+                          </m:sSubPr>
+                          <m:e>
+                            <m:r>
+                              <a:rPr lang="it-IT" sz="2000" b="0" i="1" smtClean="0">
+                                <a:latin typeface="Cambria Math" panose="02040503050406030204" pitchFamily="18" charset="0"/>
+                                <a:ea typeface="Cambria Math" panose="02040503050406030204" pitchFamily="18" charset="0"/>
+                              </a:rPr>
+                              <m:t>𝛾</m:t>
+                            </m:r>
+                          </m:e>
+                          <m:sub>
+                            <m:r>
+                              <a:rPr lang="it-IT" sz="2000" b="0" i="1" smtClean="0">
+                                <a:latin typeface="Cambria Math" panose="02040503050406030204" pitchFamily="18" charset="0"/>
+                                <a:ea typeface="Cambria Math" panose="02040503050406030204" pitchFamily="18" charset="0"/>
+                              </a:rPr>
+                              <m:t>4</m:t>
+                            </m:r>
+                          </m:sub>
+                        </m:sSub>
+                        <m:sSub>
+                          <m:sSubPr>
+                            <m:ctrlPr>
+                              <a:rPr lang="it-IT" sz="2000" b="0" i="1" smtClean="0">
+                                <a:latin typeface="Cambria Math" panose="02040503050406030204" pitchFamily="18" charset="0"/>
+                                <a:ea typeface="Cambria Math" panose="02040503050406030204" pitchFamily="18" charset="0"/>
+                              </a:rPr>
+                            </m:ctrlPr>
+                          </m:sSubPr>
+                          <m:e>
+                            <m:r>
+                              <a:rPr lang="it-IT" sz="2000" b="0" i="1" smtClean="0">
+                                <a:latin typeface="Cambria Math" panose="02040503050406030204" pitchFamily="18" charset="0"/>
+                                <a:ea typeface="Cambria Math" panose="02040503050406030204" pitchFamily="18" charset="0"/>
+                              </a:rPr>
+                              <m:t>𝐼</m:t>
+                            </m:r>
+                          </m:e>
+                          <m:sub>
+                            <m:r>
+                              <a:rPr lang="it-IT" sz="2000" b="0" i="1" smtClean="0">
+                                <a:latin typeface="Cambria Math" panose="02040503050406030204" pitchFamily="18" charset="0"/>
+                                <a:ea typeface="Cambria Math" panose="02040503050406030204" pitchFamily="18" charset="0"/>
+                              </a:rPr>
+                              <m:t>2</m:t>
+                            </m:r>
+                          </m:sub>
+                        </m:sSub>
+                        <m:r>
+                          <a:rPr lang="it-IT" sz="2000" b="0" i="1" smtClean="0">
+                            <a:latin typeface="Cambria Math" panose="02040503050406030204" pitchFamily="18" charset="0"/>
+                          </a:rPr>
+                          <m:t>+</m:t>
+                        </m:r>
+                        <m:sSup>
+                          <m:sSupPr>
+                            <m:ctrlPr>
+                              <a:rPr lang="it-IT" sz="2000" b="0" i="1" smtClean="0">
+                                <a:latin typeface="Cambria Math" panose="02040503050406030204" pitchFamily="18" charset="0"/>
+                              </a:rPr>
+                            </m:ctrlPr>
+                          </m:sSupPr>
+                          <m:e>
+                            <m:f>
+                              <m:fPr>
+                                <m:ctrlPr>
+                                  <a:rPr lang="it-IT" sz="2000" b="0" i="1" smtClean="0">
+                                    <a:latin typeface="Cambria Math" panose="02040503050406030204" pitchFamily="18" charset="0"/>
+                                  </a:rPr>
+                                </m:ctrlPr>
+                              </m:fPr>
+                              <m:num>
+                                <m:r>
+                                  <a:rPr lang="it-IT" sz="2000" b="0" i="1" smtClean="0">
+                                    <a:latin typeface="Cambria Math" panose="02040503050406030204" pitchFamily="18" charset="0"/>
+                                  </a:rPr>
+                                  <m:t>1</m:t>
+                                </m:r>
+                              </m:num>
+                              <m:den>
+                                <m:r>
+                                  <a:rPr lang="it-IT" sz="2000" b="0" i="1" smtClean="0">
+                                    <a:latin typeface="Cambria Math" panose="02040503050406030204" pitchFamily="18" charset="0"/>
+                                  </a:rPr>
+                                  <m:t>2</m:t>
+                                </m:r>
+                              </m:den>
+                            </m:f>
+                            <m:r>
+                              <a:rPr lang="it-IT" sz="2000" b="0" i="1" smtClean="0">
+                                <a:latin typeface="Cambria Math" panose="02040503050406030204" pitchFamily="18" charset="0"/>
+                              </a:rPr>
+                              <m:t>𝑢</m:t>
+                            </m:r>
+                          </m:e>
+                          <m:sup>
+                            <m:r>
+                              <a:rPr lang="it-IT" sz="2000" b="0" i="1" smtClean="0">
+                                <a:latin typeface="Cambria Math" panose="02040503050406030204" pitchFamily="18" charset="0"/>
+                              </a:rPr>
+                              <m:t>𝑇</m:t>
+                            </m:r>
+                          </m:sup>
+                        </m:sSup>
+                        <m:r>
+                          <a:rPr lang="it-IT" sz="2000" b="0" i="1" smtClean="0">
+                            <a:latin typeface="Cambria Math" panose="02040503050406030204" pitchFamily="18" charset="0"/>
+                          </a:rPr>
+                          <m:t>𝛽</m:t>
+                        </m:r>
+                        <m:r>
+                          <a:rPr lang="it-IT" sz="2000" b="0" i="1" smtClean="0">
+                            <a:latin typeface="Cambria Math" panose="02040503050406030204" pitchFamily="18" charset="0"/>
+                          </a:rPr>
+                          <m:t>𝑢</m:t>
+                        </m:r>
+                      </m:e>
+                    </m:nary>
+                  </m:oMath>
+                </a14:m>
+                <a:endParaRPr lang="it-IT" sz="2000" b="0" dirty="0"/>
+              </a:p>
+              <a:p>
+                <a:pPr marL="342900" indent="-342900">
+                  <a:lnSpc>
+                    <a:spcPct val="200000"/>
+                  </a:lnSpc>
+                  <a:buFont typeface="Arial" panose="020B0604020202020204" pitchFamily="34" charset="0"/>
+                  <a:buChar char="•"/>
+                </a:pPr>
+                <a14:m>
+                  <m:oMath xmlns:m="http://schemas.openxmlformats.org/officeDocument/2006/math">
+                    <m:sSub>
+                      <m:sSubPr>
+                        <m:ctrlPr>
+                          <a:rPr lang="it-IT" sz="2000" b="0" i="1" smtClean="0">
+                            <a:latin typeface="Cambria Math" panose="02040503050406030204" pitchFamily="18" charset="0"/>
+                          </a:rPr>
+                        </m:ctrlPr>
+                      </m:sSubPr>
+                      <m:e>
+                        <m:r>
+                          <a:rPr lang="it-IT" sz="2000" b="0" i="1" smtClean="0">
+                            <a:latin typeface="Cambria Math" panose="02040503050406030204" pitchFamily="18" charset="0"/>
+                          </a:rPr>
+                          <m:t>𝐽</m:t>
+                        </m:r>
+                      </m:e>
+                      <m:sub>
+                        <m:r>
+                          <a:rPr lang="it-IT" sz="2000" b="0" i="1" smtClean="0">
+                            <a:latin typeface="Cambria Math" panose="02040503050406030204" pitchFamily="18" charset="0"/>
+                          </a:rPr>
+                          <m:t>4</m:t>
+                        </m:r>
+                      </m:sub>
+                    </m:sSub>
+                    <m:d>
+                      <m:dPr>
+                        <m:ctrlPr>
+                          <a:rPr lang="it-IT" sz="2000" b="0" i="1" smtClean="0">
+                            <a:latin typeface="Cambria Math" panose="02040503050406030204" pitchFamily="18" charset="0"/>
+                          </a:rPr>
+                        </m:ctrlPr>
+                      </m:dPr>
+                      <m:e>
+                        <m:r>
+                          <a:rPr lang="it-IT" sz="2000" b="0" i="1" smtClean="0">
+                            <a:latin typeface="Cambria Math" panose="02040503050406030204" pitchFamily="18" charset="0"/>
+                          </a:rPr>
+                          <m:t>𝑢</m:t>
+                        </m:r>
+                      </m:e>
+                    </m:d>
+                    <m:r>
+                      <a:rPr lang="it-IT" sz="2000" b="0" i="1" smtClean="0">
+                        <a:latin typeface="Cambria Math" panose="02040503050406030204" pitchFamily="18" charset="0"/>
+                      </a:rPr>
+                      <m:t>=</m:t>
+                    </m:r>
+                    <m:nary>
+                      <m:naryPr>
+                        <m:ctrlPr>
+                          <a:rPr lang="it-IT" sz="2000" i="1" smtClean="0">
+                            <a:latin typeface="Cambria Math" panose="02040503050406030204" pitchFamily="18" charset="0"/>
+                          </a:rPr>
+                        </m:ctrlPr>
+                      </m:naryPr>
+                      <m:sub>
+                        <m:r>
+                          <m:rPr>
+                            <m:brk m:alnAt="23"/>
+                          </m:rPr>
+                          <a:rPr lang="it-IT" sz="2000" b="0" i="1" smtClean="0">
+                            <a:latin typeface="Cambria Math" panose="02040503050406030204" pitchFamily="18" charset="0"/>
+                          </a:rPr>
+                          <m:t>0</m:t>
+                        </m:r>
+                      </m:sub>
+                      <m:sup>
+                        <m:sSub>
+                          <m:sSubPr>
+                            <m:ctrlPr>
+                              <a:rPr lang="it-IT" sz="2000" b="0" i="1" smtClean="0">
+                                <a:latin typeface="Cambria Math" panose="02040503050406030204" pitchFamily="18" charset="0"/>
+                              </a:rPr>
+                            </m:ctrlPr>
+                          </m:sSubPr>
+                          <m:e>
+                            <m:r>
+                              <a:rPr lang="it-IT" sz="2000" b="0" i="1" smtClean="0">
+                                <a:latin typeface="Cambria Math" panose="02040503050406030204" pitchFamily="18" charset="0"/>
+                              </a:rPr>
+                              <m:t>𝑡</m:t>
+                            </m:r>
+                          </m:e>
+                          <m:sub>
+                            <m:r>
+                              <a:rPr lang="it-IT" sz="2000" b="0" i="1" smtClean="0">
+                                <a:latin typeface="Cambria Math" panose="02040503050406030204" pitchFamily="18" charset="0"/>
+                              </a:rPr>
+                              <m:t>𝑓</m:t>
+                            </m:r>
+                          </m:sub>
+                        </m:sSub>
+                      </m:sup>
+                      <m:e>
+                        <m:r>
+                          <a:rPr lang="it-IT" sz="2000" b="0" i="1" smtClean="0">
+                            <a:latin typeface="Cambria Math" panose="02040503050406030204" pitchFamily="18" charset="0"/>
+                          </a:rPr>
+                          <m:t>𝜁</m:t>
+                        </m:r>
+                        <m:r>
+                          <a:rPr lang="it-IT" sz="2000" b="0" i="1" smtClean="0">
+                            <a:latin typeface="Cambria Math" panose="02040503050406030204" pitchFamily="18" charset="0"/>
+                            <a:ea typeface="Cambria Math" panose="02040503050406030204" pitchFamily="18" charset="0"/>
+                          </a:rPr>
+                          <m:t>𝑉</m:t>
+                        </m:r>
+                        <m:r>
+                          <a:rPr lang="it-IT" sz="2000" b="0" i="1" smtClean="0">
+                            <a:latin typeface="Cambria Math" panose="02040503050406030204" pitchFamily="18" charset="0"/>
+                          </a:rPr>
+                          <m:t>+</m:t>
+                        </m:r>
+                        <m:f>
+                          <m:fPr>
+                            <m:ctrlPr>
+                              <a:rPr lang="it-IT" sz="2000" b="0" i="1" smtClean="0">
+                                <a:latin typeface="Cambria Math" panose="02040503050406030204" pitchFamily="18" charset="0"/>
+                              </a:rPr>
+                            </m:ctrlPr>
+                          </m:fPr>
+                          <m:num>
+                            <m:r>
+                              <a:rPr lang="it-IT" sz="2000" b="0" i="1" smtClean="0">
+                                <a:latin typeface="Cambria Math" panose="02040503050406030204" pitchFamily="18" charset="0"/>
+                              </a:rPr>
+                              <m:t>1</m:t>
+                            </m:r>
+                          </m:num>
+                          <m:den>
+                            <m:r>
+                              <a:rPr lang="it-IT" sz="2000" b="0" i="1" smtClean="0">
+                                <a:latin typeface="Cambria Math" panose="02040503050406030204" pitchFamily="18" charset="0"/>
+                              </a:rPr>
+                              <m:t>2</m:t>
+                            </m:r>
+                          </m:den>
+                        </m:f>
+                        <m:sSup>
+                          <m:sSupPr>
+                            <m:ctrlPr>
+                              <a:rPr lang="it-IT" sz="2000" b="0" i="1" smtClean="0">
+                                <a:latin typeface="Cambria Math" panose="02040503050406030204" pitchFamily="18" charset="0"/>
+                              </a:rPr>
+                            </m:ctrlPr>
+                          </m:sSupPr>
+                          <m:e>
+                            <m:r>
+                              <a:rPr lang="it-IT" sz="2000" b="0" i="1" smtClean="0">
+                                <a:latin typeface="Cambria Math" panose="02040503050406030204" pitchFamily="18" charset="0"/>
+                              </a:rPr>
+                              <m:t>𝑢</m:t>
+                            </m:r>
+                          </m:e>
+                          <m:sup>
+                            <m:r>
+                              <a:rPr lang="it-IT" sz="2000" b="0" i="1" smtClean="0">
+                                <a:latin typeface="Cambria Math" panose="02040503050406030204" pitchFamily="18" charset="0"/>
+                              </a:rPr>
+                              <m:t>𝑇</m:t>
+                            </m:r>
+                          </m:sup>
+                        </m:sSup>
+                        <m:r>
+                          <a:rPr lang="it-IT" sz="2000" b="0" i="1" smtClean="0">
+                            <a:latin typeface="Cambria Math" panose="02040503050406030204" pitchFamily="18" charset="0"/>
+                          </a:rPr>
+                          <m:t>𝛽</m:t>
+                        </m:r>
+                        <m:r>
+                          <a:rPr lang="it-IT" sz="2000" b="0" i="1" smtClean="0">
+                            <a:latin typeface="Cambria Math" panose="02040503050406030204" pitchFamily="18" charset="0"/>
+                          </a:rPr>
+                          <m:t>𝑢</m:t>
+                        </m:r>
+                      </m:e>
+                    </m:nary>
+                  </m:oMath>
+                </a14:m>
+                <a:endParaRPr lang="it-IT" sz="2000" b="0" dirty="0"/>
+              </a:p>
+              <a:p>
+                <a:pPr>
+                  <a:lnSpc>
+                    <a:spcPct val="200000"/>
+                  </a:lnSpc>
+                </a:pPr>
+                <a14:m>
+                  <m:oMathPara xmlns:m="http://schemas.openxmlformats.org/officeDocument/2006/math">
+                    <m:oMathParaPr>
+                      <m:jc m:val="centerGroup"/>
+                    </m:oMathParaPr>
+                    <m:oMath xmlns:m="http://schemas.openxmlformats.org/officeDocument/2006/math">
+                      <m:sSub>
+                        <m:sSubPr>
+                          <m:ctrlPr>
+                            <a:rPr lang="it-IT" sz="2000" b="0" i="1" smtClean="0">
+                              <a:latin typeface="Cambria Math" panose="02040503050406030204" pitchFamily="18" charset="0"/>
+                            </a:rPr>
+                          </m:ctrlPr>
+                        </m:sSubPr>
+                        <m:e>
+                          <m:r>
+                            <a:rPr lang="it-IT" sz="2000" b="0" i="1" smtClean="0">
+                              <a:latin typeface="Cambria Math" panose="02040503050406030204" pitchFamily="18" charset="0"/>
+                            </a:rPr>
+                            <m:t>𝛼</m:t>
+                          </m:r>
+                        </m:e>
+                        <m:sub>
+                          <m:r>
+                            <a:rPr lang="it-IT" sz="2000" b="0" i="1" smtClean="0">
+                              <a:latin typeface="Cambria Math" panose="02040503050406030204" pitchFamily="18" charset="0"/>
+                            </a:rPr>
+                            <m:t>𝑖</m:t>
+                          </m:r>
+                        </m:sub>
+                      </m:sSub>
+                      <m:r>
+                        <a:rPr lang="it-IT" sz="2000" b="0" i="1" smtClean="0">
+                          <a:latin typeface="Cambria Math" panose="02040503050406030204" pitchFamily="18" charset="0"/>
+                        </a:rPr>
+                        <m:t>,</m:t>
+                      </m:r>
+                      <m:r>
+                        <a:rPr lang="it-IT" sz="2000" b="0" i="1" smtClean="0">
+                          <a:latin typeface="Cambria Math" panose="02040503050406030204" pitchFamily="18" charset="0"/>
+                        </a:rPr>
+                        <m:t>𝛽</m:t>
+                      </m:r>
+                      <m:r>
+                        <a:rPr lang="it-IT" sz="2000" b="0" i="1" smtClean="0">
+                          <a:latin typeface="Cambria Math" panose="02040503050406030204" pitchFamily="18" charset="0"/>
+                        </a:rPr>
+                        <m:t>,</m:t>
+                      </m:r>
+                      <m:sSub>
+                        <m:sSubPr>
+                          <m:ctrlPr>
+                            <a:rPr lang="it-IT" sz="2000" b="0" i="1" smtClean="0">
+                              <a:latin typeface="Cambria Math" panose="02040503050406030204" pitchFamily="18" charset="0"/>
+                            </a:rPr>
+                          </m:ctrlPr>
+                        </m:sSubPr>
+                        <m:e>
+                          <m:r>
+                            <a:rPr lang="it-IT" sz="2000" b="0" i="1" smtClean="0">
+                              <a:latin typeface="Cambria Math" panose="02040503050406030204" pitchFamily="18" charset="0"/>
+                            </a:rPr>
+                            <m:t>𝛾</m:t>
+                          </m:r>
+                        </m:e>
+                        <m:sub>
+                          <m:r>
+                            <a:rPr lang="it-IT" sz="2000" b="0" i="1" smtClean="0">
+                              <a:latin typeface="Cambria Math" panose="02040503050406030204" pitchFamily="18" charset="0"/>
+                            </a:rPr>
+                            <m:t>𝑗</m:t>
+                          </m:r>
+                        </m:sub>
+                      </m:sSub>
+                      <m:r>
+                        <a:rPr lang="it-IT" sz="2000" b="0" i="1" smtClean="0">
+                          <a:latin typeface="Cambria Math" panose="02040503050406030204" pitchFamily="18" charset="0"/>
+                        </a:rPr>
+                        <m:t>,</m:t>
+                      </m:r>
+                      <m:r>
+                        <a:rPr lang="it-IT" sz="2000" b="0" i="1" smtClean="0">
+                          <a:latin typeface="Cambria Math" panose="02040503050406030204" pitchFamily="18" charset="0"/>
+                        </a:rPr>
+                        <m:t>𝜁</m:t>
+                      </m:r>
+                      <m:r>
+                        <a:rPr lang="it-IT" sz="2000" b="0" i="1" smtClean="0">
+                          <a:latin typeface="Cambria Math" panose="02040503050406030204" pitchFamily="18" charset="0"/>
+                        </a:rPr>
+                        <m:t>&gt;0 </m:t>
+                      </m:r>
+                      <m:r>
+                        <a:rPr lang="it-IT" sz="2000" b="0" i="1" smtClean="0">
+                          <a:latin typeface="Cambria Math" panose="02040503050406030204" pitchFamily="18" charset="0"/>
+                        </a:rPr>
+                        <m:t>𝑖</m:t>
+                      </m:r>
+                      <m:r>
+                        <a:rPr lang="it-IT" sz="2000" b="0" i="1" smtClean="0">
+                          <a:latin typeface="Cambria Math" panose="02040503050406030204" pitchFamily="18" charset="0"/>
+                        </a:rPr>
+                        <m:t>=1,2;</m:t>
+                      </m:r>
+                      <m:r>
+                        <a:rPr lang="it-IT" sz="2000" b="0" i="1" smtClean="0">
+                          <a:latin typeface="Cambria Math" panose="02040503050406030204" pitchFamily="18" charset="0"/>
+                        </a:rPr>
+                        <m:t>𝑗</m:t>
+                      </m:r>
+                      <m:r>
+                        <a:rPr lang="it-IT" sz="2000" b="0" i="1" smtClean="0">
+                          <a:latin typeface="Cambria Math" panose="02040503050406030204" pitchFamily="18" charset="0"/>
+                        </a:rPr>
+                        <m:t>=1,2,3,4</m:t>
+                      </m:r>
+                    </m:oMath>
+                  </m:oMathPara>
+                </a14:m>
+                <a:endParaRPr lang="it-IT" sz="2000" b="0" i="1" dirty="0">
+                  <a:latin typeface="Cambria Math" panose="02040503050406030204" pitchFamily="18" charset="0"/>
+                </a:endParaRPr>
+              </a:p>
+              <a:p>
+                <a:pPr>
+                  <a:lnSpc>
+                    <a:spcPct val="200000"/>
+                  </a:lnSpc>
+                </a:pPr>
+                <a14:m>
+                  <m:oMathPara xmlns:m="http://schemas.openxmlformats.org/officeDocument/2006/math">
+                    <m:oMathParaPr>
+                      <m:jc m:val="centerGroup"/>
+                    </m:oMathParaPr>
+                    <m:oMath xmlns:m="http://schemas.openxmlformats.org/officeDocument/2006/math">
+                      <m:r>
+                        <a:rPr lang="it-IT" sz="2000" b="0" i="1" smtClean="0">
+                          <a:latin typeface="Cambria Math" panose="02040503050406030204" pitchFamily="18" charset="0"/>
+                        </a:rPr>
+                        <m:t> </m:t>
+                      </m:r>
+                    </m:oMath>
+                  </m:oMathPara>
+                </a14:m>
+                <a:endParaRPr lang="it-IT" sz="2000" b="0" dirty="0"/>
+              </a:p>
+              <a:p>
+                <a:endParaRPr lang="it-IT" b="0" dirty="0"/>
+              </a:p>
+              <a:p>
+                <a:endParaRPr lang="it-IT" dirty="0"/>
+              </a:p>
+            </p:txBody>
+          </p:sp>
+        </mc:Choice>
+        <mc:Fallback>
+          <p:sp>
+            <p:nvSpPr>
+              <p:cNvPr id="4" name="CasellaDiTesto 3">
+                <a:extLst>
+                  <a:ext uri="{FF2B5EF4-FFF2-40B4-BE49-F238E27FC236}">
+                    <a16:creationId xmlns:a16="http://schemas.microsoft.com/office/drawing/2014/main" id="{B1C80E1B-9F62-451F-90C7-D85C0CEF2FD9}"/>
+                  </a:ext>
+                </a:extLst>
+              </p:cNvPr>
+              <p:cNvSpPr txBox="1">
+                <a:spLocks noRot="1" noChangeAspect="1" noMove="1" noResize="1" noEditPoints="1" noAdjustHandles="1" noChangeArrowheads="1" noChangeShapeType="1" noTextEdit="1"/>
+              </p:cNvSpPr>
+              <p:nvPr/>
+            </p:nvSpPr>
+            <p:spPr>
+              <a:xfrm>
+                <a:off x="838200" y="1583879"/>
+                <a:ext cx="4783617" cy="5271187"/>
+              </a:xfrm>
+              <a:prstGeom prst="rect">
+                <a:avLst/>
+              </a:prstGeom>
+              <a:blipFill>
+                <a:blip r:embed="rId2"/>
+                <a:stretch>
+                  <a:fillRect l="-3061" t="-5665" r="-1403"/>
+                </a:stretch>
+              </a:blipFill>
+            </p:spPr>
+            <p:txBody>
+              <a:bodyPr/>
+              <a:lstStyle/>
+              <a:p>
+                <a:r>
+                  <a:rPr lang="it-IT">
+                    <a:noFill/>
+                  </a:rPr>
+                  <a:t> </a:t>
+                </a:r>
+              </a:p>
+            </p:txBody>
+          </p:sp>
+        </mc:Fallback>
+      </mc:AlternateContent>
     </p:spTree>
     <p:extLst>
       <p:ext uri="{BB962C8B-B14F-4D97-AF65-F5344CB8AC3E}">
@@ -14354,10 +15617,604 @@
           <a:bodyPr/>
           <a:lstStyle/>
           <a:p>
-            <a:endParaRPr lang="it-IT"/>
+            <a:pPr marL="0" indent="0">
+              <a:buNone/>
+            </a:pPr>
+            <a:r>
+              <a:rPr lang="it-IT" dirty="0"/>
+              <a:t>Consideriamo quattro differenti modi per agire sul sistema:</a:t>
+            </a:r>
+          </a:p>
+          <a:p>
+            <a:pPr marL="0" indent="0">
+              <a:buNone/>
+            </a:pPr>
+            <a:endParaRPr lang="it-IT" dirty="0"/>
+          </a:p>
+          <a:p>
+            <a:pPr marL="0" indent="0">
+              <a:buNone/>
+            </a:pPr>
+            <a:endParaRPr lang="it-IT" dirty="0"/>
           </a:p>
         </p:txBody>
       </p:sp>
+      <mc:AlternateContent xmlns:mc="http://schemas.openxmlformats.org/markup-compatibility/2006">
+        <mc:Choice xmlns:a14="http://schemas.microsoft.com/office/drawing/2010/main" Requires="a14">
+          <p:graphicFrame>
+            <p:nvGraphicFramePr>
+              <p:cNvPr id="5" name="Tabella 5">
+                <a:extLst>
+                  <a:ext uri="{FF2B5EF4-FFF2-40B4-BE49-F238E27FC236}">
+                    <a16:creationId xmlns:a16="http://schemas.microsoft.com/office/drawing/2014/main" id="{37D3F436-A012-492D-94CE-3D0DC247F361}"/>
+                  </a:ext>
+                </a:extLst>
+              </p:cNvPr>
+              <p:cNvGraphicFramePr>
+                <a:graphicFrameLocks noGrp="1"/>
+              </p:cNvGraphicFramePr>
+              <p:nvPr>
+                <p:extLst>
+                  <p:ext uri="{D42A27DB-BD31-4B8C-83A1-F6EECF244321}">
+                    <p14:modId xmlns:p14="http://schemas.microsoft.com/office/powerpoint/2010/main" val="264041674"/>
+                  </p:ext>
+                </p:extLst>
+              </p:nvPr>
+            </p:nvGraphicFramePr>
+            <p:xfrm>
+              <a:off x="1224132" y="2464435"/>
+              <a:ext cx="8128000" cy="4028440"/>
+            </p:xfrm>
+            <a:graphic>
+              <a:graphicData uri="http://schemas.openxmlformats.org/drawingml/2006/table">
+                <a:tbl>
+                  <a:tblPr firstRow="1" bandRow="1">
+                    <a:tableStyleId>{D7AC3CCA-C797-4891-BE02-D94E43425B78}</a:tableStyleId>
+                  </a:tblPr>
+                  <a:tblGrid>
+                    <a:gridCol w="4064000">
+                      <a:extLst>
+                        <a:ext uri="{9D8B030D-6E8A-4147-A177-3AD203B41FA5}">
+                          <a16:colId xmlns:a16="http://schemas.microsoft.com/office/drawing/2014/main" val="1005857778"/>
+                        </a:ext>
+                      </a:extLst>
+                    </a:gridCol>
+                    <a:gridCol w="4064000">
+                      <a:extLst>
+                        <a:ext uri="{9D8B030D-6E8A-4147-A177-3AD203B41FA5}">
+                          <a16:colId xmlns:a16="http://schemas.microsoft.com/office/drawing/2014/main" val="515276818"/>
+                        </a:ext>
+                      </a:extLst>
+                    </a:gridCol>
+                  </a:tblGrid>
+                  <a:tr h="370840">
+                    <a:tc>
+                      <a:txBody>
+                        <a:bodyPr/>
+                        <a:lstStyle/>
+                        <a:p>
+                          <a:r>
+                            <a:rPr lang="it-IT" dirty="0"/>
+                            <a:t>Variabili di controllo </a:t>
+                          </a:r>
+                        </a:p>
+                      </a:txBody>
+                      <a:tcPr/>
+                    </a:tc>
+                    <a:tc>
+                      <a:txBody>
+                        <a:bodyPr/>
+                        <a:lstStyle/>
+                        <a:p>
+                          <a:r>
+                            <a:rPr lang="it-IT" dirty="0"/>
+                            <a:t>Linea politica applicata</a:t>
+                          </a:r>
+                        </a:p>
+                      </a:txBody>
+                      <a:tcPr/>
+                    </a:tc>
+                    <a:extLst>
+                      <a:ext uri="{0D108BD9-81ED-4DB2-BD59-A6C34878D82A}">
+                        <a16:rowId xmlns:a16="http://schemas.microsoft.com/office/drawing/2014/main" val="70691835"/>
+                      </a:ext>
+                    </a:extLst>
+                  </a:tr>
+                  <a:tr h="370840">
+                    <a:tc>
+                      <a:txBody>
+                        <a:bodyPr/>
+                        <a:lstStyle/>
+                        <a:p>
+                          <a14:m>
+                            <m:oMathPara xmlns:m="http://schemas.openxmlformats.org/officeDocument/2006/math">
+                              <m:oMathParaPr>
+                                <m:jc m:val="centerGroup"/>
+                              </m:oMathParaPr>
+                              <m:oMath xmlns:m="http://schemas.openxmlformats.org/officeDocument/2006/math">
+                                <m:sSub>
+                                  <m:sSubPr>
+                                    <m:ctrlPr>
+                                      <a:rPr lang="it-IT" b="0" i="1" smtClean="0">
+                                        <a:latin typeface="Cambria Math" panose="02040503050406030204" pitchFamily="18" charset="0"/>
+                                      </a:rPr>
+                                    </m:ctrlPr>
+                                  </m:sSubPr>
+                                  <m:e>
+                                    <m:r>
+                                      <a:rPr lang="it-IT" b="0" i="1" smtClean="0">
+                                        <a:latin typeface="Cambria Math" panose="02040503050406030204" pitchFamily="18" charset="0"/>
+                                      </a:rPr>
+                                      <m:t>𝑢</m:t>
+                                    </m:r>
+                                  </m:e>
+                                  <m:sub>
+                                    <m:r>
+                                      <a:rPr lang="it-IT" b="0" i="1" smtClean="0">
+                                        <a:latin typeface="Cambria Math" panose="02040503050406030204" pitchFamily="18" charset="0"/>
+                                      </a:rPr>
+                                      <m:t>𝑝</m:t>
+                                    </m:r>
+                                  </m:sub>
+                                </m:sSub>
+                              </m:oMath>
+                            </m:oMathPara>
+                          </a14:m>
+                          <a:endParaRPr lang="it-IT" dirty="0"/>
+                        </a:p>
+                      </a:txBody>
+                      <a:tcPr/>
+                    </a:tc>
+                    <a:tc>
+                      <a:txBody>
+                        <a:bodyPr/>
+                        <a:lstStyle/>
+                        <a:p>
+                          <a:r>
+                            <a:rPr lang="it-IT" dirty="0"/>
+                            <a:t>Controllo preventivo in riferimento al distanziamento sociale, uso di mascherine, campagne informative preventive, restrizioni </a:t>
+                          </a:r>
+                        </a:p>
+                      </a:txBody>
+                      <a:tcPr/>
+                    </a:tc>
+                    <a:extLst>
+                      <a:ext uri="{0D108BD9-81ED-4DB2-BD59-A6C34878D82A}">
+                        <a16:rowId xmlns:a16="http://schemas.microsoft.com/office/drawing/2014/main" val="2072052118"/>
+                      </a:ext>
+                    </a:extLst>
+                  </a:tr>
+                  <a:tr h="370840">
+                    <a:tc>
+                      <a:txBody>
+                        <a:bodyPr/>
+                        <a:lstStyle/>
+                        <a:p>
+                          <a14:m>
+                            <m:oMathPara xmlns:m="http://schemas.openxmlformats.org/officeDocument/2006/math">
+                              <m:oMathParaPr>
+                                <m:jc m:val="centerGroup"/>
+                              </m:oMathParaPr>
+                              <m:oMath xmlns:m="http://schemas.openxmlformats.org/officeDocument/2006/math">
+                                <m:sSub>
+                                  <m:sSubPr>
+                                    <m:ctrlPr>
+                                      <a:rPr lang="it-IT" b="0" i="1" smtClean="0">
+                                        <a:latin typeface="Cambria Math" panose="02040503050406030204" pitchFamily="18" charset="0"/>
+                                      </a:rPr>
+                                    </m:ctrlPr>
+                                  </m:sSubPr>
+                                  <m:e>
+                                    <m:r>
+                                      <a:rPr lang="it-IT" b="0" i="1" smtClean="0">
+                                        <a:latin typeface="Cambria Math" panose="02040503050406030204" pitchFamily="18" charset="0"/>
+                                      </a:rPr>
+                                      <m:t>𝑢</m:t>
+                                    </m:r>
+                                  </m:e>
+                                  <m:sub>
+                                    <m:r>
+                                      <a:rPr lang="it-IT" b="0" i="1" smtClean="0">
+                                        <a:latin typeface="Cambria Math" panose="02040503050406030204" pitchFamily="18" charset="0"/>
+                                      </a:rPr>
+                                      <m:t>1</m:t>
+                                    </m:r>
+                                  </m:sub>
+                                </m:sSub>
+                              </m:oMath>
+                            </m:oMathPara>
+                          </a14:m>
+                          <a:endParaRPr lang="it-IT" dirty="0"/>
+                        </a:p>
+                      </a:txBody>
+                      <a:tcPr/>
+                    </a:tc>
+                    <a:tc>
+                      <a:txBody>
+                        <a:bodyPr/>
+                        <a:lstStyle/>
+                        <a:p>
+                          <a:r>
+                            <a:rPr lang="it-IT" dirty="0"/>
+                            <a:t>Controllo sugli investimenti rispetto alla cura degli individui infetti ospedalizzati non in TI</a:t>
+                          </a:r>
+                        </a:p>
+                      </a:txBody>
+                      <a:tcPr/>
+                    </a:tc>
+                    <a:extLst>
+                      <a:ext uri="{0D108BD9-81ED-4DB2-BD59-A6C34878D82A}">
+                        <a16:rowId xmlns:a16="http://schemas.microsoft.com/office/drawing/2014/main" val="1130037923"/>
+                      </a:ext>
+                    </a:extLst>
+                  </a:tr>
+                  <a:tr h="370840">
+                    <a:tc>
+                      <a:txBody>
+                        <a:bodyPr/>
+                        <a:lstStyle/>
+                        <a:p>
+                          <a14:m>
+                            <m:oMathPara xmlns:m="http://schemas.openxmlformats.org/officeDocument/2006/math">
+                              <m:oMathParaPr>
+                                <m:jc m:val="centerGroup"/>
+                              </m:oMathParaPr>
+                              <m:oMath xmlns:m="http://schemas.openxmlformats.org/officeDocument/2006/math">
+                                <m:sSub>
+                                  <m:sSubPr>
+                                    <m:ctrlPr>
+                                      <a:rPr lang="it-IT" b="0" i="1" smtClean="0">
+                                        <a:latin typeface="Cambria Math" panose="02040503050406030204" pitchFamily="18" charset="0"/>
+                                      </a:rPr>
+                                    </m:ctrlPr>
+                                  </m:sSubPr>
+                                  <m:e>
+                                    <m:r>
+                                      <a:rPr lang="it-IT" b="0" i="1" smtClean="0">
+                                        <a:latin typeface="Cambria Math" panose="02040503050406030204" pitchFamily="18" charset="0"/>
+                                      </a:rPr>
+                                      <m:t>𝑢</m:t>
+                                    </m:r>
+                                  </m:e>
+                                  <m:sub>
+                                    <m:r>
+                                      <a:rPr lang="it-IT" b="0" i="1" smtClean="0">
+                                        <a:latin typeface="Cambria Math" panose="02040503050406030204" pitchFamily="18" charset="0"/>
+                                      </a:rPr>
+                                      <m:t>2</m:t>
+                                    </m:r>
+                                  </m:sub>
+                                </m:sSub>
+                              </m:oMath>
+                            </m:oMathPara>
+                          </a14:m>
+                          <a:endParaRPr lang="it-IT" dirty="0"/>
+                        </a:p>
+                      </a:txBody>
+                      <a:tcPr/>
+                    </a:tc>
+                    <a:tc>
+                      <a:txBody>
+                        <a:bodyPr/>
+                        <a:lstStyle/>
+                        <a:p>
+                          <a:r>
+                            <a:rPr lang="it-IT" dirty="0"/>
+                            <a:t>Controllo sugli investimenti rispetto alla cura degli individui infetti ospedalizzati in TI</a:t>
+                          </a:r>
+                        </a:p>
+                      </a:txBody>
+                      <a:tcPr/>
+                    </a:tc>
+                    <a:extLst>
+                      <a:ext uri="{0D108BD9-81ED-4DB2-BD59-A6C34878D82A}">
+                        <a16:rowId xmlns:a16="http://schemas.microsoft.com/office/drawing/2014/main" val="3329125353"/>
+                      </a:ext>
+                    </a:extLst>
+                  </a:tr>
+                  <a:tr h="370840">
+                    <a:tc>
+                      <a:txBody>
+                        <a:bodyPr/>
+                        <a:lstStyle/>
+                        <a:p>
+                          <a14:m>
+                            <m:oMathPara xmlns:m="http://schemas.openxmlformats.org/officeDocument/2006/math">
+                              <m:oMathParaPr>
+                                <m:jc m:val="centerGroup"/>
+                              </m:oMathParaPr>
+                              <m:oMath xmlns:m="http://schemas.openxmlformats.org/officeDocument/2006/math">
+                                <m:sSub>
+                                  <m:sSubPr>
+                                    <m:ctrlPr>
+                                      <a:rPr lang="it-IT" b="0" i="1" smtClean="0">
+                                        <a:latin typeface="Cambria Math" panose="02040503050406030204" pitchFamily="18" charset="0"/>
+                                      </a:rPr>
+                                    </m:ctrlPr>
+                                  </m:sSubPr>
+                                  <m:e>
+                                    <m:r>
+                                      <a:rPr lang="it-IT" b="0" i="1" smtClean="0">
+                                        <a:latin typeface="Cambria Math" panose="02040503050406030204" pitchFamily="18" charset="0"/>
+                                      </a:rPr>
+                                      <m:t>𝑢</m:t>
+                                    </m:r>
+                                  </m:e>
+                                  <m:sub>
+                                    <m:r>
+                                      <a:rPr lang="it-IT" b="0" i="1" smtClean="0">
+                                        <a:latin typeface="Cambria Math" panose="02040503050406030204" pitchFamily="18" charset="0"/>
+                                      </a:rPr>
+                                      <m:t>𝑣𝑎</m:t>
+                                    </m:r>
+                                  </m:sub>
+                                </m:sSub>
+                              </m:oMath>
+                            </m:oMathPara>
+                          </a14:m>
+                          <a:endParaRPr lang="it-IT" dirty="0"/>
+                        </a:p>
+                      </a:txBody>
+                      <a:tcPr/>
+                    </a:tc>
+                    <a:tc>
+                      <a:txBody>
+                        <a:bodyPr/>
+                        <a:lstStyle/>
+                        <a:p>
+                          <a:r>
+                            <a:rPr lang="it-IT" dirty="0"/>
+                            <a:t>Controllo sugli investimenti rispetto al vaccino </a:t>
+                          </a:r>
+                        </a:p>
+                      </a:txBody>
+                      <a:tcPr/>
+                    </a:tc>
+                    <a:extLst>
+                      <a:ext uri="{0D108BD9-81ED-4DB2-BD59-A6C34878D82A}">
+                        <a16:rowId xmlns:a16="http://schemas.microsoft.com/office/drawing/2014/main" val="2619933187"/>
+                      </a:ext>
+                    </a:extLst>
+                  </a:tr>
+                </a:tbl>
+              </a:graphicData>
+            </a:graphic>
+          </p:graphicFrame>
+        </mc:Choice>
+        <mc:Fallback>
+          <p:graphicFrame>
+            <p:nvGraphicFramePr>
+              <p:cNvPr id="5" name="Tabella 5">
+                <a:extLst>
+                  <a:ext uri="{FF2B5EF4-FFF2-40B4-BE49-F238E27FC236}">
+                    <a16:creationId xmlns:a16="http://schemas.microsoft.com/office/drawing/2014/main" id="{37D3F436-A012-492D-94CE-3D0DC247F361}"/>
+                  </a:ext>
+                </a:extLst>
+              </p:cNvPr>
+              <p:cNvGraphicFramePr>
+                <a:graphicFrameLocks noGrp="1"/>
+              </p:cNvGraphicFramePr>
+              <p:nvPr>
+                <p:extLst>
+                  <p:ext uri="{D42A27DB-BD31-4B8C-83A1-F6EECF244321}">
+                    <p14:modId xmlns:p14="http://schemas.microsoft.com/office/powerpoint/2010/main" val="264041674"/>
+                  </p:ext>
+                </p:extLst>
+              </p:nvPr>
+            </p:nvGraphicFramePr>
+            <p:xfrm>
+              <a:off x="1224132" y="2464435"/>
+              <a:ext cx="8128000" cy="4028440"/>
+            </p:xfrm>
+            <a:graphic>
+              <a:graphicData uri="http://schemas.openxmlformats.org/drawingml/2006/table">
+                <a:tbl>
+                  <a:tblPr firstRow="1" bandRow="1">
+                    <a:tableStyleId>{D7AC3CCA-C797-4891-BE02-D94E43425B78}</a:tableStyleId>
+                  </a:tblPr>
+                  <a:tblGrid>
+                    <a:gridCol w="4064000">
+                      <a:extLst>
+                        <a:ext uri="{9D8B030D-6E8A-4147-A177-3AD203B41FA5}">
+                          <a16:colId xmlns:a16="http://schemas.microsoft.com/office/drawing/2014/main" val="1005857778"/>
+                        </a:ext>
+                      </a:extLst>
+                    </a:gridCol>
+                    <a:gridCol w="4064000">
+                      <a:extLst>
+                        <a:ext uri="{9D8B030D-6E8A-4147-A177-3AD203B41FA5}">
+                          <a16:colId xmlns:a16="http://schemas.microsoft.com/office/drawing/2014/main" val="515276818"/>
+                        </a:ext>
+                      </a:extLst>
+                    </a:gridCol>
+                  </a:tblGrid>
+                  <a:tr h="370840">
+                    <a:tc>
+                      <a:txBody>
+                        <a:bodyPr/>
+                        <a:lstStyle/>
+                        <a:p>
+                          <a:r>
+                            <a:rPr lang="it-IT" dirty="0"/>
+                            <a:t>Variabili di controllo </a:t>
+                          </a:r>
+                        </a:p>
+                      </a:txBody>
+                      <a:tcPr/>
+                    </a:tc>
+                    <a:tc>
+                      <a:txBody>
+                        <a:bodyPr/>
+                        <a:lstStyle/>
+                        <a:p>
+                          <a:r>
+                            <a:rPr lang="it-IT" dirty="0"/>
+                            <a:t>Linea politica applicata</a:t>
+                          </a:r>
+                        </a:p>
+                      </a:txBody>
+                      <a:tcPr/>
+                    </a:tc>
+                    <a:extLst>
+                      <a:ext uri="{0D108BD9-81ED-4DB2-BD59-A6C34878D82A}">
+                        <a16:rowId xmlns:a16="http://schemas.microsoft.com/office/drawing/2014/main" val="70691835"/>
+                      </a:ext>
+                    </a:extLst>
+                  </a:tr>
+                  <a:tr h="1188720">
+                    <a:tc>
+                      <a:txBody>
+                        <a:bodyPr/>
+                        <a:lstStyle/>
+                        <a:p>
+                          <a:endParaRPr lang="it-IT"/>
+                        </a:p>
+                      </a:txBody>
+                      <a:tcPr>
+                        <a:blipFill>
+                          <a:blip r:embed="rId2"/>
+                          <a:stretch>
+                            <a:fillRect l="-150" t="-33846" r="-100150" b="-215897"/>
+                          </a:stretch>
+                        </a:blipFill>
+                      </a:tcPr>
+                    </a:tc>
+                    <a:tc>
+                      <a:txBody>
+                        <a:bodyPr/>
+                        <a:lstStyle/>
+                        <a:p>
+                          <a:r>
+                            <a:rPr lang="it-IT" dirty="0"/>
+                            <a:t>Controllo preventivo in riferimento al distanziamento sociale, uso di mascherine, campagne informative preventive, restrizioni </a:t>
+                          </a:r>
+                        </a:p>
+                      </a:txBody>
+                      <a:tcPr/>
+                    </a:tc>
+                    <a:extLst>
+                      <a:ext uri="{0D108BD9-81ED-4DB2-BD59-A6C34878D82A}">
+                        <a16:rowId xmlns:a16="http://schemas.microsoft.com/office/drawing/2014/main" val="2072052118"/>
+                      </a:ext>
+                    </a:extLst>
+                  </a:tr>
+                  <a:tr h="914400">
+                    <a:tc>
+                      <a:txBody>
+                        <a:bodyPr/>
+                        <a:lstStyle/>
+                        <a:p>
+                          <a:endParaRPr lang="it-IT"/>
+                        </a:p>
+                      </a:txBody>
+                      <a:tcPr>
+                        <a:blipFill>
+                          <a:blip r:embed="rId2"/>
+                          <a:stretch>
+                            <a:fillRect l="-150" t="-172848" r="-100150" b="-178808"/>
+                          </a:stretch>
+                        </a:blipFill>
+                      </a:tcPr>
+                    </a:tc>
+                    <a:tc>
+                      <a:txBody>
+                        <a:bodyPr/>
+                        <a:lstStyle/>
+                        <a:p>
+                          <a:r>
+                            <a:rPr lang="it-IT" dirty="0"/>
+                            <a:t>Controllo sugli investimenti rispetto alla cura degli individui infetti ospedalizzati non in TI</a:t>
+                          </a:r>
+                        </a:p>
+                      </a:txBody>
+                      <a:tcPr/>
+                    </a:tc>
+                    <a:extLst>
+                      <a:ext uri="{0D108BD9-81ED-4DB2-BD59-A6C34878D82A}">
+                        <a16:rowId xmlns:a16="http://schemas.microsoft.com/office/drawing/2014/main" val="1130037923"/>
+                      </a:ext>
+                    </a:extLst>
+                  </a:tr>
+                  <a:tr h="914400">
+                    <a:tc>
+                      <a:txBody>
+                        <a:bodyPr/>
+                        <a:lstStyle/>
+                        <a:p>
+                          <a:endParaRPr lang="it-IT"/>
+                        </a:p>
+                      </a:txBody>
+                      <a:tcPr>
+                        <a:blipFill>
+                          <a:blip r:embed="rId2"/>
+                          <a:stretch>
+                            <a:fillRect l="-150" t="-274667" r="-100150" b="-80000"/>
+                          </a:stretch>
+                        </a:blipFill>
+                      </a:tcPr>
+                    </a:tc>
+                    <a:tc>
+                      <a:txBody>
+                        <a:bodyPr/>
+                        <a:lstStyle/>
+                        <a:p>
+                          <a:r>
+                            <a:rPr lang="it-IT" dirty="0"/>
+                            <a:t>Controllo sugli investimenti rispetto alla cura degli individui infetti ospedalizzati in TI</a:t>
+                          </a:r>
+                        </a:p>
+                      </a:txBody>
+                      <a:tcPr/>
+                    </a:tc>
+                    <a:extLst>
+                      <a:ext uri="{0D108BD9-81ED-4DB2-BD59-A6C34878D82A}">
+                        <a16:rowId xmlns:a16="http://schemas.microsoft.com/office/drawing/2014/main" val="3329125353"/>
+                      </a:ext>
+                    </a:extLst>
+                  </a:tr>
+                  <a:tr h="640080">
+                    <a:tc>
+                      <a:txBody>
+                        <a:bodyPr/>
+                        <a:lstStyle/>
+                        <a:p>
+                          <a:endParaRPr lang="it-IT"/>
+                        </a:p>
+                      </a:txBody>
+                      <a:tcPr>
+                        <a:blipFill>
+                          <a:blip r:embed="rId2"/>
+                          <a:stretch>
+                            <a:fillRect l="-150" t="-535238" r="-100150" b="-14286"/>
+                          </a:stretch>
+                        </a:blipFill>
+                      </a:tcPr>
+                    </a:tc>
+                    <a:tc>
+                      <a:txBody>
+                        <a:bodyPr/>
+                        <a:lstStyle/>
+                        <a:p>
+                          <a:r>
+                            <a:rPr lang="it-IT" dirty="0"/>
+                            <a:t>Controllo sugli investimenti rispetto al vaccino </a:t>
+                          </a:r>
+                        </a:p>
+                      </a:txBody>
+                      <a:tcPr/>
+                    </a:tc>
+                    <a:extLst>
+                      <a:ext uri="{0D108BD9-81ED-4DB2-BD59-A6C34878D82A}">
+                        <a16:rowId xmlns:a16="http://schemas.microsoft.com/office/drawing/2014/main" val="2619933187"/>
+                      </a:ext>
+                    </a:extLst>
+                  </a:tr>
+                </a:tbl>
+              </a:graphicData>
+            </a:graphic>
+          </p:graphicFrame>
+        </mc:Fallback>
+      </mc:AlternateContent>
     </p:spTree>
     <p:extLst>
       <p:ext uri="{BB962C8B-B14F-4D97-AF65-F5344CB8AC3E}">
@@ -14650,13 +16507,13 @@
           <a:p>
             <a:r>
               <a:rPr lang="it-IT" dirty="0"/>
-              <a:t>Prima strategia: minimizzare direttamente gli ospedalizzati e la terapia intensiva</a:t>
+              <a:t>Prima strategia: massimizzare i suscettibili</a:t>
             </a:r>
           </a:p>
           <a:p>
             <a:r>
               <a:rPr lang="it-IT" dirty="0"/>
-              <a:t>Seconda strategia: massimizzare i suscettibili </a:t>
+              <a:t>Seconda strategia: minimizzare direttamente gli ospedalizzati e la terapia intensiva</a:t>
             </a:r>
           </a:p>
           <a:p>

--- a/PowerPoint/Optimal control strategies to prevent the hospital beds collapse during COVID-19 outbreak.pptx
+++ b/PowerPoint/Optimal control strategies to prevent the hospital beds collapse during COVID-19 outbreak.pptx
@@ -277,7 +277,7 @@
           <a:p>
             <a:fld id="{32F30997-0925-4C0B-8C7A-0B9D8E6111C4}" type="datetimeFigureOut">
               <a:rPr lang="it-IT" smtClean="0"/>
-              <a:t>20/02/2021</a:t>
+              <a:t>24/02/2021</a:t>
             </a:fld>
             <a:endParaRPr lang="it-IT"/>
           </a:p>
@@ -475,7 +475,7 @@
           <a:p>
             <a:fld id="{32F30997-0925-4C0B-8C7A-0B9D8E6111C4}" type="datetimeFigureOut">
               <a:rPr lang="it-IT" smtClean="0"/>
-              <a:t>20/02/2021</a:t>
+              <a:t>24/02/2021</a:t>
             </a:fld>
             <a:endParaRPr lang="it-IT"/>
           </a:p>
@@ -683,7 +683,7 @@
           <a:p>
             <a:fld id="{32F30997-0925-4C0B-8C7A-0B9D8E6111C4}" type="datetimeFigureOut">
               <a:rPr lang="it-IT" smtClean="0"/>
-              <a:t>20/02/2021</a:t>
+              <a:t>24/02/2021</a:t>
             </a:fld>
             <a:endParaRPr lang="it-IT"/>
           </a:p>
@@ -881,7 +881,7 @@
           <a:p>
             <a:fld id="{32F30997-0925-4C0B-8C7A-0B9D8E6111C4}" type="datetimeFigureOut">
               <a:rPr lang="it-IT" smtClean="0"/>
-              <a:t>20/02/2021</a:t>
+              <a:t>24/02/2021</a:t>
             </a:fld>
             <a:endParaRPr lang="it-IT"/>
           </a:p>
@@ -1156,7 +1156,7 @@
           <a:p>
             <a:fld id="{32F30997-0925-4C0B-8C7A-0B9D8E6111C4}" type="datetimeFigureOut">
               <a:rPr lang="it-IT" smtClean="0"/>
-              <a:t>20/02/2021</a:t>
+              <a:t>24/02/2021</a:t>
             </a:fld>
             <a:endParaRPr lang="it-IT"/>
           </a:p>
@@ -1421,7 +1421,7 @@
           <a:p>
             <a:fld id="{32F30997-0925-4C0B-8C7A-0B9D8E6111C4}" type="datetimeFigureOut">
               <a:rPr lang="it-IT" smtClean="0"/>
-              <a:t>20/02/2021</a:t>
+              <a:t>24/02/2021</a:t>
             </a:fld>
             <a:endParaRPr lang="it-IT"/>
           </a:p>
@@ -1833,7 +1833,7 @@
           <a:p>
             <a:fld id="{32F30997-0925-4C0B-8C7A-0B9D8E6111C4}" type="datetimeFigureOut">
               <a:rPr lang="it-IT" smtClean="0"/>
-              <a:t>20/02/2021</a:t>
+              <a:t>24/02/2021</a:t>
             </a:fld>
             <a:endParaRPr lang="it-IT"/>
           </a:p>
@@ -1974,7 +1974,7 @@
           <a:p>
             <a:fld id="{32F30997-0925-4C0B-8C7A-0B9D8E6111C4}" type="datetimeFigureOut">
               <a:rPr lang="it-IT" smtClean="0"/>
-              <a:t>20/02/2021</a:t>
+              <a:t>24/02/2021</a:t>
             </a:fld>
             <a:endParaRPr lang="it-IT"/>
           </a:p>
@@ -2087,7 +2087,7 @@
           <a:p>
             <a:fld id="{32F30997-0925-4C0B-8C7A-0B9D8E6111C4}" type="datetimeFigureOut">
               <a:rPr lang="it-IT" smtClean="0"/>
-              <a:t>20/02/2021</a:t>
+              <a:t>24/02/2021</a:t>
             </a:fld>
             <a:endParaRPr lang="it-IT"/>
           </a:p>
@@ -2398,7 +2398,7 @@
           <a:p>
             <a:fld id="{32F30997-0925-4C0B-8C7A-0B9D8E6111C4}" type="datetimeFigureOut">
               <a:rPr lang="it-IT" smtClean="0"/>
-              <a:t>20/02/2021</a:t>
+              <a:t>24/02/2021</a:t>
             </a:fld>
             <a:endParaRPr lang="it-IT"/>
           </a:p>
@@ -2686,7 +2686,7 @@
           <a:p>
             <a:fld id="{32F30997-0925-4C0B-8C7A-0B9D8E6111C4}" type="datetimeFigureOut">
               <a:rPr lang="it-IT" smtClean="0"/>
-              <a:t>20/02/2021</a:t>
+              <a:t>24/02/2021</a:t>
             </a:fld>
             <a:endParaRPr lang="it-IT"/>
           </a:p>
@@ -2927,7 +2927,7 @@
           <a:p>
             <a:fld id="{32F30997-0925-4C0B-8C7A-0B9D8E6111C4}" type="datetimeFigureOut">
               <a:rPr lang="it-IT" smtClean="0"/>
-              <a:t>20/02/2021</a:t>
+              <a:t>24/02/2021</a:t>
             </a:fld>
             <a:endParaRPr lang="it-IT"/>
           </a:p>
@@ -3461,7 +3461,12 @@
             <p:ph type="title"/>
           </p:nvPr>
         </p:nvSpPr>
-        <p:spPr/>
+        <p:spPr>
+          <a:xfrm>
+            <a:off x="838200" y="365126"/>
+            <a:ext cx="5083206" cy="1249362"/>
+          </a:xfrm>
+        </p:spPr>
         <p:txBody>
           <a:bodyPr/>
           <a:lstStyle/>
@@ -3473,8 +3478,8 @@
           </a:p>
         </p:txBody>
       </p:sp>
-      <mc:AlternateContent xmlns:mc="http://schemas.openxmlformats.org/markup-compatibility/2006">
-        <mc:Choice xmlns:a14="http://schemas.microsoft.com/office/drawing/2010/main" Requires="a14">
+      <mc:AlternateContent xmlns:mc="http://schemas.openxmlformats.org/markup-compatibility/2006" xmlns:a14="http://schemas.microsoft.com/office/drawing/2010/main">
+        <mc:Choice Requires="a14">
           <p:sp>
             <p:nvSpPr>
               <p:cNvPr id="4" name="CasellaDiTesto 3">
@@ -4718,7 +4723,7 @@
             </p:txBody>
           </p:sp>
         </mc:Choice>
-        <mc:Fallback>
+        <mc:Fallback xmlns="">
           <p:sp>
             <p:nvSpPr>
               <p:cNvPr id="4" name="CasellaDiTesto 3">
@@ -4763,6 +4768,60 @@
           </p:sp>
         </mc:Fallback>
       </mc:AlternateContent>
+      <p:sp>
+        <p:nvSpPr>
+          <p:cNvPr id="5" name="Titolo 1">
+            <a:extLst>
+              <a:ext uri="{FF2B5EF4-FFF2-40B4-BE49-F238E27FC236}">
+                <a16:creationId xmlns:a16="http://schemas.microsoft.com/office/drawing/2014/main" id="{9C849199-9D83-4711-9228-9C64DB5AB31E}"/>
+              </a:ext>
+            </a:extLst>
+          </p:cNvPr>
+          <p:cNvSpPr txBox="1">
+            <a:spLocks/>
+          </p:cNvSpPr>
+          <p:nvPr/>
+        </p:nvSpPr>
+        <p:spPr>
+          <a:xfrm>
+            <a:off x="6570185" y="441324"/>
+            <a:ext cx="5179381" cy="1173163"/>
+          </a:xfrm>
+          <a:prstGeom prst="rect">
+            <a:avLst/>
+          </a:prstGeom>
+        </p:spPr>
+        <p:txBody>
+          <a:bodyPr vert="horz" lIns="91440" tIns="45720" rIns="91440" bIns="45720" rtlCol="0" anchor="ctr">
+            <a:normAutofit/>
+          </a:bodyPr>
+          <a:lstStyle>
+            <a:lvl1pPr algn="l" defTabSz="914400" rtl="0" eaLnBrk="1" latinLnBrk="0" hangingPunct="1">
+              <a:lnSpc>
+                <a:spcPct val="90000"/>
+              </a:lnSpc>
+              <a:spcBef>
+                <a:spcPct val="0"/>
+              </a:spcBef>
+              <a:buNone/>
+              <a:defRPr sz="4400" kern="1200">
+                <a:solidFill>
+                  <a:schemeClr val="tx1"/>
+                </a:solidFill>
+                <a:latin typeface="+mj-lt"/>
+                <a:ea typeface="+mj-ea"/>
+                <a:cs typeface="+mj-cs"/>
+              </a:defRPr>
+            </a:lvl1pPr>
+          </a:lstStyle>
+          <a:p>
+            <a:r>
+              <a:rPr lang="it-IT" dirty="0"/>
+              <a:t>Vincoli</a:t>
+            </a:r>
+          </a:p>
+        </p:txBody>
+      </p:sp>
     </p:spTree>
     <p:extLst>
       <p:ext uri="{BB962C8B-B14F-4D97-AF65-F5344CB8AC3E}">
@@ -5577,8 +5636,8 @@
           <a:chExt cx="0" cy="0"/>
         </a:xfrm>
       </p:grpSpPr>
-      <mc:AlternateContent xmlns:mc="http://schemas.openxmlformats.org/markup-compatibility/2006" xmlns:a14="http://schemas.microsoft.com/office/drawing/2010/main">
-        <mc:Choice Requires="a14">
+      <mc:AlternateContent xmlns:mc="http://schemas.openxmlformats.org/markup-compatibility/2006">
+        <mc:Choice xmlns:a14="http://schemas.microsoft.com/office/drawing/2010/main" Requires="a14">
           <p:sp>
             <p:nvSpPr>
               <p:cNvPr id="4" name="CasellaDiTesto 3">
@@ -5618,14 +5677,14 @@
                         <m:accPr>
                           <m:chr m:val="̇"/>
                           <m:ctrlPr>
-                            <a:rPr lang="it-IT" sz="2400" i="1" u="sng" smtClean="0">
+                            <a:rPr lang="it-IT" sz="2400" i="1" smtClean="0">
                               <a:latin typeface="Cambria Math" panose="02040503050406030204" pitchFamily="18" charset="0"/>
                             </a:rPr>
                           </m:ctrlPr>
                         </m:accPr>
                         <m:e>
                           <m:r>
-                            <a:rPr lang="it-IT" sz="2400" b="0" i="1" u="sng" smtClean="0">
+                            <a:rPr lang="it-IT" sz="2400" b="0" i="1" smtClean="0">
                               <a:latin typeface="Cambria Math" panose="02040503050406030204" pitchFamily="18" charset="0"/>
                             </a:rPr>
                             <m:t>𝑆</m:t>
@@ -5633,44 +5692,44 @@
                         </m:e>
                       </m:acc>
                       <m:r>
-                        <a:rPr lang="it-IT" sz="2400" b="0" i="1" u="sng" smtClean="0">
+                        <a:rPr lang="it-IT" sz="2400" b="0" i="1" smtClean="0">
                           <a:latin typeface="Cambria Math" panose="02040503050406030204" pitchFamily="18" charset="0"/>
                         </a:rPr>
                         <m:t>=</m:t>
                       </m:r>
                       <m:r>
-                        <a:rPr lang="it-IT" sz="2400" b="0" i="1" u="sng" smtClean="0">
+                        <a:rPr lang="it-IT" sz="2400" b="0" i="1" smtClean="0">
                           <a:latin typeface="Cambria Math" panose="02040503050406030204" pitchFamily="18" charset="0"/>
                         </a:rPr>
                         <m:t>𝑏</m:t>
                       </m:r>
                       <m:r>
-                        <a:rPr lang="it-IT" sz="2400" b="0" i="1" u="sng" smtClean="0">
+                        <a:rPr lang="it-IT" sz="2400" b="0" i="1" smtClean="0">
                           <a:latin typeface="Cambria Math" panose="02040503050406030204" pitchFamily="18" charset="0"/>
                         </a:rPr>
                         <m:t>−</m:t>
                       </m:r>
                       <m:r>
-                        <a:rPr lang="it-IT" sz="2400" b="0" i="1" u="sng" smtClean="0">
+                        <a:rPr lang="it-IT" sz="2400" b="0" i="1" smtClean="0">
                           <a:latin typeface="Cambria Math" panose="02040503050406030204" pitchFamily="18" charset="0"/>
                         </a:rPr>
                         <m:t>𝑑𝑆</m:t>
                       </m:r>
                       <m:r>
-                        <a:rPr lang="it-IT" sz="2400" b="0" i="1" u="sng" smtClean="0">
+                        <a:rPr lang="it-IT" sz="2400" b="0" i="1" smtClean="0">
                           <a:latin typeface="Cambria Math" panose="02040503050406030204" pitchFamily="18" charset="0"/>
                         </a:rPr>
                         <m:t>−</m:t>
                       </m:r>
                       <m:r>
-                        <a:rPr lang="it-IT" sz="2400" i="1" u="sng">
+                        <a:rPr lang="it-IT" sz="2400" i="1">
                           <a:latin typeface="Cambria Math" panose="02040503050406030204" pitchFamily="18" charset="0"/>
                           <a:ea typeface="Cambria Math" panose="02040503050406030204" pitchFamily="18" charset="0"/>
                         </a:rPr>
                         <m:t>𝛽</m:t>
                       </m:r>
                       <m:r>
-                        <a:rPr lang="it-IT" sz="2400" b="0" i="1" u="sng" smtClean="0">
+                        <a:rPr lang="it-IT" sz="2400" b="0" i="1" smtClean="0">
                           <a:latin typeface="Cambria Math" panose="02040503050406030204" pitchFamily="18" charset="0"/>
                         </a:rPr>
                         <m:t>𝑆</m:t>
@@ -5678,14 +5737,14 @@
                       <m:sSub>
                         <m:sSubPr>
                           <m:ctrlPr>
-                            <a:rPr lang="it-IT" sz="2400" i="1" u="sng">
+                            <a:rPr lang="it-IT" sz="2400" i="1">
                               <a:latin typeface="Cambria Math" panose="02040503050406030204" pitchFamily="18" charset="0"/>
                             </a:rPr>
                           </m:ctrlPr>
                         </m:sSubPr>
                         <m:e>
                           <m:r>
-                            <a:rPr lang="it-IT" sz="2400" i="1" u="sng">
+                            <a:rPr lang="it-IT" sz="2400" i="1">
                               <a:latin typeface="Cambria Math" panose="02040503050406030204" pitchFamily="18" charset="0"/>
                             </a:rPr>
                             <m:t>𝐼</m:t>
@@ -5693,7 +5752,7 @@
                         </m:e>
                         <m:sub>
                           <m:r>
-                            <a:rPr lang="it-IT" sz="2400" b="0" i="1" u="sng" smtClean="0">
+                            <a:rPr lang="it-IT" sz="2400" b="0" i="1" smtClean="0">
                               <a:latin typeface="Cambria Math" panose="02040503050406030204" pitchFamily="18" charset="0"/>
                             </a:rPr>
                             <m:t>𝑎</m:t>
@@ -5703,14 +5762,14 @@
                       <m:d>
                         <m:dPr>
                           <m:ctrlPr>
-                            <a:rPr lang="it-IT" sz="2400" b="0" i="1" u="sng" smtClean="0">
+                            <a:rPr lang="it-IT" sz="2400" b="0" i="1" smtClean="0">
                               <a:latin typeface="Cambria Math" panose="02040503050406030204" pitchFamily="18" charset="0"/>
                             </a:rPr>
                           </m:ctrlPr>
                         </m:dPr>
                         <m:e>
                           <m:r>
-                            <a:rPr lang="it-IT" sz="2400" b="0" i="1" u="sng" smtClean="0">
+                            <a:rPr lang="it-IT" sz="2400" b="0" i="1" smtClean="0">
                               <a:latin typeface="Cambria Math" panose="02040503050406030204" pitchFamily="18" charset="0"/>
                             </a:rPr>
                             <m:t>1−</m:t>
@@ -5718,14 +5777,14 @@
                           <m:sSub>
                             <m:sSubPr>
                               <m:ctrlPr>
-                                <a:rPr lang="it-IT" sz="2400" b="0" i="1" u="sng" smtClean="0">
+                                <a:rPr lang="it-IT" sz="2400" b="0" i="1" smtClean="0">
                                   <a:latin typeface="Cambria Math" panose="02040503050406030204" pitchFamily="18" charset="0"/>
                                 </a:rPr>
                               </m:ctrlPr>
                             </m:sSubPr>
                             <m:e>
                               <m:r>
-                                <a:rPr lang="it-IT" sz="2400" b="0" i="1" u="sng" smtClean="0">
+                                <a:rPr lang="it-IT" sz="2400" b="0" i="1" smtClean="0">
                                   <a:latin typeface="Cambria Math" panose="02040503050406030204" pitchFamily="18" charset="0"/>
                                 </a:rPr>
                                 <m:t>𝑢</m:t>
@@ -5733,7 +5792,7 @@
                             </m:e>
                             <m:sub>
                               <m:r>
-                                <a:rPr lang="it-IT" sz="2400" b="0" i="1" u="sng" smtClean="0">
+                                <a:rPr lang="it-IT" sz="2400" b="0" i="1" smtClean="0">
                                   <a:latin typeface="Cambria Math" panose="02040503050406030204" pitchFamily="18" charset="0"/>
                                 </a:rPr>
                                 <m:t>𝑝</m:t>
@@ -5743,27 +5802,27 @@
                         </m:e>
                       </m:d>
                       <m:r>
-                        <a:rPr lang="it-IT" sz="2400" b="0" i="1" u="sng" smtClean="0">
+                        <a:rPr lang="it-IT" sz="2400" b="0" i="1" smtClean="0">
                           <a:latin typeface="Cambria Math" panose="02040503050406030204" pitchFamily="18" charset="0"/>
                         </a:rPr>
                         <m:t>+</m:t>
                       </m:r>
                       <m:r>
-                        <a:rPr lang="it-IT" sz="2400" b="0" i="1" u="sng" smtClean="0">
+                        <a:rPr lang="it-IT" sz="2400" b="0" i="1" smtClean="0">
                           <a:latin typeface="Cambria Math" panose="02040503050406030204" pitchFamily="18" charset="0"/>
                           <a:ea typeface="Cambria Math" panose="02040503050406030204" pitchFamily="18" charset="0"/>
                         </a:rPr>
                         <m:t>𝜂</m:t>
                       </m:r>
                       <m:r>
-                        <a:rPr lang="it-IT" sz="2400" b="0" i="1" u="sng" smtClean="0">
+                        <a:rPr lang="it-IT" sz="2400" b="0" i="1" smtClean="0">
                           <a:latin typeface="Cambria Math" panose="02040503050406030204" pitchFamily="18" charset="0"/>
                           <a:ea typeface="Cambria Math" panose="02040503050406030204" pitchFamily="18" charset="0"/>
                         </a:rPr>
                         <m:t>𝑅</m:t>
                       </m:r>
                       <m:r>
-                        <a:rPr lang="it-IT" sz="2400" b="0" i="1" u="sng" smtClean="0">
+                        <a:rPr lang="it-IT" sz="2400" b="0" i="1" smtClean="0">
                           <a:latin typeface="Cambria Math" panose="02040503050406030204" pitchFamily="18" charset="0"/>
                           <a:ea typeface="Cambria Math" panose="02040503050406030204" pitchFamily="18" charset="0"/>
                         </a:rPr>
@@ -5772,7 +5831,7 @@
                       <m:sSub>
                         <m:sSubPr>
                           <m:ctrlPr>
-                            <a:rPr lang="it-IT" sz="2400" b="0" i="1" u="sng" smtClean="0">
+                            <a:rPr lang="it-IT" sz="2400" b="0" i="1" smtClean="0">
                               <a:latin typeface="Cambria Math" panose="02040503050406030204" pitchFamily="18" charset="0"/>
                               <a:ea typeface="Cambria Math" panose="02040503050406030204" pitchFamily="18" charset="0"/>
                             </a:rPr>
@@ -5780,7 +5839,7 @@
                         </m:sSubPr>
                         <m:e>
                           <m:r>
-                            <a:rPr lang="it-IT" sz="2400" b="0" i="1" u="sng" smtClean="0">
+                            <a:rPr lang="it-IT" sz="2400" b="0" i="1" smtClean="0">
                               <a:latin typeface="Cambria Math" panose="02040503050406030204" pitchFamily="18" charset="0"/>
                               <a:ea typeface="Cambria Math" panose="02040503050406030204" pitchFamily="18" charset="0"/>
                             </a:rPr>
@@ -5789,7 +5848,7 @@
                         </m:e>
                         <m:sub>
                           <m:r>
-                            <a:rPr lang="it-IT" sz="2400" b="0" i="1" u="sng" smtClean="0">
+                            <a:rPr lang="it-IT" sz="2400" b="0" i="1" smtClean="0">
                               <a:latin typeface="Cambria Math" panose="02040503050406030204" pitchFamily="18" charset="0"/>
                               <a:ea typeface="Cambria Math" panose="02040503050406030204" pitchFamily="18" charset="0"/>
                             </a:rPr>
@@ -5798,7 +5857,7 @@
                         </m:sub>
                       </m:sSub>
                       <m:r>
-                        <a:rPr lang="it-IT" sz="2400" b="0" i="1" u="sng" smtClean="0">
+                        <a:rPr lang="it-IT" sz="2400" b="0" i="1" smtClean="0">
                           <a:latin typeface="Cambria Math" panose="02040503050406030204" pitchFamily="18" charset="0"/>
                           <a:ea typeface="Cambria Math" panose="02040503050406030204" pitchFamily="18" charset="0"/>
                         </a:rPr>
@@ -5807,7 +5866,7 @@
                     </m:oMath>
                   </m:oMathPara>
                 </a14:m>
-                <a:endParaRPr lang="it-IT" sz="2400" u="sng" dirty="0"/>
+                <a:endParaRPr lang="it-IT" sz="2400" dirty="0"/>
               </a:p>
               <a:p>
                 <a:pPr/>
@@ -7378,7 +7437,7 @@
                       <m:sSub>
                         <m:sSubPr>
                           <m:ctrlPr>
-                            <a:rPr lang="it-IT" sz="2400" i="1" smtClean="0">
+                            <a:rPr lang="it-IT" sz="2400" b="0" i="1" smtClean="0">
                               <a:latin typeface="Cambria Math" panose="02040503050406030204" pitchFamily="18" charset="0"/>
                             </a:rPr>
                           </m:ctrlPr>
@@ -7388,7 +7447,7 @@
                             <a:rPr lang="it-IT" sz="2400" b="0" i="1" smtClean="0">
                               <a:latin typeface="Cambria Math" panose="02040503050406030204" pitchFamily="18" charset="0"/>
                             </a:rPr>
-                            <m:t>𝐼</m:t>
+                            <m:t>𝑢</m:t>
                           </m:r>
                         </m:e>
                         <m:sub>
@@ -7403,22 +7462,22 @@
                       <m:sSub>
                         <m:sSubPr>
                           <m:ctrlPr>
-                            <a:rPr lang="it-IT" sz="2400" b="0" i="1" smtClean="0">
+                            <a:rPr lang="it-IT" sz="2400" i="1">
                               <a:latin typeface="Cambria Math" panose="02040503050406030204" pitchFamily="18" charset="0"/>
                             </a:rPr>
                           </m:ctrlPr>
                         </m:sSubPr>
                         <m:e>
                           <m:r>
-                            <a:rPr lang="it-IT" sz="2400" b="0" i="1" smtClean="0">
-                              <a:latin typeface="Cambria Math" panose="02040503050406030204" pitchFamily="18" charset="0"/>
-                            </a:rPr>
-                            <m:t>𝑢</m:t>
+                            <a:rPr lang="it-IT" sz="2400" i="1">
+                              <a:latin typeface="Cambria Math" panose="02040503050406030204" pitchFamily="18" charset="0"/>
+                            </a:rPr>
+                            <m:t>𝐼</m:t>
                           </m:r>
                         </m:e>
                         <m:sub>
                           <m:r>
-                            <a:rPr lang="it-IT" sz="2400" b="0" i="1" smtClean="0">
+                            <a:rPr lang="it-IT" sz="2400" i="1">
                               <a:latin typeface="Cambria Math" panose="02040503050406030204" pitchFamily="18" charset="0"/>
                             </a:rPr>
                             <m:t>2</m:t>
@@ -7519,7 +7578,7 @@
             </p:txBody>
           </p:sp>
         </mc:Choice>
-        <mc:Fallback xmlns="">
+        <mc:Fallback>
           <p:sp>
             <p:nvSpPr>
               <p:cNvPr id="4" name="CasellaDiTesto 3">
@@ -12849,8 +12908,8 @@
           </p:sp>
         </mc:Fallback>
       </mc:AlternateContent>
-      <mc:AlternateContent xmlns:mc="http://schemas.openxmlformats.org/markup-compatibility/2006" xmlns:a14="http://schemas.microsoft.com/office/drawing/2010/main">
-        <mc:Choice Requires="a14">
+      <mc:AlternateContent xmlns:mc="http://schemas.openxmlformats.org/markup-compatibility/2006">
+        <mc:Choice xmlns:a14="http://schemas.microsoft.com/office/drawing/2010/main" Requires="a14">
           <p:sp>
             <p:nvSpPr>
               <p:cNvPr id="89" name="CasellaDiTesto 88">
@@ -12887,10 +12946,7 @@
                     </m:oMathParaPr>
                     <m:oMath xmlns:m="http://schemas.openxmlformats.org/officeDocument/2006/math">
                       <m:r>
-                        <m:rPr>
-                          <m:sty m:val="p"/>
-                        </m:rPr>
-                        <a:rPr lang="it-IT" sz="1400" b="0" i="0" smtClean="0">
+                        <a:rPr lang="it-IT" sz="1400" i="1" smtClean="0">
                           <a:effectLst>
                             <a:outerShdw blurRad="38100" dist="38100" dir="2700000" algn="tl">
                               <a:srgbClr val="000000">
@@ -12900,7 +12956,7 @@
                           </a:effectLst>
                           <a:latin typeface="Cambria Math" panose="02040503050406030204" pitchFamily="18" charset="0"/>
                         </a:rPr>
-                        <m:t>b</m:t>
+                        <m:t>𝛽</m:t>
                       </m:r>
                       <m:sSub>
                         <m:sSubPr>
@@ -13053,7 +13109,7 @@
             </p:txBody>
           </p:sp>
         </mc:Choice>
-        <mc:Fallback xmlns="">
+        <mc:Fallback>
           <p:sp>
             <p:nvSpPr>
               <p:cNvPr id="89" name="CasellaDiTesto 88">
@@ -13079,7 +13135,7 @@
               <a:blipFill>
                 <a:blip r:embed="rId10"/>
                 <a:stretch>
-                  <a:fillRect b="-5357"/>
+                  <a:fillRect b="-8929"/>
                 </a:stretch>
               </a:blipFill>
             </p:spPr>
@@ -15388,23 +15444,19 @@
           <a:prstGeom prst="straightConnector1">
             <a:avLst/>
           </a:prstGeom>
-          <a:ln w="12700">
-            <a:solidFill>
-              <a:schemeClr val="tx1"/>
-            </a:solidFill>
-            <a:prstDash val="dash"/>
+          <a:ln>
             <a:tailEnd type="triangle"/>
           </a:ln>
         </p:spPr>
         <p:style>
           <a:lnRef idx="1">
-            <a:schemeClr val="accent1"/>
+            <a:schemeClr val="dk1"/>
           </a:lnRef>
           <a:fillRef idx="0">
-            <a:schemeClr val="accent1"/>
+            <a:schemeClr val="dk1"/>
           </a:fillRef>
           <a:effectRef idx="0">
-            <a:schemeClr val="accent1"/>
+            <a:schemeClr val="dk1"/>
           </a:effectRef>
           <a:fontRef idx="minor">
             <a:schemeClr val="tx1"/>
@@ -15639,8 +15691,8 @@
           </a:p>
         </p:txBody>
       </p:sp>
-      <mc:AlternateContent xmlns:mc="http://schemas.openxmlformats.org/markup-compatibility/2006">
-        <mc:Choice xmlns:a14="http://schemas.microsoft.com/office/drawing/2010/main" Requires="a14">
+      <mc:AlternateContent xmlns:mc="http://schemas.openxmlformats.org/markup-compatibility/2006" xmlns:a14="http://schemas.microsoft.com/office/drawing/2010/main">
+        <mc:Choice Requires="a14">
           <p:graphicFrame>
             <p:nvGraphicFramePr>
               <p:cNvPr id="5" name="Tabella 5">
@@ -15726,6 +15778,7 @@
                         <a:bodyPr/>
                         <a:lstStyle/>
                         <a:p>
+                          <a:pPr/>
                           <a14:m>
                             <m:oMathPara xmlns:m="http://schemas.openxmlformats.org/officeDocument/2006/math">
                               <m:oMathParaPr>
@@ -15790,6 +15843,7 @@
                         <a:bodyPr/>
                         <a:lstStyle/>
                         <a:p>
+                          <a:pPr/>
                           <a14:m>
                             <m:oMathPara xmlns:m="http://schemas.openxmlformats.org/officeDocument/2006/math">
                               <m:oMathParaPr>
@@ -15854,6 +15908,7 @@
                         <a:bodyPr/>
                         <a:lstStyle/>
                         <a:p>
+                          <a:pPr/>
                           <a14:m>
                             <m:oMathPara xmlns:m="http://schemas.openxmlformats.org/officeDocument/2006/math">
                               <m:oMathParaPr>
@@ -15918,6 +15973,7 @@
                         <a:bodyPr/>
                         <a:lstStyle/>
                         <a:p>
+                          <a:pPr/>
                           <a14:m>
                             <m:oMathPara xmlns:m="http://schemas.openxmlformats.org/officeDocument/2006/math">
                               <m:oMathParaPr>
@@ -15981,7 +16037,7 @@
             </a:graphic>
           </p:graphicFrame>
         </mc:Choice>
-        <mc:Fallback>
+        <mc:Fallback xmlns="">
           <p:graphicFrame>
             <p:nvGraphicFramePr>
               <p:cNvPr id="5" name="Tabella 5">

--- a/PowerPoint/Optimal control strategies to prevent the hospital beds collapse during COVID-19 outbreak.pptx
+++ b/PowerPoint/Optimal control strategies to prevent the hospital beds collapse during COVID-19 outbreak.pptx
@@ -1,29 +1,29 @@
 
 <file path=ppt/presentation.xml><?xml version="1.0" encoding="utf-8"?>
-<p:presentation xmlns:a="http://schemas.openxmlformats.org/drawingml/2006/main" xmlns:r="http://schemas.openxmlformats.org/officeDocument/2006/relationships" xmlns:p="http://schemas.openxmlformats.org/presentationml/2006/main" saveSubsetFonts="1">
+<p:presentation xmlns:a="http://schemas.openxmlformats.org/drawingml/2006/main" xmlns:r="http://schemas.openxmlformats.org/officeDocument/2006/relationships" xmlns:p="http://schemas.openxmlformats.org/presentationml/2006/main">
   <p:sldMasterIdLst>
     <p:sldMasterId id="2147483648" r:id="rId1"/>
   </p:sldMasterIdLst>
   <p:sldIdLst>
-    <p:sldId id="256" r:id="rId2"/>
-    <p:sldId id="257" r:id="rId3"/>
-    <p:sldId id="261" r:id="rId4"/>
-    <p:sldId id="258" r:id="rId5"/>
-    <p:sldId id="260" r:id="rId6"/>
-    <p:sldId id="272" r:id="rId7"/>
-    <p:sldId id="273" r:id="rId8"/>
-    <p:sldId id="262" r:id="rId9"/>
-    <p:sldId id="263" r:id="rId10"/>
-    <p:sldId id="264" r:id="rId11"/>
-    <p:sldId id="274" r:id="rId12"/>
-    <p:sldId id="265" r:id="rId13"/>
-    <p:sldId id="266" r:id="rId14"/>
-    <p:sldId id="267" r:id="rId15"/>
-    <p:sldId id="268" r:id="rId16"/>
-    <p:sldId id="269" r:id="rId17"/>
-    <p:sldId id="270" r:id="rId18"/>
-    <p:sldId id="271" r:id="rId19"/>
-    <p:sldId id="275" r:id="rId20"/>
+    <p:sldId id="256" r:id="rId3"/>
+    <p:sldId id="257" r:id="rId4"/>
+    <p:sldId id="261" r:id="rId5"/>
+    <p:sldId id="258" r:id="rId6"/>
+    <p:sldId id="260" r:id="rId7"/>
+    <p:sldId id="272" r:id="rId8"/>
+    <p:sldId id="273" r:id="rId9"/>
+    <p:sldId id="262" r:id="rId10"/>
+    <p:sldId id="263" r:id="rId11"/>
+    <p:sldId id="264" r:id="rId12"/>
+    <p:sldId id="274" r:id="rId13"/>
+    <p:sldId id="265" r:id="rId14"/>
+    <p:sldId id="266" r:id="rId15"/>
+    <p:sldId id="267" r:id="rId16"/>
+    <p:sldId id="268" r:id="rId17"/>
+    <p:sldId id="269" r:id="rId18"/>
+    <p:sldId id="270" r:id="rId19"/>
+    <p:sldId id="271" r:id="rId20"/>
+    <p:sldId id="275" r:id="rId21"/>
   </p:sldIdLst>
   <p:sldSz cx="12192000" cy="6858000"/>
   <p:notesSz cx="6858000" cy="9144000"/>
@@ -122,11 +122,6 @@
       </a:defRPr>
     </a:lvl9pPr>
   </p:defaultTextStyle>
-  <p:extLst>
-    <p:ext uri="{EFAFB233-063F-42B5-8137-9DF3F51BA10A}">
-      <p15:sldGuideLst xmlns:p15="http://schemas.microsoft.com/office/powerpoint/2012/main"/>
-    </p:ext>
-  </p:extLst>
 </p:presentation>
 </file>
 
@@ -149,18 +144,12 @@
       </p:grpSpPr>
       <p:sp>
         <p:nvSpPr>
-          <p:cNvPr id="2" name="Titolo 1">
-            <a:extLst>
-              <a:ext uri="{FF2B5EF4-FFF2-40B4-BE49-F238E27FC236}">
-                <a16:creationId xmlns:a16="http://schemas.microsoft.com/office/drawing/2014/main" id="{0E912D72-B7C9-42C3-B266-653420184AF5}"/>
-              </a:ext>
-            </a:extLst>
-          </p:cNvPr>
+          <p:cNvPr id="2" name="Titolo 1"/>
           <p:cNvSpPr>
-            <a:spLocks noGrp="1"/>
+            <a:spLocks noGrp="true"/>
           </p:cNvSpPr>
           <p:nvPr>
-            <p:ph type="ctrTitle"/>
+            <p:ph type="ctrTitle" hasCustomPrompt="true"/>
           </p:nvPr>
         </p:nvSpPr>
         <p:spPr>
@@ -181,23 +170,18 @@
               <a:rPr lang="it-IT"/>
               <a:t>Fare clic per modificare lo stile del titolo dello schema</a:t>
             </a:r>
+            <a:endParaRPr lang="it-IT"/>
           </a:p>
         </p:txBody>
       </p:sp>
       <p:sp>
         <p:nvSpPr>
-          <p:cNvPr id="3" name="Sottotitolo 2">
-            <a:extLst>
-              <a:ext uri="{FF2B5EF4-FFF2-40B4-BE49-F238E27FC236}">
-                <a16:creationId xmlns:a16="http://schemas.microsoft.com/office/drawing/2014/main" id="{2A868D7D-17A5-4B27-BE72-DFC7DDDCC3CB}"/>
-              </a:ext>
-            </a:extLst>
-          </p:cNvPr>
+          <p:cNvPr id="3" name="Sottotitolo 2"/>
           <p:cNvSpPr>
-            <a:spLocks noGrp="1"/>
+            <a:spLocks noGrp="true"/>
           </p:cNvSpPr>
           <p:nvPr>
-            <p:ph type="subTitle" idx="1"/>
+            <p:ph type="subTitle" idx="1" hasCustomPrompt="true"/>
           </p:nvPr>
         </p:nvSpPr>
         <p:spPr>
@@ -251,20 +235,15 @@
               <a:rPr lang="it-IT"/>
               <a:t>Fare clic per modificare lo stile del sottotitolo dello schema</a:t>
             </a:r>
+            <a:endParaRPr lang="it-IT"/>
           </a:p>
         </p:txBody>
       </p:sp>
       <p:sp>
         <p:nvSpPr>
-          <p:cNvPr id="4" name="Segnaposto data 3">
-            <a:extLst>
-              <a:ext uri="{FF2B5EF4-FFF2-40B4-BE49-F238E27FC236}">
-                <a16:creationId xmlns:a16="http://schemas.microsoft.com/office/drawing/2014/main" id="{764A4CE9-333D-4091-9FF7-BB0970BC9B69}"/>
-              </a:ext>
-            </a:extLst>
-          </p:cNvPr>
+          <p:cNvPr id="4" name="Segnaposto data 3"/>
           <p:cNvSpPr>
-            <a:spLocks noGrp="1"/>
+            <a:spLocks noGrp="true"/>
           </p:cNvSpPr>
           <p:nvPr>
             <p:ph type="dt" sz="half" idx="10"/>
@@ -277,7 +256,6 @@
           <a:p>
             <a:fld id="{32F30997-0925-4C0B-8C7A-0B9D8E6111C4}" type="datetimeFigureOut">
               <a:rPr lang="it-IT" smtClean="0"/>
-              <a:t>24/02/2021</a:t>
             </a:fld>
             <a:endParaRPr lang="it-IT"/>
           </a:p>
@@ -285,15 +263,9 @@
       </p:sp>
       <p:sp>
         <p:nvSpPr>
-          <p:cNvPr id="5" name="Segnaposto piè di pagina 4">
-            <a:extLst>
-              <a:ext uri="{FF2B5EF4-FFF2-40B4-BE49-F238E27FC236}">
-                <a16:creationId xmlns:a16="http://schemas.microsoft.com/office/drawing/2014/main" id="{C44B7330-8455-4284-A2B3-78880853D8A8}"/>
-              </a:ext>
-            </a:extLst>
-          </p:cNvPr>
+          <p:cNvPr id="5" name="Segnaposto piè di pagina 4"/>
           <p:cNvSpPr>
-            <a:spLocks noGrp="1"/>
+            <a:spLocks noGrp="true"/>
           </p:cNvSpPr>
           <p:nvPr>
             <p:ph type="ftr" sz="quarter" idx="11"/>
@@ -310,15 +282,9 @@
       </p:sp>
       <p:sp>
         <p:nvSpPr>
-          <p:cNvPr id="6" name="Segnaposto numero diapositiva 5">
-            <a:extLst>
-              <a:ext uri="{FF2B5EF4-FFF2-40B4-BE49-F238E27FC236}">
-                <a16:creationId xmlns:a16="http://schemas.microsoft.com/office/drawing/2014/main" id="{E3E9F004-6B84-4DC4-9D08-2B2D286DB03F}"/>
-              </a:ext>
-            </a:extLst>
-          </p:cNvPr>
+          <p:cNvPr id="6" name="Segnaposto numero diapositiva 5"/>
           <p:cNvSpPr>
-            <a:spLocks noGrp="1"/>
+            <a:spLocks noGrp="true"/>
           </p:cNvSpPr>
           <p:nvPr>
             <p:ph type="sldNum" sz="quarter" idx="12"/>
@@ -331,18 +297,12 @@
           <a:p>
             <a:fld id="{6D865662-5E30-4BD2-9AE9-A5F336DFC7F6}" type="slidenum">
               <a:rPr lang="it-IT" smtClean="0"/>
-              <a:t>‹N›</a:t>
             </a:fld>
             <a:endParaRPr lang="it-IT"/>
           </a:p>
         </p:txBody>
       </p:sp>
     </p:spTree>
-    <p:extLst>
-      <p:ext uri="{BB962C8B-B14F-4D97-AF65-F5344CB8AC3E}">
-        <p14:creationId xmlns:p14="http://schemas.microsoft.com/office/powerpoint/2010/main" val="1321786599"/>
-      </p:ext>
-    </p:extLst>
   </p:cSld>
   <p:clrMapOvr>
     <a:masterClrMapping/>
@@ -369,18 +329,12 @@
       </p:grpSpPr>
       <p:sp>
         <p:nvSpPr>
-          <p:cNvPr id="2" name="Titolo 1">
-            <a:extLst>
-              <a:ext uri="{FF2B5EF4-FFF2-40B4-BE49-F238E27FC236}">
-                <a16:creationId xmlns:a16="http://schemas.microsoft.com/office/drawing/2014/main" id="{341165C6-4ABE-481C-881D-4F9E64AE8512}"/>
-              </a:ext>
-            </a:extLst>
-          </p:cNvPr>
+          <p:cNvPr id="2" name="Titolo 1"/>
           <p:cNvSpPr>
-            <a:spLocks noGrp="1"/>
+            <a:spLocks noGrp="true"/>
           </p:cNvSpPr>
           <p:nvPr>
-            <p:ph type="title"/>
+            <p:ph type="title" hasCustomPrompt="true"/>
           </p:nvPr>
         </p:nvSpPr>
         <p:spPr/>
@@ -392,23 +346,18 @@
               <a:rPr lang="it-IT"/>
               <a:t>Fare clic per modificare lo stile del titolo dello schema</a:t>
             </a:r>
+            <a:endParaRPr lang="it-IT"/>
           </a:p>
         </p:txBody>
       </p:sp>
       <p:sp>
         <p:nvSpPr>
-          <p:cNvPr id="3" name="Segnaposto testo verticale 2">
-            <a:extLst>
-              <a:ext uri="{FF2B5EF4-FFF2-40B4-BE49-F238E27FC236}">
-                <a16:creationId xmlns:a16="http://schemas.microsoft.com/office/drawing/2014/main" id="{F9AFB63C-2758-44FD-BD6F-688A1AB01372}"/>
-              </a:ext>
-            </a:extLst>
-          </p:cNvPr>
+          <p:cNvPr id="3" name="Segnaposto testo verticale 2"/>
           <p:cNvSpPr>
-            <a:spLocks noGrp="1"/>
+            <a:spLocks noGrp="true"/>
           </p:cNvSpPr>
           <p:nvPr>
-            <p:ph type="body" orient="vert" idx="1"/>
+            <p:ph type="body" orient="vert" idx="1" hasCustomPrompt="true"/>
           </p:nvPr>
         </p:nvSpPr>
         <p:spPr/>
@@ -421,6 +370,7 @@
               <a:rPr lang="it-IT"/>
               <a:t>Fare clic per modificare gli stili del testo dello schema</a:t>
             </a:r>
+            <a:endParaRPr lang="it-IT"/>
           </a:p>
           <a:p>
             <a:pPr lvl="1"/>
@@ -428,6 +378,7 @@
               <a:rPr lang="it-IT"/>
               <a:t>Secondo livello</a:t>
             </a:r>
+            <a:endParaRPr lang="it-IT"/>
           </a:p>
           <a:p>
             <a:pPr lvl="2"/>
@@ -435,6 +386,7 @@
               <a:rPr lang="it-IT"/>
               <a:t>Terzo livello</a:t>
             </a:r>
+            <a:endParaRPr lang="it-IT"/>
           </a:p>
           <a:p>
             <a:pPr lvl="3"/>
@@ -442,6 +394,7 @@
               <a:rPr lang="it-IT"/>
               <a:t>Quarto livello</a:t>
             </a:r>
+            <a:endParaRPr lang="it-IT"/>
           </a:p>
           <a:p>
             <a:pPr lvl="4"/>
@@ -449,20 +402,15 @@
               <a:rPr lang="it-IT"/>
               <a:t>Quinto livello</a:t>
             </a:r>
+            <a:endParaRPr lang="it-IT"/>
           </a:p>
         </p:txBody>
       </p:sp>
       <p:sp>
         <p:nvSpPr>
-          <p:cNvPr id="4" name="Segnaposto data 3">
-            <a:extLst>
-              <a:ext uri="{FF2B5EF4-FFF2-40B4-BE49-F238E27FC236}">
-                <a16:creationId xmlns:a16="http://schemas.microsoft.com/office/drawing/2014/main" id="{A0F65164-A1BF-479A-8ED2-CCC866421DB8}"/>
-              </a:ext>
-            </a:extLst>
-          </p:cNvPr>
+          <p:cNvPr id="4" name="Segnaposto data 3"/>
           <p:cNvSpPr>
-            <a:spLocks noGrp="1"/>
+            <a:spLocks noGrp="true"/>
           </p:cNvSpPr>
           <p:nvPr>
             <p:ph type="dt" sz="half" idx="10"/>
@@ -475,7 +423,6 @@
           <a:p>
             <a:fld id="{32F30997-0925-4C0B-8C7A-0B9D8E6111C4}" type="datetimeFigureOut">
               <a:rPr lang="it-IT" smtClean="0"/>
-              <a:t>24/02/2021</a:t>
             </a:fld>
             <a:endParaRPr lang="it-IT"/>
           </a:p>
@@ -483,15 +430,9 @@
       </p:sp>
       <p:sp>
         <p:nvSpPr>
-          <p:cNvPr id="5" name="Segnaposto piè di pagina 4">
-            <a:extLst>
-              <a:ext uri="{FF2B5EF4-FFF2-40B4-BE49-F238E27FC236}">
-                <a16:creationId xmlns:a16="http://schemas.microsoft.com/office/drawing/2014/main" id="{4E9E843A-0682-4087-8114-5DBA03D7F2E3}"/>
-              </a:ext>
-            </a:extLst>
-          </p:cNvPr>
+          <p:cNvPr id="5" name="Segnaposto piè di pagina 4"/>
           <p:cNvSpPr>
-            <a:spLocks noGrp="1"/>
+            <a:spLocks noGrp="true"/>
           </p:cNvSpPr>
           <p:nvPr>
             <p:ph type="ftr" sz="quarter" idx="11"/>
@@ -508,15 +449,9 @@
       </p:sp>
       <p:sp>
         <p:nvSpPr>
-          <p:cNvPr id="6" name="Segnaposto numero diapositiva 5">
-            <a:extLst>
-              <a:ext uri="{FF2B5EF4-FFF2-40B4-BE49-F238E27FC236}">
-                <a16:creationId xmlns:a16="http://schemas.microsoft.com/office/drawing/2014/main" id="{38E99BEE-2BF5-4A75-AA06-5DBB9A99DCF1}"/>
-              </a:ext>
-            </a:extLst>
-          </p:cNvPr>
+          <p:cNvPr id="6" name="Segnaposto numero diapositiva 5"/>
           <p:cNvSpPr>
-            <a:spLocks noGrp="1"/>
+            <a:spLocks noGrp="true"/>
           </p:cNvSpPr>
           <p:nvPr>
             <p:ph type="sldNum" sz="quarter" idx="12"/>
@@ -529,18 +464,12 @@
           <a:p>
             <a:fld id="{6D865662-5E30-4BD2-9AE9-A5F336DFC7F6}" type="slidenum">
               <a:rPr lang="it-IT" smtClean="0"/>
-              <a:t>‹N›</a:t>
             </a:fld>
             <a:endParaRPr lang="it-IT"/>
           </a:p>
         </p:txBody>
       </p:sp>
     </p:spTree>
-    <p:extLst>
-      <p:ext uri="{BB962C8B-B14F-4D97-AF65-F5344CB8AC3E}">
-        <p14:creationId xmlns:p14="http://schemas.microsoft.com/office/powerpoint/2010/main" val="4288437539"/>
-      </p:ext>
-    </p:extLst>
   </p:cSld>
   <p:clrMapOvr>
     <a:masterClrMapping/>
@@ -567,18 +496,12 @@
       </p:grpSpPr>
       <p:sp>
         <p:nvSpPr>
-          <p:cNvPr id="2" name="Titolo verticale 1">
-            <a:extLst>
-              <a:ext uri="{FF2B5EF4-FFF2-40B4-BE49-F238E27FC236}">
-                <a16:creationId xmlns:a16="http://schemas.microsoft.com/office/drawing/2014/main" id="{029D3E92-BD2D-47FE-96F0-BEA843F12700}"/>
-              </a:ext>
-            </a:extLst>
-          </p:cNvPr>
+          <p:cNvPr id="2" name="Titolo verticale 1"/>
           <p:cNvSpPr>
-            <a:spLocks noGrp="1"/>
+            <a:spLocks noGrp="true"/>
           </p:cNvSpPr>
           <p:nvPr>
-            <p:ph type="title" orient="vert"/>
+            <p:ph type="title" orient="vert" hasCustomPrompt="true"/>
           </p:nvPr>
         </p:nvSpPr>
         <p:spPr>
@@ -595,23 +518,18 @@
               <a:rPr lang="it-IT"/>
               <a:t>Fare clic per modificare lo stile del titolo dello schema</a:t>
             </a:r>
+            <a:endParaRPr lang="it-IT"/>
           </a:p>
         </p:txBody>
       </p:sp>
       <p:sp>
         <p:nvSpPr>
-          <p:cNvPr id="3" name="Segnaposto testo verticale 2">
-            <a:extLst>
-              <a:ext uri="{FF2B5EF4-FFF2-40B4-BE49-F238E27FC236}">
-                <a16:creationId xmlns:a16="http://schemas.microsoft.com/office/drawing/2014/main" id="{54B813D0-9B68-42CE-BF94-047EB1DBBE46}"/>
-              </a:ext>
-            </a:extLst>
-          </p:cNvPr>
+          <p:cNvPr id="3" name="Segnaposto testo verticale 2"/>
           <p:cNvSpPr>
-            <a:spLocks noGrp="1"/>
+            <a:spLocks noGrp="true"/>
           </p:cNvSpPr>
           <p:nvPr>
-            <p:ph type="body" orient="vert" idx="1"/>
+            <p:ph type="body" orient="vert" idx="1" hasCustomPrompt="true"/>
           </p:nvPr>
         </p:nvSpPr>
         <p:spPr>
@@ -629,6 +547,7 @@
               <a:rPr lang="it-IT"/>
               <a:t>Fare clic per modificare gli stili del testo dello schema</a:t>
             </a:r>
+            <a:endParaRPr lang="it-IT"/>
           </a:p>
           <a:p>
             <a:pPr lvl="1"/>
@@ -636,6 +555,7 @@
               <a:rPr lang="it-IT"/>
               <a:t>Secondo livello</a:t>
             </a:r>
+            <a:endParaRPr lang="it-IT"/>
           </a:p>
           <a:p>
             <a:pPr lvl="2"/>
@@ -643,6 +563,7 @@
               <a:rPr lang="it-IT"/>
               <a:t>Terzo livello</a:t>
             </a:r>
+            <a:endParaRPr lang="it-IT"/>
           </a:p>
           <a:p>
             <a:pPr lvl="3"/>
@@ -650,6 +571,7 @@
               <a:rPr lang="it-IT"/>
               <a:t>Quarto livello</a:t>
             </a:r>
+            <a:endParaRPr lang="it-IT"/>
           </a:p>
           <a:p>
             <a:pPr lvl="4"/>
@@ -657,20 +579,15 @@
               <a:rPr lang="it-IT"/>
               <a:t>Quinto livello</a:t>
             </a:r>
+            <a:endParaRPr lang="it-IT"/>
           </a:p>
         </p:txBody>
       </p:sp>
       <p:sp>
         <p:nvSpPr>
-          <p:cNvPr id="4" name="Segnaposto data 3">
-            <a:extLst>
-              <a:ext uri="{FF2B5EF4-FFF2-40B4-BE49-F238E27FC236}">
-                <a16:creationId xmlns:a16="http://schemas.microsoft.com/office/drawing/2014/main" id="{C1403BB7-232E-4CD4-BA34-2D10FA114892}"/>
-              </a:ext>
-            </a:extLst>
-          </p:cNvPr>
+          <p:cNvPr id="4" name="Segnaposto data 3"/>
           <p:cNvSpPr>
-            <a:spLocks noGrp="1"/>
+            <a:spLocks noGrp="true"/>
           </p:cNvSpPr>
           <p:nvPr>
             <p:ph type="dt" sz="half" idx="10"/>
@@ -683,7 +600,6 @@
           <a:p>
             <a:fld id="{32F30997-0925-4C0B-8C7A-0B9D8E6111C4}" type="datetimeFigureOut">
               <a:rPr lang="it-IT" smtClean="0"/>
-              <a:t>24/02/2021</a:t>
             </a:fld>
             <a:endParaRPr lang="it-IT"/>
           </a:p>
@@ -691,15 +607,9 @@
       </p:sp>
       <p:sp>
         <p:nvSpPr>
-          <p:cNvPr id="5" name="Segnaposto piè di pagina 4">
-            <a:extLst>
-              <a:ext uri="{FF2B5EF4-FFF2-40B4-BE49-F238E27FC236}">
-                <a16:creationId xmlns:a16="http://schemas.microsoft.com/office/drawing/2014/main" id="{20F25A89-ED2B-4C0F-8F69-504AC580E331}"/>
-              </a:ext>
-            </a:extLst>
-          </p:cNvPr>
+          <p:cNvPr id="5" name="Segnaposto piè di pagina 4"/>
           <p:cNvSpPr>
-            <a:spLocks noGrp="1"/>
+            <a:spLocks noGrp="true"/>
           </p:cNvSpPr>
           <p:nvPr>
             <p:ph type="ftr" sz="quarter" idx="11"/>
@@ -716,15 +626,9 @@
       </p:sp>
       <p:sp>
         <p:nvSpPr>
-          <p:cNvPr id="6" name="Segnaposto numero diapositiva 5">
-            <a:extLst>
-              <a:ext uri="{FF2B5EF4-FFF2-40B4-BE49-F238E27FC236}">
-                <a16:creationId xmlns:a16="http://schemas.microsoft.com/office/drawing/2014/main" id="{9A08D74F-7DFB-47DC-A641-613BE5567583}"/>
-              </a:ext>
-            </a:extLst>
-          </p:cNvPr>
+          <p:cNvPr id="6" name="Segnaposto numero diapositiva 5"/>
           <p:cNvSpPr>
-            <a:spLocks noGrp="1"/>
+            <a:spLocks noGrp="true"/>
           </p:cNvSpPr>
           <p:nvPr>
             <p:ph type="sldNum" sz="quarter" idx="12"/>
@@ -737,18 +641,12 @@
           <a:p>
             <a:fld id="{6D865662-5E30-4BD2-9AE9-A5F336DFC7F6}" type="slidenum">
               <a:rPr lang="it-IT" smtClean="0"/>
-              <a:t>‹N›</a:t>
             </a:fld>
             <a:endParaRPr lang="it-IT"/>
           </a:p>
         </p:txBody>
       </p:sp>
     </p:spTree>
-    <p:extLst>
-      <p:ext uri="{BB962C8B-B14F-4D97-AF65-F5344CB8AC3E}">
-        <p14:creationId xmlns:p14="http://schemas.microsoft.com/office/powerpoint/2010/main" val="1339728388"/>
-      </p:ext>
-    </p:extLst>
   </p:cSld>
   <p:clrMapOvr>
     <a:masterClrMapping/>
@@ -775,18 +673,12 @@
       </p:grpSpPr>
       <p:sp>
         <p:nvSpPr>
-          <p:cNvPr id="2" name="Titolo 1">
-            <a:extLst>
-              <a:ext uri="{FF2B5EF4-FFF2-40B4-BE49-F238E27FC236}">
-                <a16:creationId xmlns:a16="http://schemas.microsoft.com/office/drawing/2014/main" id="{785FB388-3A33-45A8-A9E5-D90DF3F2E7EF}"/>
-              </a:ext>
-            </a:extLst>
-          </p:cNvPr>
+          <p:cNvPr id="2" name="Titolo 1"/>
           <p:cNvSpPr>
-            <a:spLocks noGrp="1"/>
+            <a:spLocks noGrp="true"/>
           </p:cNvSpPr>
           <p:nvPr>
-            <p:ph type="title"/>
+            <p:ph type="title" hasCustomPrompt="true"/>
           </p:nvPr>
         </p:nvSpPr>
         <p:spPr/>
@@ -798,23 +690,18 @@
               <a:rPr lang="it-IT"/>
               <a:t>Fare clic per modificare lo stile del titolo dello schema</a:t>
             </a:r>
+            <a:endParaRPr lang="it-IT"/>
           </a:p>
         </p:txBody>
       </p:sp>
       <p:sp>
         <p:nvSpPr>
-          <p:cNvPr id="3" name="Segnaposto contenuto 2">
-            <a:extLst>
-              <a:ext uri="{FF2B5EF4-FFF2-40B4-BE49-F238E27FC236}">
-                <a16:creationId xmlns:a16="http://schemas.microsoft.com/office/drawing/2014/main" id="{FC2FBCC3-82F7-4A9C-B0E7-CFAC190373D3}"/>
-              </a:ext>
-            </a:extLst>
-          </p:cNvPr>
+          <p:cNvPr id="3" name="Segnaposto contenuto 2"/>
           <p:cNvSpPr>
-            <a:spLocks noGrp="1"/>
+            <a:spLocks noGrp="true"/>
           </p:cNvSpPr>
           <p:nvPr>
-            <p:ph idx="1"/>
+            <p:ph idx="1" hasCustomPrompt="true"/>
           </p:nvPr>
         </p:nvSpPr>
         <p:spPr/>
@@ -827,6 +714,7 @@
               <a:rPr lang="it-IT"/>
               <a:t>Fare clic per modificare gli stili del testo dello schema</a:t>
             </a:r>
+            <a:endParaRPr lang="it-IT"/>
           </a:p>
           <a:p>
             <a:pPr lvl="1"/>
@@ -834,6 +722,7 @@
               <a:rPr lang="it-IT"/>
               <a:t>Secondo livello</a:t>
             </a:r>
+            <a:endParaRPr lang="it-IT"/>
           </a:p>
           <a:p>
             <a:pPr lvl="2"/>
@@ -841,6 +730,7 @@
               <a:rPr lang="it-IT"/>
               <a:t>Terzo livello</a:t>
             </a:r>
+            <a:endParaRPr lang="it-IT"/>
           </a:p>
           <a:p>
             <a:pPr lvl="3"/>
@@ -848,6 +738,7 @@
               <a:rPr lang="it-IT"/>
               <a:t>Quarto livello</a:t>
             </a:r>
+            <a:endParaRPr lang="it-IT"/>
           </a:p>
           <a:p>
             <a:pPr lvl="4"/>
@@ -855,20 +746,15 @@
               <a:rPr lang="it-IT"/>
               <a:t>Quinto livello</a:t>
             </a:r>
+            <a:endParaRPr lang="it-IT"/>
           </a:p>
         </p:txBody>
       </p:sp>
       <p:sp>
         <p:nvSpPr>
-          <p:cNvPr id="4" name="Segnaposto data 3">
-            <a:extLst>
-              <a:ext uri="{FF2B5EF4-FFF2-40B4-BE49-F238E27FC236}">
-                <a16:creationId xmlns:a16="http://schemas.microsoft.com/office/drawing/2014/main" id="{D025D61C-0383-4160-B714-C4730B4C04E5}"/>
-              </a:ext>
-            </a:extLst>
-          </p:cNvPr>
+          <p:cNvPr id="4" name="Segnaposto data 3"/>
           <p:cNvSpPr>
-            <a:spLocks noGrp="1"/>
+            <a:spLocks noGrp="true"/>
           </p:cNvSpPr>
           <p:nvPr>
             <p:ph type="dt" sz="half" idx="10"/>
@@ -881,7 +767,6 @@
           <a:p>
             <a:fld id="{32F30997-0925-4C0B-8C7A-0B9D8E6111C4}" type="datetimeFigureOut">
               <a:rPr lang="it-IT" smtClean="0"/>
-              <a:t>24/02/2021</a:t>
             </a:fld>
             <a:endParaRPr lang="it-IT"/>
           </a:p>
@@ -889,15 +774,9 @@
       </p:sp>
       <p:sp>
         <p:nvSpPr>
-          <p:cNvPr id="5" name="Segnaposto piè di pagina 4">
-            <a:extLst>
-              <a:ext uri="{FF2B5EF4-FFF2-40B4-BE49-F238E27FC236}">
-                <a16:creationId xmlns:a16="http://schemas.microsoft.com/office/drawing/2014/main" id="{2144F1BE-A7FE-4C91-8150-DA62BA8192B0}"/>
-              </a:ext>
-            </a:extLst>
-          </p:cNvPr>
+          <p:cNvPr id="5" name="Segnaposto piè di pagina 4"/>
           <p:cNvSpPr>
-            <a:spLocks noGrp="1"/>
+            <a:spLocks noGrp="true"/>
           </p:cNvSpPr>
           <p:nvPr>
             <p:ph type="ftr" sz="quarter" idx="11"/>
@@ -914,15 +793,9 @@
       </p:sp>
       <p:sp>
         <p:nvSpPr>
-          <p:cNvPr id="6" name="Segnaposto numero diapositiva 5">
-            <a:extLst>
-              <a:ext uri="{FF2B5EF4-FFF2-40B4-BE49-F238E27FC236}">
-                <a16:creationId xmlns:a16="http://schemas.microsoft.com/office/drawing/2014/main" id="{2DBF46DC-D5F9-4FC0-921D-AEB970BDDD88}"/>
-              </a:ext>
-            </a:extLst>
-          </p:cNvPr>
+          <p:cNvPr id="6" name="Segnaposto numero diapositiva 5"/>
           <p:cNvSpPr>
-            <a:spLocks noGrp="1"/>
+            <a:spLocks noGrp="true"/>
           </p:cNvSpPr>
           <p:nvPr>
             <p:ph type="sldNum" sz="quarter" idx="12"/>
@@ -935,18 +808,12 @@
           <a:p>
             <a:fld id="{6D865662-5E30-4BD2-9AE9-A5F336DFC7F6}" type="slidenum">
               <a:rPr lang="it-IT" smtClean="0"/>
-              <a:t>‹N›</a:t>
             </a:fld>
             <a:endParaRPr lang="it-IT"/>
           </a:p>
         </p:txBody>
       </p:sp>
     </p:spTree>
-    <p:extLst>
-      <p:ext uri="{BB962C8B-B14F-4D97-AF65-F5344CB8AC3E}">
-        <p14:creationId xmlns:p14="http://schemas.microsoft.com/office/powerpoint/2010/main" val="3486534635"/>
-      </p:ext>
-    </p:extLst>
   </p:cSld>
   <p:clrMapOvr>
     <a:masterClrMapping/>
@@ -973,18 +840,12 @@
       </p:grpSpPr>
       <p:sp>
         <p:nvSpPr>
-          <p:cNvPr id="2" name="Titolo 1">
-            <a:extLst>
-              <a:ext uri="{FF2B5EF4-FFF2-40B4-BE49-F238E27FC236}">
-                <a16:creationId xmlns:a16="http://schemas.microsoft.com/office/drawing/2014/main" id="{E52F2B93-2242-4E3B-AD6A-06B31C2B1C43}"/>
-              </a:ext>
-            </a:extLst>
-          </p:cNvPr>
+          <p:cNvPr id="2" name="Titolo 1"/>
           <p:cNvSpPr>
-            <a:spLocks noGrp="1"/>
+            <a:spLocks noGrp="true"/>
           </p:cNvSpPr>
           <p:nvPr>
-            <p:ph type="title"/>
+            <p:ph type="title" hasCustomPrompt="true"/>
           </p:nvPr>
         </p:nvSpPr>
         <p:spPr>
@@ -1005,23 +866,18 @@
               <a:rPr lang="it-IT"/>
               <a:t>Fare clic per modificare lo stile del titolo dello schema</a:t>
             </a:r>
+            <a:endParaRPr lang="it-IT"/>
           </a:p>
         </p:txBody>
       </p:sp>
       <p:sp>
         <p:nvSpPr>
-          <p:cNvPr id="3" name="Segnaposto testo 2">
-            <a:extLst>
-              <a:ext uri="{FF2B5EF4-FFF2-40B4-BE49-F238E27FC236}">
-                <a16:creationId xmlns:a16="http://schemas.microsoft.com/office/drawing/2014/main" id="{864E7126-32D7-497D-BE10-6F168E098AAB}"/>
-              </a:ext>
-            </a:extLst>
-          </p:cNvPr>
+          <p:cNvPr id="3" name="Segnaposto testo 2"/>
           <p:cNvSpPr>
-            <a:spLocks noGrp="1"/>
+            <a:spLocks noGrp="true"/>
           </p:cNvSpPr>
           <p:nvPr>
-            <p:ph type="body" idx="1"/>
+            <p:ph type="body" idx="1" hasCustomPrompt="true"/>
           </p:nvPr>
         </p:nvSpPr>
         <p:spPr>
@@ -1130,20 +986,15 @@
               <a:rPr lang="it-IT"/>
               <a:t>Fare clic per modificare gli stili del testo dello schema</a:t>
             </a:r>
+            <a:endParaRPr lang="it-IT"/>
           </a:p>
         </p:txBody>
       </p:sp>
       <p:sp>
         <p:nvSpPr>
-          <p:cNvPr id="4" name="Segnaposto data 3">
-            <a:extLst>
-              <a:ext uri="{FF2B5EF4-FFF2-40B4-BE49-F238E27FC236}">
-                <a16:creationId xmlns:a16="http://schemas.microsoft.com/office/drawing/2014/main" id="{428C27AB-3AEB-4129-9998-06E010436AFB}"/>
-              </a:ext>
-            </a:extLst>
-          </p:cNvPr>
+          <p:cNvPr id="4" name="Segnaposto data 3"/>
           <p:cNvSpPr>
-            <a:spLocks noGrp="1"/>
+            <a:spLocks noGrp="true"/>
           </p:cNvSpPr>
           <p:nvPr>
             <p:ph type="dt" sz="half" idx="10"/>
@@ -1156,7 +1007,6 @@
           <a:p>
             <a:fld id="{32F30997-0925-4C0B-8C7A-0B9D8E6111C4}" type="datetimeFigureOut">
               <a:rPr lang="it-IT" smtClean="0"/>
-              <a:t>24/02/2021</a:t>
             </a:fld>
             <a:endParaRPr lang="it-IT"/>
           </a:p>
@@ -1164,15 +1014,9 @@
       </p:sp>
       <p:sp>
         <p:nvSpPr>
-          <p:cNvPr id="5" name="Segnaposto piè di pagina 4">
-            <a:extLst>
-              <a:ext uri="{FF2B5EF4-FFF2-40B4-BE49-F238E27FC236}">
-                <a16:creationId xmlns:a16="http://schemas.microsoft.com/office/drawing/2014/main" id="{66B5BDBA-D818-4FE6-96FF-8223F24A42D8}"/>
-              </a:ext>
-            </a:extLst>
-          </p:cNvPr>
+          <p:cNvPr id="5" name="Segnaposto piè di pagina 4"/>
           <p:cNvSpPr>
-            <a:spLocks noGrp="1"/>
+            <a:spLocks noGrp="true"/>
           </p:cNvSpPr>
           <p:nvPr>
             <p:ph type="ftr" sz="quarter" idx="11"/>
@@ -1189,15 +1033,9 @@
       </p:sp>
       <p:sp>
         <p:nvSpPr>
-          <p:cNvPr id="6" name="Segnaposto numero diapositiva 5">
-            <a:extLst>
-              <a:ext uri="{FF2B5EF4-FFF2-40B4-BE49-F238E27FC236}">
-                <a16:creationId xmlns:a16="http://schemas.microsoft.com/office/drawing/2014/main" id="{CB145AFF-121D-4F88-B08D-8C9251B3F169}"/>
-              </a:ext>
-            </a:extLst>
-          </p:cNvPr>
+          <p:cNvPr id="6" name="Segnaposto numero diapositiva 5"/>
           <p:cNvSpPr>
-            <a:spLocks noGrp="1"/>
+            <a:spLocks noGrp="true"/>
           </p:cNvSpPr>
           <p:nvPr>
             <p:ph type="sldNum" sz="quarter" idx="12"/>
@@ -1210,18 +1048,12 @@
           <a:p>
             <a:fld id="{6D865662-5E30-4BD2-9AE9-A5F336DFC7F6}" type="slidenum">
               <a:rPr lang="it-IT" smtClean="0"/>
-              <a:t>‹N›</a:t>
             </a:fld>
             <a:endParaRPr lang="it-IT"/>
           </a:p>
         </p:txBody>
       </p:sp>
     </p:spTree>
-    <p:extLst>
-      <p:ext uri="{BB962C8B-B14F-4D97-AF65-F5344CB8AC3E}">
-        <p14:creationId xmlns:p14="http://schemas.microsoft.com/office/powerpoint/2010/main" val="2939361153"/>
-      </p:ext>
-    </p:extLst>
   </p:cSld>
   <p:clrMapOvr>
     <a:masterClrMapping/>
@@ -1248,18 +1080,12 @@
       </p:grpSpPr>
       <p:sp>
         <p:nvSpPr>
-          <p:cNvPr id="2" name="Titolo 1">
-            <a:extLst>
-              <a:ext uri="{FF2B5EF4-FFF2-40B4-BE49-F238E27FC236}">
-                <a16:creationId xmlns:a16="http://schemas.microsoft.com/office/drawing/2014/main" id="{93FCCE64-FD4E-4035-93D7-190DBFF68A8F}"/>
-              </a:ext>
-            </a:extLst>
-          </p:cNvPr>
+          <p:cNvPr id="2" name="Titolo 1"/>
           <p:cNvSpPr>
-            <a:spLocks noGrp="1"/>
+            <a:spLocks noGrp="true"/>
           </p:cNvSpPr>
           <p:nvPr>
-            <p:ph type="title"/>
+            <p:ph type="title" hasCustomPrompt="true"/>
           </p:nvPr>
         </p:nvSpPr>
         <p:spPr/>
@@ -1271,23 +1097,18 @@
               <a:rPr lang="it-IT"/>
               <a:t>Fare clic per modificare lo stile del titolo dello schema</a:t>
             </a:r>
+            <a:endParaRPr lang="it-IT"/>
           </a:p>
         </p:txBody>
       </p:sp>
       <p:sp>
         <p:nvSpPr>
-          <p:cNvPr id="3" name="Segnaposto contenuto 2">
-            <a:extLst>
-              <a:ext uri="{FF2B5EF4-FFF2-40B4-BE49-F238E27FC236}">
-                <a16:creationId xmlns:a16="http://schemas.microsoft.com/office/drawing/2014/main" id="{90522CFD-BBD7-456A-BB15-23D5356CBDAB}"/>
-              </a:ext>
-            </a:extLst>
-          </p:cNvPr>
+          <p:cNvPr id="3" name="Segnaposto contenuto 2"/>
           <p:cNvSpPr>
-            <a:spLocks noGrp="1"/>
+            <a:spLocks noGrp="true"/>
           </p:cNvSpPr>
           <p:nvPr>
-            <p:ph sz="half" idx="1"/>
+            <p:ph sz="half" idx="1" hasCustomPrompt="true"/>
           </p:nvPr>
         </p:nvSpPr>
         <p:spPr>
@@ -1305,6 +1126,7 @@
               <a:rPr lang="it-IT"/>
               <a:t>Fare clic per modificare gli stili del testo dello schema</a:t>
             </a:r>
+            <a:endParaRPr lang="it-IT"/>
           </a:p>
           <a:p>
             <a:pPr lvl="1"/>
@@ -1312,6 +1134,7 @@
               <a:rPr lang="it-IT"/>
               <a:t>Secondo livello</a:t>
             </a:r>
+            <a:endParaRPr lang="it-IT"/>
           </a:p>
           <a:p>
             <a:pPr lvl="2"/>
@@ -1319,6 +1142,7 @@
               <a:rPr lang="it-IT"/>
               <a:t>Terzo livello</a:t>
             </a:r>
+            <a:endParaRPr lang="it-IT"/>
           </a:p>
           <a:p>
             <a:pPr lvl="3"/>
@@ -1326,6 +1150,7 @@
               <a:rPr lang="it-IT"/>
               <a:t>Quarto livello</a:t>
             </a:r>
+            <a:endParaRPr lang="it-IT"/>
           </a:p>
           <a:p>
             <a:pPr lvl="4"/>
@@ -1333,23 +1158,18 @@
               <a:rPr lang="it-IT"/>
               <a:t>Quinto livello</a:t>
             </a:r>
+            <a:endParaRPr lang="it-IT"/>
           </a:p>
         </p:txBody>
       </p:sp>
       <p:sp>
         <p:nvSpPr>
-          <p:cNvPr id="4" name="Segnaposto contenuto 3">
-            <a:extLst>
-              <a:ext uri="{FF2B5EF4-FFF2-40B4-BE49-F238E27FC236}">
-                <a16:creationId xmlns:a16="http://schemas.microsoft.com/office/drawing/2014/main" id="{7E3845DA-2DBF-4402-B0FA-BB701DF2664B}"/>
-              </a:ext>
-            </a:extLst>
-          </p:cNvPr>
+          <p:cNvPr id="4" name="Segnaposto contenuto 3"/>
           <p:cNvSpPr>
-            <a:spLocks noGrp="1"/>
+            <a:spLocks noGrp="true"/>
           </p:cNvSpPr>
           <p:nvPr>
-            <p:ph sz="half" idx="2"/>
+            <p:ph sz="half" idx="2" hasCustomPrompt="true"/>
           </p:nvPr>
         </p:nvSpPr>
         <p:spPr>
@@ -1367,6 +1187,7 @@
               <a:rPr lang="it-IT"/>
               <a:t>Fare clic per modificare gli stili del testo dello schema</a:t>
             </a:r>
+            <a:endParaRPr lang="it-IT"/>
           </a:p>
           <a:p>
             <a:pPr lvl="1"/>
@@ -1374,6 +1195,7 @@
               <a:rPr lang="it-IT"/>
               <a:t>Secondo livello</a:t>
             </a:r>
+            <a:endParaRPr lang="it-IT"/>
           </a:p>
           <a:p>
             <a:pPr lvl="2"/>
@@ -1381,6 +1203,7 @@
               <a:rPr lang="it-IT"/>
               <a:t>Terzo livello</a:t>
             </a:r>
+            <a:endParaRPr lang="it-IT"/>
           </a:p>
           <a:p>
             <a:pPr lvl="3"/>
@@ -1388,6 +1211,7 @@
               <a:rPr lang="it-IT"/>
               <a:t>Quarto livello</a:t>
             </a:r>
+            <a:endParaRPr lang="it-IT"/>
           </a:p>
           <a:p>
             <a:pPr lvl="4"/>
@@ -1395,20 +1219,15 @@
               <a:rPr lang="it-IT"/>
               <a:t>Quinto livello</a:t>
             </a:r>
+            <a:endParaRPr lang="it-IT"/>
           </a:p>
         </p:txBody>
       </p:sp>
       <p:sp>
         <p:nvSpPr>
-          <p:cNvPr id="5" name="Segnaposto data 4">
-            <a:extLst>
-              <a:ext uri="{FF2B5EF4-FFF2-40B4-BE49-F238E27FC236}">
-                <a16:creationId xmlns:a16="http://schemas.microsoft.com/office/drawing/2014/main" id="{0C93D3F1-A526-4E48-B7BD-50A0D58DC087}"/>
-              </a:ext>
-            </a:extLst>
-          </p:cNvPr>
+          <p:cNvPr id="5" name="Segnaposto data 4"/>
           <p:cNvSpPr>
-            <a:spLocks noGrp="1"/>
+            <a:spLocks noGrp="true"/>
           </p:cNvSpPr>
           <p:nvPr>
             <p:ph type="dt" sz="half" idx="10"/>
@@ -1421,7 +1240,6 @@
           <a:p>
             <a:fld id="{32F30997-0925-4C0B-8C7A-0B9D8E6111C4}" type="datetimeFigureOut">
               <a:rPr lang="it-IT" smtClean="0"/>
-              <a:t>24/02/2021</a:t>
             </a:fld>
             <a:endParaRPr lang="it-IT"/>
           </a:p>
@@ -1429,15 +1247,9 @@
       </p:sp>
       <p:sp>
         <p:nvSpPr>
-          <p:cNvPr id="6" name="Segnaposto piè di pagina 5">
-            <a:extLst>
-              <a:ext uri="{FF2B5EF4-FFF2-40B4-BE49-F238E27FC236}">
-                <a16:creationId xmlns:a16="http://schemas.microsoft.com/office/drawing/2014/main" id="{7365D630-028D-42C9-BE03-60B8D3BEC03F}"/>
-              </a:ext>
-            </a:extLst>
-          </p:cNvPr>
+          <p:cNvPr id="6" name="Segnaposto piè di pagina 5"/>
           <p:cNvSpPr>
-            <a:spLocks noGrp="1"/>
+            <a:spLocks noGrp="true"/>
           </p:cNvSpPr>
           <p:nvPr>
             <p:ph type="ftr" sz="quarter" idx="11"/>
@@ -1454,15 +1266,9 @@
       </p:sp>
       <p:sp>
         <p:nvSpPr>
-          <p:cNvPr id="7" name="Segnaposto numero diapositiva 6">
-            <a:extLst>
-              <a:ext uri="{FF2B5EF4-FFF2-40B4-BE49-F238E27FC236}">
-                <a16:creationId xmlns:a16="http://schemas.microsoft.com/office/drawing/2014/main" id="{F4DFD2EC-95B6-4993-8C35-9CC1239D43B3}"/>
-              </a:ext>
-            </a:extLst>
-          </p:cNvPr>
+          <p:cNvPr id="7" name="Segnaposto numero diapositiva 6"/>
           <p:cNvSpPr>
-            <a:spLocks noGrp="1"/>
+            <a:spLocks noGrp="true"/>
           </p:cNvSpPr>
           <p:nvPr>
             <p:ph type="sldNum" sz="quarter" idx="12"/>
@@ -1475,18 +1281,12 @@
           <a:p>
             <a:fld id="{6D865662-5E30-4BD2-9AE9-A5F336DFC7F6}" type="slidenum">
               <a:rPr lang="it-IT" smtClean="0"/>
-              <a:t>‹N›</a:t>
             </a:fld>
             <a:endParaRPr lang="it-IT"/>
           </a:p>
         </p:txBody>
       </p:sp>
     </p:spTree>
-    <p:extLst>
-      <p:ext uri="{BB962C8B-B14F-4D97-AF65-F5344CB8AC3E}">
-        <p14:creationId xmlns:p14="http://schemas.microsoft.com/office/powerpoint/2010/main" val="667041432"/>
-      </p:ext>
-    </p:extLst>
   </p:cSld>
   <p:clrMapOvr>
     <a:masterClrMapping/>
@@ -1513,18 +1313,12 @@
       </p:grpSpPr>
       <p:sp>
         <p:nvSpPr>
-          <p:cNvPr id="2" name="Titolo 1">
-            <a:extLst>
-              <a:ext uri="{FF2B5EF4-FFF2-40B4-BE49-F238E27FC236}">
-                <a16:creationId xmlns:a16="http://schemas.microsoft.com/office/drawing/2014/main" id="{0C5F2B87-A819-4CA5-B5EE-FB43BA037F4A}"/>
-              </a:ext>
-            </a:extLst>
-          </p:cNvPr>
+          <p:cNvPr id="2" name="Titolo 1"/>
           <p:cNvSpPr>
-            <a:spLocks noGrp="1"/>
+            <a:spLocks noGrp="true"/>
           </p:cNvSpPr>
           <p:nvPr>
-            <p:ph type="title"/>
+            <p:ph type="title" hasCustomPrompt="true"/>
           </p:nvPr>
         </p:nvSpPr>
         <p:spPr>
@@ -1541,23 +1335,18 @@
               <a:rPr lang="it-IT"/>
               <a:t>Fare clic per modificare lo stile del titolo dello schema</a:t>
             </a:r>
+            <a:endParaRPr lang="it-IT"/>
           </a:p>
         </p:txBody>
       </p:sp>
       <p:sp>
         <p:nvSpPr>
-          <p:cNvPr id="3" name="Segnaposto testo 2">
-            <a:extLst>
-              <a:ext uri="{FF2B5EF4-FFF2-40B4-BE49-F238E27FC236}">
-                <a16:creationId xmlns:a16="http://schemas.microsoft.com/office/drawing/2014/main" id="{C846EA5B-1C06-4A05-A2E5-F3C20DC0B24F}"/>
-              </a:ext>
-            </a:extLst>
-          </p:cNvPr>
+          <p:cNvPr id="3" name="Segnaposto testo 2"/>
           <p:cNvSpPr>
-            <a:spLocks noGrp="1"/>
+            <a:spLocks noGrp="true"/>
           </p:cNvSpPr>
           <p:nvPr>
-            <p:ph type="body" idx="1"/>
+            <p:ph type="body" idx="1" hasCustomPrompt="true"/>
           </p:nvPr>
         </p:nvSpPr>
         <p:spPr>
@@ -1612,23 +1401,18 @@
               <a:rPr lang="it-IT"/>
               <a:t>Fare clic per modificare gli stili del testo dello schema</a:t>
             </a:r>
+            <a:endParaRPr lang="it-IT"/>
           </a:p>
         </p:txBody>
       </p:sp>
       <p:sp>
         <p:nvSpPr>
-          <p:cNvPr id="4" name="Segnaposto contenuto 3">
-            <a:extLst>
-              <a:ext uri="{FF2B5EF4-FFF2-40B4-BE49-F238E27FC236}">
-                <a16:creationId xmlns:a16="http://schemas.microsoft.com/office/drawing/2014/main" id="{574AF37E-841C-4536-8DA8-5E8A063BF301}"/>
-              </a:ext>
-            </a:extLst>
-          </p:cNvPr>
+          <p:cNvPr id="4" name="Segnaposto contenuto 3"/>
           <p:cNvSpPr>
-            <a:spLocks noGrp="1"/>
+            <a:spLocks noGrp="true"/>
           </p:cNvSpPr>
           <p:nvPr>
-            <p:ph sz="half" idx="2"/>
+            <p:ph sz="half" idx="2" hasCustomPrompt="true"/>
           </p:nvPr>
         </p:nvSpPr>
         <p:spPr>
@@ -1646,6 +1430,7 @@
               <a:rPr lang="it-IT"/>
               <a:t>Fare clic per modificare gli stili del testo dello schema</a:t>
             </a:r>
+            <a:endParaRPr lang="it-IT"/>
           </a:p>
           <a:p>
             <a:pPr lvl="1"/>
@@ -1653,6 +1438,7 @@
               <a:rPr lang="it-IT"/>
               <a:t>Secondo livello</a:t>
             </a:r>
+            <a:endParaRPr lang="it-IT"/>
           </a:p>
           <a:p>
             <a:pPr lvl="2"/>
@@ -1660,6 +1446,7 @@
               <a:rPr lang="it-IT"/>
               <a:t>Terzo livello</a:t>
             </a:r>
+            <a:endParaRPr lang="it-IT"/>
           </a:p>
           <a:p>
             <a:pPr lvl="3"/>
@@ -1667,6 +1454,7 @@
               <a:rPr lang="it-IT"/>
               <a:t>Quarto livello</a:t>
             </a:r>
+            <a:endParaRPr lang="it-IT"/>
           </a:p>
           <a:p>
             <a:pPr lvl="4"/>
@@ -1674,23 +1462,18 @@
               <a:rPr lang="it-IT"/>
               <a:t>Quinto livello</a:t>
             </a:r>
+            <a:endParaRPr lang="it-IT"/>
           </a:p>
         </p:txBody>
       </p:sp>
       <p:sp>
         <p:nvSpPr>
-          <p:cNvPr id="5" name="Segnaposto testo 4">
-            <a:extLst>
-              <a:ext uri="{FF2B5EF4-FFF2-40B4-BE49-F238E27FC236}">
-                <a16:creationId xmlns:a16="http://schemas.microsoft.com/office/drawing/2014/main" id="{233A06DD-39DC-4622-8776-B299F77F97D7}"/>
-              </a:ext>
-            </a:extLst>
-          </p:cNvPr>
+          <p:cNvPr id="5" name="Segnaposto testo 4"/>
           <p:cNvSpPr>
-            <a:spLocks noGrp="1"/>
+            <a:spLocks noGrp="true"/>
           </p:cNvSpPr>
           <p:nvPr>
-            <p:ph type="body" sz="quarter" idx="3"/>
+            <p:ph type="body" sz="quarter" idx="3" hasCustomPrompt="true"/>
           </p:nvPr>
         </p:nvSpPr>
         <p:spPr>
@@ -1745,23 +1528,18 @@
               <a:rPr lang="it-IT"/>
               <a:t>Fare clic per modificare gli stili del testo dello schema</a:t>
             </a:r>
+            <a:endParaRPr lang="it-IT"/>
           </a:p>
         </p:txBody>
       </p:sp>
       <p:sp>
         <p:nvSpPr>
-          <p:cNvPr id="6" name="Segnaposto contenuto 5">
-            <a:extLst>
-              <a:ext uri="{FF2B5EF4-FFF2-40B4-BE49-F238E27FC236}">
-                <a16:creationId xmlns:a16="http://schemas.microsoft.com/office/drawing/2014/main" id="{9CA84983-5DE5-4FF4-B45E-0414BC23C53F}"/>
-              </a:ext>
-            </a:extLst>
-          </p:cNvPr>
+          <p:cNvPr id="6" name="Segnaposto contenuto 5"/>
           <p:cNvSpPr>
-            <a:spLocks noGrp="1"/>
+            <a:spLocks noGrp="true"/>
           </p:cNvSpPr>
           <p:nvPr>
-            <p:ph sz="quarter" idx="4"/>
+            <p:ph sz="quarter" idx="4" hasCustomPrompt="true"/>
           </p:nvPr>
         </p:nvSpPr>
         <p:spPr>
@@ -1779,6 +1557,7 @@
               <a:rPr lang="it-IT"/>
               <a:t>Fare clic per modificare gli stili del testo dello schema</a:t>
             </a:r>
+            <a:endParaRPr lang="it-IT"/>
           </a:p>
           <a:p>
             <a:pPr lvl="1"/>
@@ -1786,6 +1565,7 @@
               <a:rPr lang="it-IT"/>
               <a:t>Secondo livello</a:t>
             </a:r>
+            <a:endParaRPr lang="it-IT"/>
           </a:p>
           <a:p>
             <a:pPr lvl="2"/>
@@ -1793,6 +1573,7 @@
               <a:rPr lang="it-IT"/>
               <a:t>Terzo livello</a:t>
             </a:r>
+            <a:endParaRPr lang="it-IT"/>
           </a:p>
           <a:p>
             <a:pPr lvl="3"/>
@@ -1800,6 +1581,7 @@
               <a:rPr lang="it-IT"/>
               <a:t>Quarto livello</a:t>
             </a:r>
+            <a:endParaRPr lang="it-IT"/>
           </a:p>
           <a:p>
             <a:pPr lvl="4"/>
@@ -1807,20 +1589,15 @@
               <a:rPr lang="it-IT"/>
               <a:t>Quinto livello</a:t>
             </a:r>
+            <a:endParaRPr lang="it-IT"/>
           </a:p>
         </p:txBody>
       </p:sp>
       <p:sp>
         <p:nvSpPr>
-          <p:cNvPr id="7" name="Segnaposto data 6">
-            <a:extLst>
-              <a:ext uri="{FF2B5EF4-FFF2-40B4-BE49-F238E27FC236}">
-                <a16:creationId xmlns:a16="http://schemas.microsoft.com/office/drawing/2014/main" id="{2C84F0E6-34DD-45AF-B32F-52560E150C30}"/>
-              </a:ext>
-            </a:extLst>
-          </p:cNvPr>
+          <p:cNvPr id="7" name="Segnaposto data 6"/>
           <p:cNvSpPr>
-            <a:spLocks noGrp="1"/>
+            <a:spLocks noGrp="true"/>
           </p:cNvSpPr>
           <p:nvPr>
             <p:ph type="dt" sz="half" idx="10"/>
@@ -1833,7 +1610,6 @@
           <a:p>
             <a:fld id="{32F30997-0925-4C0B-8C7A-0B9D8E6111C4}" type="datetimeFigureOut">
               <a:rPr lang="it-IT" smtClean="0"/>
-              <a:t>24/02/2021</a:t>
             </a:fld>
             <a:endParaRPr lang="it-IT"/>
           </a:p>
@@ -1841,15 +1617,9 @@
       </p:sp>
       <p:sp>
         <p:nvSpPr>
-          <p:cNvPr id="8" name="Segnaposto piè di pagina 7">
-            <a:extLst>
-              <a:ext uri="{FF2B5EF4-FFF2-40B4-BE49-F238E27FC236}">
-                <a16:creationId xmlns:a16="http://schemas.microsoft.com/office/drawing/2014/main" id="{A9B1DDC0-3978-4266-9326-CC3115FA7138}"/>
-              </a:ext>
-            </a:extLst>
-          </p:cNvPr>
+          <p:cNvPr id="8" name="Segnaposto piè di pagina 7"/>
           <p:cNvSpPr>
-            <a:spLocks noGrp="1"/>
+            <a:spLocks noGrp="true"/>
           </p:cNvSpPr>
           <p:nvPr>
             <p:ph type="ftr" sz="quarter" idx="11"/>
@@ -1866,15 +1636,9 @@
       </p:sp>
       <p:sp>
         <p:nvSpPr>
-          <p:cNvPr id="9" name="Segnaposto numero diapositiva 8">
-            <a:extLst>
-              <a:ext uri="{FF2B5EF4-FFF2-40B4-BE49-F238E27FC236}">
-                <a16:creationId xmlns:a16="http://schemas.microsoft.com/office/drawing/2014/main" id="{6C407B00-98DE-4B40-937D-45D5ED216F23}"/>
-              </a:ext>
-            </a:extLst>
-          </p:cNvPr>
+          <p:cNvPr id="9" name="Segnaposto numero diapositiva 8"/>
           <p:cNvSpPr>
-            <a:spLocks noGrp="1"/>
+            <a:spLocks noGrp="true"/>
           </p:cNvSpPr>
           <p:nvPr>
             <p:ph type="sldNum" sz="quarter" idx="12"/>
@@ -1887,18 +1651,12 @@
           <a:p>
             <a:fld id="{6D865662-5E30-4BD2-9AE9-A5F336DFC7F6}" type="slidenum">
               <a:rPr lang="it-IT" smtClean="0"/>
-              <a:t>‹N›</a:t>
             </a:fld>
             <a:endParaRPr lang="it-IT"/>
           </a:p>
         </p:txBody>
       </p:sp>
     </p:spTree>
-    <p:extLst>
-      <p:ext uri="{BB962C8B-B14F-4D97-AF65-F5344CB8AC3E}">
-        <p14:creationId xmlns:p14="http://schemas.microsoft.com/office/powerpoint/2010/main" val="3532223394"/>
-      </p:ext>
-    </p:extLst>
   </p:cSld>
   <p:clrMapOvr>
     <a:masterClrMapping/>
@@ -1925,18 +1683,12 @@
       </p:grpSpPr>
       <p:sp>
         <p:nvSpPr>
-          <p:cNvPr id="2" name="Titolo 1">
-            <a:extLst>
-              <a:ext uri="{FF2B5EF4-FFF2-40B4-BE49-F238E27FC236}">
-                <a16:creationId xmlns:a16="http://schemas.microsoft.com/office/drawing/2014/main" id="{12ECD9B7-E163-4252-93AF-2039DF6CD248}"/>
-              </a:ext>
-            </a:extLst>
-          </p:cNvPr>
+          <p:cNvPr id="2" name="Titolo 1"/>
           <p:cNvSpPr>
-            <a:spLocks noGrp="1"/>
+            <a:spLocks noGrp="true"/>
           </p:cNvSpPr>
           <p:nvPr>
-            <p:ph type="title"/>
+            <p:ph type="title" hasCustomPrompt="true"/>
           </p:nvPr>
         </p:nvSpPr>
         <p:spPr/>
@@ -1948,20 +1700,15 @@
               <a:rPr lang="it-IT"/>
               <a:t>Fare clic per modificare lo stile del titolo dello schema</a:t>
             </a:r>
+            <a:endParaRPr lang="it-IT"/>
           </a:p>
         </p:txBody>
       </p:sp>
       <p:sp>
         <p:nvSpPr>
-          <p:cNvPr id="3" name="Segnaposto data 2">
-            <a:extLst>
-              <a:ext uri="{FF2B5EF4-FFF2-40B4-BE49-F238E27FC236}">
-                <a16:creationId xmlns:a16="http://schemas.microsoft.com/office/drawing/2014/main" id="{0ED8C64D-4063-4BDC-B044-4FF011AE0638}"/>
-              </a:ext>
-            </a:extLst>
-          </p:cNvPr>
+          <p:cNvPr id="3" name="Segnaposto data 2"/>
           <p:cNvSpPr>
-            <a:spLocks noGrp="1"/>
+            <a:spLocks noGrp="true"/>
           </p:cNvSpPr>
           <p:nvPr>
             <p:ph type="dt" sz="half" idx="10"/>
@@ -1974,7 +1721,6 @@
           <a:p>
             <a:fld id="{32F30997-0925-4C0B-8C7A-0B9D8E6111C4}" type="datetimeFigureOut">
               <a:rPr lang="it-IT" smtClean="0"/>
-              <a:t>24/02/2021</a:t>
             </a:fld>
             <a:endParaRPr lang="it-IT"/>
           </a:p>
@@ -1982,15 +1728,9 @@
       </p:sp>
       <p:sp>
         <p:nvSpPr>
-          <p:cNvPr id="4" name="Segnaposto piè di pagina 3">
-            <a:extLst>
-              <a:ext uri="{FF2B5EF4-FFF2-40B4-BE49-F238E27FC236}">
-                <a16:creationId xmlns:a16="http://schemas.microsoft.com/office/drawing/2014/main" id="{D5CEE7B7-77D8-4A94-8B26-04560AE6B723}"/>
-              </a:ext>
-            </a:extLst>
-          </p:cNvPr>
+          <p:cNvPr id="4" name="Segnaposto piè di pagina 3"/>
           <p:cNvSpPr>
-            <a:spLocks noGrp="1"/>
+            <a:spLocks noGrp="true"/>
           </p:cNvSpPr>
           <p:nvPr>
             <p:ph type="ftr" sz="quarter" idx="11"/>
@@ -2007,15 +1747,9 @@
       </p:sp>
       <p:sp>
         <p:nvSpPr>
-          <p:cNvPr id="5" name="Segnaposto numero diapositiva 4">
-            <a:extLst>
-              <a:ext uri="{FF2B5EF4-FFF2-40B4-BE49-F238E27FC236}">
-                <a16:creationId xmlns:a16="http://schemas.microsoft.com/office/drawing/2014/main" id="{18320416-48CF-4FA9-9701-5EE0E32116EA}"/>
-              </a:ext>
-            </a:extLst>
-          </p:cNvPr>
+          <p:cNvPr id="5" name="Segnaposto numero diapositiva 4"/>
           <p:cNvSpPr>
-            <a:spLocks noGrp="1"/>
+            <a:spLocks noGrp="true"/>
           </p:cNvSpPr>
           <p:nvPr>
             <p:ph type="sldNum" sz="quarter" idx="12"/>
@@ -2028,18 +1762,12 @@
           <a:p>
             <a:fld id="{6D865662-5E30-4BD2-9AE9-A5F336DFC7F6}" type="slidenum">
               <a:rPr lang="it-IT" smtClean="0"/>
-              <a:t>‹N›</a:t>
             </a:fld>
             <a:endParaRPr lang="it-IT"/>
           </a:p>
         </p:txBody>
       </p:sp>
     </p:spTree>
-    <p:extLst>
-      <p:ext uri="{BB962C8B-B14F-4D97-AF65-F5344CB8AC3E}">
-        <p14:creationId xmlns:p14="http://schemas.microsoft.com/office/powerpoint/2010/main" val="2482495209"/>
-      </p:ext>
-    </p:extLst>
   </p:cSld>
   <p:clrMapOvr>
     <a:masterClrMapping/>
@@ -2066,15 +1794,9 @@
       </p:grpSpPr>
       <p:sp>
         <p:nvSpPr>
-          <p:cNvPr id="2" name="Segnaposto data 1">
-            <a:extLst>
-              <a:ext uri="{FF2B5EF4-FFF2-40B4-BE49-F238E27FC236}">
-                <a16:creationId xmlns:a16="http://schemas.microsoft.com/office/drawing/2014/main" id="{C5C0C6AA-8485-4C87-948A-91967515CA62}"/>
-              </a:ext>
-            </a:extLst>
-          </p:cNvPr>
+          <p:cNvPr id="2" name="Segnaposto data 1"/>
           <p:cNvSpPr>
-            <a:spLocks noGrp="1"/>
+            <a:spLocks noGrp="true"/>
           </p:cNvSpPr>
           <p:nvPr>
             <p:ph type="dt" sz="half" idx="10"/>
@@ -2087,7 +1809,6 @@
           <a:p>
             <a:fld id="{32F30997-0925-4C0B-8C7A-0B9D8E6111C4}" type="datetimeFigureOut">
               <a:rPr lang="it-IT" smtClean="0"/>
-              <a:t>24/02/2021</a:t>
             </a:fld>
             <a:endParaRPr lang="it-IT"/>
           </a:p>
@@ -2095,15 +1816,9 @@
       </p:sp>
       <p:sp>
         <p:nvSpPr>
-          <p:cNvPr id="3" name="Segnaposto piè di pagina 2">
-            <a:extLst>
-              <a:ext uri="{FF2B5EF4-FFF2-40B4-BE49-F238E27FC236}">
-                <a16:creationId xmlns:a16="http://schemas.microsoft.com/office/drawing/2014/main" id="{1FCED128-BC9C-43BB-ADCB-72512926D953}"/>
-              </a:ext>
-            </a:extLst>
-          </p:cNvPr>
+          <p:cNvPr id="3" name="Segnaposto piè di pagina 2"/>
           <p:cNvSpPr>
-            <a:spLocks noGrp="1"/>
+            <a:spLocks noGrp="true"/>
           </p:cNvSpPr>
           <p:nvPr>
             <p:ph type="ftr" sz="quarter" idx="11"/>
@@ -2120,15 +1835,9 @@
       </p:sp>
       <p:sp>
         <p:nvSpPr>
-          <p:cNvPr id="4" name="Segnaposto numero diapositiva 3">
-            <a:extLst>
-              <a:ext uri="{FF2B5EF4-FFF2-40B4-BE49-F238E27FC236}">
-                <a16:creationId xmlns:a16="http://schemas.microsoft.com/office/drawing/2014/main" id="{58852380-6EFE-4A49-A672-2559C4271F9C}"/>
-              </a:ext>
-            </a:extLst>
-          </p:cNvPr>
+          <p:cNvPr id="4" name="Segnaposto numero diapositiva 3"/>
           <p:cNvSpPr>
-            <a:spLocks noGrp="1"/>
+            <a:spLocks noGrp="true"/>
           </p:cNvSpPr>
           <p:nvPr>
             <p:ph type="sldNum" sz="quarter" idx="12"/>
@@ -2141,18 +1850,12 @@
           <a:p>
             <a:fld id="{6D865662-5E30-4BD2-9AE9-A5F336DFC7F6}" type="slidenum">
               <a:rPr lang="it-IT" smtClean="0"/>
-              <a:t>‹N›</a:t>
             </a:fld>
             <a:endParaRPr lang="it-IT"/>
           </a:p>
         </p:txBody>
       </p:sp>
     </p:spTree>
-    <p:extLst>
-      <p:ext uri="{BB962C8B-B14F-4D97-AF65-F5344CB8AC3E}">
-        <p14:creationId xmlns:p14="http://schemas.microsoft.com/office/powerpoint/2010/main" val="437101980"/>
-      </p:ext>
-    </p:extLst>
   </p:cSld>
   <p:clrMapOvr>
     <a:masterClrMapping/>
@@ -2179,18 +1882,12 @@
       </p:grpSpPr>
       <p:sp>
         <p:nvSpPr>
-          <p:cNvPr id="2" name="Titolo 1">
-            <a:extLst>
-              <a:ext uri="{FF2B5EF4-FFF2-40B4-BE49-F238E27FC236}">
-                <a16:creationId xmlns:a16="http://schemas.microsoft.com/office/drawing/2014/main" id="{1748135A-223C-4F83-9E16-3F667E533417}"/>
-              </a:ext>
-            </a:extLst>
-          </p:cNvPr>
+          <p:cNvPr id="2" name="Titolo 1"/>
           <p:cNvSpPr>
-            <a:spLocks noGrp="1"/>
+            <a:spLocks noGrp="true"/>
           </p:cNvSpPr>
           <p:nvPr>
-            <p:ph type="title"/>
+            <p:ph type="title" hasCustomPrompt="true"/>
           </p:nvPr>
         </p:nvSpPr>
         <p:spPr>
@@ -2211,23 +1908,18 @@
               <a:rPr lang="it-IT"/>
               <a:t>Fare clic per modificare lo stile del titolo dello schema</a:t>
             </a:r>
+            <a:endParaRPr lang="it-IT"/>
           </a:p>
         </p:txBody>
       </p:sp>
       <p:sp>
         <p:nvSpPr>
-          <p:cNvPr id="3" name="Segnaposto contenuto 2">
-            <a:extLst>
-              <a:ext uri="{FF2B5EF4-FFF2-40B4-BE49-F238E27FC236}">
-                <a16:creationId xmlns:a16="http://schemas.microsoft.com/office/drawing/2014/main" id="{D0F0E68A-2C58-4610-AA9E-4B91D5FF044E}"/>
-              </a:ext>
-            </a:extLst>
-          </p:cNvPr>
+          <p:cNvPr id="3" name="Segnaposto contenuto 2"/>
           <p:cNvSpPr>
-            <a:spLocks noGrp="1"/>
+            <a:spLocks noGrp="true"/>
           </p:cNvSpPr>
           <p:nvPr>
-            <p:ph idx="1"/>
+            <p:ph idx="1" hasCustomPrompt="true"/>
           </p:nvPr>
         </p:nvSpPr>
         <p:spPr>
@@ -2273,6 +1965,7 @@
               <a:rPr lang="it-IT"/>
               <a:t>Fare clic per modificare gli stili del testo dello schema</a:t>
             </a:r>
+            <a:endParaRPr lang="it-IT"/>
           </a:p>
           <a:p>
             <a:pPr lvl="1"/>
@@ -2280,6 +1973,7 @@
               <a:rPr lang="it-IT"/>
               <a:t>Secondo livello</a:t>
             </a:r>
+            <a:endParaRPr lang="it-IT"/>
           </a:p>
           <a:p>
             <a:pPr lvl="2"/>
@@ -2287,6 +1981,7 @@
               <a:rPr lang="it-IT"/>
               <a:t>Terzo livello</a:t>
             </a:r>
+            <a:endParaRPr lang="it-IT"/>
           </a:p>
           <a:p>
             <a:pPr lvl="3"/>
@@ -2294,6 +1989,7 @@
               <a:rPr lang="it-IT"/>
               <a:t>Quarto livello</a:t>
             </a:r>
+            <a:endParaRPr lang="it-IT"/>
           </a:p>
           <a:p>
             <a:pPr lvl="4"/>
@@ -2301,23 +1997,18 @@
               <a:rPr lang="it-IT"/>
               <a:t>Quinto livello</a:t>
             </a:r>
+            <a:endParaRPr lang="it-IT"/>
           </a:p>
         </p:txBody>
       </p:sp>
       <p:sp>
         <p:nvSpPr>
-          <p:cNvPr id="4" name="Segnaposto testo 3">
-            <a:extLst>
-              <a:ext uri="{FF2B5EF4-FFF2-40B4-BE49-F238E27FC236}">
-                <a16:creationId xmlns:a16="http://schemas.microsoft.com/office/drawing/2014/main" id="{11A6702F-E22B-49BD-AE5C-A3615FBB3860}"/>
-              </a:ext>
-            </a:extLst>
-          </p:cNvPr>
+          <p:cNvPr id="4" name="Segnaposto testo 3"/>
           <p:cNvSpPr>
-            <a:spLocks noGrp="1"/>
+            <a:spLocks noGrp="true"/>
           </p:cNvSpPr>
           <p:nvPr>
-            <p:ph type="body" sz="half" idx="2"/>
+            <p:ph type="body" sz="half" idx="2" hasCustomPrompt="true"/>
           </p:nvPr>
         </p:nvSpPr>
         <p:spPr>
@@ -2372,20 +2063,15 @@
               <a:rPr lang="it-IT"/>
               <a:t>Fare clic per modificare gli stili del testo dello schema</a:t>
             </a:r>
+            <a:endParaRPr lang="it-IT"/>
           </a:p>
         </p:txBody>
       </p:sp>
       <p:sp>
         <p:nvSpPr>
-          <p:cNvPr id="5" name="Segnaposto data 4">
-            <a:extLst>
-              <a:ext uri="{FF2B5EF4-FFF2-40B4-BE49-F238E27FC236}">
-                <a16:creationId xmlns:a16="http://schemas.microsoft.com/office/drawing/2014/main" id="{EB19D1B6-6A70-4E3F-9134-655DC4B9E5F5}"/>
-              </a:ext>
-            </a:extLst>
-          </p:cNvPr>
+          <p:cNvPr id="5" name="Segnaposto data 4"/>
           <p:cNvSpPr>
-            <a:spLocks noGrp="1"/>
+            <a:spLocks noGrp="true"/>
           </p:cNvSpPr>
           <p:nvPr>
             <p:ph type="dt" sz="half" idx="10"/>
@@ -2398,7 +2084,6 @@
           <a:p>
             <a:fld id="{32F30997-0925-4C0B-8C7A-0B9D8E6111C4}" type="datetimeFigureOut">
               <a:rPr lang="it-IT" smtClean="0"/>
-              <a:t>24/02/2021</a:t>
             </a:fld>
             <a:endParaRPr lang="it-IT"/>
           </a:p>
@@ -2406,15 +2091,9 @@
       </p:sp>
       <p:sp>
         <p:nvSpPr>
-          <p:cNvPr id="6" name="Segnaposto piè di pagina 5">
-            <a:extLst>
-              <a:ext uri="{FF2B5EF4-FFF2-40B4-BE49-F238E27FC236}">
-                <a16:creationId xmlns:a16="http://schemas.microsoft.com/office/drawing/2014/main" id="{4789D2C6-EB33-48A2-8245-91621171C8A3}"/>
-              </a:ext>
-            </a:extLst>
-          </p:cNvPr>
+          <p:cNvPr id="6" name="Segnaposto piè di pagina 5"/>
           <p:cNvSpPr>
-            <a:spLocks noGrp="1"/>
+            <a:spLocks noGrp="true"/>
           </p:cNvSpPr>
           <p:nvPr>
             <p:ph type="ftr" sz="quarter" idx="11"/>
@@ -2431,15 +2110,9 @@
       </p:sp>
       <p:sp>
         <p:nvSpPr>
-          <p:cNvPr id="7" name="Segnaposto numero diapositiva 6">
-            <a:extLst>
-              <a:ext uri="{FF2B5EF4-FFF2-40B4-BE49-F238E27FC236}">
-                <a16:creationId xmlns:a16="http://schemas.microsoft.com/office/drawing/2014/main" id="{6622497C-A902-4E28-9A4E-292DDA5A0912}"/>
-              </a:ext>
-            </a:extLst>
-          </p:cNvPr>
+          <p:cNvPr id="7" name="Segnaposto numero diapositiva 6"/>
           <p:cNvSpPr>
-            <a:spLocks noGrp="1"/>
+            <a:spLocks noGrp="true"/>
           </p:cNvSpPr>
           <p:nvPr>
             <p:ph type="sldNum" sz="quarter" idx="12"/>
@@ -2452,18 +2125,12 @@
           <a:p>
             <a:fld id="{6D865662-5E30-4BD2-9AE9-A5F336DFC7F6}" type="slidenum">
               <a:rPr lang="it-IT" smtClean="0"/>
-              <a:t>‹N›</a:t>
             </a:fld>
             <a:endParaRPr lang="it-IT"/>
           </a:p>
         </p:txBody>
       </p:sp>
     </p:spTree>
-    <p:extLst>
-      <p:ext uri="{BB962C8B-B14F-4D97-AF65-F5344CB8AC3E}">
-        <p14:creationId xmlns:p14="http://schemas.microsoft.com/office/powerpoint/2010/main" val="3965288787"/>
-      </p:ext>
-    </p:extLst>
   </p:cSld>
   <p:clrMapOvr>
     <a:masterClrMapping/>
@@ -2490,18 +2157,12 @@
       </p:grpSpPr>
       <p:sp>
         <p:nvSpPr>
-          <p:cNvPr id="2" name="Titolo 1">
-            <a:extLst>
-              <a:ext uri="{FF2B5EF4-FFF2-40B4-BE49-F238E27FC236}">
-                <a16:creationId xmlns:a16="http://schemas.microsoft.com/office/drawing/2014/main" id="{91C2A3A5-0361-4041-BF41-C27C2004B05A}"/>
-              </a:ext>
-            </a:extLst>
-          </p:cNvPr>
+          <p:cNvPr id="2" name="Titolo 1"/>
           <p:cNvSpPr>
-            <a:spLocks noGrp="1"/>
+            <a:spLocks noGrp="true"/>
           </p:cNvSpPr>
           <p:nvPr>
-            <p:ph type="title"/>
+            <p:ph type="title" hasCustomPrompt="true"/>
           </p:nvPr>
         </p:nvSpPr>
         <p:spPr>
@@ -2522,20 +2183,15 @@
               <a:rPr lang="it-IT"/>
               <a:t>Fare clic per modificare lo stile del titolo dello schema</a:t>
             </a:r>
+            <a:endParaRPr lang="it-IT"/>
           </a:p>
         </p:txBody>
       </p:sp>
       <p:sp>
         <p:nvSpPr>
-          <p:cNvPr id="3" name="Segnaposto immagine 2">
-            <a:extLst>
-              <a:ext uri="{FF2B5EF4-FFF2-40B4-BE49-F238E27FC236}">
-                <a16:creationId xmlns:a16="http://schemas.microsoft.com/office/drawing/2014/main" id="{E2134C2C-B8AC-4041-A43C-6C0D666259C9}"/>
-              </a:ext>
-            </a:extLst>
-          </p:cNvPr>
+          <p:cNvPr id="3" name="Segnaposto immagine 2"/>
           <p:cNvSpPr>
-            <a:spLocks noGrp="1"/>
+            <a:spLocks noGrp="true"/>
           </p:cNvSpPr>
           <p:nvPr>
             <p:ph type="pic" idx="1"/>
@@ -2594,18 +2250,12 @@
       </p:sp>
       <p:sp>
         <p:nvSpPr>
-          <p:cNvPr id="4" name="Segnaposto testo 3">
-            <a:extLst>
-              <a:ext uri="{FF2B5EF4-FFF2-40B4-BE49-F238E27FC236}">
-                <a16:creationId xmlns:a16="http://schemas.microsoft.com/office/drawing/2014/main" id="{1DEB7784-009E-4C4F-8CDA-7CD83F2B9021}"/>
-              </a:ext>
-            </a:extLst>
-          </p:cNvPr>
+          <p:cNvPr id="4" name="Segnaposto testo 3"/>
           <p:cNvSpPr>
-            <a:spLocks noGrp="1"/>
+            <a:spLocks noGrp="true"/>
           </p:cNvSpPr>
           <p:nvPr>
-            <p:ph type="body" sz="half" idx="2"/>
+            <p:ph type="body" sz="half" idx="2" hasCustomPrompt="true"/>
           </p:nvPr>
         </p:nvSpPr>
         <p:spPr>
@@ -2660,20 +2310,15 @@
               <a:rPr lang="it-IT"/>
               <a:t>Fare clic per modificare gli stili del testo dello schema</a:t>
             </a:r>
+            <a:endParaRPr lang="it-IT"/>
           </a:p>
         </p:txBody>
       </p:sp>
       <p:sp>
         <p:nvSpPr>
-          <p:cNvPr id="5" name="Segnaposto data 4">
-            <a:extLst>
-              <a:ext uri="{FF2B5EF4-FFF2-40B4-BE49-F238E27FC236}">
-                <a16:creationId xmlns:a16="http://schemas.microsoft.com/office/drawing/2014/main" id="{E0390971-B0D0-4D4B-8475-F954324D1B1A}"/>
-              </a:ext>
-            </a:extLst>
-          </p:cNvPr>
+          <p:cNvPr id="5" name="Segnaposto data 4"/>
           <p:cNvSpPr>
-            <a:spLocks noGrp="1"/>
+            <a:spLocks noGrp="true"/>
           </p:cNvSpPr>
           <p:nvPr>
             <p:ph type="dt" sz="half" idx="10"/>
@@ -2686,7 +2331,6 @@
           <a:p>
             <a:fld id="{32F30997-0925-4C0B-8C7A-0B9D8E6111C4}" type="datetimeFigureOut">
               <a:rPr lang="it-IT" smtClean="0"/>
-              <a:t>24/02/2021</a:t>
             </a:fld>
             <a:endParaRPr lang="it-IT"/>
           </a:p>
@@ -2694,15 +2338,9 @@
       </p:sp>
       <p:sp>
         <p:nvSpPr>
-          <p:cNvPr id="6" name="Segnaposto piè di pagina 5">
-            <a:extLst>
-              <a:ext uri="{FF2B5EF4-FFF2-40B4-BE49-F238E27FC236}">
-                <a16:creationId xmlns:a16="http://schemas.microsoft.com/office/drawing/2014/main" id="{DBC8BF4E-F7A0-41D5-93C0-455A2789FC17}"/>
-              </a:ext>
-            </a:extLst>
-          </p:cNvPr>
+          <p:cNvPr id="6" name="Segnaposto piè di pagina 5"/>
           <p:cNvSpPr>
-            <a:spLocks noGrp="1"/>
+            <a:spLocks noGrp="true"/>
           </p:cNvSpPr>
           <p:nvPr>
             <p:ph type="ftr" sz="quarter" idx="11"/>
@@ -2719,15 +2357,9 @@
       </p:sp>
       <p:sp>
         <p:nvSpPr>
-          <p:cNvPr id="7" name="Segnaposto numero diapositiva 6">
-            <a:extLst>
-              <a:ext uri="{FF2B5EF4-FFF2-40B4-BE49-F238E27FC236}">
-                <a16:creationId xmlns:a16="http://schemas.microsoft.com/office/drawing/2014/main" id="{43E335D6-A31B-4C0F-B465-E9A9101B1662}"/>
-              </a:ext>
-            </a:extLst>
-          </p:cNvPr>
+          <p:cNvPr id="7" name="Segnaposto numero diapositiva 6"/>
           <p:cNvSpPr>
-            <a:spLocks noGrp="1"/>
+            <a:spLocks noGrp="true"/>
           </p:cNvSpPr>
           <p:nvPr>
             <p:ph type="sldNum" sz="quarter" idx="12"/>
@@ -2740,18 +2372,12 @@
           <a:p>
             <a:fld id="{6D865662-5E30-4BD2-9AE9-A5F336DFC7F6}" type="slidenum">
               <a:rPr lang="it-IT" smtClean="0"/>
-              <a:t>‹N›</a:t>
             </a:fld>
             <a:endParaRPr lang="it-IT"/>
           </a:p>
         </p:txBody>
       </p:sp>
     </p:spTree>
-    <p:extLst>
-      <p:ext uri="{BB962C8B-B14F-4D97-AF65-F5344CB8AC3E}">
-        <p14:creationId xmlns:p14="http://schemas.microsoft.com/office/powerpoint/2010/main" val="4195530180"/>
-      </p:ext>
-    </p:extLst>
   </p:cSld>
   <p:clrMapOvr>
     <a:masterClrMapping/>
@@ -2783,15 +2409,9 @@
       </p:grpSpPr>
       <p:sp>
         <p:nvSpPr>
-          <p:cNvPr id="2" name="Segnaposto titolo 1">
-            <a:extLst>
-              <a:ext uri="{FF2B5EF4-FFF2-40B4-BE49-F238E27FC236}">
-                <a16:creationId xmlns:a16="http://schemas.microsoft.com/office/drawing/2014/main" id="{CCE0724E-2A89-46C0-8165-42CF9DBA5D68}"/>
-              </a:ext>
-            </a:extLst>
-          </p:cNvPr>
+          <p:cNvPr id="2" name="Segnaposto titolo 1"/>
           <p:cNvSpPr>
-            <a:spLocks noGrp="1"/>
+            <a:spLocks noGrp="true"/>
           </p:cNvSpPr>
           <p:nvPr>
             <p:ph type="title"/>
@@ -2816,20 +2436,15 @@
               <a:rPr lang="it-IT"/>
               <a:t>Fare clic per modificare lo stile del titolo dello schema</a:t>
             </a:r>
+            <a:endParaRPr lang="it-IT"/>
           </a:p>
         </p:txBody>
       </p:sp>
       <p:sp>
         <p:nvSpPr>
-          <p:cNvPr id="3" name="Segnaposto testo 2">
-            <a:extLst>
-              <a:ext uri="{FF2B5EF4-FFF2-40B4-BE49-F238E27FC236}">
-                <a16:creationId xmlns:a16="http://schemas.microsoft.com/office/drawing/2014/main" id="{B0F17305-74D1-4463-B8DC-64972E44D144}"/>
-              </a:ext>
-            </a:extLst>
-          </p:cNvPr>
+          <p:cNvPr id="3" name="Segnaposto testo 2"/>
           <p:cNvSpPr>
-            <a:spLocks noGrp="1"/>
+            <a:spLocks noGrp="true"/>
           </p:cNvSpPr>
           <p:nvPr>
             <p:ph type="body" idx="1"/>
@@ -2855,6 +2470,7 @@
               <a:rPr lang="it-IT"/>
               <a:t>Fare clic per modificare gli stili del testo dello schema</a:t>
             </a:r>
+            <a:endParaRPr lang="it-IT"/>
           </a:p>
           <a:p>
             <a:pPr lvl="1"/>
@@ -2862,6 +2478,7 @@
               <a:rPr lang="it-IT"/>
               <a:t>Secondo livello</a:t>
             </a:r>
+            <a:endParaRPr lang="it-IT"/>
           </a:p>
           <a:p>
             <a:pPr lvl="2"/>
@@ -2869,6 +2486,7 @@
               <a:rPr lang="it-IT"/>
               <a:t>Terzo livello</a:t>
             </a:r>
+            <a:endParaRPr lang="it-IT"/>
           </a:p>
           <a:p>
             <a:pPr lvl="3"/>
@@ -2876,6 +2494,7 @@
               <a:rPr lang="it-IT"/>
               <a:t>Quarto livello</a:t>
             </a:r>
+            <a:endParaRPr lang="it-IT"/>
           </a:p>
           <a:p>
             <a:pPr lvl="4"/>
@@ -2883,20 +2502,15 @@
               <a:rPr lang="it-IT"/>
               <a:t>Quinto livello</a:t>
             </a:r>
+            <a:endParaRPr lang="it-IT"/>
           </a:p>
         </p:txBody>
       </p:sp>
       <p:sp>
         <p:nvSpPr>
-          <p:cNvPr id="4" name="Segnaposto data 3">
-            <a:extLst>
-              <a:ext uri="{FF2B5EF4-FFF2-40B4-BE49-F238E27FC236}">
-                <a16:creationId xmlns:a16="http://schemas.microsoft.com/office/drawing/2014/main" id="{6517D52A-F26D-4F48-9466-F528EA6AE5FB}"/>
-              </a:ext>
-            </a:extLst>
-          </p:cNvPr>
+          <p:cNvPr id="4" name="Segnaposto data 3"/>
           <p:cNvSpPr>
-            <a:spLocks noGrp="1"/>
+            <a:spLocks noGrp="true"/>
           </p:cNvSpPr>
           <p:nvPr>
             <p:ph type="dt" sz="half" idx="2"/>
@@ -2927,7 +2541,6 @@
           <a:p>
             <a:fld id="{32F30997-0925-4C0B-8C7A-0B9D8E6111C4}" type="datetimeFigureOut">
               <a:rPr lang="it-IT" smtClean="0"/>
-              <a:t>24/02/2021</a:t>
             </a:fld>
             <a:endParaRPr lang="it-IT"/>
           </a:p>
@@ -2935,15 +2548,9 @@
       </p:sp>
       <p:sp>
         <p:nvSpPr>
-          <p:cNvPr id="5" name="Segnaposto piè di pagina 4">
-            <a:extLst>
-              <a:ext uri="{FF2B5EF4-FFF2-40B4-BE49-F238E27FC236}">
-                <a16:creationId xmlns:a16="http://schemas.microsoft.com/office/drawing/2014/main" id="{D7D91BAE-B814-4C76-8551-A3386199BC55}"/>
-              </a:ext>
-            </a:extLst>
-          </p:cNvPr>
+          <p:cNvPr id="5" name="Segnaposto piè di pagina 4"/>
           <p:cNvSpPr>
-            <a:spLocks noGrp="1"/>
+            <a:spLocks noGrp="true"/>
           </p:cNvSpPr>
           <p:nvPr>
             <p:ph type="ftr" sz="quarter" idx="3"/>
@@ -2978,15 +2585,9 @@
       </p:sp>
       <p:sp>
         <p:nvSpPr>
-          <p:cNvPr id="6" name="Segnaposto numero diapositiva 5">
-            <a:extLst>
-              <a:ext uri="{FF2B5EF4-FFF2-40B4-BE49-F238E27FC236}">
-                <a16:creationId xmlns:a16="http://schemas.microsoft.com/office/drawing/2014/main" id="{76D012D2-5497-454E-BFF2-9CA23FD36DEA}"/>
-              </a:ext>
-            </a:extLst>
-          </p:cNvPr>
+          <p:cNvPr id="6" name="Segnaposto numero diapositiva 5"/>
           <p:cNvSpPr>
-            <a:spLocks noGrp="1"/>
+            <a:spLocks noGrp="true"/>
           </p:cNvSpPr>
           <p:nvPr>
             <p:ph type="sldNum" sz="quarter" idx="4"/>
@@ -3017,18 +2618,12 @@
           <a:p>
             <a:fld id="{6D865662-5E30-4BD2-9AE9-A5F336DFC7F6}" type="slidenum">
               <a:rPr lang="it-IT" smtClean="0"/>
-              <a:t>‹N›</a:t>
             </a:fld>
             <a:endParaRPr lang="it-IT"/>
           </a:p>
         </p:txBody>
       </p:sp>
     </p:spTree>
-    <p:extLst>
-      <p:ext uri="{BB962C8B-B14F-4D97-AF65-F5344CB8AC3E}">
-        <p14:creationId xmlns:p14="http://schemas.microsoft.com/office/powerpoint/2010/main" val="607247543"/>
-      </p:ext>
-    </p:extLst>
   </p:cSld>
   <p:clrMap bg1="lt1" tx1="dk1" bg2="lt2" tx2="dk2" accent1="accent1" accent2="accent2" accent3="accent3" accent4="accent4" accent5="accent5" accent6="accent6" hlink="hlink" folHlink="folHlink"/>
   <p:sldLayoutIdLst>
@@ -3346,15 +2941,9 @@
       </p:grpSpPr>
       <p:sp>
         <p:nvSpPr>
-          <p:cNvPr id="2" name="Titolo 1">
-            <a:extLst>
-              <a:ext uri="{FF2B5EF4-FFF2-40B4-BE49-F238E27FC236}">
-                <a16:creationId xmlns:a16="http://schemas.microsoft.com/office/drawing/2014/main" id="{B4337F71-827B-42C1-B2A0-61E38EDE07BC}"/>
-              </a:ext>
-            </a:extLst>
-          </p:cNvPr>
+          <p:cNvPr id="2" name="Titolo 1"/>
           <p:cNvSpPr>
-            <a:spLocks noGrp="1"/>
+            <a:spLocks noGrp="true"/>
           </p:cNvSpPr>
           <p:nvPr>
             <p:ph type="ctrTitle"/>
@@ -3412,15 +3001,11 @@
               <a:rPr lang="it-IT" dirty="0"/>
               <a:t> </a:t>
             </a:r>
+            <a:endParaRPr lang="it-IT" dirty="0"/>
           </a:p>
         </p:txBody>
       </p:sp>
     </p:spTree>
-    <p:extLst>
-      <p:ext uri="{BB962C8B-B14F-4D97-AF65-F5344CB8AC3E}">
-        <p14:creationId xmlns:p14="http://schemas.microsoft.com/office/powerpoint/2010/main" val="1641678675"/>
-      </p:ext>
-    </p:extLst>
   </p:cSld>
   <p:clrMapOvr>
     <a:masterClrMapping/>
@@ -3447,15 +3032,9 @@
       </p:grpSpPr>
       <p:sp>
         <p:nvSpPr>
-          <p:cNvPr id="2" name="Titolo 1">
-            <a:extLst>
-              <a:ext uri="{FF2B5EF4-FFF2-40B4-BE49-F238E27FC236}">
-                <a16:creationId xmlns:a16="http://schemas.microsoft.com/office/drawing/2014/main" id="{A9CE79EE-DC45-434D-989E-D7A9EBE1FBFC}"/>
-              </a:ext>
-            </a:extLst>
-          </p:cNvPr>
+          <p:cNvPr id="2" name="Titolo 1"/>
           <p:cNvSpPr>
-            <a:spLocks noGrp="1"/>
+            <a:spLocks noGrp="true"/>
           </p:cNvSpPr>
           <p:nvPr>
             <p:ph type="title"/>
@@ -3475,21 +3054,16 @@
               <a:rPr lang="it-IT" dirty="0"/>
               <a:t>Funzioni di costo </a:t>
             </a:r>
+            <a:endParaRPr lang="it-IT" dirty="0"/>
           </a:p>
         </p:txBody>
       </p:sp>
-      <mc:AlternateContent xmlns:mc="http://schemas.openxmlformats.org/markup-compatibility/2006" xmlns:a14="http://schemas.microsoft.com/office/drawing/2010/main">
-        <mc:Choice Requires="a14">
+      <mc:AlternateContent xmlns:mc="http://schemas.openxmlformats.org/markup-compatibility/2006">
+        <mc:Choice xmlns:a14="http://schemas.microsoft.com/office/drawing/2010/main" Requires="a14">
           <p:sp>
             <p:nvSpPr>
-              <p:cNvPr id="4" name="CasellaDiTesto 3">
-                <a:extLst>
-                  <a:ext uri="{FF2B5EF4-FFF2-40B4-BE49-F238E27FC236}">
-                    <a16:creationId xmlns:a16="http://schemas.microsoft.com/office/drawing/2014/main" id="{B1C80E1B-9F62-451F-90C7-D85C0CEF2FD9}"/>
-                  </a:ext>
-                </a:extLst>
-              </p:cNvPr>
-              <p:cNvSpPr txBox="1"/>
+              <p:cNvPr id="4" name="CasellaDiTesto 3"/>
+              <p:cNvSpPr txBox="true"/>
               <p:nvPr/>
             </p:nvSpPr>
             <p:spPr>
@@ -4658,7 +4232,19 @@
                         <a:rPr lang="it-IT" sz="2000" b="0" i="1" smtClean="0">
                           <a:latin typeface="Cambria Math" panose="02040503050406030204" pitchFamily="18" charset="0"/>
                         </a:rPr>
-                        <m:t>&gt;0 </m:t>
+                        <m:t>&gt;</m:t>
+                      </m:r>
+                      <m:r>
+                        <a:rPr lang="it-IT" sz="2000" b="0" i="1" smtClean="0">
+                          <a:latin typeface="Cambria Math" panose="02040503050406030204" pitchFamily="18" charset="0"/>
+                        </a:rPr>
+                        <m:t>0</m:t>
+                      </m:r>
+                      <m:r>
+                        <a:rPr lang="it-IT" sz="2000" b="0" i="1" smtClean="0">
+                          <a:latin typeface="Cambria Math" panose="02040503050406030204" pitchFamily="18" charset="0"/>
+                        </a:rPr>
+                        <m:t> </m:t>
                       </m:r>
                       <m:r>
                         <a:rPr lang="it-IT" sz="2000" b="0" i="1" smtClean="0">
@@ -4670,7 +4256,31 @@
                         <a:rPr lang="it-IT" sz="2000" b="0" i="1" smtClean="0">
                           <a:latin typeface="Cambria Math" panose="02040503050406030204" pitchFamily="18" charset="0"/>
                         </a:rPr>
-                        <m:t>=1,2;</m:t>
+                        <m:t>=</m:t>
+                      </m:r>
+                      <m:r>
+                        <a:rPr lang="it-IT" sz="2000" b="0" i="1" smtClean="0">
+                          <a:latin typeface="Cambria Math" panose="02040503050406030204" pitchFamily="18" charset="0"/>
+                        </a:rPr>
+                        <m:t>1</m:t>
+                      </m:r>
+                      <m:r>
+                        <a:rPr lang="it-IT" sz="2000" b="0" i="1" smtClean="0">
+                          <a:latin typeface="Cambria Math" panose="02040503050406030204" pitchFamily="18" charset="0"/>
+                        </a:rPr>
+                        <m:t>,</m:t>
+                      </m:r>
+                      <m:r>
+                        <a:rPr lang="it-IT" sz="2000" b="0" i="1" smtClean="0">
+                          <a:latin typeface="Cambria Math" panose="02040503050406030204" pitchFamily="18" charset="0"/>
+                        </a:rPr>
+                        <m:t>2</m:t>
+                      </m:r>
+                      <m:r>
+                        <a:rPr lang="it-IT" sz="2000" b="0" i="1" smtClean="0">
+                          <a:latin typeface="Cambria Math" panose="02040503050406030204" pitchFamily="18" charset="0"/>
+                        </a:rPr>
+                        <m:t>;</m:t>
                       </m:r>
                       <m:r>
                         <a:rPr lang="it-IT" sz="2000" b="0" i="1" smtClean="0">
@@ -4682,7 +4292,49 @@
                         <a:rPr lang="it-IT" sz="2000" b="0" i="1" smtClean="0">
                           <a:latin typeface="Cambria Math" panose="02040503050406030204" pitchFamily="18" charset="0"/>
                         </a:rPr>
-                        <m:t>=1,2,3,4</m:t>
+                        <m:t>=</m:t>
+                      </m:r>
+                      <m:r>
+                        <a:rPr lang="it-IT" sz="2000" b="0" i="1" smtClean="0">
+                          <a:latin typeface="Cambria Math" panose="02040503050406030204" pitchFamily="18" charset="0"/>
+                        </a:rPr>
+                        <m:t>1</m:t>
+                      </m:r>
+                      <m:r>
+                        <a:rPr lang="it-IT" sz="2000" b="0" i="1" smtClean="0">
+                          <a:latin typeface="Cambria Math" panose="02040503050406030204" pitchFamily="18" charset="0"/>
+                        </a:rPr>
+                        <m:t>,</m:t>
+                      </m:r>
+                      <m:r>
+                        <a:rPr lang="it-IT" sz="2000" b="0" i="1" smtClean="0">
+                          <a:latin typeface="Cambria Math" panose="02040503050406030204" pitchFamily="18" charset="0"/>
+                        </a:rPr>
+                        <m:t>2</m:t>
+                      </m:r>
+                      <m:r>
+                        <a:rPr lang="it-IT" sz="2000" b="0" i="1" smtClean="0">
+                          <a:latin typeface="Cambria Math" panose="02040503050406030204" pitchFamily="18" charset="0"/>
+                        </a:rPr>
+                        <m:t>,</m:t>
+                      </m:r>
+                      <m:r>
+                        <a:rPr lang="it-IT" sz="2000" b="0" i="1" smtClean="0">
+                          <a:latin typeface="Cambria Math" panose="02040503050406030204" pitchFamily="18" charset="0"/>
+                        </a:rPr>
+                        <m:t>3</m:t>
+                      </m:r>
+                      <m:r>
+                        <a:rPr lang="it-IT" sz="2000" b="0" i="1" smtClean="0">
+                          <a:latin typeface="Cambria Math" panose="02040503050406030204" pitchFamily="18" charset="0"/>
+                        </a:rPr>
+                        <m:t>,</m:t>
+                      </m:r>
+                      <m:r>
+                        <a:rPr lang="it-IT" sz="2000" b="0" i="1" smtClean="0">
+                          <a:latin typeface="Cambria Math" panose="02040503050406030204" pitchFamily="18" charset="0"/>
+                        </a:rPr>
+                        <m:t>4</m:t>
                       </m:r>
                     </m:oMath>
                   </m:oMathPara>
@@ -4723,18 +4375,12 @@
             </p:txBody>
           </p:sp>
         </mc:Choice>
-        <mc:Fallback xmlns="">
+        <mc:Fallback>
           <p:sp>
             <p:nvSpPr>
-              <p:cNvPr id="4" name="CasellaDiTesto 3">
-                <a:extLst>
-                  <a:ext uri="{FF2B5EF4-FFF2-40B4-BE49-F238E27FC236}">
-                    <a16:creationId xmlns:a16="http://schemas.microsoft.com/office/drawing/2014/main" id="{B1C80E1B-9F62-451F-90C7-D85C0CEF2FD9}"/>
-                  </a:ext>
-                </a:extLst>
-              </p:cNvPr>
-              <p:cNvSpPr txBox="1">
-                <a:spLocks noRot="1" noChangeAspect="1" noMove="1" noResize="1" noEditPoints="1" noAdjustHandles="1" noChangeArrowheads="1" noChangeShapeType="1" noTextEdit="1"/>
+              <p:cNvPr id="4" name="CasellaDiTesto 3"/>
+              <p:cNvSpPr txBox="true">
+                <a:spLocks noRot="true" noChangeAspect="true" noMove="true" noResize="true" noEditPoints="true" noAdjustHandles="true" noChangeArrowheads="true" noChangeShapeType="true" noTextEdit="true"/>
               </p:cNvSpPr>
               <p:nvPr/>
             </p:nvSpPr>
@@ -4746,10 +4392,10 @@
               <a:prstGeom prst="rect">
                 <a:avLst/>
               </a:prstGeom>
-              <a:blipFill>
-                <a:blip r:embed="rId2"/>
+              <a:blipFill rotWithShape="true">
+                <a:blip r:embed="rId1"/>
                 <a:stretch>
-                  <a:fillRect l="-3061" t="-5665" r="-1403"/>
+                  <a:fillRect t="-4" r="-18727" b="-1742"/>
                 </a:stretch>
               </a:blipFill>
             </p:spPr>
@@ -4758,7 +4404,7 @@
               <a:lstStyle/>
               <a:p>
                 <a:r>
-                  <a:rPr lang="it-IT">
+                  <a:rPr lang="en-US" altLang="en-US">
                     <a:noFill/>
                   </a:rPr>
                   <a:t> </a:t>
@@ -4770,16 +4416,8 @@
       </mc:AlternateContent>
       <p:sp>
         <p:nvSpPr>
-          <p:cNvPr id="5" name="Titolo 1">
-            <a:extLst>
-              <a:ext uri="{FF2B5EF4-FFF2-40B4-BE49-F238E27FC236}">
-                <a16:creationId xmlns:a16="http://schemas.microsoft.com/office/drawing/2014/main" id="{9C849199-9D83-4711-9228-9C64DB5AB31E}"/>
-              </a:ext>
-            </a:extLst>
-          </p:cNvPr>
-          <p:cNvSpPr txBox="1">
-            <a:spLocks/>
-          </p:cNvSpPr>
+          <p:cNvPr id="5" name="Titolo 1"/>
+          <p:cNvSpPr txBox="true"/>
           <p:nvPr/>
         </p:nvSpPr>
         <p:spPr>
@@ -4819,15 +4457,11 @@
               <a:rPr lang="it-IT" dirty="0"/>
               <a:t>Vincoli</a:t>
             </a:r>
+            <a:endParaRPr lang="it-IT" dirty="0"/>
           </a:p>
         </p:txBody>
       </p:sp>
     </p:spTree>
-    <p:extLst>
-      <p:ext uri="{BB962C8B-B14F-4D97-AF65-F5344CB8AC3E}">
-        <p14:creationId xmlns:p14="http://schemas.microsoft.com/office/powerpoint/2010/main" val="3893050884"/>
-      </p:ext>
-    </p:extLst>
   </p:cSld>
   <p:clrMapOvr>
     <a:masterClrMapping/>
@@ -4854,15 +4488,9 @@
       </p:grpSpPr>
       <p:sp>
         <p:nvSpPr>
-          <p:cNvPr id="2" name="Titolo 1">
-            <a:extLst>
-              <a:ext uri="{FF2B5EF4-FFF2-40B4-BE49-F238E27FC236}">
-                <a16:creationId xmlns:a16="http://schemas.microsoft.com/office/drawing/2014/main" id="{2CC73DCA-3D20-417F-802A-037F13AAB495}"/>
-              </a:ext>
-            </a:extLst>
-          </p:cNvPr>
+          <p:cNvPr id="2" name="Titolo 1"/>
           <p:cNvSpPr>
-            <a:spLocks noGrp="1"/>
+            <a:spLocks noGrp="true"/>
           </p:cNvSpPr>
           <p:nvPr>
             <p:ph type="title"/>
@@ -4887,15 +4515,9 @@
       </p:sp>
       <p:sp>
         <p:nvSpPr>
-          <p:cNvPr id="3" name="Segnaposto contenuto 2">
-            <a:extLst>
-              <a:ext uri="{FF2B5EF4-FFF2-40B4-BE49-F238E27FC236}">
-                <a16:creationId xmlns:a16="http://schemas.microsoft.com/office/drawing/2014/main" id="{19C0A194-8441-4B7F-BE0D-6520B1F83F8C}"/>
-              </a:ext>
-            </a:extLst>
-          </p:cNvPr>
+          <p:cNvPr id="3" name="Segnaposto contenuto 2"/>
           <p:cNvSpPr>
-            <a:spLocks noGrp="1"/>
+            <a:spLocks noGrp="true"/>
           </p:cNvSpPr>
           <p:nvPr>
             <p:ph idx="1"/>
@@ -4911,11 +4533,6 @@
         </p:txBody>
       </p:sp>
     </p:spTree>
-    <p:extLst>
-      <p:ext uri="{BB962C8B-B14F-4D97-AF65-F5344CB8AC3E}">
-        <p14:creationId xmlns:p14="http://schemas.microsoft.com/office/powerpoint/2010/main" val="4143691150"/>
-      </p:ext>
-    </p:extLst>
   </p:cSld>
   <p:clrMapOvr>
     <a:masterClrMapping/>
@@ -4942,15 +4559,9 @@
       </p:grpSpPr>
       <p:sp>
         <p:nvSpPr>
-          <p:cNvPr id="2" name="Titolo 1">
-            <a:extLst>
-              <a:ext uri="{FF2B5EF4-FFF2-40B4-BE49-F238E27FC236}">
-                <a16:creationId xmlns:a16="http://schemas.microsoft.com/office/drawing/2014/main" id="{A1FE554A-9B73-49E7-9D7E-714BC07FC946}"/>
-              </a:ext>
-            </a:extLst>
-          </p:cNvPr>
+          <p:cNvPr id="2" name="Titolo 1"/>
           <p:cNvSpPr>
-            <a:spLocks noGrp="1"/>
+            <a:spLocks noGrp="true"/>
           </p:cNvSpPr>
           <p:nvPr>
             <p:ph type="title"/>
@@ -4965,20 +4576,15 @@
               <a:rPr lang="it-IT" dirty="0"/>
               <a:t>Fitting parametri modello </a:t>
             </a:r>
+            <a:endParaRPr lang="it-IT" dirty="0"/>
           </a:p>
         </p:txBody>
       </p:sp>
       <p:sp>
         <p:nvSpPr>
-          <p:cNvPr id="3" name="Segnaposto contenuto 2">
-            <a:extLst>
-              <a:ext uri="{FF2B5EF4-FFF2-40B4-BE49-F238E27FC236}">
-                <a16:creationId xmlns:a16="http://schemas.microsoft.com/office/drawing/2014/main" id="{F7F19063-0AD8-430C-AF04-B95F6B46DBD9}"/>
-              </a:ext>
-            </a:extLst>
-          </p:cNvPr>
+          <p:cNvPr id="3" name="Segnaposto contenuto 2"/>
           <p:cNvSpPr>
-            <a:spLocks noGrp="1"/>
+            <a:spLocks noGrp="true"/>
           </p:cNvSpPr>
           <p:nvPr>
             <p:ph idx="1"/>
@@ -5001,15 +4607,11 @@
               <a:rPr lang="it-IT" dirty="0"/>
               <a:t>.</a:t>
             </a:r>
+            <a:endParaRPr lang="it-IT" dirty="0"/>
           </a:p>
         </p:txBody>
       </p:sp>
     </p:spTree>
-    <p:extLst>
-      <p:ext uri="{BB962C8B-B14F-4D97-AF65-F5344CB8AC3E}">
-        <p14:creationId xmlns:p14="http://schemas.microsoft.com/office/powerpoint/2010/main" val="862347753"/>
-      </p:ext>
-    </p:extLst>
   </p:cSld>
   <p:clrMapOvr>
     <a:masterClrMapping/>
@@ -5036,15 +4638,9 @@
       </p:grpSpPr>
       <p:sp>
         <p:nvSpPr>
-          <p:cNvPr id="2" name="Titolo 1">
-            <a:extLst>
-              <a:ext uri="{FF2B5EF4-FFF2-40B4-BE49-F238E27FC236}">
-                <a16:creationId xmlns:a16="http://schemas.microsoft.com/office/drawing/2014/main" id="{38AB8B82-CFD6-4BAE-ADAA-82BD6335EE96}"/>
-              </a:ext>
-            </a:extLst>
-          </p:cNvPr>
+          <p:cNvPr id="2" name="Titolo 1"/>
           <p:cNvSpPr>
-            <a:spLocks noGrp="1"/>
+            <a:spLocks noGrp="true"/>
           </p:cNvSpPr>
           <p:nvPr>
             <p:ph type="title"/>
@@ -5059,20 +4655,15 @@
               <a:rPr lang="it-IT" dirty="0"/>
               <a:t>Risultati fitting </a:t>
             </a:r>
+            <a:endParaRPr lang="it-IT" dirty="0"/>
           </a:p>
         </p:txBody>
       </p:sp>
       <p:sp>
         <p:nvSpPr>
-          <p:cNvPr id="3" name="Segnaposto contenuto 2">
-            <a:extLst>
-              <a:ext uri="{FF2B5EF4-FFF2-40B4-BE49-F238E27FC236}">
-                <a16:creationId xmlns:a16="http://schemas.microsoft.com/office/drawing/2014/main" id="{30465578-A557-4B16-93C6-5C697988B3FA}"/>
-              </a:ext>
-            </a:extLst>
-          </p:cNvPr>
+          <p:cNvPr id="3" name="Segnaposto contenuto 2"/>
           <p:cNvSpPr>
-            <a:spLocks noGrp="1"/>
+            <a:spLocks noGrp="true"/>
           </p:cNvSpPr>
           <p:nvPr>
             <p:ph idx="1"/>
@@ -5088,11 +4679,6 @@
         </p:txBody>
       </p:sp>
     </p:spTree>
-    <p:extLst>
-      <p:ext uri="{BB962C8B-B14F-4D97-AF65-F5344CB8AC3E}">
-        <p14:creationId xmlns:p14="http://schemas.microsoft.com/office/powerpoint/2010/main" val="2795288727"/>
-      </p:ext>
-    </p:extLst>
   </p:cSld>
   <p:clrMapOvr>
     <a:masterClrMapping/>
@@ -5119,15 +4705,9 @@
       </p:grpSpPr>
       <p:sp>
         <p:nvSpPr>
-          <p:cNvPr id="2" name="Titolo 1">
-            <a:extLst>
-              <a:ext uri="{FF2B5EF4-FFF2-40B4-BE49-F238E27FC236}">
-                <a16:creationId xmlns:a16="http://schemas.microsoft.com/office/drawing/2014/main" id="{2F335A54-1967-4613-944D-A05885A0DD59}"/>
-              </a:ext>
-            </a:extLst>
-          </p:cNvPr>
+          <p:cNvPr id="2" name="Titolo 1"/>
           <p:cNvSpPr>
-            <a:spLocks noGrp="1"/>
+            <a:spLocks noGrp="true"/>
           </p:cNvSpPr>
           <p:nvPr>
             <p:ph type="title"/>
@@ -5142,20 +4722,15 @@
               <a:rPr lang="it-IT" dirty="0"/>
               <a:t>Risultati/simulazione: Prima strategia </a:t>
             </a:r>
+            <a:endParaRPr lang="it-IT" dirty="0"/>
           </a:p>
         </p:txBody>
       </p:sp>
       <p:sp>
         <p:nvSpPr>
-          <p:cNvPr id="3" name="Segnaposto contenuto 2">
-            <a:extLst>
-              <a:ext uri="{FF2B5EF4-FFF2-40B4-BE49-F238E27FC236}">
-                <a16:creationId xmlns:a16="http://schemas.microsoft.com/office/drawing/2014/main" id="{561C6A1C-AF6C-4B15-A2B5-E658D8ADA268}"/>
-              </a:ext>
-            </a:extLst>
-          </p:cNvPr>
+          <p:cNvPr id="3" name="Segnaposto contenuto 2"/>
           <p:cNvSpPr>
-            <a:spLocks noGrp="1"/>
+            <a:spLocks noGrp="true"/>
           </p:cNvSpPr>
           <p:nvPr>
             <p:ph idx="1"/>
@@ -5170,15 +4745,11 @@
               <a:rPr lang="it-IT" dirty="0"/>
               <a:t>Funzione di costo, risultati (simulazione) e interpretazione/commento</a:t>
             </a:r>
+            <a:endParaRPr lang="it-IT" dirty="0"/>
           </a:p>
         </p:txBody>
       </p:sp>
     </p:spTree>
-    <p:extLst>
-      <p:ext uri="{BB962C8B-B14F-4D97-AF65-F5344CB8AC3E}">
-        <p14:creationId xmlns:p14="http://schemas.microsoft.com/office/powerpoint/2010/main" val="392379535"/>
-      </p:ext>
-    </p:extLst>
   </p:cSld>
   <p:clrMapOvr>
     <a:masterClrMapping/>
@@ -5205,15 +4776,9 @@
       </p:grpSpPr>
       <p:sp>
         <p:nvSpPr>
-          <p:cNvPr id="2" name="Titolo 1">
-            <a:extLst>
-              <a:ext uri="{FF2B5EF4-FFF2-40B4-BE49-F238E27FC236}">
-                <a16:creationId xmlns:a16="http://schemas.microsoft.com/office/drawing/2014/main" id="{D498CD87-9F95-4877-8025-557429D92DCB}"/>
-              </a:ext>
-            </a:extLst>
-          </p:cNvPr>
+          <p:cNvPr id="2" name="Titolo 1"/>
           <p:cNvSpPr>
-            <a:spLocks noGrp="1"/>
+            <a:spLocks noGrp="true"/>
           </p:cNvSpPr>
           <p:nvPr>
             <p:ph type="title"/>
@@ -5228,20 +4793,15 @@
               <a:rPr lang="it-IT" dirty="0"/>
               <a:t>Risultati/simulazione: seconda strategia</a:t>
             </a:r>
+            <a:endParaRPr lang="it-IT" dirty="0"/>
           </a:p>
         </p:txBody>
       </p:sp>
       <p:sp>
         <p:nvSpPr>
-          <p:cNvPr id="3" name="Segnaposto contenuto 2">
-            <a:extLst>
-              <a:ext uri="{FF2B5EF4-FFF2-40B4-BE49-F238E27FC236}">
-                <a16:creationId xmlns:a16="http://schemas.microsoft.com/office/drawing/2014/main" id="{EC51D80F-42CA-471C-8282-47ED4B94CCC1}"/>
-              </a:ext>
-            </a:extLst>
-          </p:cNvPr>
+          <p:cNvPr id="3" name="Segnaposto contenuto 2"/>
           <p:cNvSpPr>
-            <a:spLocks noGrp="1"/>
+            <a:spLocks noGrp="true"/>
           </p:cNvSpPr>
           <p:nvPr>
             <p:ph idx="1"/>
@@ -5256,6 +4816,7 @@
               <a:rPr lang="it-IT" dirty="0"/>
               <a:t>Funzione di costo, risultati (simulazione) e interpretazione/commento</a:t>
             </a:r>
+            <a:endParaRPr lang="it-IT" dirty="0"/>
           </a:p>
           <a:p>
             <a:endParaRPr lang="it-IT" dirty="0"/>
@@ -5263,11 +4824,6 @@
         </p:txBody>
       </p:sp>
     </p:spTree>
-    <p:extLst>
-      <p:ext uri="{BB962C8B-B14F-4D97-AF65-F5344CB8AC3E}">
-        <p14:creationId xmlns:p14="http://schemas.microsoft.com/office/powerpoint/2010/main" val="3891287579"/>
-      </p:ext>
-    </p:extLst>
   </p:cSld>
   <p:clrMapOvr>
     <a:masterClrMapping/>
@@ -5294,15 +4850,9 @@
       </p:grpSpPr>
       <p:sp>
         <p:nvSpPr>
-          <p:cNvPr id="2" name="Titolo 1">
-            <a:extLst>
-              <a:ext uri="{FF2B5EF4-FFF2-40B4-BE49-F238E27FC236}">
-                <a16:creationId xmlns:a16="http://schemas.microsoft.com/office/drawing/2014/main" id="{FE4A028A-E8BC-4FED-B759-0A784ED6D5EB}"/>
-              </a:ext>
-            </a:extLst>
-          </p:cNvPr>
+          <p:cNvPr id="2" name="Titolo 1"/>
           <p:cNvSpPr>
-            <a:spLocks noGrp="1"/>
+            <a:spLocks noGrp="true"/>
           </p:cNvSpPr>
           <p:nvPr>
             <p:ph type="title"/>
@@ -5317,20 +4867,15 @@
               <a:rPr lang="it-IT" dirty="0"/>
               <a:t>Risultati/simulazione: terza strategia</a:t>
             </a:r>
+            <a:endParaRPr lang="it-IT" dirty="0"/>
           </a:p>
         </p:txBody>
       </p:sp>
       <p:sp>
         <p:nvSpPr>
-          <p:cNvPr id="3" name="Segnaposto contenuto 2">
-            <a:extLst>
-              <a:ext uri="{FF2B5EF4-FFF2-40B4-BE49-F238E27FC236}">
-                <a16:creationId xmlns:a16="http://schemas.microsoft.com/office/drawing/2014/main" id="{A7CD259D-7996-4711-9A0B-C900E9C6E9A7}"/>
-              </a:ext>
-            </a:extLst>
-          </p:cNvPr>
+          <p:cNvPr id="3" name="Segnaposto contenuto 2"/>
           <p:cNvSpPr>
-            <a:spLocks noGrp="1"/>
+            <a:spLocks noGrp="true"/>
           </p:cNvSpPr>
           <p:nvPr>
             <p:ph idx="1"/>
@@ -5345,6 +4890,7 @@
               <a:rPr lang="it-IT" dirty="0"/>
               <a:t>Funzione di costo, risultati (simulazione) e interpretazione/commento</a:t>
             </a:r>
+            <a:endParaRPr lang="it-IT" dirty="0"/>
           </a:p>
           <a:p>
             <a:endParaRPr lang="it-IT" dirty="0"/>
@@ -5352,11 +4898,6 @@
         </p:txBody>
       </p:sp>
     </p:spTree>
-    <p:extLst>
-      <p:ext uri="{BB962C8B-B14F-4D97-AF65-F5344CB8AC3E}">
-        <p14:creationId xmlns:p14="http://schemas.microsoft.com/office/powerpoint/2010/main" val="2267820855"/>
-      </p:ext>
-    </p:extLst>
   </p:cSld>
   <p:clrMapOvr>
     <a:masterClrMapping/>
@@ -5383,15 +4924,9 @@
       </p:grpSpPr>
       <p:sp>
         <p:nvSpPr>
-          <p:cNvPr id="2" name="Titolo 1">
-            <a:extLst>
-              <a:ext uri="{FF2B5EF4-FFF2-40B4-BE49-F238E27FC236}">
-                <a16:creationId xmlns:a16="http://schemas.microsoft.com/office/drawing/2014/main" id="{93B63908-7A26-42C4-8E2A-FA1E2973047D}"/>
-              </a:ext>
-            </a:extLst>
-          </p:cNvPr>
+          <p:cNvPr id="2" name="Titolo 1"/>
           <p:cNvSpPr>
-            <a:spLocks noGrp="1"/>
+            <a:spLocks noGrp="true"/>
           </p:cNvSpPr>
           <p:nvPr>
             <p:ph type="title"/>
@@ -5406,20 +4941,15 @@
               <a:rPr lang="it-IT" dirty="0"/>
               <a:t>Risultati/simulazione: quarta strategia</a:t>
             </a:r>
+            <a:endParaRPr lang="it-IT" dirty="0"/>
           </a:p>
         </p:txBody>
       </p:sp>
       <p:sp>
         <p:nvSpPr>
-          <p:cNvPr id="3" name="Segnaposto contenuto 2">
-            <a:extLst>
-              <a:ext uri="{FF2B5EF4-FFF2-40B4-BE49-F238E27FC236}">
-                <a16:creationId xmlns:a16="http://schemas.microsoft.com/office/drawing/2014/main" id="{D69A7350-E170-406E-8B1D-E0CEE68741E5}"/>
-              </a:ext>
-            </a:extLst>
-          </p:cNvPr>
+          <p:cNvPr id="3" name="Segnaposto contenuto 2"/>
           <p:cNvSpPr>
-            <a:spLocks noGrp="1"/>
+            <a:spLocks noGrp="true"/>
           </p:cNvSpPr>
           <p:nvPr>
             <p:ph idx="1"/>
@@ -5434,6 +4964,7 @@
               <a:rPr lang="it-IT" dirty="0"/>
               <a:t>Funzione di costo, risultati (simulazione) e interpretazione/commento</a:t>
             </a:r>
+            <a:endParaRPr lang="it-IT" dirty="0"/>
           </a:p>
           <a:p>
             <a:endParaRPr lang="it-IT" dirty="0"/>
@@ -5441,11 +4972,6 @@
         </p:txBody>
       </p:sp>
     </p:spTree>
-    <p:extLst>
-      <p:ext uri="{BB962C8B-B14F-4D97-AF65-F5344CB8AC3E}">
-        <p14:creationId xmlns:p14="http://schemas.microsoft.com/office/powerpoint/2010/main" val="3701046397"/>
-      </p:ext>
-    </p:extLst>
   </p:cSld>
   <p:clrMapOvr>
     <a:masterClrMapping/>
@@ -5472,15 +4998,9 @@
       </p:grpSpPr>
       <p:sp>
         <p:nvSpPr>
-          <p:cNvPr id="2" name="Titolo 1">
-            <a:extLst>
-              <a:ext uri="{FF2B5EF4-FFF2-40B4-BE49-F238E27FC236}">
-                <a16:creationId xmlns:a16="http://schemas.microsoft.com/office/drawing/2014/main" id="{47C5733E-6D5C-4379-A704-5ED0CAC511EF}"/>
-              </a:ext>
-            </a:extLst>
-          </p:cNvPr>
+          <p:cNvPr id="2" name="Titolo 1"/>
           <p:cNvSpPr>
-            <a:spLocks noGrp="1"/>
+            <a:spLocks noGrp="true"/>
           </p:cNvSpPr>
           <p:nvPr>
             <p:ph type="title"/>
@@ -5495,20 +5015,15 @@
               <a:rPr lang="it-IT" dirty="0"/>
               <a:t>Comparazione strategie e commenti sullo sforzo del controllo </a:t>
             </a:r>
+            <a:endParaRPr lang="it-IT" dirty="0"/>
           </a:p>
         </p:txBody>
       </p:sp>
       <p:sp>
         <p:nvSpPr>
-          <p:cNvPr id="3" name="Segnaposto contenuto 2">
-            <a:extLst>
-              <a:ext uri="{FF2B5EF4-FFF2-40B4-BE49-F238E27FC236}">
-                <a16:creationId xmlns:a16="http://schemas.microsoft.com/office/drawing/2014/main" id="{AE98EBF6-65BA-4034-B49C-AB4D24C52433}"/>
-              </a:ext>
-            </a:extLst>
-          </p:cNvPr>
+          <p:cNvPr id="3" name="Segnaposto contenuto 2"/>
           <p:cNvSpPr>
-            <a:spLocks noGrp="1"/>
+            <a:spLocks noGrp="true"/>
           </p:cNvSpPr>
           <p:nvPr>
             <p:ph idx="1"/>
@@ -5524,11 +5039,6 @@
         </p:txBody>
       </p:sp>
     </p:spTree>
-    <p:extLst>
-      <p:ext uri="{BB962C8B-B14F-4D97-AF65-F5344CB8AC3E}">
-        <p14:creationId xmlns:p14="http://schemas.microsoft.com/office/powerpoint/2010/main" val="1498313302"/>
-      </p:ext>
-    </p:extLst>
   </p:cSld>
   <p:clrMapOvr>
     <a:masterClrMapping/>
@@ -5555,15 +5065,9 @@
       </p:grpSpPr>
       <p:sp>
         <p:nvSpPr>
-          <p:cNvPr id="2" name="Titolo 1">
-            <a:extLst>
-              <a:ext uri="{FF2B5EF4-FFF2-40B4-BE49-F238E27FC236}">
-                <a16:creationId xmlns:a16="http://schemas.microsoft.com/office/drawing/2014/main" id="{41D9C770-B30E-4327-9628-3BAF01DA3095}"/>
-              </a:ext>
-            </a:extLst>
-          </p:cNvPr>
+          <p:cNvPr id="2" name="Titolo 1"/>
           <p:cNvSpPr>
-            <a:spLocks noGrp="1"/>
+            <a:spLocks noGrp="true"/>
           </p:cNvSpPr>
           <p:nvPr>
             <p:ph type="title"/>
@@ -5578,20 +5082,15 @@
               <a:rPr lang="it-IT"/>
               <a:t>Conclusioni</a:t>
             </a:r>
+            <a:endParaRPr lang="it-IT"/>
           </a:p>
         </p:txBody>
       </p:sp>
       <p:sp>
         <p:nvSpPr>
-          <p:cNvPr id="3" name="Segnaposto contenuto 2">
-            <a:extLst>
-              <a:ext uri="{FF2B5EF4-FFF2-40B4-BE49-F238E27FC236}">
-                <a16:creationId xmlns:a16="http://schemas.microsoft.com/office/drawing/2014/main" id="{9C63552D-BF21-490D-96EB-362640E23431}"/>
-              </a:ext>
-            </a:extLst>
-          </p:cNvPr>
+          <p:cNvPr id="3" name="Segnaposto contenuto 2"/>
           <p:cNvSpPr>
-            <a:spLocks noGrp="1"/>
+            <a:spLocks noGrp="true"/>
           </p:cNvSpPr>
           <p:nvPr>
             <p:ph idx="1"/>
@@ -5607,11 +5106,6 @@
         </p:txBody>
       </p:sp>
     </p:spTree>
-    <p:extLst>
-      <p:ext uri="{BB962C8B-B14F-4D97-AF65-F5344CB8AC3E}">
-        <p14:creationId xmlns:p14="http://schemas.microsoft.com/office/powerpoint/2010/main" val="3980775662"/>
-      </p:ext>
-    </p:extLst>
   </p:cSld>
   <p:clrMapOvr>
     <a:masterClrMapping/>
@@ -5640,20 +5134,14 @@
         <mc:Choice xmlns:a14="http://schemas.microsoft.com/office/drawing/2010/main" Requires="a14">
           <p:sp>
             <p:nvSpPr>
-              <p:cNvPr id="4" name="CasellaDiTesto 3">
-                <a:extLst>
-                  <a:ext uri="{FF2B5EF4-FFF2-40B4-BE49-F238E27FC236}">
-                    <a16:creationId xmlns:a16="http://schemas.microsoft.com/office/drawing/2014/main" id="{5E32BFA8-865F-4378-A860-501FC2C87A87}"/>
-                  </a:ext>
-                </a:extLst>
-              </p:cNvPr>
-              <p:cNvSpPr txBox="1"/>
+              <p:cNvPr id="4" name="CasellaDiTesto 3"/>
+              <p:cNvSpPr txBox="true"/>
               <p:nvPr/>
             </p:nvSpPr>
             <p:spPr>
               <a:xfrm>
                 <a:off x="1859103" y="2372396"/>
-                <a:ext cx="8460554" cy="3170548"/>
+                <a:ext cx="8460554" cy="3982720"/>
               </a:xfrm>
               <a:prstGeom prst="rect">
                 <a:avLst/>
@@ -5666,7 +5154,6 @@
               </a:bodyPr>
               <a:lstStyle/>
               <a:p>
-                <a:pPr/>
                 <a14:m>
                   <m:oMathPara xmlns:m="http://schemas.openxmlformats.org/officeDocument/2006/math">
                     <m:oMathParaPr>
@@ -5772,7 +5259,13 @@
                             <a:rPr lang="it-IT" sz="2400" b="0" i="1" smtClean="0">
                               <a:latin typeface="Cambria Math" panose="02040503050406030204" pitchFamily="18" charset="0"/>
                             </a:rPr>
-                            <m:t>1−</m:t>
+                            <m:t>1</m:t>
+                          </m:r>
+                          <m:r>
+                            <a:rPr lang="it-IT" sz="2400" b="0" i="1" smtClean="0">
+                              <a:latin typeface="Cambria Math" panose="02040503050406030204" pitchFamily="18" charset="0"/>
+                            </a:rPr>
+                            <m:t>−</m:t>
                           </m:r>
                           <m:sSub>
                             <m:sSubPr>
@@ -5869,7 +5362,6 @@
                 <a:endParaRPr lang="it-IT" sz="2400" dirty="0"/>
               </a:p>
               <a:p>
-                <a:pPr/>
                 <a14:m>
                   <m:oMathPara xmlns:m="http://schemas.openxmlformats.org/officeDocument/2006/math">
                     <m:oMathParaPr>
@@ -5967,7 +5459,13 @@
                             <a:rPr lang="it-IT" sz="2400" b="0" i="1" smtClean="0">
                               <a:latin typeface="Cambria Math" panose="02040503050406030204" pitchFamily="18" charset="0"/>
                             </a:rPr>
-                            <m:t>1−</m:t>
+                            <m:t>1</m:t>
+                          </m:r>
+                          <m:r>
+                            <a:rPr lang="it-IT" sz="2400" b="0" i="1" smtClean="0">
+                              <a:latin typeface="Cambria Math" panose="02040503050406030204" pitchFamily="18" charset="0"/>
+                            </a:rPr>
+                            <m:t>−</m:t>
                           </m:r>
                           <m:sSub>
                             <m:sSubPr>
@@ -6671,7 +6169,13 @@
                           <a:rPr lang="it-IT" sz="2400" b="0" i="1" smtClean="0">
                             <a:latin typeface="Cambria Math" panose="02040503050406030204" pitchFamily="18" charset="0"/>
                           </a:rPr>
-                          <m:t>1−</m:t>
+                          <m:t>1</m:t>
+                        </m:r>
+                        <m:r>
+                          <a:rPr lang="it-IT" sz="2400" b="0" i="1" smtClean="0">
+                            <a:latin typeface="Cambria Math" panose="02040503050406030204" pitchFamily="18" charset="0"/>
+                          </a:rPr>
+                          <m:t>−</m:t>
                         </m:r>
                         <m:sSub>
                           <m:sSubPr>
@@ -6735,7 +6239,19 @@
                       <a:rPr lang="it-IT" sz="2400" b="0" i="1" smtClean="0">
                         <a:latin typeface="Cambria Math" panose="02040503050406030204" pitchFamily="18" charset="0"/>
                       </a:rPr>
-                      <m:t>(1−</m:t>
+                      <m:t>(</m:t>
+                    </m:r>
+                    <m:r>
+                      <a:rPr lang="it-IT" sz="2400" b="0" i="1" smtClean="0">
+                        <a:latin typeface="Cambria Math" panose="02040503050406030204" pitchFamily="18" charset="0"/>
+                      </a:rPr>
+                      <m:t>1</m:t>
+                    </m:r>
+                    <m:r>
+                      <a:rPr lang="it-IT" sz="2400" b="0" i="1" smtClean="0">
+                        <a:latin typeface="Cambria Math" panose="02040503050406030204" pitchFamily="18" charset="0"/>
+                      </a:rPr>
+                      <m:t>−</m:t>
                     </m:r>
                     <m:r>
                       <a:rPr lang="it-IT" sz="2400" b="0" i="1" smtClean="0">
@@ -6790,7 +6306,6 @@
                 <a:endParaRPr lang="it-IT" sz="2400" dirty="0"/>
               </a:p>
               <a:p>
-                <a:pPr/>
                 <a14:m>
                   <m:oMathPara xmlns:m="http://schemas.openxmlformats.org/officeDocument/2006/math">
                     <m:oMathParaPr>
@@ -6946,7 +6461,19 @@
                         <a:rPr lang="it-IT" sz="2400" b="0" i="1" smtClean="0">
                           <a:latin typeface="Cambria Math" panose="02040503050406030204" pitchFamily="18" charset="0"/>
                         </a:rPr>
-                        <m:t>(1−</m:t>
+                        <m:t>(</m:t>
+                      </m:r>
+                      <m:r>
+                        <a:rPr lang="it-IT" sz="2400" b="0" i="1" smtClean="0">
+                          <a:latin typeface="Cambria Math" panose="02040503050406030204" pitchFamily="18" charset="0"/>
+                        </a:rPr>
+                        <m:t>1</m:t>
+                      </m:r>
+                      <m:r>
+                        <a:rPr lang="it-IT" sz="2400" b="0" i="1" smtClean="0">
+                          <a:latin typeface="Cambria Math" panose="02040503050406030204" pitchFamily="18" charset="0"/>
+                        </a:rPr>
+                        <m:t>−</m:t>
                       </m:r>
                       <m:sSub>
                         <m:sSubPr>
@@ -7095,7 +6622,6 @@
                 <a:endParaRPr lang="it-IT" sz="2400" dirty="0"/>
               </a:p>
               <a:p>
-                <a:pPr/>
                 <a14:m>
                   <m:oMathPara xmlns:m="http://schemas.openxmlformats.org/officeDocument/2006/math">
                     <m:oMathParaPr>
@@ -7492,7 +7018,6 @@
                 </a:endParaRPr>
               </a:p>
               <a:p>
-                <a:pPr/>
                 <a14:m>
                   <m:oMathPara xmlns:m="http://schemas.openxmlformats.org/officeDocument/2006/math">
                     <m:oMathParaPr>
@@ -7581,30 +7106,24 @@
         <mc:Fallback>
           <p:sp>
             <p:nvSpPr>
-              <p:cNvPr id="4" name="CasellaDiTesto 3">
-                <a:extLst>
-                  <a:ext uri="{FF2B5EF4-FFF2-40B4-BE49-F238E27FC236}">
-                    <a16:creationId xmlns:a16="http://schemas.microsoft.com/office/drawing/2014/main" id="{5E32BFA8-865F-4378-A860-501FC2C87A87}"/>
-                  </a:ext>
-                </a:extLst>
-              </p:cNvPr>
-              <p:cNvSpPr txBox="1">
-                <a:spLocks noRot="1" noChangeAspect="1" noMove="1" noResize="1" noEditPoints="1" noAdjustHandles="1" noChangeArrowheads="1" noChangeShapeType="1" noTextEdit="1"/>
+              <p:cNvPr id="4" name="CasellaDiTesto 3"/>
+              <p:cNvSpPr txBox="true">
+                <a:spLocks noRot="true" noChangeAspect="true" noMove="true" noResize="true" noEditPoints="true" noAdjustHandles="true" noChangeArrowheads="true" noChangeShapeType="true" noTextEdit="true"/>
               </p:cNvSpPr>
               <p:nvPr/>
             </p:nvSpPr>
             <p:spPr>
               <a:xfrm>
                 <a:off x="1859103" y="2372396"/>
-                <a:ext cx="8460554" cy="3170548"/>
+                <a:ext cx="8460554" cy="3982720"/>
               </a:xfrm>
               <a:prstGeom prst="rect">
                 <a:avLst/>
               </a:prstGeom>
-              <a:blipFill>
-                <a:blip r:embed="rId2"/>
+              <a:blipFill rotWithShape="true">
+                <a:blip r:embed="rId1"/>
                 <a:stretch>
-                  <a:fillRect l="-1585"/>
+                  <a:fillRect l="-5" t="-1" r="3" b="1"/>
                 </a:stretch>
               </a:blipFill>
             </p:spPr>
@@ -7613,7 +7132,7 @@
               <a:lstStyle/>
               <a:p>
                 <a:r>
-                  <a:rPr lang="it-IT">
+                  <a:rPr lang="en-US" altLang="en-US">
                     <a:noFill/>
                   </a:rPr>
                   <a:t> </a:t>
@@ -7625,15 +7144,9 @@
       </mc:AlternateContent>
       <p:sp>
         <p:nvSpPr>
-          <p:cNvPr id="5" name="Titolo 1">
-            <a:extLst>
-              <a:ext uri="{FF2B5EF4-FFF2-40B4-BE49-F238E27FC236}">
-                <a16:creationId xmlns:a16="http://schemas.microsoft.com/office/drawing/2014/main" id="{E062A02D-8C6F-4457-80DC-EE6235E0CBFF}"/>
-              </a:ext>
-            </a:extLst>
-          </p:cNvPr>
+          <p:cNvPr id="5" name="Titolo 1"/>
           <p:cNvSpPr>
-            <a:spLocks noGrp="1"/>
+            <a:spLocks noGrp="true"/>
           </p:cNvSpPr>
           <p:nvPr>
             <p:ph type="title"/>
@@ -7653,15 +7166,11 @@
               <a:rPr lang="it-IT" dirty="0"/>
               <a:t>Modello matematico </a:t>
             </a:r>
+            <a:endParaRPr lang="it-IT" dirty="0"/>
           </a:p>
         </p:txBody>
       </p:sp>
     </p:spTree>
-    <p:extLst>
-      <p:ext uri="{BB962C8B-B14F-4D97-AF65-F5344CB8AC3E}">
-        <p14:creationId xmlns:p14="http://schemas.microsoft.com/office/powerpoint/2010/main" val="549174393"/>
-      </p:ext>
-    </p:extLst>
   </p:cSld>
   <p:clrMapOvr>
     <a:masterClrMapping/>
@@ -7688,15 +7197,9 @@
       </p:grpSpPr>
       <p:sp>
         <p:nvSpPr>
-          <p:cNvPr id="2" name="Titolo 1">
-            <a:extLst>
-              <a:ext uri="{FF2B5EF4-FFF2-40B4-BE49-F238E27FC236}">
-                <a16:creationId xmlns:a16="http://schemas.microsoft.com/office/drawing/2014/main" id="{BB42863F-C3E9-41C9-8840-CE16DAEAD3A5}"/>
-              </a:ext>
-            </a:extLst>
-          </p:cNvPr>
+          <p:cNvPr id="2" name="Titolo 1"/>
           <p:cNvSpPr>
-            <a:spLocks noGrp="1"/>
+            <a:spLocks noGrp="true"/>
           </p:cNvSpPr>
           <p:nvPr>
             <p:ph type="title"/>
@@ -7711,22 +7214,17 @@
               <a:rPr lang="it-IT" dirty="0"/>
               <a:t>Definizione compartimenti</a:t>
             </a:r>
+            <a:endParaRPr lang="it-IT" dirty="0"/>
           </a:p>
         </p:txBody>
       </p:sp>
-      <mc:AlternateContent xmlns:mc="http://schemas.openxmlformats.org/markup-compatibility/2006" xmlns:a14="http://schemas.microsoft.com/office/drawing/2010/main">
-        <mc:Choice Requires="a14">
+      <mc:AlternateContent xmlns:mc="http://schemas.openxmlformats.org/markup-compatibility/2006">
+        <mc:Choice xmlns:a14="http://schemas.microsoft.com/office/drawing/2010/main" Requires="a14">
           <p:sp>
             <p:nvSpPr>
-              <p:cNvPr id="3" name="Segnaposto contenuto 2">
-                <a:extLst>
-                  <a:ext uri="{FF2B5EF4-FFF2-40B4-BE49-F238E27FC236}">
-                    <a16:creationId xmlns:a16="http://schemas.microsoft.com/office/drawing/2014/main" id="{B0A4A4AF-D2A4-461A-96B1-D702FB3E717D}"/>
-                  </a:ext>
-                </a:extLst>
-              </p:cNvPr>
+              <p:cNvPr id="3" name="Segnaposto contenuto 2"/>
               <p:cNvSpPr>
-                <a:spLocks noGrp="1"/>
+                <a:spLocks noGrp="true"/>
               </p:cNvSpPr>
               <p:nvPr>
                 <p:ph idx="1"/>
@@ -7753,6 +7251,7 @@
                   <a:rPr lang="it-IT" sz="2800" b="0" dirty="0"/>
                   <a:t>: persone sane che possono essere potenzialmente contagiate</a:t>
                 </a:r>
+                <a:endParaRPr lang="it-IT" sz="2800" b="0" dirty="0"/>
               </a:p>
               <a:p>
                 <a14:m>
@@ -7769,6 +7268,7 @@
                   <a:rPr lang="it-IT" sz="2800" b="0" dirty="0"/>
                   <a:t>: persone esposte, ossia coloro che hanno contratto il virus da poco e non possono ancora infettare.</a:t>
                 </a:r>
+                <a:endParaRPr lang="it-IT" sz="2800" b="0" dirty="0"/>
               </a:p>
               <a:p>
                 <a14:m>
@@ -7804,6 +7304,7 @@
                   <a:rPr lang="it-IT" sz="2800" b="0" dirty="0"/>
                   <a:t>: persone infette che non hanno ancora effettuato il tampone.</a:t>
                 </a:r>
+                <a:endParaRPr lang="it-IT" sz="2800" b="0" dirty="0"/>
               </a:p>
               <a:p>
                 <a14:m>
@@ -7820,6 +7321,7 @@
                   <a:rPr lang="it-IT" b="0" dirty="0"/>
                   <a:t>: persone infette, risultate positive al virus e poste in isolamento domiciliare.</a:t>
                 </a:r>
+                <a:endParaRPr lang="it-IT" b="0" dirty="0"/>
               </a:p>
               <a:p>
                 <a14:m>
@@ -7863,6 +7365,7 @@
                   <a:rPr lang="it-IT" b="0" dirty="0"/>
                   <a:t>.</a:t>
                 </a:r>
+                <a:endParaRPr lang="it-IT" b="0" dirty="0"/>
               </a:p>
               <a:p>
                 <a14:m>
@@ -7898,6 +7401,7 @@
                   <a:rPr lang="it-IT" b="0" dirty="0"/>
                   <a:t>: persone infette, risultate positive al virus e ricoverate in terapia intensiva. </a:t>
                 </a:r>
+                <a:endParaRPr lang="it-IT" b="0" dirty="0"/>
               </a:p>
               <a:p>
                 <a14:m>
@@ -7914,6 +7418,7 @@
                   <a:rPr lang="it-IT" dirty="0"/>
                   <a:t>: persone guarite e momentaneamente immuni al virus. </a:t>
                 </a:r>
+                <a:endParaRPr lang="it-IT" dirty="0"/>
               </a:p>
               <a:p>
                 <a14:m>
@@ -7930,32 +7435,27 @@
                   <a:rPr lang="it-IT" dirty="0"/>
                   <a:t>: persone vaccinate immuni al virus. </a:t>
                 </a:r>
+                <a:endParaRPr lang="it-IT" dirty="0"/>
               </a:p>
             </p:txBody>
           </p:sp>
         </mc:Choice>
-        <mc:Fallback xmlns="">
+        <mc:Fallback>
           <p:sp>
             <p:nvSpPr>
-              <p:cNvPr id="3" name="Segnaposto contenuto 2">
-                <a:extLst>
-                  <a:ext uri="{FF2B5EF4-FFF2-40B4-BE49-F238E27FC236}">
-                    <a16:creationId xmlns:a16="http://schemas.microsoft.com/office/drawing/2014/main" id="{B0A4A4AF-D2A4-461A-96B1-D702FB3E717D}"/>
-                  </a:ext>
-                </a:extLst>
-              </p:cNvPr>
+              <p:cNvPr id="3" name="Segnaposto contenuto 2"/>
               <p:cNvSpPr>
-                <a:spLocks noGrp="1" noRot="1" noChangeAspect="1" noMove="1" noResize="1" noEditPoints="1" noAdjustHandles="1" noChangeArrowheads="1" noChangeShapeType="1" noTextEdit="1"/>
+                <a:spLocks noRot="true" noChangeAspect="true" noMove="true" noResize="true" noEditPoints="true" noAdjustHandles="true" noChangeArrowheads="true" noChangeShapeType="true" noTextEdit="true"/>
               </p:cNvSpPr>
               <p:nvPr>
                 <p:ph idx="1"/>
               </p:nvPr>
             </p:nvSpPr>
             <p:spPr>
-              <a:blipFill>
-                <a:blip r:embed="rId2"/>
+              <a:blipFill rotWithShape="true">
+                <a:blip r:embed="rId1"/>
                 <a:stretch>
-                  <a:fillRect t="-3501" r="-1159" b="-3081"/>
+                  <a:fillRect t="-1080" b="7"/>
                 </a:stretch>
               </a:blipFill>
             </p:spPr>
@@ -7964,7 +7464,7 @@
               <a:lstStyle/>
               <a:p>
                 <a:r>
-                  <a:rPr lang="it-IT">
+                  <a:rPr lang="en-US" altLang="en-US">
                     <a:noFill/>
                   </a:rPr>
                   <a:t> </a:t>
@@ -7975,11 +7475,6 @@
         </mc:Fallback>
       </mc:AlternateContent>
     </p:spTree>
-    <p:extLst>
-      <p:ext uri="{BB962C8B-B14F-4D97-AF65-F5344CB8AC3E}">
-        <p14:creationId xmlns:p14="http://schemas.microsoft.com/office/powerpoint/2010/main" val="2013347463"/>
-      </p:ext>
-    </p:extLst>
   </p:cSld>
   <p:clrMapOvr>
     <a:masterClrMapping/>
@@ -8004,19 +7499,13 @@
           <a:chExt cx="0" cy="0"/>
         </a:xfrm>
       </p:grpSpPr>
-      <mc:AlternateContent xmlns:mc="http://schemas.openxmlformats.org/markup-compatibility/2006" xmlns:a14="http://schemas.microsoft.com/office/drawing/2010/main">
-        <mc:Choice Requires="a14">
+      <mc:AlternateContent xmlns:mc="http://schemas.openxmlformats.org/markup-compatibility/2006">
+        <mc:Choice xmlns:a14="http://schemas.microsoft.com/office/drawing/2010/main" Requires="a14">
           <p:sp>
             <p:nvSpPr>
-              <p:cNvPr id="3" name="Segnaposto contenuto 2">
-                <a:extLst>
-                  <a:ext uri="{FF2B5EF4-FFF2-40B4-BE49-F238E27FC236}">
-                    <a16:creationId xmlns:a16="http://schemas.microsoft.com/office/drawing/2014/main" id="{C69B9572-D643-43F6-9ACD-9EAD93259F59}"/>
-                  </a:ext>
-                </a:extLst>
-              </p:cNvPr>
+              <p:cNvPr id="3" name="Segnaposto contenuto 2"/>
               <p:cNvSpPr>
-                <a:spLocks noGrp="1"/>
+                <a:spLocks noGrp="true"/>
               </p:cNvSpPr>
               <p:nvPr>
                 <p:ph idx="1"/>
@@ -8069,6 +7558,9 @@
                   </a:rPr>
                   <a:t>: Controllo preventivo (distanziamento sociale, mascherina, campagne informative)</a:t>
                 </a:r>
+                <a:endParaRPr lang="it-IT" dirty="0">
+                  <a:latin typeface="+mj-lt"/>
+                </a:endParaRPr>
               </a:p>
               <a:p>
                 <a14:m>
@@ -8118,6 +7610,9 @@
                   </a:rPr>
                   <a:t>, personale medico, uso farmaci)</a:t>
                 </a:r>
+                <a:endParaRPr lang="it-IT" dirty="0">
+                  <a:latin typeface="+mj-lt"/>
+                </a:endParaRPr>
               </a:p>
               <a:p>
                 <a14:m>
@@ -8161,6 +7656,9 @@
                   </a:rPr>
                   <a:t>: Controllo cure ospedaliere pazienti in terapia intensiva (disponibilità posti letto reparto terapia intensiva, ventilatori, ossigeno, personale medico)</a:t>
                 </a:r>
+                <a:endParaRPr lang="it-IT" dirty="0">
+                  <a:latin typeface="+mj-lt"/>
+                </a:endParaRPr>
               </a:p>
               <a:p>
                 <a14:m>
@@ -8198,6 +7696,9 @@
                   </a:rPr>
                   <a:t>: Vaccino</a:t>
                 </a:r>
+                <a:endParaRPr lang="it-IT" dirty="0">
+                  <a:latin typeface="+mj-lt"/>
+                </a:endParaRPr>
               </a:p>
               <a:p>
                 <a14:m>
@@ -8216,6 +7717,9 @@
                   </a:rPr>
                   <a:t>: Numero di nascite giornaliero </a:t>
                 </a:r>
+                <a:endParaRPr lang="it-IT" dirty="0">
+                  <a:latin typeface="+mj-lt"/>
+                </a:endParaRPr>
               </a:p>
               <a:p>
                 <a14:m>
@@ -8234,6 +7738,9 @@
                   </a:rPr>
                   <a:t>: Tasso di mortalità italiano </a:t>
                 </a:r>
+                <a:endParaRPr lang="it-IT" dirty="0">
+                  <a:latin typeface="+mj-lt"/>
+                </a:endParaRPr>
               </a:p>
               <a:p>
                 <a14:m>
@@ -8253,6 +7760,9 @@
                   </a:rPr>
                   <a:t>: Tasso di contatto/velocità di trasmissione</a:t>
                 </a:r>
+                <a:endParaRPr lang="it-IT" dirty="0">
+                  <a:latin typeface="+mj-lt"/>
+                </a:endParaRPr>
               </a:p>
               <a:p>
                 <a14:m>
@@ -8271,6 +7781,9 @@
                   </a:rPr>
                   <a:t>: Periodo di incubazione</a:t>
                 </a:r>
+                <a:endParaRPr lang="it-IT" dirty="0">
+                  <a:latin typeface="+mj-lt"/>
+                </a:endParaRPr>
               </a:p>
               <a:p>
                 <a14:m>
@@ -8290,6 +7803,9 @@
                   </a:rPr>
                   <a:t>: Percentuale Positivi/giornalieri</a:t>
                 </a:r>
+                <a:endParaRPr lang="it-IT" dirty="0">
+                  <a:latin typeface="+mj-lt"/>
+                </a:endParaRPr>
               </a:p>
               <a:p>
                 <a14:m>
@@ -8309,6 +7825,9 @@
                   </a:rPr>
                   <a:t>: Percentuale di Positivi quarantenati (1-p): Percentuale di Positivi ospedalizzati</a:t>
                 </a:r>
+                <a:endParaRPr lang="it-IT" dirty="0">
+                  <a:latin typeface="+mj-lt"/>
+                </a:endParaRPr>
               </a:p>
               <a:p>
                 <a14:m>
@@ -8349,6 +7868,9 @@
                   </a:rPr>
                   <a:t>: Percentuale di persone che dalla quarantena vengono spostati in reparto Covid in seguito a complicanze.</a:t>
                 </a:r>
+                <a:endParaRPr lang="it-IT" dirty="0">
+                  <a:latin typeface="+mj-lt"/>
+                </a:endParaRPr>
               </a:p>
               <a:p>
                 <a14:m>
@@ -8401,6 +7923,9 @@
                   </a:rPr>
                   <a:t> viene spostato in terapia intensiva in seguito a complicanze.</a:t>
                 </a:r>
+                <a:endParaRPr lang="it-IT" dirty="0">
+                  <a:latin typeface="+mj-lt"/>
+                </a:endParaRPr>
               </a:p>
               <a:p>
                 <a14:m>
@@ -8493,7 +8018,13 @@
                           <a:rPr lang="it-IT" i="1" dirty="0">
                             <a:latin typeface="Cambria Math" panose="02040503050406030204" pitchFamily="18" charset="0"/>
                           </a:rPr>
-                          <m:t>=1</m:t>
+                          <m:t>=</m:t>
+                        </m:r>
+                        <m:r>
+                          <a:rPr lang="it-IT" i="1" dirty="0">
+                            <a:latin typeface="Cambria Math" panose="02040503050406030204" pitchFamily="18" charset="0"/>
+                          </a:rPr>
+                          <m:t>1</m:t>
                         </m:r>
                       </m:e>
                     </m:d>
@@ -8531,7 +8062,19 @@
                       <a:rPr lang="it-IT" i="1" dirty="0">
                         <a:latin typeface="Cambria Math" panose="02040503050406030204" pitchFamily="18" charset="0"/>
                       </a:rPr>
-                      <m:t>=2),</m:t>
+                      <m:t>=</m:t>
+                    </m:r>
+                    <m:r>
+                      <a:rPr lang="it-IT" i="1" dirty="0">
+                        <a:latin typeface="Cambria Math" panose="02040503050406030204" pitchFamily="18" charset="0"/>
+                      </a:rPr>
+                      <m:t>2</m:t>
+                    </m:r>
+                    <m:r>
+                      <a:rPr lang="it-IT" i="1" dirty="0">
+                        <a:latin typeface="Cambria Math" panose="02040503050406030204" pitchFamily="18" charset="0"/>
+                      </a:rPr>
+                      <m:t>),</m:t>
                     </m:r>
                     <m:sSub>
                       <m:sSubPr>
@@ -8574,7 +8117,19 @@
                       <a:rPr lang="it-IT" i="1" dirty="0">
                         <a:latin typeface="Cambria Math" panose="02040503050406030204" pitchFamily="18" charset="0"/>
                       </a:rPr>
-                      <m:t>=3)</m:t>
+                      <m:t>=</m:t>
+                    </m:r>
+                    <m:r>
+                      <a:rPr lang="it-IT" i="1" dirty="0">
+                        <a:latin typeface="Cambria Math" panose="02040503050406030204" pitchFamily="18" charset="0"/>
+                      </a:rPr>
+                      <m:t>3</m:t>
+                    </m:r>
+                    <m:r>
+                      <a:rPr lang="it-IT" i="1" dirty="0">
+                        <a:latin typeface="Cambria Math" panose="02040503050406030204" pitchFamily="18" charset="0"/>
+                      </a:rPr>
+                      <m:t>)</m:t>
                     </m:r>
                   </m:oMath>
                 </a14:m>
@@ -8603,6 +8158,9 @@
                   </a:rPr>
                   <a:t>: Tasso di mortalità causa Covid </a:t>
                 </a:r>
+                <a:endParaRPr lang="it-IT" dirty="0">
+                  <a:latin typeface="+mj-lt"/>
+                </a:endParaRPr>
               </a:p>
               <a:p>
                 <a14:m>
@@ -8686,7 +8244,31 @@
                       <a:rPr lang="it-IT" b="0" i="1" smtClean="0">
                         <a:latin typeface="Cambria Math" panose="02040503050406030204" pitchFamily="18" charset="0"/>
                       </a:rPr>
-                      <m:t>=1,2)</m:t>
+                      <m:t>=</m:t>
+                    </m:r>
+                    <m:r>
+                      <a:rPr lang="it-IT" b="0" i="1" smtClean="0">
+                        <a:latin typeface="Cambria Math" panose="02040503050406030204" pitchFamily="18" charset="0"/>
+                      </a:rPr>
+                      <m:t>1</m:t>
+                    </m:r>
+                    <m:r>
+                      <a:rPr lang="it-IT" b="0" i="1" smtClean="0">
+                        <a:latin typeface="Cambria Math" panose="02040503050406030204" pitchFamily="18" charset="0"/>
+                      </a:rPr>
+                      <m:t>,</m:t>
+                    </m:r>
+                    <m:r>
+                      <a:rPr lang="it-IT" b="0" i="1" smtClean="0">
+                        <a:latin typeface="Cambria Math" panose="02040503050406030204" pitchFamily="18" charset="0"/>
+                      </a:rPr>
+                      <m:t>2</m:t>
+                    </m:r>
+                    <m:r>
+                      <a:rPr lang="it-IT" b="0" i="1" smtClean="0">
+                        <a:latin typeface="Cambria Math" panose="02040503050406030204" pitchFamily="18" charset="0"/>
+                      </a:rPr>
+                      <m:t>)</m:t>
                     </m:r>
                   </m:oMath>
                 </a14:m>
@@ -8724,6 +8306,9 @@
                   </a:rPr>
                   <a:t>: Inverso tempo medio per effettuare il tampone (sia in riferimento all’insorgenza dei sintomi sia in riferimento al tempo impiegato per venire a conoscenza del contatto con un positivo)</a:t>
                 </a:r>
+                <a:endParaRPr lang="it-IT" dirty="0">
+                  <a:latin typeface="+mj-lt"/>
+                </a:endParaRPr>
               </a:p>
               <a:p>
                 <a14:m>
@@ -8743,22 +8328,19 @@
                   </a:rPr>
                   <a:t>: Inverso del tempo medio per tornare nuovamente suscettibile al virus. </a:t>
                 </a:r>
+                <a:endParaRPr lang="it-IT" dirty="0">
+                  <a:latin typeface="+mj-lt"/>
+                </a:endParaRPr>
               </a:p>
             </p:txBody>
           </p:sp>
         </mc:Choice>
-        <mc:Fallback xmlns="">
+        <mc:Fallback>
           <p:sp>
             <p:nvSpPr>
-              <p:cNvPr id="3" name="Segnaposto contenuto 2">
-                <a:extLst>
-                  <a:ext uri="{FF2B5EF4-FFF2-40B4-BE49-F238E27FC236}">
-                    <a16:creationId xmlns:a16="http://schemas.microsoft.com/office/drawing/2014/main" id="{C69B9572-D643-43F6-9ACD-9EAD93259F59}"/>
-                  </a:ext>
-                </a:extLst>
-              </p:cNvPr>
+              <p:cNvPr id="3" name="Segnaposto contenuto 2"/>
               <p:cNvSpPr>
-                <a:spLocks noGrp="1" noRot="1" noChangeAspect="1" noMove="1" noResize="1" noEditPoints="1" noAdjustHandles="1" noChangeArrowheads="1" noChangeShapeType="1" noTextEdit="1"/>
+                <a:spLocks noRot="true" noChangeAspect="true" noMove="true" noResize="true" noEditPoints="true" noAdjustHandles="true" noChangeArrowheads="true" noChangeShapeType="true" noTextEdit="true"/>
               </p:cNvSpPr>
               <p:nvPr>
                 <p:ph idx="1"/>
@@ -8769,10 +8351,10 @@
                 <a:off x="742950" y="443155"/>
                 <a:ext cx="10515600" cy="5971690"/>
               </a:xfrm>
-              <a:blipFill>
-                <a:blip r:embed="rId2"/>
+              <a:blipFill rotWithShape="true">
+                <a:blip r:embed="rId1"/>
                 <a:stretch>
-                  <a:fillRect/>
+                  <a:fillRect t="-9" b="1"/>
                 </a:stretch>
               </a:blipFill>
             </p:spPr>
@@ -8781,7 +8363,7 @@
               <a:lstStyle/>
               <a:p>
                 <a:r>
-                  <a:rPr lang="it-IT">
+                  <a:rPr lang="en-US" altLang="en-US">
                     <a:noFill/>
                   </a:rPr>
                   <a:t> </a:t>
@@ -8792,11 +8374,6 @@
         </mc:Fallback>
       </mc:AlternateContent>
     </p:spTree>
-    <p:extLst>
-      <p:ext uri="{BB962C8B-B14F-4D97-AF65-F5344CB8AC3E}">
-        <p14:creationId xmlns:p14="http://schemas.microsoft.com/office/powerpoint/2010/main" val="1984789995"/>
-      </p:ext>
-    </p:extLst>
   </p:cSld>
   <p:clrMapOvr>
     <a:masterClrMapping/>
@@ -8823,13 +8400,7 @@
       </p:grpSpPr>
       <p:sp>
         <p:nvSpPr>
-          <p:cNvPr id="169" name="Elaborazione 168">
-            <a:extLst>
-              <a:ext uri="{FF2B5EF4-FFF2-40B4-BE49-F238E27FC236}">
-                <a16:creationId xmlns:a16="http://schemas.microsoft.com/office/drawing/2014/main" id="{2613E794-3B59-4230-ADA3-971F90BAA1F8}"/>
-              </a:ext>
-            </a:extLst>
-          </p:cNvPr>
+          <p:cNvPr id="169" name="Elaborazione 168"/>
           <p:cNvSpPr/>
           <p:nvPr/>
         </p:nvSpPr>
@@ -8875,17 +8446,11 @@
           </a:p>
         </p:txBody>
       </p:sp>
-      <mc:AlternateContent xmlns:mc="http://schemas.openxmlformats.org/markup-compatibility/2006" xmlns:a14="http://schemas.microsoft.com/office/drawing/2010/main">
-        <mc:Choice Requires="a14">
+      <mc:AlternateContent xmlns:mc="http://schemas.openxmlformats.org/markup-compatibility/2006">
+        <mc:Choice xmlns:a14="http://schemas.microsoft.com/office/drawing/2010/main" Requires="a14">
           <p:sp>
             <p:nvSpPr>
-              <p:cNvPr id="4" name="Rettangolo 3">
-                <a:extLst>
-                  <a:ext uri="{FF2B5EF4-FFF2-40B4-BE49-F238E27FC236}">
-                    <a16:creationId xmlns:a16="http://schemas.microsoft.com/office/drawing/2014/main" id="{ACFB7590-591F-450F-8438-2F6C7C345115}"/>
-                  </a:ext>
-                </a:extLst>
-              </p:cNvPr>
+              <p:cNvPr id="4" name="Rettangolo 3"/>
               <p:cNvSpPr/>
               <p:nvPr/>
             </p:nvSpPr>
@@ -8958,18 +8523,12 @@
             </p:txBody>
           </p:sp>
         </mc:Choice>
-        <mc:Fallback xmlns="">
+        <mc:Fallback>
           <p:sp>
             <p:nvSpPr>
-              <p:cNvPr id="4" name="Rettangolo 3">
-                <a:extLst>
-                  <a:ext uri="{FF2B5EF4-FFF2-40B4-BE49-F238E27FC236}">
-                    <a16:creationId xmlns:a16="http://schemas.microsoft.com/office/drawing/2014/main" id="{ACFB7590-591F-450F-8438-2F6C7C345115}"/>
-                  </a:ext>
-                </a:extLst>
-              </p:cNvPr>
+              <p:cNvPr id="4" name="Rettangolo 3"/>
               <p:cNvSpPr>
-                <a:spLocks noRot="1" noChangeAspect="1" noMove="1" noResize="1" noEditPoints="1" noAdjustHandles="1" noChangeArrowheads="1" noChangeShapeType="1" noTextEdit="1"/>
+                <a:spLocks noRot="true" noChangeAspect="true" noMove="true" noResize="true" noEditPoints="true" noAdjustHandles="true" noChangeArrowheads="true" noChangeShapeType="true" noTextEdit="true"/>
               </p:cNvSpPr>
               <p:nvPr/>
             </p:nvSpPr>
@@ -8981,10 +8540,10 @@
               <a:prstGeom prst="rect">
                 <a:avLst/>
               </a:prstGeom>
-              <a:blipFill>
-                <a:blip r:embed="rId2"/>
+              <a:blipFill rotWithShape="true">
+                <a:blip r:embed="rId1"/>
                 <a:stretch>
-                  <a:fillRect/>
+                  <a:fillRect l="-1930" t="-3227" r="-1868" b="-3122"/>
                 </a:stretch>
               </a:blipFill>
               <a:ln w="38100">
@@ -8993,12 +8552,26 @@
                 </a:solidFill>
               </a:ln>
             </p:spPr>
+            <p:style>
+              <a:lnRef idx="2">
+                <a:schemeClr val="accent6"/>
+              </a:lnRef>
+              <a:fillRef idx="1">
+                <a:schemeClr val="lt1"/>
+              </a:fillRef>
+              <a:effectRef idx="0">
+                <a:schemeClr val="accent6"/>
+              </a:effectRef>
+              <a:fontRef idx="minor">
+                <a:schemeClr val="dk1"/>
+              </a:fontRef>
+            </p:style>
             <p:txBody>
               <a:bodyPr/>
               <a:lstStyle/>
               <a:p>
                 <a:r>
-                  <a:rPr lang="it-IT">
+                  <a:rPr lang="en-US" altLang="en-US">
                     <a:noFill/>
                   </a:rPr>
                   <a:t> </a:t>
@@ -9008,17 +8581,11 @@
           </p:sp>
         </mc:Fallback>
       </mc:AlternateContent>
-      <mc:AlternateContent xmlns:mc="http://schemas.openxmlformats.org/markup-compatibility/2006" xmlns:a14="http://schemas.microsoft.com/office/drawing/2010/main">
-        <mc:Choice Requires="a14">
+      <mc:AlternateContent xmlns:mc="http://schemas.openxmlformats.org/markup-compatibility/2006">
+        <mc:Choice xmlns:a14="http://schemas.microsoft.com/office/drawing/2010/main" Requires="a14">
           <p:sp>
             <p:nvSpPr>
-              <p:cNvPr id="5" name="Rettangolo 4">
-                <a:extLst>
-                  <a:ext uri="{FF2B5EF4-FFF2-40B4-BE49-F238E27FC236}">
-                    <a16:creationId xmlns:a16="http://schemas.microsoft.com/office/drawing/2014/main" id="{3A2B4E01-D341-47ED-AD33-616BE5FF6151}"/>
-                  </a:ext>
-                </a:extLst>
-              </p:cNvPr>
+              <p:cNvPr id="5" name="Rettangolo 4"/>
               <p:cNvSpPr/>
               <p:nvPr/>
             </p:nvSpPr>
@@ -9116,18 +8683,12 @@
             </p:txBody>
           </p:sp>
         </mc:Choice>
-        <mc:Fallback xmlns="">
+        <mc:Fallback>
           <p:sp>
             <p:nvSpPr>
-              <p:cNvPr id="5" name="Rettangolo 4">
-                <a:extLst>
-                  <a:ext uri="{FF2B5EF4-FFF2-40B4-BE49-F238E27FC236}">
-                    <a16:creationId xmlns:a16="http://schemas.microsoft.com/office/drawing/2014/main" id="{3A2B4E01-D341-47ED-AD33-616BE5FF6151}"/>
-                  </a:ext>
-                </a:extLst>
-              </p:cNvPr>
+              <p:cNvPr id="5" name="Rettangolo 4"/>
               <p:cNvSpPr>
-                <a:spLocks noRot="1" noChangeAspect="1" noMove="1" noResize="1" noEditPoints="1" noAdjustHandles="1" noChangeArrowheads="1" noChangeShapeType="1" noTextEdit="1"/>
+                <a:spLocks noRot="true" noChangeAspect="true" noMove="true" noResize="true" noEditPoints="true" noAdjustHandles="true" noChangeArrowheads="true" noChangeShapeType="true" noTextEdit="true"/>
               </p:cNvSpPr>
               <p:nvPr/>
             </p:nvSpPr>
@@ -9139,10 +8700,10 @@
               <a:prstGeom prst="rect">
                 <a:avLst/>
               </a:prstGeom>
-              <a:blipFill>
-                <a:blip r:embed="rId3"/>
+              <a:blipFill rotWithShape="true">
+                <a:blip r:embed="rId2"/>
                 <a:stretch>
-                  <a:fillRect/>
+                  <a:fillRect l="-1928" t="-3183" r="-1895" b="-3166"/>
                 </a:stretch>
               </a:blipFill>
               <a:ln w="38100">
@@ -9151,12 +8712,26 @@
                 </a:solidFill>
               </a:ln>
             </p:spPr>
+            <p:style>
+              <a:lnRef idx="2">
+                <a:schemeClr val="accent6"/>
+              </a:lnRef>
+              <a:fillRef idx="1">
+                <a:schemeClr val="lt1"/>
+              </a:fillRef>
+              <a:effectRef idx="0">
+                <a:schemeClr val="accent6"/>
+              </a:effectRef>
+              <a:fontRef idx="minor">
+                <a:schemeClr val="dk1"/>
+              </a:fontRef>
+            </p:style>
             <p:txBody>
               <a:bodyPr/>
               <a:lstStyle/>
               <a:p>
                 <a:r>
-                  <a:rPr lang="it-IT">
+                  <a:rPr lang="en-US" altLang="en-US">
                     <a:noFill/>
                   </a:rPr>
                   <a:t> </a:t>
@@ -9166,17 +8741,11 @@
           </p:sp>
         </mc:Fallback>
       </mc:AlternateContent>
-      <mc:AlternateContent xmlns:mc="http://schemas.openxmlformats.org/markup-compatibility/2006" xmlns:a14="http://schemas.microsoft.com/office/drawing/2010/main">
-        <mc:Choice Requires="a14">
+      <mc:AlternateContent xmlns:mc="http://schemas.openxmlformats.org/markup-compatibility/2006">
+        <mc:Choice xmlns:a14="http://schemas.microsoft.com/office/drawing/2010/main" Requires="a14">
           <p:sp>
             <p:nvSpPr>
-              <p:cNvPr id="6" name="Rettangolo 5">
-                <a:extLst>
-                  <a:ext uri="{FF2B5EF4-FFF2-40B4-BE49-F238E27FC236}">
-                    <a16:creationId xmlns:a16="http://schemas.microsoft.com/office/drawing/2014/main" id="{3CB17C2F-2D8B-4E25-B2C4-C773725C60EB}"/>
-                  </a:ext>
-                </a:extLst>
-              </p:cNvPr>
+              <p:cNvPr id="6" name="Rettangolo 5"/>
               <p:cNvSpPr/>
               <p:nvPr/>
             </p:nvSpPr>
@@ -9249,18 +8818,12 @@
             </p:txBody>
           </p:sp>
         </mc:Choice>
-        <mc:Fallback xmlns="">
+        <mc:Fallback>
           <p:sp>
             <p:nvSpPr>
-              <p:cNvPr id="6" name="Rettangolo 5">
-                <a:extLst>
-                  <a:ext uri="{FF2B5EF4-FFF2-40B4-BE49-F238E27FC236}">
-                    <a16:creationId xmlns:a16="http://schemas.microsoft.com/office/drawing/2014/main" id="{3CB17C2F-2D8B-4E25-B2C4-C773725C60EB}"/>
-                  </a:ext>
-                </a:extLst>
-              </p:cNvPr>
+              <p:cNvPr id="6" name="Rettangolo 5"/>
               <p:cNvSpPr>
-                <a:spLocks noRot="1" noChangeAspect="1" noMove="1" noResize="1" noEditPoints="1" noAdjustHandles="1" noChangeArrowheads="1" noChangeShapeType="1" noTextEdit="1"/>
+                <a:spLocks noRot="true" noChangeAspect="true" noMove="true" noResize="true" noEditPoints="true" noAdjustHandles="true" noChangeArrowheads="true" noChangeShapeType="true" noTextEdit="true"/>
               </p:cNvSpPr>
               <p:nvPr/>
             </p:nvSpPr>
@@ -9272,10 +8835,10 @@
               <a:prstGeom prst="rect">
                 <a:avLst/>
               </a:prstGeom>
-              <a:blipFill>
-                <a:blip r:embed="rId4"/>
+              <a:blipFill rotWithShape="true">
+                <a:blip r:embed="rId3"/>
                 <a:stretch>
-                  <a:fillRect/>
+                  <a:fillRect l="-1950" t="-3206" r="-1873" b="-3143"/>
                 </a:stretch>
               </a:blipFill>
               <a:ln w="38100">
@@ -9284,12 +8847,26 @@
                 </a:solidFill>
               </a:ln>
             </p:spPr>
+            <p:style>
+              <a:lnRef idx="2">
+                <a:schemeClr val="accent6"/>
+              </a:lnRef>
+              <a:fillRef idx="1">
+                <a:schemeClr val="lt1"/>
+              </a:fillRef>
+              <a:effectRef idx="0">
+                <a:schemeClr val="accent6"/>
+              </a:effectRef>
+              <a:fontRef idx="minor">
+                <a:schemeClr val="dk1"/>
+              </a:fontRef>
+            </p:style>
             <p:txBody>
               <a:bodyPr/>
               <a:lstStyle/>
               <a:p>
                 <a:r>
-                  <a:rPr lang="it-IT">
+                  <a:rPr lang="en-US" altLang="en-US">
                     <a:noFill/>
                   </a:rPr>
                   <a:t> </a:t>
@@ -9299,17 +8876,11 @@
           </p:sp>
         </mc:Fallback>
       </mc:AlternateContent>
-      <mc:AlternateContent xmlns:mc="http://schemas.openxmlformats.org/markup-compatibility/2006" xmlns:a14="http://schemas.microsoft.com/office/drawing/2010/main">
-        <mc:Choice Requires="a14">
+      <mc:AlternateContent xmlns:mc="http://schemas.openxmlformats.org/markup-compatibility/2006">
+        <mc:Choice xmlns:a14="http://schemas.microsoft.com/office/drawing/2010/main" Requires="a14">
           <p:sp>
             <p:nvSpPr>
-              <p:cNvPr id="7" name="Rettangolo 6">
-                <a:extLst>
-                  <a:ext uri="{FF2B5EF4-FFF2-40B4-BE49-F238E27FC236}">
-                    <a16:creationId xmlns:a16="http://schemas.microsoft.com/office/drawing/2014/main" id="{ABADE346-3666-49AF-ADDB-7F3E81BBD9EE}"/>
-                  </a:ext>
-                </a:extLst>
-              </p:cNvPr>
+              <p:cNvPr id="7" name="Rettangolo 6"/>
               <p:cNvSpPr/>
               <p:nvPr/>
             </p:nvSpPr>
@@ -9407,18 +8978,12 @@
             </p:txBody>
           </p:sp>
         </mc:Choice>
-        <mc:Fallback xmlns="">
+        <mc:Fallback>
           <p:sp>
             <p:nvSpPr>
-              <p:cNvPr id="7" name="Rettangolo 6">
-                <a:extLst>
-                  <a:ext uri="{FF2B5EF4-FFF2-40B4-BE49-F238E27FC236}">
-                    <a16:creationId xmlns:a16="http://schemas.microsoft.com/office/drawing/2014/main" id="{ABADE346-3666-49AF-ADDB-7F3E81BBD9EE}"/>
-                  </a:ext>
-                </a:extLst>
-              </p:cNvPr>
+              <p:cNvPr id="7" name="Rettangolo 6"/>
               <p:cNvSpPr>
-                <a:spLocks noRot="1" noChangeAspect="1" noMove="1" noResize="1" noEditPoints="1" noAdjustHandles="1" noChangeArrowheads="1" noChangeShapeType="1" noTextEdit="1"/>
+                <a:spLocks noRot="true" noChangeAspect="true" noMove="true" noResize="true" noEditPoints="true" noAdjustHandles="true" noChangeArrowheads="true" noChangeShapeType="true" noTextEdit="true"/>
               </p:cNvSpPr>
               <p:nvPr/>
             </p:nvSpPr>
@@ -9430,10 +8995,10 @@
               <a:prstGeom prst="rect">
                 <a:avLst/>
               </a:prstGeom>
-              <a:blipFill>
-                <a:blip r:embed="rId5"/>
+              <a:blipFill rotWithShape="true">
+                <a:blip r:embed="rId4"/>
                 <a:stretch>
-                  <a:fillRect/>
+                  <a:fillRect l="-1944" t="-3192" r="-1879" b="-3121"/>
                 </a:stretch>
               </a:blipFill>
               <a:ln w="38100">
@@ -9442,12 +9007,26 @@
                 </a:solidFill>
               </a:ln>
             </p:spPr>
+            <p:style>
+              <a:lnRef idx="2">
+                <a:schemeClr val="accent6"/>
+              </a:lnRef>
+              <a:fillRef idx="1">
+                <a:schemeClr val="lt1"/>
+              </a:fillRef>
+              <a:effectRef idx="0">
+                <a:schemeClr val="accent6"/>
+              </a:effectRef>
+              <a:fontRef idx="minor">
+                <a:schemeClr val="dk1"/>
+              </a:fontRef>
+            </p:style>
             <p:txBody>
               <a:bodyPr/>
               <a:lstStyle/>
               <a:p>
                 <a:r>
-                  <a:rPr lang="it-IT">
+                  <a:rPr lang="en-US" altLang="en-US">
                     <a:noFill/>
                   </a:rPr>
                   <a:t> </a:t>
@@ -9457,17 +9036,11 @@
           </p:sp>
         </mc:Fallback>
       </mc:AlternateContent>
-      <mc:AlternateContent xmlns:mc="http://schemas.openxmlformats.org/markup-compatibility/2006" xmlns:a14="http://schemas.microsoft.com/office/drawing/2010/main">
-        <mc:Choice Requires="a14">
+      <mc:AlternateContent xmlns:mc="http://schemas.openxmlformats.org/markup-compatibility/2006">
+        <mc:Choice xmlns:a14="http://schemas.microsoft.com/office/drawing/2010/main" Requires="a14">
           <p:sp>
             <p:nvSpPr>
-              <p:cNvPr id="8" name="Rettangolo 7">
-                <a:extLst>
-                  <a:ext uri="{FF2B5EF4-FFF2-40B4-BE49-F238E27FC236}">
-                    <a16:creationId xmlns:a16="http://schemas.microsoft.com/office/drawing/2014/main" id="{068B3D73-8B2C-4F87-B857-4D1BEE24FDE4}"/>
-                  </a:ext>
-                </a:extLst>
-              </p:cNvPr>
+              <p:cNvPr id="8" name="Rettangolo 7"/>
               <p:cNvSpPr/>
               <p:nvPr/>
             </p:nvSpPr>
@@ -9565,18 +9138,12 @@
             </p:txBody>
           </p:sp>
         </mc:Choice>
-        <mc:Fallback xmlns="">
+        <mc:Fallback>
           <p:sp>
             <p:nvSpPr>
-              <p:cNvPr id="8" name="Rettangolo 7">
-                <a:extLst>
-                  <a:ext uri="{FF2B5EF4-FFF2-40B4-BE49-F238E27FC236}">
-                    <a16:creationId xmlns:a16="http://schemas.microsoft.com/office/drawing/2014/main" id="{068B3D73-8B2C-4F87-B857-4D1BEE24FDE4}"/>
-                  </a:ext>
-                </a:extLst>
-              </p:cNvPr>
+              <p:cNvPr id="8" name="Rettangolo 7"/>
               <p:cNvSpPr>
-                <a:spLocks noRot="1" noChangeAspect="1" noMove="1" noResize="1" noEditPoints="1" noAdjustHandles="1" noChangeArrowheads="1" noChangeShapeType="1" noTextEdit="1"/>
+                <a:spLocks noRot="true" noChangeAspect="true" noMove="true" noResize="true" noEditPoints="true" noAdjustHandles="true" noChangeArrowheads="true" noChangeShapeType="true" noTextEdit="true"/>
               </p:cNvSpPr>
               <p:nvPr/>
             </p:nvSpPr>
@@ -9588,10 +9155,10 @@
               <a:prstGeom prst="rect">
                 <a:avLst/>
               </a:prstGeom>
-              <a:blipFill>
-                <a:blip r:embed="rId6"/>
+              <a:blipFill rotWithShape="true">
+                <a:blip r:embed="rId5"/>
                 <a:stretch>
-                  <a:fillRect/>
+                  <a:fillRect l="-1931" t="-3253" r="-1893" b="-3096"/>
                 </a:stretch>
               </a:blipFill>
               <a:ln w="38100">
@@ -9600,12 +9167,26 @@
                 </a:solidFill>
               </a:ln>
             </p:spPr>
+            <p:style>
+              <a:lnRef idx="2">
+                <a:schemeClr val="accent6"/>
+              </a:lnRef>
+              <a:fillRef idx="1">
+                <a:schemeClr val="lt1"/>
+              </a:fillRef>
+              <a:effectRef idx="0">
+                <a:schemeClr val="accent6"/>
+              </a:effectRef>
+              <a:fontRef idx="minor">
+                <a:schemeClr val="dk1"/>
+              </a:fontRef>
+            </p:style>
             <p:txBody>
               <a:bodyPr/>
               <a:lstStyle/>
               <a:p>
                 <a:r>
-                  <a:rPr lang="it-IT">
+                  <a:rPr lang="en-US" altLang="en-US">
                     <a:noFill/>
                   </a:rPr>
                   <a:t> </a:t>
@@ -9617,22 +9198,15 @@
       </mc:AlternateContent>
       <p:cxnSp>
         <p:nvCxnSpPr>
-          <p:cNvPr id="18" name="Connettore 2 17">
-            <a:extLst>
-              <a:ext uri="{FF2B5EF4-FFF2-40B4-BE49-F238E27FC236}">
-                <a16:creationId xmlns:a16="http://schemas.microsoft.com/office/drawing/2014/main" id="{A394C6FB-D3E8-4D83-BF85-A0DCF00315D6}"/>
-              </a:ext>
-            </a:extLst>
-          </p:cNvPr>
+          <p:cNvPr id="18" name="Connettore 2 17"/>
           <p:cNvCxnSpPr>
-            <a:cxnSpLocks/>
             <a:stCxn id="48" idx="1"/>
             <a:endCxn id="4" idx="1"/>
           </p:cNvCxnSpPr>
           <p:nvPr/>
         </p:nvCxnSpPr>
         <p:spPr>
-          <a:xfrm flipV="1">
+          <a:xfrm flipV="true">
             <a:off x="5195828" y="1735452"/>
             <a:ext cx="2560374" cy="6085"/>
           </a:xfrm>
@@ -9663,22 +9237,15 @@
       </p:cxnSp>
       <p:cxnSp>
         <p:nvCxnSpPr>
-          <p:cNvPr id="19" name="Connettore 2 18">
-            <a:extLst>
-              <a:ext uri="{FF2B5EF4-FFF2-40B4-BE49-F238E27FC236}">
-                <a16:creationId xmlns:a16="http://schemas.microsoft.com/office/drawing/2014/main" id="{A6628284-7595-4DF0-815F-BDF90928DAC0}"/>
-              </a:ext>
-            </a:extLst>
-          </p:cNvPr>
+          <p:cNvPr id="19" name="Connettore 2 18"/>
           <p:cNvCxnSpPr>
-            <a:cxnSpLocks/>
             <a:stCxn id="4" idx="3"/>
             <a:endCxn id="8" idx="1"/>
           </p:cNvCxnSpPr>
           <p:nvPr/>
         </p:nvCxnSpPr>
         <p:spPr>
-          <a:xfrm flipV="1">
+          <a:xfrm flipV="true">
             <a:off x="8759502" y="1732432"/>
             <a:ext cx="1386878" cy="3020"/>
           </a:xfrm>
@@ -9709,22 +9276,15 @@
       </p:cxnSp>
       <p:cxnSp>
         <p:nvCxnSpPr>
-          <p:cNvPr id="20" name="Connettore 2 19">
-            <a:extLst>
-              <a:ext uri="{FF2B5EF4-FFF2-40B4-BE49-F238E27FC236}">
-                <a16:creationId xmlns:a16="http://schemas.microsoft.com/office/drawing/2014/main" id="{3DE3FA7F-B0CE-4ED9-A7A2-27685BB593D0}"/>
-              </a:ext>
-            </a:extLst>
-          </p:cNvPr>
+          <p:cNvPr id="20" name="Connettore 2 19"/>
           <p:cNvCxnSpPr>
-            <a:cxnSpLocks/>
             <a:stCxn id="5" idx="3"/>
             <a:endCxn id="7" idx="1"/>
           </p:cNvCxnSpPr>
           <p:nvPr/>
         </p:nvCxnSpPr>
         <p:spPr>
-          <a:xfrm flipV="1">
+          <a:xfrm flipV="true">
             <a:off x="8834123" y="3518110"/>
             <a:ext cx="897736" cy="794"/>
           </a:xfrm>
@@ -9755,15 +9315,8 @@
       </p:cxnSp>
       <p:cxnSp>
         <p:nvCxnSpPr>
-          <p:cNvPr id="21" name="Connettore 2 20">
-            <a:extLst>
-              <a:ext uri="{FF2B5EF4-FFF2-40B4-BE49-F238E27FC236}">
-                <a16:creationId xmlns:a16="http://schemas.microsoft.com/office/drawing/2014/main" id="{DC074001-9EE2-41D6-A7B5-60A68730C66F}"/>
-              </a:ext>
-            </a:extLst>
-          </p:cNvPr>
+          <p:cNvPr id="21" name="Connettore 2 20"/>
           <p:cNvCxnSpPr>
-            <a:cxnSpLocks/>
             <a:stCxn id="5" idx="2"/>
             <a:endCxn id="6" idx="0"/>
           </p:cNvCxnSpPr>
@@ -9801,15 +9354,8 @@
       </p:cxnSp>
       <p:cxnSp>
         <p:nvCxnSpPr>
-          <p:cNvPr id="25" name="Connettore 2 24">
-            <a:extLst>
-              <a:ext uri="{FF2B5EF4-FFF2-40B4-BE49-F238E27FC236}">
-                <a16:creationId xmlns:a16="http://schemas.microsoft.com/office/drawing/2014/main" id="{4259DE88-CDB2-4D98-82B1-A09A3ADAEB48}"/>
-              </a:ext>
-            </a:extLst>
-          </p:cNvPr>
+          <p:cNvPr id="25" name="Connettore 2 24"/>
           <p:cNvCxnSpPr>
-            <a:cxnSpLocks/>
             <a:endCxn id="48" idx="0"/>
           </p:cNvCxnSpPr>
           <p:nvPr/>
@@ -9843,22 +9389,15 @@
       </p:cxnSp>
       <p:cxnSp>
         <p:nvCxnSpPr>
-          <p:cNvPr id="27" name="Connettore 2 26">
-            <a:extLst>
-              <a:ext uri="{FF2B5EF4-FFF2-40B4-BE49-F238E27FC236}">
-                <a16:creationId xmlns:a16="http://schemas.microsoft.com/office/drawing/2014/main" id="{E7502130-5057-49DC-82FA-D1B23A597F6E}"/>
-              </a:ext>
-            </a:extLst>
-          </p:cNvPr>
+          <p:cNvPr id="27" name="Connettore 2 26"/>
           <p:cNvCxnSpPr>
-            <a:cxnSpLocks/>
             <a:stCxn id="8" idx="2"/>
             <a:endCxn id="29" idx="0"/>
           </p:cNvCxnSpPr>
           <p:nvPr/>
         </p:nvCxnSpPr>
         <p:spPr>
-          <a:xfrm flipH="1">
+          <a:xfrm flipH="true">
             <a:off x="6762300" y="2032469"/>
             <a:ext cx="3886524" cy="1186397"/>
           </a:xfrm>
@@ -9887,17 +9426,11 @@
           </a:fontRef>
         </p:style>
       </p:cxnSp>
-      <mc:AlternateContent xmlns:mc="http://schemas.openxmlformats.org/markup-compatibility/2006" xmlns:a14="http://schemas.microsoft.com/office/drawing/2010/main">
-        <mc:Choice Requires="a14">
+      <mc:AlternateContent xmlns:mc="http://schemas.openxmlformats.org/markup-compatibility/2006">
+        <mc:Choice xmlns:a14="http://schemas.microsoft.com/office/drawing/2010/main" Requires="a14">
           <p:sp>
             <p:nvSpPr>
-              <p:cNvPr id="29" name="Rettangolo 28">
-                <a:extLst>
-                  <a:ext uri="{FF2B5EF4-FFF2-40B4-BE49-F238E27FC236}">
-                    <a16:creationId xmlns:a16="http://schemas.microsoft.com/office/drawing/2014/main" id="{1B488CEF-2AD2-482C-A261-670B489C817A}"/>
-                  </a:ext>
-                </a:extLst>
-              </p:cNvPr>
+              <p:cNvPr id="29" name="Rettangolo 28"/>
               <p:cNvSpPr/>
               <p:nvPr/>
             </p:nvSpPr>
@@ -9970,18 +9503,12 @@
             </p:txBody>
           </p:sp>
         </mc:Choice>
-        <mc:Fallback xmlns="">
+        <mc:Fallback>
           <p:sp>
             <p:nvSpPr>
-              <p:cNvPr id="29" name="Rettangolo 28">
-                <a:extLst>
-                  <a:ext uri="{FF2B5EF4-FFF2-40B4-BE49-F238E27FC236}">
-                    <a16:creationId xmlns:a16="http://schemas.microsoft.com/office/drawing/2014/main" id="{1B488CEF-2AD2-482C-A261-670B489C817A}"/>
-                  </a:ext>
-                </a:extLst>
-              </p:cNvPr>
+              <p:cNvPr id="29" name="Rettangolo 28"/>
               <p:cNvSpPr>
-                <a:spLocks noRot="1" noChangeAspect="1" noMove="1" noResize="1" noEditPoints="1" noAdjustHandles="1" noChangeArrowheads="1" noChangeShapeType="1" noTextEdit="1"/>
+                <a:spLocks noRot="true" noChangeAspect="true" noMove="true" noResize="true" noEditPoints="true" noAdjustHandles="true" noChangeArrowheads="true" noChangeShapeType="true" noTextEdit="true"/>
               </p:cNvSpPr>
               <p:nvPr/>
             </p:nvSpPr>
@@ -9993,10 +9520,10 @@
               <a:prstGeom prst="rect">
                 <a:avLst/>
               </a:prstGeom>
-              <a:blipFill>
-                <a:blip r:embed="rId7"/>
+              <a:blipFill rotWithShape="true">
+                <a:blip r:embed="rId6"/>
                 <a:stretch>
-                  <a:fillRect/>
+                  <a:fillRect l="-1898" t="-3183" r="-1862" b="-3166"/>
                 </a:stretch>
               </a:blipFill>
               <a:ln w="38100">
@@ -10005,12 +9532,26 @@
                 </a:solidFill>
               </a:ln>
             </p:spPr>
+            <p:style>
+              <a:lnRef idx="2">
+                <a:schemeClr val="accent6"/>
+              </a:lnRef>
+              <a:fillRef idx="1">
+                <a:schemeClr val="lt1"/>
+              </a:fillRef>
+              <a:effectRef idx="0">
+                <a:schemeClr val="accent6"/>
+              </a:effectRef>
+              <a:fontRef idx="minor">
+                <a:schemeClr val="dk1"/>
+              </a:fontRef>
+            </p:style>
             <p:txBody>
               <a:bodyPr/>
               <a:lstStyle/>
               <a:p>
                 <a:r>
-                  <a:rPr lang="it-IT">
+                  <a:rPr lang="en-US" altLang="en-US">
                     <a:noFill/>
                   </a:rPr>
                   <a:t> </a:t>
@@ -10022,15 +9563,8 @@
       </mc:AlternateContent>
       <p:cxnSp>
         <p:nvCxnSpPr>
-          <p:cNvPr id="37" name="Connettore 2 36">
-            <a:extLst>
-              <a:ext uri="{FF2B5EF4-FFF2-40B4-BE49-F238E27FC236}">
-                <a16:creationId xmlns:a16="http://schemas.microsoft.com/office/drawing/2014/main" id="{B138050C-423B-49DC-8076-0644DE4A5CA7}"/>
-              </a:ext>
-            </a:extLst>
-          </p:cNvPr>
+          <p:cNvPr id="37" name="Connettore 2 36"/>
           <p:cNvCxnSpPr>
-            <a:cxnSpLocks/>
             <a:stCxn id="7" idx="3"/>
           </p:cNvCxnSpPr>
           <p:nvPr/>
@@ -10065,17 +9599,11 @@
           </a:fontRef>
         </p:style>
       </p:cxnSp>
-      <mc:AlternateContent xmlns:mc="http://schemas.openxmlformats.org/markup-compatibility/2006" xmlns:a14="http://schemas.microsoft.com/office/drawing/2010/main">
-        <mc:Choice Requires="a14">
+      <mc:AlternateContent xmlns:mc="http://schemas.openxmlformats.org/markup-compatibility/2006">
+        <mc:Choice xmlns:a14="http://schemas.microsoft.com/office/drawing/2010/main" Requires="a14">
           <p:sp>
             <p:nvSpPr>
-              <p:cNvPr id="48" name="Rettangolo 47">
-                <a:extLst>
-                  <a:ext uri="{FF2B5EF4-FFF2-40B4-BE49-F238E27FC236}">
-                    <a16:creationId xmlns:a16="http://schemas.microsoft.com/office/drawing/2014/main" id="{C5FC1D56-37C2-4FE6-BFD3-B7869460FB49}"/>
-                  </a:ext>
-                </a:extLst>
-              </p:cNvPr>
+              <p:cNvPr id="48" name="Rettangolo 47"/>
               <p:cNvSpPr/>
               <p:nvPr/>
             </p:nvSpPr>
@@ -10148,18 +9676,12 @@
             </p:txBody>
           </p:sp>
         </mc:Choice>
-        <mc:Fallback xmlns="">
+        <mc:Fallback>
           <p:sp>
             <p:nvSpPr>
-              <p:cNvPr id="48" name="Rettangolo 47">
-                <a:extLst>
-                  <a:ext uri="{FF2B5EF4-FFF2-40B4-BE49-F238E27FC236}">
-                    <a16:creationId xmlns:a16="http://schemas.microsoft.com/office/drawing/2014/main" id="{C5FC1D56-37C2-4FE6-BFD3-B7869460FB49}"/>
-                  </a:ext>
-                </a:extLst>
-              </p:cNvPr>
+              <p:cNvPr id="48" name="Rettangolo 47"/>
               <p:cNvSpPr>
-                <a:spLocks noRot="1" noChangeAspect="1" noMove="1" noResize="1" noEditPoints="1" noAdjustHandles="1" noChangeArrowheads="1" noChangeShapeType="1" noTextEdit="1"/>
+                <a:spLocks noRot="true" noChangeAspect="true" noMove="true" noResize="true" noEditPoints="true" noAdjustHandles="true" noChangeArrowheads="true" noChangeShapeType="true" noTextEdit="true"/>
               </p:cNvSpPr>
               <p:nvPr/>
             </p:nvSpPr>
@@ -10171,10 +9693,10 @@
               <a:prstGeom prst="rect">
                 <a:avLst/>
               </a:prstGeom>
-              <a:blipFill>
-                <a:blip r:embed="rId8"/>
+              <a:blipFill rotWithShape="true">
+                <a:blip r:embed="rId7"/>
                 <a:stretch>
-                  <a:fillRect/>
+                  <a:fillRect l="-1921" t="-3183" r="-1838" b="-3166"/>
                 </a:stretch>
               </a:blipFill>
               <a:ln w="38100">
@@ -10183,12 +9705,26 @@
                 </a:solidFill>
               </a:ln>
             </p:spPr>
+            <p:style>
+              <a:lnRef idx="2">
+                <a:schemeClr val="accent6"/>
+              </a:lnRef>
+              <a:fillRef idx="1">
+                <a:schemeClr val="lt1"/>
+              </a:fillRef>
+              <a:effectRef idx="0">
+                <a:schemeClr val="accent6"/>
+              </a:effectRef>
+              <a:fontRef idx="minor">
+                <a:schemeClr val="dk1"/>
+              </a:fontRef>
+            </p:style>
             <p:txBody>
               <a:bodyPr/>
               <a:lstStyle/>
               <a:p>
                 <a:r>
-                  <a:rPr lang="it-IT">
+                  <a:rPr lang="en-US" altLang="en-US">
                     <a:noFill/>
                   </a:rPr>
                   <a:t> </a:t>
@@ -10200,14 +9736,8 @@
       </mc:AlternateContent>
       <p:sp>
         <p:nvSpPr>
-          <p:cNvPr id="49" name="CasellaDiTesto 48">
-            <a:extLst>
-              <a:ext uri="{FF2B5EF4-FFF2-40B4-BE49-F238E27FC236}">
-                <a16:creationId xmlns:a16="http://schemas.microsoft.com/office/drawing/2014/main" id="{54E16DC9-4C95-48DB-9895-49E119A18121}"/>
-              </a:ext>
-            </a:extLst>
-          </p:cNvPr>
-          <p:cNvSpPr txBox="1"/>
+          <p:cNvPr id="49" name="CasellaDiTesto 48"/>
+          <p:cNvSpPr txBox="true"/>
           <p:nvPr/>
         </p:nvSpPr>
         <p:spPr>
@@ -10233,20 +9763,16 @@
               </a:rPr>
               <a:t>Schema a blocchi</a:t>
             </a:r>
+            <a:endParaRPr lang="it-IT" sz="2600" dirty="0">
+              <a:latin typeface="+mj-lt"/>
+            </a:endParaRPr>
           </a:p>
         </p:txBody>
       </p:sp>
       <p:cxnSp>
         <p:nvCxnSpPr>
-          <p:cNvPr id="98" name="Connettore 2 97">
-            <a:extLst>
-              <a:ext uri="{FF2B5EF4-FFF2-40B4-BE49-F238E27FC236}">
-                <a16:creationId xmlns:a16="http://schemas.microsoft.com/office/drawing/2014/main" id="{4259DE88-CDB2-4D98-82B1-A09A3ADAEB48}"/>
-              </a:ext>
-            </a:extLst>
-          </p:cNvPr>
+          <p:cNvPr id="98" name="Connettore 2 97"/>
           <p:cNvCxnSpPr>
-            <a:cxnSpLocks/>
             <a:stCxn id="29" idx="3"/>
             <a:endCxn id="5" idx="1"/>
           </p:cNvCxnSpPr>
@@ -10284,22 +9810,15 @@
       </p:cxnSp>
       <p:cxnSp>
         <p:nvCxnSpPr>
-          <p:cNvPr id="66" name="Connettore 2 65">
-            <a:extLst>
-              <a:ext uri="{FF2B5EF4-FFF2-40B4-BE49-F238E27FC236}">
-                <a16:creationId xmlns:a16="http://schemas.microsoft.com/office/drawing/2014/main" id="{EA033BD3-502A-4151-855C-6984F50A5AD2}"/>
-              </a:ext>
-            </a:extLst>
-          </p:cNvPr>
+          <p:cNvPr id="66" name="Connettore 2 65"/>
           <p:cNvCxnSpPr>
-            <a:cxnSpLocks/>
             <a:stCxn id="7" idx="2"/>
             <a:endCxn id="6" idx="0"/>
           </p:cNvCxnSpPr>
           <p:nvPr/>
         </p:nvCxnSpPr>
         <p:spPr>
-          <a:xfrm flipH="1">
+          <a:xfrm flipH="true">
             <a:off x="8333812" y="3817354"/>
             <a:ext cx="1900491" cy="975179"/>
           </a:xfrm>
@@ -10328,18 +9847,12 @@
           </a:fontRef>
         </p:style>
       </p:cxnSp>
-      <mc:AlternateContent xmlns:mc="http://schemas.openxmlformats.org/markup-compatibility/2006" xmlns:a14="http://schemas.microsoft.com/office/drawing/2010/main">
-        <mc:Choice Requires="a14">
+      <mc:AlternateContent xmlns:mc="http://schemas.openxmlformats.org/markup-compatibility/2006">
+        <mc:Choice xmlns:a14="http://schemas.microsoft.com/office/drawing/2010/main" Requires="a14">
           <p:sp>
             <p:nvSpPr>
-              <p:cNvPr id="88" name="CasellaDiTesto 87">
-                <a:extLst>
-                  <a:ext uri="{FF2B5EF4-FFF2-40B4-BE49-F238E27FC236}">
-                    <a16:creationId xmlns:a16="http://schemas.microsoft.com/office/drawing/2014/main" id="{22C84389-AF2C-4CE6-88B0-6829DCF53EA8}"/>
-                  </a:ext>
-                </a:extLst>
-              </p:cNvPr>
-              <p:cNvSpPr txBox="1"/>
+              <p:cNvPr id="88" name="CasellaDiTesto 87"/>
+              <p:cNvSpPr txBox="true"/>
               <p:nvPr/>
             </p:nvSpPr>
             <p:spPr>
@@ -10364,7 +9877,6 @@
               </a:bodyPr>
               <a:lstStyle/>
               <a:p>
-                <a:pPr/>
                 <a14:m>
                   <m:oMathPara xmlns:m="http://schemas.openxmlformats.org/officeDocument/2006/math">
                     <m:oMathParaPr>
@@ -10507,7 +10019,15 @@
                               <a:latin typeface="Cambria Math" panose="02040503050406030204" pitchFamily="18" charset="0"/>
                               <a:ea typeface="Cambria Math" panose="02040503050406030204" pitchFamily="18" charset="0"/>
                             </a:rPr>
-                            <m:t>1−</m:t>
+                            <m:t>1</m:t>
+                          </m:r>
+                          <m:r>
+                            <a:rPr lang="it-IT" sz="1200" b="0" i="0" smtClean="0">
+                              <a:effectLst/>
+                              <a:latin typeface="Cambria Math" panose="02040503050406030204" pitchFamily="18" charset="0"/>
+                              <a:ea typeface="Cambria Math" panose="02040503050406030204" pitchFamily="18" charset="0"/>
+                            </a:rPr>
+                            <m:t>−</m:t>
                           </m:r>
                           <m:sSub>
                             <m:sSubPr>
@@ -10641,7 +10161,6 @@
                 </a:endParaRPr>
               </a:p>
               <a:p>
-                <a:pPr/>
                 <a14:m>
                   <m:oMathPara xmlns:m="http://schemas.openxmlformats.org/officeDocument/2006/math">
                     <m:oMathParaPr>
@@ -10765,7 +10284,15 @@
                               <a:latin typeface="Cambria Math" panose="02040503050406030204" pitchFamily="18" charset="0"/>
                               <a:ea typeface="Cambria Math" panose="02040503050406030204" pitchFamily="18" charset="0"/>
                             </a:rPr>
-                            <m:t>1−</m:t>
+                            <m:t>1</m:t>
+                          </m:r>
+                          <m:r>
+                            <a:rPr lang="it-IT" sz="1200" b="0" i="0" smtClean="0">
+                              <a:effectLst/>
+                              <a:latin typeface="Cambria Math" panose="02040503050406030204" pitchFamily="18" charset="0"/>
+                              <a:ea typeface="Cambria Math" panose="02040503050406030204" pitchFamily="18" charset="0"/>
+                            </a:rPr>
+                            <m:t>−</m:t>
                           </m:r>
                           <m:sSub>
                             <m:sSubPr>
@@ -11712,7 +11239,15 @@
                             <a:latin typeface="Cambria Math" panose="02040503050406030204" pitchFamily="18" charset="0"/>
                             <a:ea typeface="Cambria Math" panose="02040503050406030204" pitchFamily="18" charset="0"/>
                           </a:rPr>
-                          <m:t>1−</m:t>
+                          <m:t>1</m:t>
+                        </m:r>
+                        <m:r>
+                          <a:rPr lang="it-IT" sz="1200" b="0" i="0" smtClean="0">
+                            <a:effectLst/>
+                            <a:latin typeface="Cambria Math" panose="02040503050406030204" pitchFamily="18" charset="0"/>
+                            <a:ea typeface="Cambria Math" panose="02040503050406030204" pitchFamily="18" charset="0"/>
+                          </a:rPr>
+                          <m:t>−</m:t>
                         </m:r>
                         <m:sSub>
                           <m:sSubPr>
@@ -11790,7 +11325,23 @@
                         <a:latin typeface="Cambria Math" panose="02040503050406030204" pitchFamily="18" charset="0"/>
                         <a:ea typeface="Cambria Math" panose="02040503050406030204" pitchFamily="18" charset="0"/>
                       </a:rPr>
-                      <m:t>+(1−</m:t>
+                      <m:t>+(</m:t>
+                    </m:r>
+                    <m:r>
+                      <a:rPr lang="it-IT" sz="1200" b="0" i="0" smtClean="0">
+                        <a:effectLst/>
+                        <a:latin typeface="Cambria Math" panose="02040503050406030204" pitchFamily="18" charset="0"/>
+                        <a:ea typeface="Cambria Math" panose="02040503050406030204" pitchFamily="18" charset="0"/>
+                      </a:rPr>
+                      <m:t>1</m:t>
+                    </m:r>
+                    <m:r>
+                      <a:rPr lang="it-IT" sz="1200" b="0" i="0" smtClean="0">
+                        <a:effectLst/>
+                        <a:latin typeface="Cambria Math" panose="02040503050406030204" pitchFamily="18" charset="0"/>
+                        <a:ea typeface="Cambria Math" panose="02040503050406030204" pitchFamily="18" charset="0"/>
+                      </a:rPr>
+                      <m:t>−</m:t>
                     </m:r>
                     <m:r>
                       <m:rPr>
@@ -11876,7 +11427,6 @@
                 </a:endParaRPr>
               </a:p>
               <a:p>
-                <a:pPr/>
                 <a14:m>
                   <m:oMathPara xmlns:m="http://schemas.openxmlformats.org/officeDocument/2006/math">
                     <m:oMathParaPr>
@@ -12085,7 +11635,23 @@
                           <a:latin typeface="Cambria Math" panose="02040503050406030204" pitchFamily="18" charset="0"/>
                           <a:ea typeface="Cambria Math" panose="02040503050406030204" pitchFamily="18" charset="0"/>
                         </a:rPr>
-                        <m:t>(1−</m:t>
+                        <m:t>(</m:t>
+                      </m:r>
+                      <m:r>
+                        <a:rPr lang="it-IT" sz="1200" b="0" i="0" smtClean="0">
+                          <a:effectLst/>
+                          <a:latin typeface="Cambria Math" panose="02040503050406030204" pitchFamily="18" charset="0"/>
+                          <a:ea typeface="Cambria Math" panose="02040503050406030204" pitchFamily="18" charset="0"/>
+                        </a:rPr>
+                        <m:t>1</m:t>
+                      </m:r>
+                      <m:r>
+                        <a:rPr lang="it-IT" sz="1200" b="0" i="0" smtClean="0">
+                          <a:effectLst/>
+                          <a:latin typeface="Cambria Math" panose="02040503050406030204" pitchFamily="18" charset="0"/>
+                          <a:ea typeface="Cambria Math" panose="02040503050406030204" pitchFamily="18" charset="0"/>
+                        </a:rPr>
+                        <m:t>−</m:t>
                       </m:r>
                       <m:sSub>
                         <m:sSubPr>
@@ -12283,7 +11849,6 @@
                 </a:endParaRPr>
               </a:p>
               <a:p>
-                <a:pPr/>
                 <a14:m>
                   <m:oMathPara xmlns:m="http://schemas.openxmlformats.org/officeDocument/2006/math">
                     <m:oMathParaPr>
@@ -12857,18 +12422,12 @@
             </p:txBody>
           </p:sp>
         </mc:Choice>
-        <mc:Fallback xmlns="">
+        <mc:Fallback>
           <p:sp>
             <p:nvSpPr>
-              <p:cNvPr id="88" name="CasellaDiTesto 87">
-                <a:extLst>
-                  <a:ext uri="{FF2B5EF4-FFF2-40B4-BE49-F238E27FC236}">
-                    <a16:creationId xmlns:a16="http://schemas.microsoft.com/office/drawing/2014/main" id="{22C84389-AF2C-4CE6-88B0-6829DCF53EA8}"/>
-                  </a:ext>
-                </a:extLst>
-              </p:cNvPr>
-              <p:cNvSpPr txBox="1">
-                <a:spLocks noRot="1" noChangeAspect="1" noMove="1" noResize="1" noEditPoints="1" noAdjustHandles="1" noChangeArrowheads="1" noChangeShapeType="1" noTextEdit="1"/>
+              <p:cNvPr id="88" name="CasellaDiTesto 87"/>
+              <p:cNvSpPr txBox="true">
+                <a:spLocks noRot="true" noChangeAspect="true" noMove="true" noResize="true" noEditPoints="true" noAdjustHandles="true" noChangeArrowheads="true" noChangeShapeType="true" noTextEdit="true"/>
               </p:cNvSpPr>
               <p:nvPr/>
             </p:nvSpPr>
@@ -12880,10 +12439,10 @@
               <a:prstGeom prst="rect">
                 <a:avLst/>
               </a:prstGeom>
-              <a:blipFill>
-                <a:blip r:embed="rId9"/>
+              <a:blipFill rotWithShape="true">
+                <a:blip r:embed="rId8"/>
                 <a:stretch>
-                  <a:fillRect/>
+                  <a:fillRect l="-123" t="-314" r="-101" b="-30975"/>
                 </a:stretch>
               </a:blipFill>
               <a:ln>
@@ -12898,7 +12457,7 @@
               <a:lstStyle/>
               <a:p>
                 <a:r>
-                  <a:rPr lang="it-IT">
+                  <a:rPr lang="en-US" altLang="en-US">
                     <a:noFill/>
                   </a:rPr>
                   <a:t> </a:t>
@@ -12912,14 +12471,8 @@
         <mc:Choice xmlns:a14="http://schemas.microsoft.com/office/drawing/2010/main" Requires="a14">
           <p:sp>
             <p:nvSpPr>
-              <p:cNvPr id="89" name="CasellaDiTesto 88">
-                <a:extLst>
-                  <a:ext uri="{FF2B5EF4-FFF2-40B4-BE49-F238E27FC236}">
-                    <a16:creationId xmlns:a16="http://schemas.microsoft.com/office/drawing/2014/main" id="{F20CF02B-056A-47D5-97C2-A9D690C97AE2}"/>
-                  </a:ext>
-                </a:extLst>
-              </p:cNvPr>
-              <p:cNvSpPr txBox="1"/>
+              <p:cNvPr id="89" name="CasellaDiTesto 88"/>
+              <p:cNvSpPr txBox="true"/>
               <p:nvPr/>
             </p:nvSpPr>
             <p:spPr>
@@ -12938,7 +12491,6 @@
               </a:bodyPr>
               <a:lstStyle/>
               <a:p>
-                <a:pPr/>
                 <a14:m>
                   <m:oMathPara xmlns:m="http://schemas.openxmlformats.org/officeDocument/2006/math">
                     <m:oMathParaPr>
@@ -13037,7 +12589,20 @@
                               </a:effectLst>
                               <a:latin typeface="Cambria Math" panose="02040503050406030204" pitchFamily="18" charset="0"/>
                             </a:rPr>
-                            <m:t>1−</m:t>
+                            <m:t>1</m:t>
+                          </m:r>
+                          <m:r>
+                            <a:rPr lang="it-IT" sz="1400" b="0" i="0" smtClean="0">
+                              <a:effectLst>
+                                <a:outerShdw blurRad="38100" dist="38100" dir="2700000" algn="tl">
+                                  <a:srgbClr val="000000">
+                                    <a:alpha val="43137"/>
+                                  </a:srgbClr>
+                                </a:outerShdw>
+                              </a:effectLst>
+                              <a:latin typeface="Cambria Math" panose="02040503050406030204" pitchFamily="18" charset="0"/>
+                            </a:rPr>
+                            <m:t>−</m:t>
                           </m:r>
                           <m:sSub>
                             <m:sSubPr>
@@ -13112,15 +12677,9 @@
         <mc:Fallback>
           <p:sp>
             <p:nvSpPr>
-              <p:cNvPr id="89" name="CasellaDiTesto 88">
-                <a:extLst>
-                  <a:ext uri="{FF2B5EF4-FFF2-40B4-BE49-F238E27FC236}">
-                    <a16:creationId xmlns:a16="http://schemas.microsoft.com/office/drawing/2014/main" id="{F20CF02B-056A-47D5-97C2-A9D690C97AE2}"/>
-                  </a:ext>
-                </a:extLst>
-              </p:cNvPr>
-              <p:cNvSpPr txBox="1">
-                <a:spLocks noRot="1" noChangeAspect="1" noMove="1" noResize="1" noEditPoints="1" noAdjustHandles="1" noChangeArrowheads="1" noChangeShapeType="1" noTextEdit="1"/>
+              <p:cNvPr id="89" name="CasellaDiTesto 88"/>
+              <p:cNvSpPr txBox="true">
+                <a:spLocks noRot="true" noChangeAspect="true" noMove="true" noResize="true" noEditPoints="true" noAdjustHandles="true" noChangeArrowheads="true" noChangeShapeType="true" noTextEdit="true"/>
               </p:cNvSpPr>
               <p:nvPr/>
             </p:nvSpPr>
@@ -13132,10 +12691,10 @@
               <a:prstGeom prst="rect">
                 <a:avLst/>
               </a:prstGeom>
-              <a:blipFill>
-                <a:blip r:embed="rId10"/>
+              <a:blipFill rotWithShape="true">
+                <a:blip r:embed="rId9"/>
                 <a:stretch>
-                  <a:fillRect b="-8929"/>
+                  <a:fillRect l="-5" t="-59" r="56" b="-48518"/>
                 </a:stretch>
               </a:blipFill>
             </p:spPr>
@@ -13144,7 +12703,7 @@
               <a:lstStyle/>
               <a:p>
                 <a:r>
-                  <a:rPr lang="it-IT">
+                  <a:rPr lang="en-US" altLang="en-US">
                     <a:noFill/>
                   </a:rPr>
                   <a:t> </a:t>
@@ -13154,18 +12713,12 @@
           </p:sp>
         </mc:Fallback>
       </mc:AlternateContent>
-      <mc:AlternateContent xmlns:mc="http://schemas.openxmlformats.org/markup-compatibility/2006" xmlns:a14="http://schemas.microsoft.com/office/drawing/2010/main">
-        <mc:Choice Requires="a14">
+      <mc:AlternateContent xmlns:mc="http://schemas.openxmlformats.org/markup-compatibility/2006">
+        <mc:Choice xmlns:a14="http://schemas.microsoft.com/office/drawing/2010/main" Requires="a14">
           <p:sp>
             <p:nvSpPr>
-              <p:cNvPr id="92" name="CasellaDiTesto 91">
-                <a:extLst>
-                  <a:ext uri="{FF2B5EF4-FFF2-40B4-BE49-F238E27FC236}">
-                    <a16:creationId xmlns:a16="http://schemas.microsoft.com/office/drawing/2014/main" id="{554E66B3-2428-402C-ADE8-E5C0E8B6859B}"/>
-                  </a:ext>
-                </a:extLst>
-              </p:cNvPr>
-              <p:cNvSpPr txBox="1"/>
+              <p:cNvPr id="92" name="CasellaDiTesto 91"/>
+              <p:cNvSpPr txBox="true"/>
               <p:nvPr/>
             </p:nvSpPr>
             <p:spPr>
@@ -13184,7 +12737,6 @@
               </a:bodyPr>
               <a:lstStyle/>
               <a:p>
-                <a:pPr/>
                 <a14:m>
                   <m:oMathPara xmlns:m="http://schemas.openxmlformats.org/officeDocument/2006/math">
                     <m:oMathParaPr>
@@ -13240,18 +12792,12 @@
             </p:txBody>
           </p:sp>
         </mc:Choice>
-        <mc:Fallback xmlns="">
+        <mc:Fallback>
           <p:sp>
             <p:nvSpPr>
-              <p:cNvPr id="92" name="CasellaDiTesto 91">
-                <a:extLst>
-                  <a:ext uri="{FF2B5EF4-FFF2-40B4-BE49-F238E27FC236}">
-                    <a16:creationId xmlns:a16="http://schemas.microsoft.com/office/drawing/2014/main" id="{554E66B3-2428-402C-ADE8-E5C0E8B6859B}"/>
-                  </a:ext>
-                </a:extLst>
-              </p:cNvPr>
-              <p:cNvSpPr txBox="1">
-                <a:spLocks noRot="1" noChangeAspect="1" noMove="1" noResize="1" noEditPoints="1" noAdjustHandles="1" noChangeArrowheads="1" noChangeShapeType="1" noTextEdit="1"/>
+              <p:cNvPr id="92" name="CasellaDiTesto 91"/>
+              <p:cNvSpPr txBox="true">
+                <a:spLocks noRot="true" noChangeAspect="true" noMove="true" noResize="true" noEditPoints="true" noAdjustHandles="true" noChangeArrowheads="true" noChangeShapeType="true" noTextEdit="true"/>
               </p:cNvSpPr>
               <p:nvPr/>
             </p:nvSpPr>
@@ -13263,10 +12809,10 @@
               <a:prstGeom prst="rect">
                 <a:avLst/>
               </a:prstGeom>
-              <a:blipFill>
-                <a:blip r:embed="rId11"/>
+              <a:blipFill rotWithShape="true">
+                <a:blip r:embed="rId10"/>
                 <a:stretch>
-                  <a:fillRect/>
+                  <a:fillRect l="-1955" t="-50464" r="-1859" b="-50283"/>
                 </a:stretch>
               </a:blipFill>
             </p:spPr>
@@ -13275,7 +12821,7 @@
               <a:lstStyle/>
               <a:p>
                 <a:r>
-                  <a:rPr lang="it-IT">
+                  <a:rPr lang="en-US" altLang="en-US">
                     <a:noFill/>
                   </a:rPr>
                   <a:t> </a:t>
@@ -13285,18 +12831,12 @@
           </p:sp>
         </mc:Fallback>
       </mc:AlternateContent>
-      <mc:AlternateContent xmlns:mc="http://schemas.openxmlformats.org/markup-compatibility/2006" xmlns:a14="http://schemas.microsoft.com/office/drawing/2010/main">
-        <mc:Choice Requires="a14">
+      <mc:AlternateContent xmlns:mc="http://schemas.openxmlformats.org/markup-compatibility/2006">
+        <mc:Choice xmlns:a14="http://schemas.microsoft.com/office/drawing/2010/main" Requires="a14">
           <p:sp>
             <p:nvSpPr>
-              <p:cNvPr id="93" name="CasellaDiTesto 92">
-                <a:extLst>
-                  <a:ext uri="{FF2B5EF4-FFF2-40B4-BE49-F238E27FC236}">
-                    <a16:creationId xmlns:a16="http://schemas.microsoft.com/office/drawing/2014/main" id="{27CE4DFD-55FB-4DF1-AA33-288974AD3FB9}"/>
-                  </a:ext>
-                </a:extLst>
-              </p:cNvPr>
-              <p:cNvSpPr txBox="1"/>
+              <p:cNvPr id="93" name="CasellaDiTesto 92"/>
+              <p:cNvSpPr txBox="true"/>
               <p:nvPr/>
             </p:nvSpPr>
             <p:spPr>
@@ -13315,7 +12855,6 @@
               </a:bodyPr>
               <a:lstStyle/>
               <a:p>
-                <a:pPr/>
                 <a14:m>
                   <m:oMathPara xmlns:m="http://schemas.openxmlformats.org/officeDocument/2006/math">
                     <m:oMathParaPr>
@@ -13354,18 +12893,12 @@
             </p:txBody>
           </p:sp>
         </mc:Choice>
-        <mc:Fallback xmlns="">
+        <mc:Fallback>
           <p:sp>
             <p:nvSpPr>
-              <p:cNvPr id="93" name="CasellaDiTesto 92">
-                <a:extLst>
-                  <a:ext uri="{FF2B5EF4-FFF2-40B4-BE49-F238E27FC236}">
-                    <a16:creationId xmlns:a16="http://schemas.microsoft.com/office/drawing/2014/main" id="{27CE4DFD-55FB-4DF1-AA33-288974AD3FB9}"/>
-                  </a:ext>
-                </a:extLst>
-              </p:cNvPr>
-              <p:cNvSpPr txBox="1">
-                <a:spLocks noRot="1" noChangeAspect="1" noMove="1" noResize="1" noEditPoints="1" noAdjustHandles="1" noChangeArrowheads="1" noChangeShapeType="1" noTextEdit="1"/>
+              <p:cNvPr id="93" name="CasellaDiTesto 92"/>
+              <p:cNvSpPr txBox="true">
+                <a:spLocks noRot="true" noChangeAspect="true" noMove="true" noResize="true" noEditPoints="true" noAdjustHandles="true" noChangeArrowheads="true" noChangeShapeType="true" noTextEdit="true"/>
               </p:cNvSpPr>
               <p:nvPr/>
             </p:nvSpPr>
@@ -13377,10 +12910,10 @@
               <a:prstGeom prst="rect">
                 <a:avLst/>
               </a:prstGeom>
-              <a:blipFill>
-                <a:blip r:embed="rId12"/>
+              <a:blipFill rotWithShape="true">
+                <a:blip r:embed="rId11"/>
                 <a:stretch>
-                  <a:fillRect/>
+                  <a:fillRect l="-131" t="-52" r="40" b="194"/>
                 </a:stretch>
               </a:blipFill>
             </p:spPr>
@@ -13389,7 +12922,7 @@
               <a:lstStyle/>
               <a:p>
                 <a:r>
-                  <a:rPr lang="it-IT">
+                  <a:rPr lang="en-US" altLang="en-US">
                     <a:noFill/>
                   </a:rPr>
                   <a:t> </a:t>
@@ -13399,18 +12932,12 @@
           </p:sp>
         </mc:Fallback>
       </mc:AlternateContent>
-      <mc:AlternateContent xmlns:mc="http://schemas.openxmlformats.org/markup-compatibility/2006" xmlns:a14="http://schemas.microsoft.com/office/drawing/2010/main">
-        <mc:Choice Requires="a14">
+      <mc:AlternateContent xmlns:mc="http://schemas.openxmlformats.org/markup-compatibility/2006">
+        <mc:Choice xmlns:a14="http://schemas.microsoft.com/office/drawing/2010/main" Requires="a14">
           <p:sp>
             <p:nvSpPr>
-              <p:cNvPr id="94" name="CasellaDiTesto 93">
-                <a:extLst>
-                  <a:ext uri="{FF2B5EF4-FFF2-40B4-BE49-F238E27FC236}">
-                    <a16:creationId xmlns:a16="http://schemas.microsoft.com/office/drawing/2014/main" id="{C68D5619-1828-4A70-98FF-9D101025AF04}"/>
-                  </a:ext>
-                </a:extLst>
-              </p:cNvPr>
-              <p:cNvSpPr txBox="1"/>
+              <p:cNvPr id="94" name="CasellaDiTesto 93"/>
+              <p:cNvSpPr txBox="true"/>
               <p:nvPr/>
             </p:nvSpPr>
             <p:spPr>
@@ -13429,7 +12956,6 @@
               </a:bodyPr>
               <a:lstStyle/>
               <a:p>
-                <a:pPr/>
                 <a14:m>
                   <m:oMathPara xmlns:m="http://schemas.openxmlformats.org/officeDocument/2006/math">
                     <m:oMathParaPr>
@@ -13619,18 +13145,12 @@
             </p:txBody>
           </p:sp>
         </mc:Choice>
-        <mc:Fallback xmlns="">
+        <mc:Fallback>
           <p:sp>
             <p:nvSpPr>
-              <p:cNvPr id="94" name="CasellaDiTesto 93">
-                <a:extLst>
-                  <a:ext uri="{FF2B5EF4-FFF2-40B4-BE49-F238E27FC236}">
-                    <a16:creationId xmlns:a16="http://schemas.microsoft.com/office/drawing/2014/main" id="{C68D5619-1828-4A70-98FF-9D101025AF04}"/>
-                  </a:ext>
-                </a:extLst>
-              </p:cNvPr>
-              <p:cNvSpPr txBox="1">
-                <a:spLocks noRot="1" noChangeAspect="1" noMove="1" noResize="1" noEditPoints="1" noAdjustHandles="1" noChangeArrowheads="1" noChangeShapeType="1" noTextEdit="1"/>
+              <p:cNvPr id="94" name="CasellaDiTesto 93"/>
+              <p:cNvSpPr txBox="true">
+                <a:spLocks noRot="true" noChangeAspect="true" noMove="true" noResize="true" noEditPoints="true" noAdjustHandles="true" noChangeArrowheads="true" noChangeShapeType="true" noTextEdit="true"/>
               </p:cNvSpPr>
               <p:nvPr/>
             </p:nvSpPr>
@@ -13642,10 +13162,10 @@
               <a:prstGeom prst="rect">
                 <a:avLst/>
               </a:prstGeom>
-              <a:blipFill>
-                <a:blip r:embed="rId13"/>
+              <a:blipFill rotWithShape="true">
+                <a:blip r:embed="rId12"/>
                 <a:stretch>
-                  <a:fillRect b="-7843"/>
+                  <a:fillRect l="-42" t="-2" r="11" b="-53911"/>
                 </a:stretch>
               </a:blipFill>
             </p:spPr>
@@ -13654,7 +13174,7 @@
               <a:lstStyle/>
               <a:p>
                 <a:r>
-                  <a:rPr lang="it-IT">
+                  <a:rPr lang="en-US" altLang="en-US">
                     <a:noFill/>
                   </a:rPr>
                   <a:t> </a:t>
@@ -13664,18 +13184,12 @@
           </p:sp>
         </mc:Fallback>
       </mc:AlternateContent>
-      <mc:AlternateContent xmlns:mc="http://schemas.openxmlformats.org/markup-compatibility/2006" xmlns:a14="http://schemas.microsoft.com/office/drawing/2010/main">
-        <mc:Choice Requires="a14">
+      <mc:AlternateContent xmlns:mc="http://schemas.openxmlformats.org/markup-compatibility/2006">
+        <mc:Choice xmlns:a14="http://schemas.microsoft.com/office/drawing/2010/main" Requires="a14">
           <p:sp>
             <p:nvSpPr>
-              <p:cNvPr id="91" name="CasellaDiTesto 90">
-                <a:extLst>
-                  <a:ext uri="{FF2B5EF4-FFF2-40B4-BE49-F238E27FC236}">
-                    <a16:creationId xmlns:a16="http://schemas.microsoft.com/office/drawing/2014/main" id="{E4BCCD55-BD39-4D31-B34F-DF62B5AF1507}"/>
-                  </a:ext>
-                </a:extLst>
-              </p:cNvPr>
-              <p:cNvSpPr txBox="1"/>
+              <p:cNvPr id="91" name="CasellaDiTesto 90"/>
+              <p:cNvSpPr txBox="true"/>
               <p:nvPr/>
             </p:nvSpPr>
             <p:spPr>
@@ -13694,7 +13208,6 @@
               </a:bodyPr>
               <a:lstStyle/>
               <a:p>
-                <a:pPr/>
                 <a14:m>
                   <m:oMathPara xmlns:m="http://schemas.openxmlformats.org/officeDocument/2006/math">
                     <m:oMathParaPr>
@@ -13818,18 +13331,12 @@
             </p:txBody>
           </p:sp>
         </mc:Choice>
-        <mc:Fallback xmlns="">
+        <mc:Fallback>
           <p:sp>
             <p:nvSpPr>
-              <p:cNvPr id="91" name="CasellaDiTesto 90">
-                <a:extLst>
-                  <a:ext uri="{FF2B5EF4-FFF2-40B4-BE49-F238E27FC236}">
-                    <a16:creationId xmlns:a16="http://schemas.microsoft.com/office/drawing/2014/main" id="{E4BCCD55-BD39-4D31-B34F-DF62B5AF1507}"/>
-                  </a:ext>
-                </a:extLst>
-              </p:cNvPr>
-              <p:cNvSpPr txBox="1">
-                <a:spLocks noRot="1" noChangeAspect="1" noMove="1" noResize="1" noEditPoints="1" noAdjustHandles="1" noChangeArrowheads="1" noChangeShapeType="1" noTextEdit="1"/>
+              <p:cNvPr id="91" name="CasellaDiTesto 90"/>
+              <p:cNvSpPr txBox="true">
+                <a:spLocks noRot="true" noChangeAspect="true" noMove="true" noResize="true" noEditPoints="true" noAdjustHandles="true" noChangeArrowheads="true" noChangeShapeType="true" noTextEdit="true"/>
               </p:cNvSpPr>
               <p:nvPr/>
             </p:nvSpPr>
@@ -13841,10 +13348,10 @@
               <a:prstGeom prst="rect">
                 <a:avLst/>
               </a:prstGeom>
-              <a:blipFill>
-                <a:blip r:embed="rId14"/>
+              <a:blipFill rotWithShape="true">
+                <a:blip r:embed="rId13"/>
                 <a:stretch>
-                  <a:fillRect/>
+                  <a:fillRect l="-8915" t="-33989" r="-8899" b="-33954"/>
                 </a:stretch>
               </a:blipFill>
             </p:spPr>
@@ -13853,7 +13360,7 @@
               <a:lstStyle/>
               <a:p>
                 <a:r>
-                  <a:rPr lang="it-IT">
+                  <a:rPr lang="en-US" altLang="en-US">
                     <a:noFill/>
                   </a:rPr>
                   <a:t> </a:t>
@@ -13863,18 +13370,12 @@
           </p:sp>
         </mc:Fallback>
       </mc:AlternateContent>
-      <mc:AlternateContent xmlns:mc="http://schemas.openxmlformats.org/markup-compatibility/2006" xmlns:a14="http://schemas.microsoft.com/office/drawing/2010/main">
-        <mc:Choice Requires="a14">
+      <mc:AlternateContent xmlns:mc="http://schemas.openxmlformats.org/markup-compatibility/2006">
+        <mc:Choice xmlns:a14="http://schemas.microsoft.com/office/drawing/2010/main" Requires="a14">
           <p:sp>
             <p:nvSpPr>
-              <p:cNvPr id="95" name="CasellaDiTesto 94">
-                <a:extLst>
-                  <a:ext uri="{FF2B5EF4-FFF2-40B4-BE49-F238E27FC236}">
-                    <a16:creationId xmlns:a16="http://schemas.microsoft.com/office/drawing/2014/main" id="{70F02F8F-D603-4430-94C5-559AA0B3E416}"/>
-                  </a:ext>
-                </a:extLst>
-              </p:cNvPr>
-              <p:cNvSpPr txBox="1"/>
+              <p:cNvPr id="95" name="CasellaDiTesto 94"/>
+              <p:cNvSpPr txBox="true"/>
               <p:nvPr/>
             </p:nvSpPr>
             <p:spPr>
@@ -13893,7 +13394,6 @@
               </a:bodyPr>
               <a:lstStyle/>
               <a:p>
-                <a:pPr/>
                 <a14:m>
                   <m:oMathPara xmlns:m="http://schemas.openxmlformats.org/officeDocument/2006/math">
                     <m:oMathParaPr>
@@ -13963,7 +13463,33 @@
                           </a:effectLst>
                           <a:latin typeface="Cambria Math" panose="02040503050406030204" pitchFamily="18" charset="0"/>
                         </a:rPr>
-                        <m:t>(1−</m:t>
+                        <m:t>(</m:t>
+                      </m:r>
+                      <m:r>
+                        <a:rPr lang="it-IT" sz="1400" b="0" i="0" smtClean="0">
+                          <a:effectLst>
+                            <a:outerShdw blurRad="38100" dist="38100" dir="2700000" algn="tl">
+                              <a:srgbClr val="000000">
+                                <a:alpha val="43137"/>
+                              </a:srgbClr>
+                            </a:outerShdw>
+                          </a:effectLst>
+                          <a:latin typeface="Cambria Math" panose="02040503050406030204" pitchFamily="18" charset="0"/>
+                        </a:rPr>
+                        <m:t>1</m:t>
+                      </m:r>
+                      <m:r>
+                        <a:rPr lang="it-IT" sz="1400" b="0" i="0" smtClean="0">
+                          <a:effectLst>
+                            <a:outerShdw blurRad="38100" dist="38100" dir="2700000" algn="tl">
+                              <a:srgbClr val="000000">
+                                <a:alpha val="43137"/>
+                              </a:srgbClr>
+                            </a:outerShdw>
+                          </a:effectLst>
+                          <a:latin typeface="Cambria Math" panose="02040503050406030204" pitchFamily="18" charset="0"/>
+                        </a:rPr>
+                        <m:t>−</m:t>
                       </m:r>
                       <m:sSub>
                         <m:sSubPr>
@@ -14035,18 +13561,12 @@
             </p:txBody>
           </p:sp>
         </mc:Choice>
-        <mc:Fallback xmlns="">
+        <mc:Fallback>
           <p:sp>
             <p:nvSpPr>
-              <p:cNvPr id="95" name="CasellaDiTesto 94">
-                <a:extLst>
-                  <a:ext uri="{FF2B5EF4-FFF2-40B4-BE49-F238E27FC236}">
-                    <a16:creationId xmlns:a16="http://schemas.microsoft.com/office/drawing/2014/main" id="{70F02F8F-D603-4430-94C5-559AA0B3E416}"/>
-                  </a:ext>
-                </a:extLst>
-              </p:cNvPr>
-              <p:cNvSpPr txBox="1">
-                <a:spLocks noRot="1" noChangeAspect="1" noMove="1" noResize="1" noEditPoints="1" noAdjustHandles="1" noChangeArrowheads="1" noChangeShapeType="1" noTextEdit="1"/>
+              <p:cNvPr id="95" name="CasellaDiTesto 94"/>
+              <p:cNvSpPr txBox="true">
+                <a:spLocks noRot="true" noChangeAspect="true" noMove="true" noResize="true" noEditPoints="true" noAdjustHandles="true" noChangeArrowheads="true" noChangeShapeType="true" noTextEdit="true"/>
               </p:cNvSpPr>
               <p:nvPr/>
             </p:nvSpPr>
@@ -14058,10 +13578,10 @@
               <a:prstGeom prst="rect">
                 <a:avLst/>
               </a:prstGeom>
-              <a:blipFill>
-                <a:blip r:embed="rId15"/>
+              <a:blipFill rotWithShape="true">
+                <a:blip r:embed="rId14"/>
                 <a:stretch>
-                  <a:fillRect r="-606" b="-14000"/>
+                  <a:fillRect l="-30" t="-58" r="61" b="-53443"/>
                 </a:stretch>
               </a:blipFill>
             </p:spPr>
@@ -14070,7 +13590,7 @@
               <a:lstStyle/>
               <a:p>
                 <a:r>
-                  <a:rPr lang="it-IT">
+                  <a:rPr lang="en-US" altLang="en-US">
                     <a:noFill/>
                   </a:rPr>
                   <a:t> </a:t>
@@ -14082,22 +13602,15 @@
       </mc:AlternateContent>
       <p:cxnSp>
         <p:nvCxnSpPr>
-          <p:cNvPr id="97" name="Connettore 2 96">
-            <a:extLst>
-              <a:ext uri="{FF2B5EF4-FFF2-40B4-BE49-F238E27FC236}">
-                <a16:creationId xmlns:a16="http://schemas.microsoft.com/office/drawing/2014/main" id="{3FE50E12-52A6-4485-85D2-CF793A83E9C7}"/>
-              </a:ext>
-            </a:extLst>
-          </p:cNvPr>
+          <p:cNvPr id="97" name="Connettore 2 96"/>
           <p:cNvCxnSpPr>
-            <a:cxnSpLocks/>
             <a:stCxn id="8" idx="2"/>
             <a:endCxn id="5" idx="0"/>
           </p:cNvCxnSpPr>
           <p:nvPr/>
         </p:nvCxnSpPr>
         <p:spPr>
-          <a:xfrm flipH="1">
+          <a:xfrm flipH="true">
             <a:off x="8331680" y="2032469"/>
             <a:ext cx="2317144" cy="1186397"/>
           </a:xfrm>
@@ -14126,18 +13639,12 @@
           </a:fontRef>
         </p:style>
       </p:cxnSp>
-      <mc:AlternateContent xmlns:mc="http://schemas.openxmlformats.org/markup-compatibility/2006" xmlns:a14="http://schemas.microsoft.com/office/drawing/2010/main">
-        <mc:Choice Requires="a14">
+      <mc:AlternateContent xmlns:mc="http://schemas.openxmlformats.org/markup-compatibility/2006">
+        <mc:Choice xmlns:a14="http://schemas.microsoft.com/office/drawing/2010/main" Requires="a14">
           <p:sp>
             <p:nvSpPr>
-              <p:cNvPr id="102" name="CasellaDiTesto 101">
-                <a:extLst>
-                  <a:ext uri="{FF2B5EF4-FFF2-40B4-BE49-F238E27FC236}">
-                    <a16:creationId xmlns:a16="http://schemas.microsoft.com/office/drawing/2014/main" id="{226A0ABE-FF39-4E7C-B6D0-CED6C84F151D}"/>
-                  </a:ext>
-                </a:extLst>
-              </p:cNvPr>
-              <p:cNvSpPr txBox="1"/>
+              <p:cNvPr id="102" name="CasellaDiTesto 101"/>
+              <p:cNvSpPr txBox="true"/>
               <p:nvPr/>
             </p:nvSpPr>
             <p:spPr>
@@ -14156,7 +13663,6 @@
               </a:bodyPr>
               <a:lstStyle/>
               <a:p>
-                <a:pPr/>
                 <a14:m>
                   <m:oMathPara xmlns:m="http://schemas.openxmlformats.org/officeDocument/2006/math">
                     <m:oMathParaPr>
@@ -14231,18 +13737,12 @@
             </p:txBody>
           </p:sp>
         </mc:Choice>
-        <mc:Fallback xmlns="">
+        <mc:Fallback>
           <p:sp>
             <p:nvSpPr>
-              <p:cNvPr id="102" name="CasellaDiTesto 101">
-                <a:extLst>
-                  <a:ext uri="{FF2B5EF4-FFF2-40B4-BE49-F238E27FC236}">
-                    <a16:creationId xmlns:a16="http://schemas.microsoft.com/office/drawing/2014/main" id="{226A0ABE-FF39-4E7C-B6D0-CED6C84F151D}"/>
-                  </a:ext>
-                </a:extLst>
-              </p:cNvPr>
-              <p:cNvSpPr txBox="1">
-                <a:spLocks noRot="1" noChangeAspect="1" noMove="1" noResize="1" noEditPoints="1" noAdjustHandles="1" noChangeArrowheads="1" noChangeShapeType="1" noTextEdit="1"/>
+              <p:cNvPr id="102" name="CasellaDiTesto 101"/>
+              <p:cNvSpPr txBox="true">
+                <a:spLocks noRot="true" noChangeAspect="true" noMove="true" noResize="true" noEditPoints="true" noAdjustHandles="true" noChangeArrowheads="true" noChangeShapeType="true" noTextEdit="true"/>
               </p:cNvSpPr>
               <p:nvPr/>
             </p:nvSpPr>
@@ -14254,10 +13754,10 @@
               <a:prstGeom prst="rect">
                 <a:avLst/>
               </a:prstGeom>
-              <a:blipFill>
-                <a:blip r:embed="rId16"/>
+              <a:blipFill rotWithShape="true">
+                <a:blip r:embed="rId15"/>
                 <a:stretch>
-                  <a:fillRect b="-7843"/>
+                  <a:fillRect l="-113" t="-27" r="93" b="169"/>
                 </a:stretch>
               </a:blipFill>
             </p:spPr>
@@ -14266,7 +13766,7 @@
               <a:lstStyle/>
               <a:p>
                 <a:r>
-                  <a:rPr lang="it-IT">
+                  <a:rPr lang="en-US" altLang="en-US">
                     <a:noFill/>
                   </a:rPr>
                   <a:t> </a:t>
@@ -14276,18 +13776,12 @@
           </p:sp>
         </mc:Fallback>
       </mc:AlternateContent>
-      <mc:AlternateContent xmlns:mc="http://schemas.openxmlformats.org/markup-compatibility/2006" xmlns:a14="http://schemas.microsoft.com/office/drawing/2010/main">
-        <mc:Choice Requires="a14">
+      <mc:AlternateContent xmlns:mc="http://schemas.openxmlformats.org/markup-compatibility/2006">
+        <mc:Choice xmlns:a14="http://schemas.microsoft.com/office/drawing/2010/main" Requires="a14">
           <p:sp>
             <p:nvSpPr>
-              <p:cNvPr id="104" name="CasellaDiTesto 103">
-                <a:extLst>
-                  <a:ext uri="{FF2B5EF4-FFF2-40B4-BE49-F238E27FC236}">
-                    <a16:creationId xmlns:a16="http://schemas.microsoft.com/office/drawing/2014/main" id="{99E5FD53-C2EB-4368-BFDA-0FB8F7DCBF36}"/>
-                  </a:ext>
-                </a:extLst>
-              </p:cNvPr>
-              <p:cNvSpPr txBox="1"/>
+              <p:cNvPr id="104" name="CasellaDiTesto 103"/>
+              <p:cNvSpPr txBox="true"/>
               <p:nvPr/>
             </p:nvSpPr>
             <p:spPr>
@@ -14306,7 +13800,6 @@
               </a:bodyPr>
               <a:lstStyle/>
               <a:p>
-                <a:pPr/>
                 <a14:m>
                   <m:oMathPara xmlns:m="http://schemas.openxmlformats.org/officeDocument/2006/math">
                     <m:oMathParaPr>
@@ -14337,18 +13830,12 @@
             </p:txBody>
           </p:sp>
         </mc:Choice>
-        <mc:Fallback xmlns="">
+        <mc:Fallback>
           <p:sp>
             <p:nvSpPr>
-              <p:cNvPr id="104" name="CasellaDiTesto 103">
-                <a:extLst>
-                  <a:ext uri="{FF2B5EF4-FFF2-40B4-BE49-F238E27FC236}">
-                    <a16:creationId xmlns:a16="http://schemas.microsoft.com/office/drawing/2014/main" id="{99E5FD53-C2EB-4368-BFDA-0FB8F7DCBF36}"/>
-                  </a:ext>
-                </a:extLst>
-              </p:cNvPr>
-              <p:cNvSpPr txBox="1">
-                <a:spLocks noRot="1" noChangeAspect="1" noMove="1" noResize="1" noEditPoints="1" noAdjustHandles="1" noChangeArrowheads="1" noChangeShapeType="1" noTextEdit="1"/>
+              <p:cNvPr id="104" name="CasellaDiTesto 103"/>
+              <p:cNvSpPr txBox="true">
+                <a:spLocks noRot="true" noChangeAspect="true" noMove="true" noResize="true" noEditPoints="true" noAdjustHandles="true" noChangeArrowheads="true" noChangeShapeType="true" noTextEdit="true"/>
               </p:cNvSpPr>
               <p:nvPr/>
             </p:nvSpPr>
@@ -14360,10 +13847,10 @@
               <a:prstGeom prst="rect">
                 <a:avLst/>
               </a:prstGeom>
-              <a:blipFill>
-                <a:blip r:embed="rId17"/>
+              <a:blipFill rotWithShape="true">
+                <a:blip r:embed="rId16"/>
                 <a:stretch>
-                  <a:fillRect r="-7143"/>
+                  <a:fillRect l="-72" t="-96" r="165" b="31"/>
                 </a:stretch>
               </a:blipFill>
             </p:spPr>
@@ -14372,7 +13859,7 @@
               <a:lstStyle/>
               <a:p>
                 <a:r>
-                  <a:rPr lang="it-IT">
+                  <a:rPr lang="en-US" altLang="en-US">
                     <a:noFill/>
                   </a:rPr>
                   <a:t> </a:t>
@@ -14384,15 +13871,8 @@
       </mc:AlternateContent>
       <p:cxnSp>
         <p:nvCxnSpPr>
-          <p:cNvPr id="129" name="Connettore a gomito 128">
-            <a:extLst>
-              <a:ext uri="{FF2B5EF4-FFF2-40B4-BE49-F238E27FC236}">
-                <a16:creationId xmlns:a16="http://schemas.microsoft.com/office/drawing/2014/main" id="{26197C11-BBF6-408E-9FF9-D69B752C72FB}"/>
-              </a:ext>
-            </a:extLst>
-          </p:cNvPr>
+          <p:cNvPr id="129" name="Connettore a gomito 128"/>
           <p:cNvCxnSpPr>
-            <a:cxnSpLocks/>
             <a:stCxn id="6" idx="1"/>
             <a:endCxn id="48" idx="2"/>
           </p:cNvCxnSpPr>
@@ -14428,18 +13908,12 @@
           </a:fontRef>
         </p:style>
       </p:cxnSp>
-      <mc:AlternateContent xmlns:mc="http://schemas.openxmlformats.org/markup-compatibility/2006" xmlns:a14="http://schemas.microsoft.com/office/drawing/2010/main">
-        <mc:Choice Requires="a14">
+      <mc:AlternateContent xmlns:mc="http://schemas.openxmlformats.org/markup-compatibility/2006">
+        <mc:Choice xmlns:a14="http://schemas.microsoft.com/office/drawing/2010/main" Requires="a14">
           <p:sp>
             <p:nvSpPr>
-              <p:cNvPr id="134" name="CasellaDiTesto 133">
-                <a:extLst>
-                  <a:ext uri="{FF2B5EF4-FFF2-40B4-BE49-F238E27FC236}">
-                    <a16:creationId xmlns:a16="http://schemas.microsoft.com/office/drawing/2014/main" id="{39F90B78-D5B2-4807-8736-B1872EBD2162}"/>
-                  </a:ext>
-                </a:extLst>
-              </p:cNvPr>
-              <p:cNvSpPr txBox="1"/>
+              <p:cNvPr id="134" name="CasellaDiTesto 133"/>
+              <p:cNvSpPr txBox="true"/>
               <p:nvPr/>
             </p:nvSpPr>
             <p:spPr>
@@ -14458,7 +13932,6 @@
               </a:bodyPr>
               <a:lstStyle/>
               <a:p>
-                <a:pPr/>
                 <a14:m>
                   <m:oMathPara xmlns:m="http://schemas.openxmlformats.org/officeDocument/2006/math">
                     <m:oMathParaPr>
@@ -14490,18 +13963,12 @@
             </p:txBody>
           </p:sp>
         </mc:Choice>
-        <mc:Fallback xmlns="">
+        <mc:Fallback>
           <p:sp>
             <p:nvSpPr>
-              <p:cNvPr id="134" name="CasellaDiTesto 133">
-                <a:extLst>
-                  <a:ext uri="{FF2B5EF4-FFF2-40B4-BE49-F238E27FC236}">
-                    <a16:creationId xmlns:a16="http://schemas.microsoft.com/office/drawing/2014/main" id="{39F90B78-D5B2-4807-8736-B1872EBD2162}"/>
-                  </a:ext>
-                </a:extLst>
-              </p:cNvPr>
-              <p:cNvSpPr txBox="1">
-                <a:spLocks noRot="1" noChangeAspect="1" noMove="1" noResize="1" noEditPoints="1" noAdjustHandles="1" noChangeArrowheads="1" noChangeShapeType="1" noTextEdit="1"/>
+              <p:cNvPr id="134" name="CasellaDiTesto 133"/>
+              <p:cNvSpPr txBox="true">
+                <a:spLocks noRot="true" noChangeAspect="true" noMove="true" noResize="true" noEditPoints="true" noAdjustHandles="true" noChangeArrowheads="true" noChangeShapeType="true" noTextEdit="true"/>
               </p:cNvSpPr>
               <p:nvPr/>
             </p:nvSpPr>
@@ -14513,10 +13980,10 @@
               <a:prstGeom prst="rect">
                 <a:avLst/>
               </a:prstGeom>
-              <a:blipFill>
-                <a:blip r:embed="rId18"/>
+              <a:blipFill rotWithShape="true">
+                <a:blip r:embed="rId17"/>
                 <a:stretch>
-                  <a:fillRect b="-7843"/>
+                  <a:fillRect l="-136" t="-152" r="30" b="88"/>
                 </a:stretch>
               </a:blipFill>
             </p:spPr>
@@ -14525,7 +13992,7 @@
               <a:lstStyle/>
               <a:p>
                 <a:r>
-                  <a:rPr lang="it-IT">
+                  <a:rPr lang="en-US" altLang="en-US">
                     <a:noFill/>
                   </a:rPr>
                   <a:t> </a:t>
@@ -14537,15 +14004,8 @@
       </mc:AlternateContent>
       <p:cxnSp>
         <p:nvCxnSpPr>
-          <p:cNvPr id="153" name="Connettore 2 152">
-            <a:extLst>
-              <a:ext uri="{FF2B5EF4-FFF2-40B4-BE49-F238E27FC236}">
-                <a16:creationId xmlns:a16="http://schemas.microsoft.com/office/drawing/2014/main" id="{46ADC703-D813-4571-B19D-7ED909ACFF50}"/>
-              </a:ext>
-            </a:extLst>
-          </p:cNvPr>
+          <p:cNvPr id="153" name="Connettore 2 152"/>
           <p:cNvCxnSpPr>
-            <a:cxnSpLocks/>
             <a:stCxn id="29" idx="2"/>
             <a:endCxn id="6" idx="0"/>
           </p:cNvCxnSpPr>
@@ -14581,18 +14041,12 @@
           </a:fontRef>
         </p:style>
       </p:cxnSp>
-      <mc:AlternateContent xmlns:mc="http://schemas.openxmlformats.org/markup-compatibility/2006" xmlns:a14="http://schemas.microsoft.com/office/drawing/2010/main">
-        <mc:Choice Requires="a14">
+      <mc:AlternateContent xmlns:mc="http://schemas.openxmlformats.org/markup-compatibility/2006">
+        <mc:Choice xmlns:a14="http://schemas.microsoft.com/office/drawing/2010/main" Requires="a14">
           <p:sp>
             <p:nvSpPr>
-              <p:cNvPr id="136" name="CasellaDiTesto 135">
-                <a:extLst>
-                  <a:ext uri="{FF2B5EF4-FFF2-40B4-BE49-F238E27FC236}">
-                    <a16:creationId xmlns:a16="http://schemas.microsoft.com/office/drawing/2014/main" id="{BFFA9178-EC8B-4B5C-A242-4EE7C7874C7C}"/>
-                  </a:ext>
-                </a:extLst>
-              </p:cNvPr>
-              <p:cNvSpPr txBox="1"/>
+              <p:cNvPr id="136" name="CasellaDiTesto 135"/>
+              <p:cNvSpPr txBox="true"/>
               <p:nvPr/>
             </p:nvSpPr>
             <p:spPr>
@@ -14611,7 +14065,6 @@
               </a:bodyPr>
               <a:lstStyle/>
               <a:p>
-                <a:pPr/>
                 <a14:m>
                   <m:oMathPara xmlns:m="http://schemas.openxmlformats.org/officeDocument/2006/math">
                     <m:oMathParaPr>
@@ -14678,18 +14131,12 @@
             </p:txBody>
           </p:sp>
         </mc:Choice>
-        <mc:Fallback xmlns="">
+        <mc:Fallback>
           <p:sp>
             <p:nvSpPr>
-              <p:cNvPr id="136" name="CasellaDiTesto 135">
-                <a:extLst>
-                  <a:ext uri="{FF2B5EF4-FFF2-40B4-BE49-F238E27FC236}">
-                    <a16:creationId xmlns:a16="http://schemas.microsoft.com/office/drawing/2014/main" id="{BFFA9178-EC8B-4B5C-A242-4EE7C7874C7C}"/>
-                  </a:ext>
-                </a:extLst>
-              </p:cNvPr>
-              <p:cNvSpPr txBox="1">
-                <a:spLocks noRot="1" noChangeAspect="1" noMove="1" noResize="1" noEditPoints="1" noAdjustHandles="1" noChangeArrowheads="1" noChangeShapeType="1" noTextEdit="1"/>
+              <p:cNvPr id="136" name="CasellaDiTesto 135"/>
+              <p:cNvSpPr txBox="true">
+                <a:spLocks noRot="true" noChangeAspect="true" noMove="true" noResize="true" noEditPoints="true" noAdjustHandles="true" noChangeArrowheads="true" noChangeShapeType="true" noTextEdit="true"/>
               </p:cNvSpPr>
               <p:nvPr/>
             </p:nvSpPr>
@@ -14701,10 +14148,10 @@
               <a:prstGeom prst="rect">
                 <a:avLst/>
               </a:prstGeom>
-              <a:blipFill>
-                <a:blip r:embed="rId19"/>
+              <a:blipFill rotWithShape="true">
+                <a:blip r:embed="rId18"/>
                 <a:stretch>
-                  <a:fillRect b="-2000"/>
+                  <a:fillRect l="-114" t="-157" r="17" b="93"/>
                 </a:stretch>
               </a:blipFill>
             </p:spPr>
@@ -14713,7 +14160,7 @@
               <a:lstStyle/>
               <a:p>
                 <a:r>
-                  <a:rPr lang="it-IT">
+                  <a:rPr lang="en-US" altLang="en-US">
                     <a:noFill/>
                   </a:rPr>
                   <a:t> </a:t>
@@ -14723,18 +14170,12 @@
           </p:sp>
         </mc:Fallback>
       </mc:AlternateContent>
-      <mc:AlternateContent xmlns:mc="http://schemas.openxmlformats.org/markup-compatibility/2006" xmlns:a14="http://schemas.microsoft.com/office/drawing/2010/main">
-        <mc:Choice Requires="a14">
+      <mc:AlternateContent xmlns:mc="http://schemas.openxmlformats.org/markup-compatibility/2006">
+        <mc:Choice xmlns:a14="http://schemas.microsoft.com/office/drawing/2010/main" Requires="a14">
           <p:sp>
             <p:nvSpPr>
-              <p:cNvPr id="100" name="CasellaDiTesto 99">
-                <a:extLst>
-                  <a:ext uri="{FF2B5EF4-FFF2-40B4-BE49-F238E27FC236}">
-                    <a16:creationId xmlns:a16="http://schemas.microsoft.com/office/drawing/2014/main" id="{08B30F3C-DCF1-4C38-81F1-CC0D7270FDEE}"/>
-                  </a:ext>
-                </a:extLst>
-              </p:cNvPr>
-              <p:cNvSpPr txBox="1"/>
+              <p:cNvPr id="100" name="CasellaDiTesto 99"/>
+              <p:cNvSpPr txBox="true"/>
               <p:nvPr/>
             </p:nvSpPr>
             <p:spPr>
@@ -14756,7 +14197,6 @@
               </a:bodyPr>
               <a:lstStyle/>
               <a:p>
-                <a:pPr/>
                 <a14:m>
                   <m:oMathPara xmlns:m="http://schemas.openxmlformats.org/officeDocument/2006/math">
                     <m:oMathParaPr>
@@ -14774,7 +14214,33 @@
                           </a:effectLst>
                           <a:latin typeface="Cambria Math" panose="02040503050406030204" pitchFamily="18" charset="0"/>
                         </a:rPr>
-                        <m:t>(1−</m:t>
+                        <m:t>(</m:t>
+                      </m:r>
+                      <m:r>
+                        <a:rPr lang="it-IT" sz="1400" i="0" smtClean="0">
+                          <a:effectLst>
+                            <a:outerShdw blurRad="38100" dist="38100" dir="2700000" algn="tl">
+                              <a:srgbClr val="000000">
+                                <a:alpha val="43137"/>
+                              </a:srgbClr>
+                            </a:outerShdw>
+                          </a:effectLst>
+                          <a:latin typeface="Cambria Math" panose="02040503050406030204" pitchFamily="18" charset="0"/>
+                        </a:rPr>
+                        <m:t>1</m:t>
+                      </m:r>
+                      <m:r>
+                        <a:rPr lang="it-IT" sz="1400" i="0" smtClean="0">
+                          <a:effectLst>
+                            <a:outerShdw blurRad="38100" dist="38100" dir="2700000" algn="tl">
+                              <a:srgbClr val="000000">
+                                <a:alpha val="43137"/>
+                              </a:srgbClr>
+                            </a:outerShdw>
+                          </a:effectLst>
+                          <a:latin typeface="Cambria Math" panose="02040503050406030204" pitchFamily="18" charset="0"/>
+                        </a:rPr>
+                        <m:t>−</m:t>
                       </m:r>
                       <m:r>
                         <m:rPr>
@@ -14838,18 +14304,12 @@
             </p:txBody>
           </p:sp>
         </mc:Choice>
-        <mc:Fallback xmlns="">
+        <mc:Fallback>
           <p:sp>
             <p:nvSpPr>
-              <p:cNvPr id="100" name="CasellaDiTesto 99">
-                <a:extLst>
-                  <a:ext uri="{FF2B5EF4-FFF2-40B4-BE49-F238E27FC236}">
-                    <a16:creationId xmlns:a16="http://schemas.microsoft.com/office/drawing/2014/main" id="{08B30F3C-DCF1-4C38-81F1-CC0D7270FDEE}"/>
-                  </a:ext>
-                </a:extLst>
-              </p:cNvPr>
-              <p:cNvSpPr txBox="1">
-                <a:spLocks noRot="1" noChangeAspect="1" noMove="1" noResize="1" noEditPoints="1" noAdjustHandles="1" noChangeArrowheads="1" noChangeShapeType="1" noTextEdit="1"/>
+              <p:cNvPr id="100" name="CasellaDiTesto 99"/>
+              <p:cNvSpPr txBox="true">
+                <a:spLocks noRot="true" noChangeAspect="true" noMove="true" noResize="true" noEditPoints="true" noAdjustHandles="true" noChangeArrowheads="true" noChangeShapeType="true" noTextEdit="true"/>
               </p:cNvSpPr>
               <p:nvPr/>
             </p:nvSpPr>
@@ -14861,10 +14321,10 @@
               <a:prstGeom prst="rect">
                 <a:avLst/>
               </a:prstGeom>
-              <a:blipFill>
-                <a:blip r:embed="rId20"/>
+              <a:blipFill rotWithShape="true">
+                <a:blip r:embed="rId19"/>
                 <a:stretch>
-                  <a:fillRect/>
+                  <a:fillRect l="-489" t="-81068" r="-441" b="-80750"/>
                 </a:stretch>
               </a:blipFill>
               <a:ln>
@@ -14876,7 +14336,7 @@
               <a:lstStyle/>
               <a:p>
                 <a:r>
-                  <a:rPr lang="it-IT">
+                  <a:rPr lang="en-US" altLang="en-US">
                     <a:noFill/>
                   </a:rPr>
                   <a:t> </a:t>
@@ -14886,22 +14346,16 @@
           </p:sp>
         </mc:Fallback>
       </mc:AlternateContent>
-      <mc:AlternateContent xmlns:mc="http://schemas.openxmlformats.org/markup-compatibility/2006" xmlns:a14="http://schemas.microsoft.com/office/drawing/2010/main">
-        <mc:Choice Requires="a14">
+      <mc:AlternateContent xmlns:mc="http://schemas.openxmlformats.org/markup-compatibility/2006">
+        <mc:Choice xmlns:a14="http://schemas.microsoft.com/office/drawing/2010/main" Requires="a14">
           <p:sp>
             <p:nvSpPr>
-              <p:cNvPr id="156" name="CasellaDiTesto 155">
-                <a:extLst>
-                  <a:ext uri="{FF2B5EF4-FFF2-40B4-BE49-F238E27FC236}">
-                    <a16:creationId xmlns:a16="http://schemas.microsoft.com/office/drawing/2014/main" id="{B03120D5-F5D8-4A23-958C-42B231370535}"/>
-                  </a:ext>
-                </a:extLst>
-              </p:cNvPr>
-              <p:cNvSpPr txBox="1"/>
+              <p:cNvPr id="156" name="CasellaDiTesto 155"/>
+              <p:cNvSpPr txBox="true"/>
               <p:nvPr/>
             </p:nvSpPr>
             <p:spPr>
-              <a:xfrm rot="2070687" flipH="1">
+              <a:xfrm rot="2070687" flipH="true">
                 <a:off x="7354909" y="4317081"/>
                 <a:ext cx="359782" cy="307777"/>
               </a:xfrm>
@@ -14916,7 +14370,6 @@
               </a:bodyPr>
               <a:lstStyle/>
               <a:p>
-                <a:pPr/>
                 <a14:m>
                   <m:oMathPara xmlns:m="http://schemas.openxmlformats.org/officeDocument/2006/math">
                     <m:oMathParaPr>
@@ -14983,33 +14436,27 @@
             </p:txBody>
           </p:sp>
         </mc:Choice>
-        <mc:Fallback xmlns="">
+        <mc:Fallback>
           <p:sp>
             <p:nvSpPr>
-              <p:cNvPr id="156" name="CasellaDiTesto 155">
-                <a:extLst>
-                  <a:ext uri="{FF2B5EF4-FFF2-40B4-BE49-F238E27FC236}">
-                    <a16:creationId xmlns:a16="http://schemas.microsoft.com/office/drawing/2014/main" id="{B03120D5-F5D8-4A23-958C-42B231370535}"/>
-                  </a:ext>
-                </a:extLst>
-              </p:cNvPr>
-              <p:cNvSpPr txBox="1">
-                <a:spLocks noRot="1" noChangeAspect="1" noMove="1" noResize="1" noEditPoints="1" noAdjustHandles="1" noChangeArrowheads="1" noChangeShapeType="1" noTextEdit="1"/>
+              <p:cNvPr id="156" name="CasellaDiTesto 155"/>
+              <p:cNvSpPr txBox="true">
+                <a:spLocks noRot="true" noChangeAspect="true" noMove="true" noResize="true" noEditPoints="true" noAdjustHandles="true" noChangeArrowheads="true" noChangeShapeType="true" noTextEdit="true"/>
               </p:cNvSpPr>
               <p:nvPr/>
             </p:nvSpPr>
             <p:spPr>
-              <a:xfrm rot="2070687" flipH="1">
+              <a:xfrm rot="2070687" flipH="true">
                 <a:off x="7354909" y="4317081"/>
                 <a:ext cx="359782" cy="307777"/>
               </a:xfrm>
               <a:prstGeom prst="rect">
                 <a:avLst/>
               </a:prstGeom>
-              <a:blipFill>
-                <a:blip r:embed="rId21"/>
+              <a:blipFill rotWithShape="true">
+                <a:blip r:embed="rId20"/>
                 <a:stretch>
-                  <a:fillRect/>
+                  <a:fillRect l="-15449" t="-24460" r="-15334" b="-24296"/>
                 </a:stretch>
               </a:blipFill>
             </p:spPr>
@@ -15018,7 +14465,7 @@
               <a:lstStyle/>
               <a:p>
                 <a:r>
-                  <a:rPr lang="it-IT">
+                  <a:rPr lang="en-US" altLang="en-US">
                     <a:noFill/>
                   </a:rPr>
                   <a:t> </a:t>
@@ -15028,18 +14475,12 @@
           </p:sp>
         </mc:Fallback>
       </mc:AlternateContent>
-      <mc:AlternateContent xmlns:mc="http://schemas.openxmlformats.org/markup-compatibility/2006" xmlns:a14="http://schemas.microsoft.com/office/drawing/2010/main">
-        <mc:Choice Requires="a14">
+      <mc:AlternateContent xmlns:mc="http://schemas.openxmlformats.org/markup-compatibility/2006">
+        <mc:Choice xmlns:a14="http://schemas.microsoft.com/office/drawing/2010/main" Requires="a14">
           <p:sp>
             <p:nvSpPr>
-              <p:cNvPr id="158" name="CasellaDiTesto 157">
-                <a:extLst>
-                  <a:ext uri="{FF2B5EF4-FFF2-40B4-BE49-F238E27FC236}">
-                    <a16:creationId xmlns:a16="http://schemas.microsoft.com/office/drawing/2014/main" id="{E3EA8A06-7D91-4B04-9700-0912B2CB944A}"/>
-                  </a:ext>
-                </a:extLst>
-              </p:cNvPr>
-              <p:cNvSpPr txBox="1"/>
+              <p:cNvPr id="158" name="CasellaDiTesto 157"/>
+              <p:cNvSpPr txBox="true"/>
               <p:nvPr/>
             </p:nvSpPr>
             <p:spPr>
@@ -15058,7 +14499,6 @@
               </a:bodyPr>
               <a:lstStyle/>
               <a:p>
-                <a:pPr/>
                 <a14:m>
                   <m:oMathPara xmlns:m="http://schemas.openxmlformats.org/officeDocument/2006/math">
                     <m:oMathParaPr>
@@ -15089,18 +14529,12 @@
             </p:txBody>
           </p:sp>
         </mc:Choice>
-        <mc:Fallback xmlns="">
+        <mc:Fallback>
           <p:sp>
             <p:nvSpPr>
-              <p:cNvPr id="158" name="CasellaDiTesto 157">
-                <a:extLst>
-                  <a:ext uri="{FF2B5EF4-FFF2-40B4-BE49-F238E27FC236}">
-                    <a16:creationId xmlns:a16="http://schemas.microsoft.com/office/drawing/2014/main" id="{E3EA8A06-7D91-4B04-9700-0912B2CB944A}"/>
-                  </a:ext>
-                </a:extLst>
-              </p:cNvPr>
-              <p:cNvSpPr txBox="1">
-                <a:spLocks noRot="1" noChangeAspect="1" noMove="1" noResize="1" noEditPoints="1" noAdjustHandles="1" noChangeArrowheads="1" noChangeShapeType="1" noTextEdit="1"/>
+              <p:cNvPr id="158" name="CasellaDiTesto 157"/>
+              <p:cNvSpPr txBox="true">
+                <a:spLocks noRot="true" noChangeAspect="true" noMove="true" noResize="true" noEditPoints="true" noAdjustHandles="true" noChangeArrowheads="true" noChangeShapeType="true" noTextEdit="true"/>
               </p:cNvSpPr>
               <p:nvPr/>
             </p:nvSpPr>
@@ -15112,10 +14546,10 @@
               <a:prstGeom prst="rect">
                 <a:avLst/>
               </a:prstGeom>
-              <a:blipFill>
-                <a:blip r:embed="rId22"/>
+              <a:blipFill rotWithShape="true">
+                <a:blip r:embed="rId21"/>
                 <a:stretch>
-                  <a:fillRect r="-19048"/>
+                  <a:fillRect l="-239" t="-103" r="-5027" b="39"/>
                 </a:stretch>
               </a:blipFill>
             </p:spPr>
@@ -15124,7 +14558,7 @@
               <a:lstStyle/>
               <a:p>
                 <a:r>
-                  <a:rPr lang="it-IT">
+                  <a:rPr lang="en-US" altLang="en-US">
                     <a:noFill/>
                   </a:rPr>
                   <a:t> </a:t>
@@ -15134,18 +14568,12 @@
           </p:sp>
         </mc:Fallback>
       </mc:AlternateContent>
-      <mc:AlternateContent xmlns:mc="http://schemas.openxmlformats.org/markup-compatibility/2006" xmlns:a14="http://schemas.microsoft.com/office/drawing/2010/main">
-        <mc:Choice Requires="a14">
+      <mc:AlternateContent xmlns:mc="http://schemas.openxmlformats.org/markup-compatibility/2006">
+        <mc:Choice xmlns:a14="http://schemas.microsoft.com/office/drawing/2010/main" Requires="a14">
           <p:sp>
             <p:nvSpPr>
-              <p:cNvPr id="159" name="CasellaDiTesto 158">
-                <a:extLst>
-                  <a:ext uri="{FF2B5EF4-FFF2-40B4-BE49-F238E27FC236}">
-                    <a16:creationId xmlns:a16="http://schemas.microsoft.com/office/drawing/2014/main" id="{2AAD3C9D-DF5C-4502-8104-D41A3EE686EF}"/>
-                  </a:ext>
-                </a:extLst>
-              </p:cNvPr>
-              <p:cNvSpPr txBox="1"/>
+              <p:cNvPr id="159" name="CasellaDiTesto 158"/>
+              <p:cNvSpPr txBox="true"/>
               <p:nvPr/>
             </p:nvSpPr>
             <p:spPr>
@@ -15187,22 +14615,17 @@
                   <a:rPr lang="it-IT" dirty="0"/>
                   <a:t> non presente ai fini della rappresentazione </a:t>
                 </a:r>
+                <a:endParaRPr lang="it-IT" dirty="0"/>
               </a:p>
             </p:txBody>
           </p:sp>
         </mc:Choice>
-        <mc:Fallback xmlns="">
+        <mc:Fallback>
           <p:sp>
             <p:nvSpPr>
-              <p:cNvPr id="159" name="CasellaDiTesto 158">
-                <a:extLst>
-                  <a:ext uri="{FF2B5EF4-FFF2-40B4-BE49-F238E27FC236}">
-                    <a16:creationId xmlns:a16="http://schemas.microsoft.com/office/drawing/2014/main" id="{2AAD3C9D-DF5C-4502-8104-D41A3EE686EF}"/>
-                  </a:ext>
-                </a:extLst>
-              </p:cNvPr>
-              <p:cNvSpPr txBox="1">
-                <a:spLocks noRot="1" noChangeAspect="1" noMove="1" noResize="1" noEditPoints="1" noAdjustHandles="1" noChangeArrowheads="1" noChangeShapeType="1" noTextEdit="1"/>
+              <p:cNvPr id="159" name="CasellaDiTesto 158"/>
+              <p:cNvSpPr txBox="true">
+                <a:spLocks noRot="true" noChangeAspect="true" noMove="true" noResize="true" noEditPoints="true" noAdjustHandles="true" noChangeArrowheads="true" noChangeShapeType="true" noTextEdit="true"/>
               </p:cNvSpPr>
               <p:nvPr/>
             </p:nvSpPr>
@@ -15214,10 +14637,10 @@
               <a:prstGeom prst="rect">
                 <a:avLst/>
               </a:prstGeom>
-              <a:blipFill>
-                <a:blip r:embed="rId23"/>
+              <a:blipFill rotWithShape="true">
+                <a:blip r:embed="rId22"/>
                 <a:stretch>
-                  <a:fillRect l="-1698" t="-3268" b="-8497"/>
+                  <a:fillRect l="-160" t="-554" r="-138" b="-474"/>
                 </a:stretch>
               </a:blipFill>
               <a:ln w="6350">
@@ -15231,7 +14654,7 @@
               <a:lstStyle/>
               <a:p>
                 <a:r>
-                  <a:rPr lang="it-IT">
+                  <a:rPr lang="en-US" altLang="en-US">
                     <a:noFill/>
                   </a:rPr>
                   <a:t> </a:t>
@@ -15243,13 +14666,7 @@
       </mc:AlternateContent>
       <p:cxnSp>
         <p:nvCxnSpPr>
-          <p:cNvPr id="62" name="Connettore a gomito 61">
-            <a:extLst>
-              <a:ext uri="{FF2B5EF4-FFF2-40B4-BE49-F238E27FC236}">
-                <a16:creationId xmlns:a16="http://schemas.microsoft.com/office/drawing/2014/main" id="{B200AFD4-6906-4B94-9351-F25301C51A13}"/>
-              </a:ext>
-            </a:extLst>
-          </p:cNvPr>
+          <p:cNvPr id="62" name="Connettore a gomito 61"/>
           <p:cNvCxnSpPr>
             <a:stCxn id="8" idx="3"/>
             <a:endCxn id="6" idx="3"/>
@@ -15257,7 +14674,7 @@
           <p:nvPr/>
         </p:nvCxnSpPr>
         <p:spPr>
-          <a:xfrm flipH="1">
+          <a:xfrm flipH="true">
             <a:off x="8836255" y="1732432"/>
             <a:ext cx="2315012" cy="3360139"/>
           </a:xfrm>
@@ -15288,17 +14705,11 @@
           </a:fontRef>
         </p:style>
       </p:cxnSp>
-      <mc:AlternateContent xmlns:mc="http://schemas.openxmlformats.org/markup-compatibility/2006" xmlns:a14="http://schemas.microsoft.com/office/drawing/2010/main">
-        <mc:Choice Requires="a14">
+      <mc:AlternateContent xmlns:mc="http://schemas.openxmlformats.org/markup-compatibility/2006">
+        <mc:Choice xmlns:a14="http://schemas.microsoft.com/office/drawing/2010/main" Requires="a14">
           <p:sp>
             <p:nvSpPr>
-              <p:cNvPr id="53" name="Rettangolo 52">
-                <a:extLst>
-                  <a:ext uri="{FF2B5EF4-FFF2-40B4-BE49-F238E27FC236}">
-                    <a16:creationId xmlns:a16="http://schemas.microsoft.com/office/drawing/2014/main" id="{FBE0B308-A754-4782-B39A-52A54164CE33}"/>
-                  </a:ext>
-                </a:extLst>
-              </p:cNvPr>
+              <p:cNvPr id="53" name="Rettangolo 52"/>
               <p:cNvSpPr/>
               <p:nvPr/>
             </p:nvSpPr>
@@ -15371,18 +14782,12 @@
             </p:txBody>
           </p:sp>
         </mc:Choice>
-        <mc:Fallback xmlns="">
+        <mc:Fallback>
           <p:sp>
             <p:nvSpPr>
-              <p:cNvPr id="53" name="Rettangolo 52">
-                <a:extLst>
-                  <a:ext uri="{FF2B5EF4-FFF2-40B4-BE49-F238E27FC236}">
-                    <a16:creationId xmlns:a16="http://schemas.microsoft.com/office/drawing/2014/main" id="{FBE0B308-A754-4782-B39A-52A54164CE33}"/>
-                  </a:ext>
-                </a:extLst>
-              </p:cNvPr>
+              <p:cNvPr id="53" name="Rettangolo 52"/>
               <p:cNvSpPr>
-                <a:spLocks noRot="1" noChangeAspect="1" noMove="1" noResize="1" noEditPoints="1" noAdjustHandles="1" noChangeArrowheads="1" noChangeShapeType="1" noTextEdit="1"/>
+                <a:spLocks noRot="true" noChangeAspect="true" noMove="true" noResize="true" noEditPoints="true" noAdjustHandles="true" noChangeArrowheads="true" noChangeShapeType="true" noTextEdit="true"/>
               </p:cNvSpPr>
               <p:nvPr/>
             </p:nvSpPr>
@@ -15394,10 +14799,10 @@
               <a:prstGeom prst="rect">
                 <a:avLst/>
               </a:prstGeom>
-              <a:blipFill>
-                <a:blip r:embed="rId24"/>
+              <a:blipFill rotWithShape="true">
+                <a:blip r:embed="rId23"/>
                 <a:stretch>
-                  <a:fillRect/>
+                  <a:fillRect l="-1918" t="-3198" r="-1842" b="-3151"/>
                 </a:stretch>
               </a:blipFill>
               <a:ln w="38100">
@@ -15406,12 +14811,26 @@
                 </a:solidFill>
               </a:ln>
             </p:spPr>
+            <p:style>
+              <a:lnRef idx="2">
+                <a:schemeClr val="accent6"/>
+              </a:lnRef>
+              <a:fillRef idx="1">
+                <a:schemeClr val="lt1"/>
+              </a:fillRef>
+              <a:effectRef idx="0">
+                <a:schemeClr val="accent6"/>
+              </a:effectRef>
+              <a:fontRef idx="minor">
+                <a:schemeClr val="dk1"/>
+              </a:fontRef>
+            </p:style>
             <p:txBody>
               <a:bodyPr/>
               <a:lstStyle/>
               <a:p>
                 <a:r>
-                  <a:rPr lang="it-IT">
+                  <a:rPr lang="en-US" altLang="en-US">
                     <a:noFill/>
                   </a:rPr>
                   <a:t> </a:t>
@@ -15423,15 +14842,8 @@
       </mc:AlternateContent>
       <p:cxnSp>
         <p:nvCxnSpPr>
-          <p:cNvPr id="54" name="Connettore 2 53">
-            <a:extLst>
-              <a:ext uri="{FF2B5EF4-FFF2-40B4-BE49-F238E27FC236}">
-                <a16:creationId xmlns:a16="http://schemas.microsoft.com/office/drawing/2014/main" id="{198FCCC8-BDF7-421E-8E84-229F165B94A6}"/>
-              </a:ext>
-            </a:extLst>
-          </p:cNvPr>
+          <p:cNvPr id="54" name="Connettore 2 53"/>
           <p:cNvCxnSpPr>
-            <a:cxnSpLocks/>
             <a:endCxn id="53" idx="0"/>
           </p:cNvCxnSpPr>
           <p:nvPr/>
@@ -15463,18 +14875,12 @@
           </a:fontRef>
         </p:style>
       </p:cxnSp>
-      <mc:AlternateContent xmlns:mc="http://schemas.openxmlformats.org/markup-compatibility/2006" xmlns:a14="http://schemas.microsoft.com/office/drawing/2010/main">
-        <mc:Choice Requires="a14">
+      <mc:AlternateContent xmlns:mc="http://schemas.openxmlformats.org/markup-compatibility/2006">
+        <mc:Choice xmlns:a14="http://schemas.microsoft.com/office/drawing/2010/main" Requires="a14">
           <p:sp>
             <p:nvSpPr>
-              <p:cNvPr id="58" name="CasellaDiTesto 57">
-                <a:extLst>
-                  <a:ext uri="{FF2B5EF4-FFF2-40B4-BE49-F238E27FC236}">
-                    <a16:creationId xmlns:a16="http://schemas.microsoft.com/office/drawing/2014/main" id="{173CE108-72C2-427D-9265-3DD5CC3DAC72}"/>
-                  </a:ext>
-                </a:extLst>
-              </p:cNvPr>
-              <p:cNvSpPr txBox="1"/>
+              <p:cNvPr id="58" name="CasellaDiTesto 57"/>
+              <p:cNvSpPr txBox="true"/>
               <p:nvPr/>
             </p:nvSpPr>
             <p:spPr>
@@ -15493,7 +14899,6 @@
               </a:bodyPr>
               <a:lstStyle/>
               <a:p>
-                <a:pPr/>
                 <a14:m>
                   <m:oMathPara xmlns:m="http://schemas.openxmlformats.org/officeDocument/2006/math">
                     <m:oMathParaPr>
@@ -15545,18 +14950,12 @@
             </p:txBody>
           </p:sp>
         </mc:Choice>
-        <mc:Fallback xmlns="">
+        <mc:Fallback>
           <p:sp>
             <p:nvSpPr>
-              <p:cNvPr id="58" name="CasellaDiTesto 57">
-                <a:extLst>
-                  <a:ext uri="{FF2B5EF4-FFF2-40B4-BE49-F238E27FC236}">
-                    <a16:creationId xmlns:a16="http://schemas.microsoft.com/office/drawing/2014/main" id="{173CE108-72C2-427D-9265-3DD5CC3DAC72}"/>
-                  </a:ext>
-                </a:extLst>
-              </p:cNvPr>
-              <p:cNvSpPr txBox="1">
-                <a:spLocks noRot="1" noChangeAspect="1" noMove="1" noResize="1" noEditPoints="1" noAdjustHandles="1" noChangeArrowheads="1" noChangeShapeType="1" noTextEdit="1"/>
+              <p:cNvPr id="58" name="CasellaDiTesto 57"/>
+              <p:cNvSpPr txBox="true">
+                <a:spLocks noRot="true" noChangeAspect="true" noMove="true" noResize="true" noEditPoints="true" noAdjustHandles="true" noChangeArrowheads="true" noChangeShapeType="true" noTextEdit="true"/>
               </p:cNvSpPr>
               <p:nvPr/>
             </p:nvSpPr>
@@ -15568,10 +14967,10 @@
               <a:prstGeom prst="rect">
                 <a:avLst/>
               </a:prstGeom>
-              <a:blipFill>
-                <a:blip r:embed="rId25"/>
+              <a:blipFill rotWithShape="true">
+                <a:blip r:embed="rId24"/>
                 <a:stretch>
-                  <a:fillRect/>
+                  <a:fillRect l="-73" t="-160" r="53" b="1"/>
                 </a:stretch>
               </a:blipFill>
             </p:spPr>
@@ -15580,7 +14979,7 @@
               <a:lstStyle/>
               <a:p>
                 <a:r>
-                  <a:rPr lang="it-IT">
+                  <a:rPr lang="en-US" altLang="en-US">
                     <a:noFill/>
                   </a:rPr>
                   <a:t> </a:t>
@@ -15591,11 +14990,6 @@
         </mc:Fallback>
       </mc:AlternateContent>
     </p:spTree>
-    <p:extLst>
-      <p:ext uri="{BB962C8B-B14F-4D97-AF65-F5344CB8AC3E}">
-        <p14:creationId xmlns:p14="http://schemas.microsoft.com/office/powerpoint/2010/main" val="60981498"/>
-      </p:ext>
-    </p:extLst>
   </p:cSld>
   <p:clrMapOvr>
     <a:masterClrMapping/>
@@ -15622,15 +15016,9 @@
       </p:grpSpPr>
       <p:sp>
         <p:nvSpPr>
-          <p:cNvPr id="2" name="Titolo 1">
-            <a:extLst>
-              <a:ext uri="{FF2B5EF4-FFF2-40B4-BE49-F238E27FC236}">
-                <a16:creationId xmlns:a16="http://schemas.microsoft.com/office/drawing/2014/main" id="{06B4A779-BA1E-4F80-9AA4-8936511C0830}"/>
-              </a:ext>
-            </a:extLst>
-          </p:cNvPr>
+          <p:cNvPr id="2" name="Titolo 1"/>
           <p:cNvSpPr>
-            <a:spLocks noGrp="1"/>
+            <a:spLocks noGrp="true"/>
           </p:cNvSpPr>
           <p:nvPr>
             <p:ph type="title"/>
@@ -15645,20 +15033,15 @@
               <a:rPr lang="it-IT" dirty="0"/>
               <a:t>Modello: azioni di controllo</a:t>
             </a:r>
+            <a:endParaRPr lang="it-IT" dirty="0"/>
           </a:p>
         </p:txBody>
       </p:sp>
       <p:sp>
         <p:nvSpPr>
-          <p:cNvPr id="3" name="Segnaposto contenuto 2">
-            <a:extLst>
-              <a:ext uri="{FF2B5EF4-FFF2-40B4-BE49-F238E27FC236}">
-                <a16:creationId xmlns:a16="http://schemas.microsoft.com/office/drawing/2014/main" id="{86C80F9B-5168-4FD3-8158-5BAA1E6297CB}"/>
-              </a:ext>
-            </a:extLst>
-          </p:cNvPr>
+          <p:cNvPr id="3" name="Segnaposto contenuto 2"/>
           <p:cNvSpPr>
-            <a:spLocks noGrp="1"/>
+            <a:spLocks noGrp="true"/>
           </p:cNvSpPr>
           <p:nvPr>
             <p:ph idx="1"/>
@@ -15676,6 +15059,7 @@
               <a:rPr lang="it-IT" dirty="0"/>
               <a:t>Consideriamo quattro differenti modi per agire sul sistema:</a:t>
             </a:r>
+            <a:endParaRPr lang="it-IT" dirty="0"/>
           </a:p>
           <a:p>
             <a:pPr marL="0" indent="0">
@@ -15695,23 +15079,11 @@
         <mc:Choice Requires="a14">
           <p:graphicFrame>
             <p:nvGraphicFramePr>
-              <p:cNvPr id="5" name="Tabella 5">
-                <a:extLst>
-                  <a:ext uri="{FF2B5EF4-FFF2-40B4-BE49-F238E27FC236}">
-                    <a16:creationId xmlns:a16="http://schemas.microsoft.com/office/drawing/2014/main" id="{37D3F436-A012-492D-94CE-3D0DC247F361}"/>
-                  </a:ext>
-                </a:extLst>
-              </p:cNvPr>
+              <p:cNvPr id="5" name="Tabella 5"/>
               <p:cNvGraphicFramePr>
-                <a:graphicFrameLocks noGrp="1"/>
+                <a:graphicFrameLocks noGrp="true"/>
               </p:cNvGraphicFramePr>
-              <p:nvPr>
-                <p:extLst>
-                  <p:ext uri="{D42A27DB-BD31-4B8C-83A1-F6EECF244321}">
-                    <p14:modId xmlns:p14="http://schemas.microsoft.com/office/powerpoint/2010/main" val="264041674"/>
-                  </p:ext>
-                </p:extLst>
-              </p:nvPr>
+              <p:nvPr/>
             </p:nvGraphicFramePr>
             <p:xfrm>
               <a:off x="1224132" y="2464435"/>
@@ -15720,24 +15092,12 @@
             <a:graphic>
               <a:graphicData uri="http://schemas.openxmlformats.org/drawingml/2006/table">
                 <a:tbl>
-                  <a:tblPr firstRow="1" bandRow="1">
+                  <a:tblPr firstRow="true" bandRow="true">
                     <a:tableStyleId>{D7AC3CCA-C797-4891-BE02-D94E43425B78}</a:tableStyleId>
                   </a:tblPr>
                   <a:tblGrid>
-                    <a:gridCol w="4064000">
-                      <a:extLst>
-                        <a:ext uri="{9D8B030D-6E8A-4147-A177-3AD203B41FA5}">
-                          <a16:colId xmlns:a16="http://schemas.microsoft.com/office/drawing/2014/main" val="1005857778"/>
-                        </a:ext>
-                      </a:extLst>
-                    </a:gridCol>
-                    <a:gridCol w="4064000">
-                      <a:extLst>
-                        <a:ext uri="{9D8B030D-6E8A-4147-A177-3AD203B41FA5}">
-                          <a16:colId xmlns:a16="http://schemas.microsoft.com/office/drawing/2014/main" val="515276818"/>
-                        </a:ext>
-                      </a:extLst>
-                    </a:gridCol>
+                    <a:gridCol w="4064000"/>
+                    <a:gridCol w="4064000"/>
                   </a:tblGrid>
                   <a:tr h="370840">
                     <a:tc>
@@ -15749,6 +15109,7 @@
                             <a:rPr lang="it-IT" dirty="0"/>
                             <a:t>Variabili di controllo </a:t>
                           </a:r>
+                          <a:endParaRPr lang="it-IT" dirty="0"/>
                         </a:p>
                       </a:txBody>
                       <a:tcPr/>
@@ -15762,15 +15123,11 @@
                             <a:rPr lang="it-IT" dirty="0"/>
                             <a:t>Linea politica applicata</a:t>
                           </a:r>
+                          <a:endParaRPr lang="it-IT" dirty="0"/>
                         </a:p>
                       </a:txBody>
                       <a:tcPr/>
                     </a:tc>
-                    <a:extLst>
-                      <a:ext uri="{0D108BD9-81ED-4DB2-BD59-A6C34878D82A}">
-                        <a16:rowId xmlns:a16="http://schemas.microsoft.com/office/drawing/2014/main" val="70691835"/>
-                      </a:ext>
-                    </a:extLst>
                   </a:tr>
                   <a:tr h="370840">
                     <a:tc>
@@ -15778,7 +15135,6 @@
                         <a:bodyPr/>
                         <a:lstStyle/>
                         <a:p>
-                          <a:pPr/>
                           <a14:m>
                             <m:oMathPara xmlns:m="http://schemas.openxmlformats.org/officeDocument/2006/math">
                               <m:oMathParaPr>
@@ -15827,15 +15183,11 @@
                             <a:rPr lang="it-IT" dirty="0"/>
                             <a:t>Controllo preventivo in riferimento al distanziamento sociale, uso di mascherine, campagne informative preventive, restrizioni </a:t>
                           </a:r>
+                          <a:endParaRPr lang="it-IT" dirty="0"/>
                         </a:p>
                       </a:txBody>
                       <a:tcPr/>
                     </a:tc>
-                    <a:extLst>
-                      <a:ext uri="{0D108BD9-81ED-4DB2-BD59-A6C34878D82A}">
-                        <a16:rowId xmlns:a16="http://schemas.microsoft.com/office/drawing/2014/main" val="2072052118"/>
-                      </a:ext>
-                    </a:extLst>
                   </a:tr>
                   <a:tr h="370840">
                     <a:tc>
@@ -15843,7 +15195,6 @@
                         <a:bodyPr/>
                         <a:lstStyle/>
                         <a:p>
-                          <a:pPr/>
                           <a14:m>
                             <m:oMathPara xmlns:m="http://schemas.openxmlformats.org/officeDocument/2006/math">
                               <m:oMathParaPr>
@@ -15892,15 +15243,11 @@
                             <a:rPr lang="it-IT" dirty="0"/>
                             <a:t>Controllo sugli investimenti rispetto alla cura degli individui infetti ospedalizzati non in TI</a:t>
                           </a:r>
+                          <a:endParaRPr lang="it-IT" dirty="0"/>
                         </a:p>
                       </a:txBody>
                       <a:tcPr/>
                     </a:tc>
-                    <a:extLst>
-                      <a:ext uri="{0D108BD9-81ED-4DB2-BD59-A6C34878D82A}">
-                        <a16:rowId xmlns:a16="http://schemas.microsoft.com/office/drawing/2014/main" val="1130037923"/>
-                      </a:ext>
-                    </a:extLst>
                   </a:tr>
                   <a:tr h="370840">
                     <a:tc>
@@ -15908,7 +15255,6 @@
                         <a:bodyPr/>
                         <a:lstStyle/>
                         <a:p>
-                          <a:pPr/>
                           <a14:m>
                             <m:oMathPara xmlns:m="http://schemas.openxmlformats.org/officeDocument/2006/math">
                               <m:oMathParaPr>
@@ -15957,15 +15303,11 @@
                             <a:rPr lang="it-IT" dirty="0"/>
                             <a:t>Controllo sugli investimenti rispetto alla cura degli individui infetti ospedalizzati in TI</a:t>
                           </a:r>
+                          <a:endParaRPr lang="it-IT" dirty="0"/>
                         </a:p>
                       </a:txBody>
                       <a:tcPr/>
                     </a:tc>
-                    <a:extLst>
-                      <a:ext uri="{0D108BD9-81ED-4DB2-BD59-A6C34878D82A}">
-                        <a16:rowId xmlns:a16="http://schemas.microsoft.com/office/drawing/2014/main" val="3329125353"/>
-                      </a:ext>
-                    </a:extLst>
                   </a:tr>
                   <a:tr h="370840">
                     <a:tc>
@@ -15973,7 +15315,6 @@
                         <a:bodyPr/>
                         <a:lstStyle/>
                         <a:p>
-                          <a:pPr/>
                           <a14:m>
                             <m:oMathPara xmlns:m="http://schemas.openxmlformats.org/officeDocument/2006/math">
                               <m:oMathParaPr>
@@ -16022,15 +15363,11 @@
                             <a:rPr lang="it-IT" dirty="0"/>
                             <a:t>Controllo sugli investimenti rispetto al vaccino </a:t>
                           </a:r>
+                          <a:endParaRPr lang="it-IT" dirty="0"/>
                         </a:p>
                       </a:txBody>
                       <a:tcPr/>
                     </a:tc>
-                    <a:extLst>
-                      <a:ext uri="{0D108BD9-81ED-4DB2-BD59-A6C34878D82A}">
-                        <a16:rowId xmlns:a16="http://schemas.microsoft.com/office/drawing/2014/main" val="2619933187"/>
-                      </a:ext>
-                    </a:extLst>
                   </a:tr>
                 </a:tbl>
               </a:graphicData>
@@ -16040,23 +15377,11 @@
         <mc:Fallback xmlns="">
           <p:graphicFrame>
             <p:nvGraphicFramePr>
-              <p:cNvPr id="5" name="Tabella 5">
-                <a:extLst>
-                  <a:ext uri="{FF2B5EF4-FFF2-40B4-BE49-F238E27FC236}">
-                    <a16:creationId xmlns:a16="http://schemas.microsoft.com/office/drawing/2014/main" id="{37D3F436-A012-492D-94CE-3D0DC247F361}"/>
-                  </a:ext>
-                </a:extLst>
-              </p:cNvPr>
+              <p:cNvPr id="5" name="Tabella 5"/>
               <p:cNvGraphicFramePr>
-                <a:graphicFrameLocks noGrp="1"/>
+                <a:graphicFrameLocks noGrp="true"/>
               </p:cNvGraphicFramePr>
-              <p:nvPr>
-                <p:extLst>
-                  <p:ext uri="{D42A27DB-BD31-4B8C-83A1-F6EECF244321}">
-                    <p14:modId xmlns:p14="http://schemas.microsoft.com/office/powerpoint/2010/main" val="264041674"/>
-                  </p:ext>
-                </p:extLst>
-              </p:nvPr>
+              <p:nvPr/>
             </p:nvGraphicFramePr>
             <p:xfrm>
               <a:off x="1224132" y="2464435"/>
@@ -16065,24 +15390,12 @@
             <a:graphic>
               <a:graphicData uri="http://schemas.openxmlformats.org/drawingml/2006/table">
                 <a:tbl>
-                  <a:tblPr firstRow="1" bandRow="1">
+                  <a:tblPr firstRow="true" bandRow="true">
                     <a:tableStyleId>{D7AC3CCA-C797-4891-BE02-D94E43425B78}</a:tableStyleId>
                   </a:tblPr>
                   <a:tblGrid>
-                    <a:gridCol w="4064000">
-                      <a:extLst>
-                        <a:ext uri="{9D8B030D-6E8A-4147-A177-3AD203B41FA5}">
-                          <a16:colId xmlns:a16="http://schemas.microsoft.com/office/drawing/2014/main" val="1005857778"/>
-                        </a:ext>
-                      </a:extLst>
-                    </a:gridCol>
-                    <a:gridCol w="4064000">
-                      <a:extLst>
-                        <a:ext uri="{9D8B030D-6E8A-4147-A177-3AD203B41FA5}">
-                          <a16:colId xmlns:a16="http://schemas.microsoft.com/office/drawing/2014/main" val="515276818"/>
-                        </a:ext>
-                      </a:extLst>
-                    </a:gridCol>
+                    <a:gridCol w="4064000"/>
+                    <a:gridCol w="4064000"/>
                   </a:tblGrid>
                   <a:tr h="370840">
                     <a:tc>
@@ -16094,6 +15407,7 @@
                             <a:rPr lang="it-IT" dirty="0"/>
                             <a:t>Variabili di controllo </a:t>
                           </a:r>
+                          <a:endParaRPr lang="it-IT" dirty="0"/>
                         </a:p>
                       </a:txBody>
                       <a:tcPr/>
@@ -16107,15 +15421,11 @@
                             <a:rPr lang="it-IT" dirty="0"/>
                             <a:t>Linea politica applicata</a:t>
                           </a:r>
+                          <a:endParaRPr lang="it-IT" dirty="0"/>
                         </a:p>
                       </a:txBody>
                       <a:tcPr/>
                     </a:tc>
-                    <a:extLst>
-                      <a:ext uri="{0D108BD9-81ED-4DB2-BD59-A6C34878D82A}">
-                        <a16:rowId xmlns:a16="http://schemas.microsoft.com/office/drawing/2014/main" val="70691835"/>
-                      </a:ext>
-                    </a:extLst>
                   </a:tr>
                   <a:tr h="1188720">
                     <a:tc>
@@ -16123,15 +15433,12 @@
                         <a:bodyPr/>
                         <a:lstStyle/>
                         <a:p>
-                          <a:endParaRPr lang="it-IT"/>
+                          <a:endParaRPr lang="en-US"/>
                         </a:p>
                       </a:txBody>
                       <a:tcPr>
                         <a:blipFill>
-                          <a:blip r:embed="rId2"/>
-                          <a:stretch>
-                            <a:fillRect l="-150" t="-33846" r="-100150" b="-215897"/>
-                          </a:stretch>
+                          <a:blip r:embed="rId1"/>
                         </a:blipFill>
                       </a:tcPr>
                     </a:tc>
@@ -16144,15 +15451,11 @@
                             <a:rPr lang="it-IT" dirty="0"/>
                             <a:t>Controllo preventivo in riferimento al distanziamento sociale, uso di mascherine, campagne informative preventive, restrizioni </a:t>
                           </a:r>
+                          <a:endParaRPr lang="it-IT" dirty="0"/>
                         </a:p>
                       </a:txBody>
                       <a:tcPr/>
                     </a:tc>
-                    <a:extLst>
-                      <a:ext uri="{0D108BD9-81ED-4DB2-BD59-A6C34878D82A}">
-                        <a16:rowId xmlns:a16="http://schemas.microsoft.com/office/drawing/2014/main" val="2072052118"/>
-                      </a:ext>
-                    </a:extLst>
                   </a:tr>
                   <a:tr h="914400">
                     <a:tc>
@@ -16160,15 +15463,12 @@
                         <a:bodyPr/>
                         <a:lstStyle/>
                         <a:p>
-                          <a:endParaRPr lang="it-IT"/>
+                          <a:endParaRPr lang="en-US"/>
                         </a:p>
                       </a:txBody>
                       <a:tcPr>
                         <a:blipFill>
-                          <a:blip r:embed="rId2"/>
-                          <a:stretch>
-                            <a:fillRect l="-150" t="-172848" r="-100150" b="-178808"/>
-                          </a:stretch>
+                          <a:blip r:embed="rId1"/>
                         </a:blipFill>
                       </a:tcPr>
                     </a:tc>
@@ -16181,15 +15481,11 @@
                             <a:rPr lang="it-IT" dirty="0"/>
                             <a:t>Controllo sugli investimenti rispetto alla cura degli individui infetti ospedalizzati non in TI</a:t>
                           </a:r>
+                          <a:endParaRPr lang="it-IT" dirty="0"/>
                         </a:p>
                       </a:txBody>
                       <a:tcPr/>
                     </a:tc>
-                    <a:extLst>
-                      <a:ext uri="{0D108BD9-81ED-4DB2-BD59-A6C34878D82A}">
-                        <a16:rowId xmlns:a16="http://schemas.microsoft.com/office/drawing/2014/main" val="1130037923"/>
-                      </a:ext>
-                    </a:extLst>
                   </a:tr>
                   <a:tr h="914400">
                     <a:tc>
@@ -16197,15 +15493,12 @@
                         <a:bodyPr/>
                         <a:lstStyle/>
                         <a:p>
-                          <a:endParaRPr lang="it-IT"/>
+                          <a:endParaRPr lang="en-US"/>
                         </a:p>
                       </a:txBody>
                       <a:tcPr>
                         <a:blipFill>
-                          <a:blip r:embed="rId2"/>
-                          <a:stretch>
-                            <a:fillRect l="-150" t="-274667" r="-100150" b="-80000"/>
-                          </a:stretch>
+                          <a:blip r:embed="rId1"/>
                         </a:blipFill>
                       </a:tcPr>
                     </a:tc>
@@ -16218,15 +15511,11 @@
                             <a:rPr lang="it-IT" dirty="0"/>
                             <a:t>Controllo sugli investimenti rispetto alla cura degli individui infetti ospedalizzati in TI</a:t>
                           </a:r>
+                          <a:endParaRPr lang="it-IT" dirty="0"/>
                         </a:p>
                       </a:txBody>
                       <a:tcPr/>
                     </a:tc>
-                    <a:extLst>
-                      <a:ext uri="{0D108BD9-81ED-4DB2-BD59-A6C34878D82A}">
-                        <a16:rowId xmlns:a16="http://schemas.microsoft.com/office/drawing/2014/main" val="3329125353"/>
-                      </a:ext>
-                    </a:extLst>
                   </a:tr>
                   <a:tr h="640080">
                     <a:tc>
@@ -16234,15 +15523,12 @@
                         <a:bodyPr/>
                         <a:lstStyle/>
                         <a:p>
-                          <a:endParaRPr lang="it-IT"/>
+                          <a:endParaRPr lang="en-US"/>
                         </a:p>
                       </a:txBody>
                       <a:tcPr>
                         <a:blipFill>
-                          <a:blip r:embed="rId2"/>
-                          <a:stretch>
-                            <a:fillRect l="-150" t="-535238" r="-100150" b="-14286"/>
-                          </a:stretch>
+                          <a:blip r:embed="rId1"/>
                         </a:blipFill>
                       </a:tcPr>
                     </a:tc>
@@ -16255,15 +15541,11 @@
                             <a:rPr lang="it-IT" dirty="0"/>
                             <a:t>Controllo sugli investimenti rispetto al vaccino </a:t>
                           </a:r>
+                          <a:endParaRPr lang="it-IT" dirty="0"/>
                         </a:p>
                       </a:txBody>
                       <a:tcPr/>
                     </a:tc>
-                    <a:extLst>
-                      <a:ext uri="{0D108BD9-81ED-4DB2-BD59-A6C34878D82A}">
-                        <a16:rowId xmlns:a16="http://schemas.microsoft.com/office/drawing/2014/main" val="2619933187"/>
-                      </a:ext>
-                    </a:extLst>
                   </a:tr>
                 </a:tbl>
               </a:graphicData>
@@ -16272,11 +15554,6 @@
         </mc:Fallback>
       </mc:AlternateContent>
     </p:spTree>
-    <p:extLst>
-      <p:ext uri="{BB962C8B-B14F-4D97-AF65-F5344CB8AC3E}">
-        <p14:creationId xmlns:p14="http://schemas.microsoft.com/office/powerpoint/2010/main" val="423696946"/>
-      </p:ext>
-    </p:extLst>
   </p:cSld>
   <p:clrMapOvr>
     <a:masterClrMapping/>
@@ -16303,15 +15580,9 @@
       </p:grpSpPr>
       <p:sp>
         <p:nvSpPr>
-          <p:cNvPr id="2" name="Titolo 1">
-            <a:extLst>
-              <a:ext uri="{FF2B5EF4-FFF2-40B4-BE49-F238E27FC236}">
-                <a16:creationId xmlns:a16="http://schemas.microsoft.com/office/drawing/2014/main" id="{55497498-B63C-432E-9050-008C318532D0}"/>
-              </a:ext>
-            </a:extLst>
-          </p:cNvPr>
+          <p:cNvPr id="2" name="Titolo 1"/>
           <p:cNvSpPr>
-            <a:spLocks noGrp="1"/>
+            <a:spLocks noGrp="true"/>
           </p:cNvSpPr>
           <p:nvPr>
             <p:ph type="title"/>
@@ -16340,15 +15611,9 @@
       </p:sp>
       <p:sp>
         <p:nvSpPr>
-          <p:cNvPr id="3" name="Segnaposto contenuto 2">
-            <a:extLst>
-              <a:ext uri="{FF2B5EF4-FFF2-40B4-BE49-F238E27FC236}">
-                <a16:creationId xmlns:a16="http://schemas.microsoft.com/office/drawing/2014/main" id="{8DC1A9F5-2273-473D-A2AE-F0D9977C282D}"/>
-              </a:ext>
-            </a:extLst>
-          </p:cNvPr>
+          <p:cNvPr id="3" name="Segnaposto contenuto 2"/>
           <p:cNvSpPr>
-            <a:spLocks noGrp="1"/>
+            <a:spLocks noGrp="true"/>
           </p:cNvSpPr>
           <p:nvPr>
             <p:ph idx="1"/>
@@ -16364,11 +15629,6 @@
         </p:txBody>
       </p:sp>
     </p:spTree>
-    <p:extLst>
-      <p:ext uri="{BB962C8B-B14F-4D97-AF65-F5344CB8AC3E}">
-        <p14:creationId xmlns:p14="http://schemas.microsoft.com/office/powerpoint/2010/main" val="1684749617"/>
-      </p:ext>
-    </p:extLst>
   </p:cSld>
   <p:clrMapOvr>
     <a:masterClrMapping/>
@@ -16395,15 +15655,9 @@
       </p:grpSpPr>
       <p:sp>
         <p:nvSpPr>
-          <p:cNvPr id="2" name="Titolo 1">
-            <a:extLst>
-              <a:ext uri="{FF2B5EF4-FFF2-40B4-BE49-F238E27FC236}">
-                <a16:creationId xmlns:a16="http://schemas.microsoft.com/office/drawing/2014/main" id="{0F29002A-F877-4B36-AC68-27CEBCF52786}"/>
-              </a:ext>
-            </a:extLst>
-          </p:cNvPr>
+          <p:cNvPr id="2" name="Titolo 1"/>
           <p:cNvSpPr>
-            <a:spLocks noGrp="1"/>
+            <a:spLocks noGrp="true"/>
           </p:cNvSpPr>
           <p:nvPr>
             <p:ph type="title"/>
@@ -16418,20 +15672,15 @@
               <a:rPr lang="it-IT" dirty="0"/>
               <a:t>Obiettivi ottimizzazione</a:t>
             </a:r>
+            <a:endParaRPr lang="it-IT" dirty="0"/>
           </a:p>
         </p:txBody>
       </p:sp>
       <p:sp>
         <p:nvSpPr>
-          <p:cNvPr id="3" name="Segnaposto contenuto 2">
-            <a:extLst>
-              <a:ext uri="{FF2B5EF4-FFF2-40B4-BE49-F238E27FC236}">
-                <a16:creationId xmlns:a16="http://schemas.microsoft.com/office/drawing/2014/main" id="{855B5269-BAE2-4C2F-8F2C-35207ABBCC84}"/>
-              </a:ext>
-            </a:extLst>
-          </p:cNvPr>
+          <p:cNvPr id="3" name="Segnaposto contenuto 2"/>
           <p:cNvSpPr>
-            <a:spLocks noGrp="1"/>
+            <a:spLocks noGrp="true"/>
           </p:cNvSpPr>
           <p:nvPr>
             <p:ph idx="1"/>
@@ -16450,6 +15699,7 @@
               <a:rPr lang="it-IT" dirty="0"/>
               <a:t>Minimizzare il numero di persone ospedalizzate con sintomi (non in terapia intensiva) </a:t>
             </a:r>
+            <a:endParaRPr lang="it-IT" dirty="0"/>
           </a:p>
           <a:p>
             <a:pPr marL="514350" indent="-514350">
@@ -16460,6 +15710,7 @@
               <a:rPr lang="it-IT" dirty="0"/>
               <a:t>Minimizzare il numero di persone ospedalizzate in TI</a:t>
             </a:r>
+            <a:endParaRPr lang="it-IT" dirty="0"/>
           </a:p>
           <a:p>
             <a:pPr marL="514350" indent="-514350">
@@ -16470,6 +15721,7 @@
               <a:rPr lang="it-IT" dirty="0"/>
               <a:t>Minimizzare lo sforzo dei controlli applicati </a:t>
             </a:r>
+            <a:endParaRPr lang="it-IT" dirty="0"/>
           </a:p>
           <a:p>
             <a:pPr marL="0" indent="0">
@@ -16483,11 +15735,6 @@
         </p:txBody>
       </p:sp>
     </p:spTree>
-    <p:extLst>
-      <p:ext uri="{BB962C8B-B14F-4D97-AF65-F5344CB8AC3E}">
-        <p14:creationId xmlns:p14="http://schemas.microsoft.com/office/powerpoint/2010/main" val="992227551"/>
-      </p:ext>
-    </p:extLst>
   </p:cSld>
   <p:clrMapOvr>
     <a:masterClrMapping/>
@@ -16514,15 +15761,9 @@
       </p:grpSpPr>
       <p:sp>
         <p:nvSpPr>
-          <p:cNvPr id="2" name="Titolo 1">
-            <a:extLst>
-              <a:ext uri="{FF2B5EF4-FFF2-40B4-BE49-F238E27FC236}">
-                <a16:creationId xmlns:a16="http://schemas.microsoft.com/office/drawing/2014/main" id="{84775597-26D2-4ECD-93FA-A5A5E53A5570}"/>
-              </a:ext>
-            </a:extLst>
-          </p:cNvPr>
+          <p:cNvPr id="2" name="Titolo 1"/>
           <p:cNvSpPr>
-            <a:spLocks noGrp="1"/>
+            <a:spLocks noGrp="true"/>
           </p:cNvSpPr>
           <p:nvPr>
             <p:ph type="title"/>
@@ -16537,20 +15778,15 @@
               <a:rPr lang="it-IT" dirty="0"/>
               <a:t>Strategie </a:t>
             </a:r>
+            <a:endParaRPr lang="it-IT" dirty="0"/>
           </a:p>
         </p:txBody>
       </p:sp>
       <p:sp>
         <p:nvSpPr>
-          <p:cNvPr id="3" name="Segnaposto contenuto 2">
-            <a:extLst>
-              <a:ext uri="{FF2B5EF4-FFF2-40B4-BE49-F238E27FC236}">
-                <a16:creationId xmlns:a16="http://schemas.microsoft.com/office/drawing/2014/main" id="{109C8E36-6978-48AE-ABD3-A315FC834A2A}"/>
-              </a:ext>
-            </a:extLst>
-          </p:cNvPr>
+          <p:cNvPr id="3" name="Segnaposto contenuto 2"/>
           <p:cNvSpPr>
-            <a:spLocks noGrp="1"/>
+            <a:spLocks noGrp="true"/>
           </p:cNvSpPr>
           <p:nvPr>
             <p:ph idx="1"/>
@@ -16565,33 +15801,32 @@
               <a:rPr lang="it-IT" dirty="0"/>
               <a:t>Prima strategia: massimizzare i suscettibili</a:t>
             </a:r>
+            <a:endParaRPr lang="it-IT" dirty="0"/>
           </a:p>
           <a:p>
             <a:r>
               <a:rPr lang="it-IT" dirty="0"/>
               <a:t>Seconda strategia: minimizzare direttamente gli ospedalizzati e la terapia intensiva</a:t>
             </a:r>
+            <a:endParaRPr lang="it-IT" dirty="0"/>
           </a:p>
           <a:p>
             <a:r>
               <a:rPr lang="it-IT" dirty="0"/>
               <a:t>Terza strategia: massimizzare i suscettibili e minimizzare gli ospedalizzati e in TI </a:t>
             </a:r>
+            <a:endParaRPr lang="it-IT" dirty="0"/>
           </a:p>
           <a:p>
             <a:r>
               <a:rPr lang="it-IT" dirty="0"/>
               <a:t>Quarta strategia: massimizzare il numero di vaccinati </a:t>
             </a:r>
+            <a:endParaRPr lang="it-IT" dirty="0"/>
           </a:p>
         </p:txBody>
       </p:sp>
     </p:spTree>
-    <p:extLst>
-      <p:ext uri="{BB962C8B-B14F-4D97-AF65-F5344CB8AC3E}">
-        <p14:creationId xmlns:p14="http://schemas.microsoft.com/office/powerpoint/2010/main" val="410424525"/>
-      </p:ext>
-    </p:extLst>
   </p:cSld>
   <p:clrMapOvr>
     <a:masterClrMapping/>
@@ -16642,7 +15877,7 @@
     </a:clrScheme>
     <a:fontScheme name="Office">
       <a:majorFont>
-        <a:latin typeface="Calibri Light" panose="020F0302020204030204"/>
+        <a:latin typeface="Calibri Light"/>
         <a:ea typeface=""/>
         <a:cs typeface=""/>
         <a:font script="Jpan" typeface="游ゴシック Light"/>
@@ -16675,26 +15910,9 @@
         <a:font script="Viet" typeface="Times New Roman"/>
         <a:font script="Uigh" typeface="Microsoft Uighur"/>
         <a:font script="Geor" typeface="Sylfaen"/>
-        <a:font script="Armn" typeface="Arial"/>
-        <a:font script="Bugi" typeface="Leelawadee UI"/>
-        <a:font script="Bopo" typeface="Microsoft JhengHei"/>
-        <a:font script="Java" typeface="Javanese Text"/>
-        <a:font script="Lisu" typeface="Segoe UI"/>
-        <a:font script="Mymr" typeface="Myanmar Text"/>
-        <a:font script="Nkoo" typeface="Ebrima"/>
-        <a:font script="Olck" typeface="Nirmala UI"/>
-        <a:font script="Osma" typeface="Ebrima"/>
-        <a:font script="Phag" typeface="Phagspa"/>
-        <a:font script="Syrn" typeface="Estrangelo Edessa"/>
-        <a:font script="Syrj" typeface="Estrangelo Edessa"/>
-        <a:font script="Syre" typeface="Estrangelo Edessa"/>
-        <a:font script="Sora" typeface="Nirmala UI"/>
-        <a:font script="Tale" typeface="Microsoft Tai Le"/>
-        <a:font script="Talu" typeface="Microsoft New Tai Lue"/>
-        <a:font script="Tfng" typeface="Ebrima"/>
       </a:majorFont>
       <a:minorFont>
-        <a:latin typeface="Calibri" panose="020F0502020204030204"/>
+        <a:latin typeface="Calibri"/>
         <a:ea typeface=""/>
         <a:cs typeface=""/>
         <a:font script="Jpan" typeface="游ゴシック"/>
@@ -16727,23 +15945,6 @@
         <a:font script="Viet" typeface="Arial"/>
         <a:font script="Uigh" typeface="Microsoft Uighur"/>
         <a:font script="Geor" typeface="Sylfaen"/>
-        <a:font script="Armn" typeface="Arial"/>
-        <a:font script="Bugi" typeface="Leelawadee UI"/>
-        <a:font script="Bopo" typeface="Microsoft JhengHei"/>
-        <a:font script="Java" typeface="Javanese Text"/>
-        <a:font script="Lisu" typeface="Segoe UI"/>
-        <a:font script="Mymr" typeface="Myanmar Text"/>
-        <a:font script="Nkoo" typeface="Ebrima"/>
-        <a:font script="Olck" typeface="Nirmala UI"/>
-        <a:font script="Osma" typeface="Ebrima"/>
-        <a:font script="Phag" typeface="Phagspa"/>
-        <a:font script="Syrn" typeface="Estrangelo Edessa"/>
-        <a:font script="Syrj" typeface="Estrangelo Edessa"/>
-        <a:font script="Syre" typeface="Estrangelo Edessa"/>
-        <a:font script="Sora" typeface="Nirmala UI"/>
-        <a:font script="Tale" typeface="Microsoft Tai Le"/>
-        <a:font script="Talu" typeface="Microsoft New Tai Lue"/>
-        <a:font script="Tfng" typeface="Ebrima"/>
       </a:minorFont>
     </a:fontScheme>
     <a:fmtScheme name="Office">
@@ -16751,7 +15952,7 @@
         <a:solidFill>
           <a:schemeClr val="phClr"/>
         </a:solidFill>
-        <a:gradFill rotWithShape="1">
+        <a:gradFill rotWithShape="true">
           <a:gsLst>
             <a:gs pos="0">
               <a:schemeClr val="phClr">
@@ -16775,9 +15976,9 @@
               </a:schemeClr>
             </a:gs>
           </a:gsLst>
-          <a:lin ang="5400000" scaled="0"/>
+          <a:lin ang="5400000" scaled="false"/>
         </a:gradFill>
-        <a:gradFill rotWithShape="1">
+        <a:gradFill rotWithShape="true">
           <a:gsLst>
             <a:gs pos="0">
               <a:schemeClr val="phClr">
@@ -16801,7 +16002,7 @@
               </a:schemeClr>
             </a:gs>
           </a:gsLst>
-          <a:lin ang="5400000" scaled="0"/>
+          <a:lin ang="5400000" scaled="false"/>
         </a:gradFill>
       </a:fillStyleLst>
       <a:lnStyleLst>
@@ -16854,7 +16055,7 @@
             <a:satMod val="170000"/>
           </a:schemeClr>
         </a:solidFill>
-        <a:gradFill rotWithShape="1">
+        <a:gradFill rotWithShape="true">
           <a:gsLst>
             <a:gs pos="0">
               <a:schemeClr val="phClr">
@@ -16879,13 +16080,11 @@
               </a:schemeClr>
             </a:gs>
           </a:gsLst>
-          <a:lin ang="5400000" scaled="0"/>
+          <a:lin ang="5400000" scaled="false"/>
         </a:gradFill>
       </a:bgFillStyleLst>
     </a:fmtScheme>
   </a:themeElements>
-  <a:objectDefaults/>
-  <a:extraClrSchemeLst/>
   <a:extLst>
     <a:ext uri="{05A4C25C-085E-4340-85A3-A5531E510DB2}">
       <thm15:themeFamily xmlns:thm15="http://schemas.microsoft.com/office/thememl/2012/main" name="Office Theme" id="{62F939B6-93AF-4DB8-9C6B-D6C7DFDC589F}" vid="{4A3C46E8-61CC-4603-A589-7422A47A8E4A}"/>
